--- a/Lectures/Lecture_1.pptx
+++ b/Lectures/Lecture_1.pptx
@@ -13,7 +13,14 @@
     <p:sldId id="261" r:id="rId7"/>
     <p:sldId id="262" r:id="rId8"/>
     <p:sldId id="263" r:id="rId9"/>
-    <p:sldId id="264" r:id="rId10"/>
+    <p:sldId id="268" r:id="rId10"/>
+    <p:sldId id="264" r:id="rId11"/>
+    <p:sldId id="265" r:id="rId12"/>
+    <p:sldId id="266" r:id="rId13"/>
+    <p:sldId id="267" r:id="rId14"/>
+    <p:sldId id="269" r:id="rId15"/>
+    <p:sldId id="270" r:id="rId16"/>
+    <p:sldId id="271" r:id="rId17"/>
   </p:sldIdLst>
   <p:sldSz cx="9144000" cy="6858000" type="screen4x3"/>
   <p:notesSz cx="6858000" cy="9144000"/>
@@ -3202,6 +3209,2327 @@
 </p:sld>
 </file>
 
+<file path=ppt/slides/slide10.xml><?xml version="1.0" encoding="utf-8"?>
+<p:sld xmlns:a="http://schemas.openxmlformats.org/drawingml/2006/main" xmlns:r="http://schemas.openxmlformats.org/officeDocument/2006/relationships" xmlns:p="http://schemas.openxmlformats.org/presentationml/2006/main">
+  <p:cSld>
+    <p:spTree>
+      <p:nvGrpSpPr>
+        <p:cNvPr id="1" name=""/>
+        <p:cNvGrpSpPr/>
+        <p:nvPr/>
+      </p:nvGrpSpPr>
+      <p:grpSpPr>
+        <a:xfrm>
+          <a:off x="0" y="0"/>
+          <a:ext cx="0" cy="0"/>
+          <a:chOff x="0" y="0"/>
+          <a:chExt cx="0" cy="0"/>
+        </a:xfrm>
+      </p:grpSpPr>
+      <p:sp>
+        <p:nvSpPr>
+          <p:cNvPr id="2" name="Title 1"/>
+          <p:cNvSpPr>
+            <a:spLocks noGrp="1"/>
+          </p:cNvSpPr>
+          <p:nvPr>
+            <p:ph type="title"/>
+          </p:nvPr>
+        </p:nvSpPr>
+        <p:spPr/>
+        <p:txBody>
+          <a:bodyPr/>
+          <a:lstStyle/>
+          <a:p>
+            <a:r>
+              <a:rPr lang="en-US" dirty="0" smtClean="0"/>
+              <a:t>Time</a:t>
+            </a:r>
+            <a:endParaRPr lang="en-US" dirty="0"/>
+          </a:p>
+        </p:txBody>
+      </p:sp>
+      <p:sp>
+        <p:nvSpPr>
+          <p:cNvPr id="3" name="Content Placeholder 2"/>
+          <p:cNvSpPr>
+            <a:spLocks noGrp="1"/>
+          </p:cNvSpPr>
+          <p:nvPr>
+            <p:ph idx="1"/>
+          </p:nvPr>
+        </p:nvSpPr>
+        <p:spPr/>
+        <p:txBody>
+          <a:bodyPr/>
+          <a:lstStyle/>
+          <a:p>
+            <a:r>
+              <a:rPr lang="en-US" dirty="0" smtClean="0"/>
+              <a:t>CDF epoch </a:t>
+            </a:r>
+            <a:r>
+              <a:rPr lang="en-US" dirty="0" smtClean="0"/>
+              <a:t>– </a:t>
+            </a:r>
+            <a:r>
+              <a:rPr lang="en-US" dirty="0" smtClean="0">
+                <a:solidFill>
+                  <a:srgbClr val="FF0000"/>
+                </a:solidFill>
+              </a:rPr>
+              <a:t>very limited precision</a:t>
+            </a:r>
+          </a:p>
+          <a:p>
+            <a:endParaRPr lang="en-US" dirty="0" smtClean="0"/>
+          </a:p>
+          <a:p>
+            <a:r>
+              <a:rPr lang="en-US" dirty="0" smtClean="0"/>
+              <a:t>CDF epoch16</a:t>
+            </a:r>
+          </a:p>
+          <a:p>
+            <a:r>
+              <a:rPr lang="en-US" dirty="0" smtClean="0"/>
+              <a:t>Unix epoch</a:t>
+            </a:r>
+          </a:p>
+          <a:p>
+            <a:r>
+              <a:rPr lang="en-US" dirty="0" smtClean="0"/>
+              <a:t>CDF epochTT2000</a:t>
+            </a:r>
+          </a:p>
+          <a:p>
+            <a:pPr marL="0" indent="0">
+              <a:buNone/>
+            </a:pPr>
+            <a:endParaRPr lang="en-US" dirty="0"/>
+          </a:p>
+        </p:txBody>
+      </p:sp>
+    </p:spTree>
+    <p:extLst>
+      <p:ext uri="{BB962C8B-B14F-4D97-AF65-F5344CB8AC3E}">
+        <p14:creationId xmlns:p14="http://schemas.microsoft.com/office/powerpoint/2010/main" val="2071276764"/>
+      </p:ext>
+    </p:extLst>
+  </p:cSld>
+  <p:clrMapOvr>
+    <a:masterClrMapping/>
+  </p:clrMapOvr>
+  <p:timing>
+    <p:tnLst>
+      <p:par>
+        <p:cTn xmlns:p14="http://schemas.microsoft.com/office/powerpoint/2010/main" id="1" dur="indefinite" restart="never" nodeType="tmRoot"/>
+      </p:par>
+    </p:tnLst>
+  </p:timing>
+</p:sld>
+</file>
+
+<file path=ppt/slides/slide11.xml><?xml version="1.0" encoding="utf-8"?>
+<p:sld xmlns:a="http://schemas.openxmlformats.org/drawingml/2006/main" xmlns:r="http://schemas.openxmlformats.org/officeDocument/2006/relationships" xmlns:p="http://schemas.openxmlformats.org/presentationml/2006/main">
+  <p:cSld>
+    <p:spTree>
+      <p:nvGrpSpPr>
+        <p:cNvPr id="1" name=""/>
+        <p:cNvGrpSpPr/>
+        <p:nvPr/>
+      </p:nvGrpSpPr>
+      <p:grpSpPr>
+        <a:xfrm>
+          <a:off x="0" y="0"/>
+          <a:ext cx="0" cy="0"/>
+          <a:chOff x="0" y="0"/>
+          <a:chExt cx="0" cy="0"/>
+        </a:xfrm>
+      </p:grpSpPr>
+      <p:sp>
+        <p:nvSpPr>
+          <p:cNvPr id="2" name="Title 1"/>
+          <p:cNvSpPr>
+            <a:spLocks noGrp="1"/>
+          </p:cNvSpPr>
+          <p:nvPr>
+            <p:ph type="title"/>
+          </p:nvPr>
+        </p:nvSpPr>
+        <p:spPr/>
+        <p:txBody>
+          <a:bodyPr/>
+          <a:lstStyle/>
+          <a:p>
+            <a:r>
+              <a:rPr lang="en-US" dirty="0" smtClean="0"/>
+              <a:t>Time in </a:t>
+            </a:r>
+            <a:r>
+              <a:rPr lang="en-US" dirty="0" err="1" smtClean="0"/>
+              <a:t>Matlab</a:t>
+            </a:r>
+            <a:endParaRPr lang="en-US" dirty="0"/>
+          </a:p>
+        </p:txBody>
+      </p:sp>
+      <p:sp>
+        <p:nvSpPr>
+          <p:cNvPr id="3" name="Content Placeholder 2"/>
+          <p:cNvSpPr>
+            <a:spLocks noGrp="1"/>
+          </p:cNvSpPr>
+          <p:nvPr>
+            <p:ph idx="1"/>
+          </p:nvPr>
+        </p:nvSpPr>
+        <p:spPr/>
+        <p:txBody>
+          <a:bodyPr>
+            <a:normAutofit lnSpcReduction="10000"/>
+          </a:bodyPr>
+          <a:lstStyle/>
+          <a:p>
+            <a:r>
+              <a:rPr lang="en-US" dirty="0" smtClean="0"/>
+              <a:t>UTC string </a:t>
+            </a:r>
+            <a:r>
+              <a:rPr lang="en-US" dirty="0" smtClean="0">
+                <a:solidFill>
+                  <a:srgbClr val="660066"/>
+                </a:solidFill>
+              </a:rPr>
+              <a:t>‘</a:t>
+            </a:r>
+            <a:r>
+              <a:rPr lang="en-US" dirty="0" err="1" smtClean="0">
+                <a:solidFill>
+                  <a:srgbClr val="660066"/>
+                </a:solidFill>
+              </a:rPr>
+              <a:t>yyyy-mm-ddThh:mm:ss.sssssssssZ</a:t>
+            </a:r>
+            <a:r>
+              <a:rPr lang="en-US" dirty="0" smtClean="0">
+                <a:solidFill>
+                  <a:srgbClr val="660066"/>
+                </a:solidFill>
+              </a:rPr>
+              <a:t>’</a:t>
+            </a:r>
+          </a:p>
+          <a:p>
+            <a:r>
+              <a:rPr lang="en-US" dirty="0" err="1" smtClean="0"/>
+              <a:t>Matlab’s</a:t>
+            </a:r>
+            <a:r>
+              <a:rPr lang="en-US" dirty="0" smtClean="0"/>
+              <a:t> </a:t>
+            </a:r>
+            <a:r>
+              <a:rPr lang="en-US" dirty="0" err="1" smtClean="0">
+                <a:latin typeface="Courier"/>
+                <a:cs typeface="Courier"/>
+              </a:rPr>
+              <a:t>datenum</a:t>
+            </a:r>
+            <a:r>
+              <a:rPr lang="en-US" dirty="0" smtClean="0"/>
+              <a:t> – </a:t>
+            </a:r>
+            <a:r>
+              <a:rPr lang="en-US" dirty="0" smtClean="0">
+                <a:solidFill>
+                  <a:schemeClr val="accent6"/>
+                </a:solidFill>
+              </a:rPr>
+              <a:t>very limited precision</a:t>
+            </a:r>
+          </a:p>
+          <a:p>
+            <a:r>
+              <a:rPr lang="en-US" dirty="0" smtClean="0"/>
+              <a:t>Date array – [</a:t>
+            </a:r>
+            <a:r>
+              <a:rPr lang="en-US" dirty="0" err="1" smtClean="0"/>
+              <a:t>yyyy</a:t>
+            </a:r>
+            <a:r>
+              <a:rPr lang="en-US" dirty="0" smtClean="0"/>
+              <a:t> mm </a:t>
+            </a:r>
+            <a:r>
+              <a:rPr lang="en-US" dirty="0" err="1" smtClean="0"/>
+              <a:t>dd</a:t>
+            </a:r>
+            <a:r>
+              <a:rPr lang="en-US" dirty="0" smtClean="0"/>
+              <a:t> </a:t>
+            </a:r>
+            <a:r>
+              <a:rPr lang="en-US" dirty="0" err="1" smtClean="0"/>
+              <a:t>hh</a:t>
+            </a:r>
+            <a:r>
+              <a:rPr lang="en-US" dirty="0" smtClean="0"/>
+              <a:t> mm </a:t>
+            </a:r>
+            <a:r>
+              <a:rPr lang="en-US" dirty="0" err="1" smtClean="0"/>
+              <a:t>ss</a:t>
+            </a:r>
+            <a:r>
+              <a:rPr lang="en-US" dirty="0" smtClean="0"/>
+              <a:t>], double</a:t>
+            </a:r>
+          </a:p>
+          <a:p>
+            <a:r>
+              <a:rPr lang="en-US" dirty="0" smtClean="0"/>
+              <a:t>Unix epoch – seconds from Jan 1, 1970, double array or </a:t>
+            </a:r>
+            <a:r>
+              <a:rPr lang="en-US" dirty="0" err="1" smtClean="0">
+                <a:latin typeface="Courier"/>
+                <a:cs typeface="Courier"/>
+              </a:rPr>
+              <a:t>EpochUnix</a:t>
+            </a:r>
+            <a:r>
+              <a:rPr lang="en-US" dirty="0" smtClean="0"/>
+              <a:t> class, </a:t>
+            </a:r>
+            <a:r>
+              <a:rPr lang="en-US" dirty="0" smtClean="0">
+                <a:solidFill>
+                  <a:srgbClr val="F79646"/>
+                </a:solidFill>
+              </a:rPr>
+              <a:t>limited precision</a:t>
+            </a:r>
+          </a:p>
+          <a:p>
+            <a:r>
+              <a:rPr lang="en-US" dirty="0" smtClean="0">
+                <a:solidFill>
+                  <a:schemeClr val="tx2"/>
+                </a:solidFill>
+              </a:rPr>
+              <a:t>Terrestrial time </a:t>
+            </a:r>
+            <a:r>
+              <a:rPr lang="en-US" dirty="0" smtClean="0"/>
+              <a:t>– EpochTT2000 in CDF, internally represented by nanoseconds (int64) since Jan 1, 2000, </a:t>
+            </a:r>
+            <a:r>
+              <a:rPr lang="en-US" dirty="0" err="1" smtClean="0">
+                <a:latin typeface="Courier"/>
+                <a:cs typeface="Courier"/>
+              </a:rPr>
+              <a:t>EpochTT</a:t>
+            </a:r>
+            <a:r>
+              <a:rPr lang="en-US" dirty="0" smtClean="0"/>
+              <a:t> class</a:t>
+            </a:r>
+            <a:endParaRPr lang="en-US" dirty="0" smtClean="0"/>
+          </a:p>
+          <a:p>
+            <a:endParaRPr lang="en-US" dirty="0"/>
+          </a:p>
+        </p:txBody>
+      </p:sp>
+    </p:spTree>
+    <p:extLst>
+      <p:ext uri="{BB962C8B-B14F-4D97-AF65-F5344CB8AC3E}">
+        <p14:creationId xmlns:p14="http://schemas.microsoft.com/office/powerpoint/2010/main" val="1364240192"/>
+      </p:ext>
+    </p:extLst>
+  </p:cSld>
+  <p:clrMapOvr>
+    <a:masterClrMapping/>
+  </p:clrMapOvr>
+</p:sld>
+</file>
+
+<file path=ppt/slides/slide12.xml><?xml version="1.0" encoding="utf-8"?>
+<p:sld xmlns:a="http://schemas.openxmlformats.org/drawingml/2006/main" xmlns:r="http://schemas.openxmlformats.org/officeDocument/2006/relationships" xmlns:p="http://schemas.openxmlformats.org/presentationml/2006/main">
+  <p:cSld>
+    <p:spTree>
+      <p:nvGrpSpPr>
+        <p:cNvPr id="1" name=""/>
+        <p:cNvGrpSpPr/>
+        <p:nvPr/>
+      </p:nvGrpSpPr>
+      <p:grpSpPr>
+        <a:xfrm>
+          <a:off x="0" y="0"/>
+          <a:ext cx="0" cy="0"/>
+          <a:chOff x="0" y="0"/>
+          <a:chExt cx="0" cy="0"/>
+        </a:xfrm>
+      </p:grpSpPr>
+      <p:sp>
+        <p:nvSpPr>
+          <p:cNvPr id="2" name="Title 1"/>
+          <p:cNvSpPr>
+            <a:spLocks noGrp="1"/>
+          </p:cNvSpPr>
+          <p:nvPr>
+            <p:ph type="title"/>
+          </p:nvPr>
+        </p:nvSpPr>
+        <p:spPr/>
+        <p:txBody>
+          <a:bodyPr/>
+          <a:lstStyle/>
+          <a:p>
+            <a:r>
+              <a:rPr lang="en-US" dirty="0" smtClean="0"/>
+              <a:t>Exercise 2</a:t>
+            </a:r>
+            <a:endParaRPr lang="en-US" dirty="0"/>
+          </a:p>
+        </p:txBody>
+      </p:sp>
+      <p:sp>
+        <p:nvSpPr>
+          <p:cNvPr id="3" name="Content Placeholder 2"/>
+          <p:cNvSpPr>
+            <a:spLocks noGrp="1"/>
+          </p:cNvSpPr>
+          <p:nvPr>
+            <p:ph idx="1"/>
+          </p:nvPr>
+        </p:nvSpPr>
+        <p:spPr/>
+        <p:txBody>
+          <a:bodyPr/>
+          <a:lstStyle/>
+          <a:p>
+            <a:r>
+              <a:rPr lang="en-US" dirty="0" smtClean="0"/>
+              <a:t>time</a:t>
+            </a:r>
+            <a:endParaRPr lang="en-US" dirty="0"/>
+          </a:p>
+        </p:txBody>
+      </p:sp>
+    </p:spTree>
+    <p:extLst>
+      <p:ext uri="{BB962C8B-B14F-4D97-AF65-F5344CB8AC3E}">
+        <p14:creationId xmlns:p14="http://schemas.microsoft.com/office/powerpoint/2010/main" val="2277618643"/>
+      </p:ext>
+    </p:extLst>
+  </p:cSld>
+  <p:clrMapOvr>
+    <a:masterClrMapping/>
+  </p:clrMapOvr>
+</p:sld>
+</file>
+
+<file path=ppt/slides/slide13.xml><?xml version="1.0" encoding="utf-8"?>
+<p:sld xmlns:a="http://schemas.openxmlformats.org/drawingml/2006/main" xmlns:r="http://schemas.openxmlformats.org/officeDocument/2006/relationships" xmlns:p="http://schemas.openxmlformats.org/presentationml/2006/main">
+  <p:cSld>
+    <p:spTree>
+      <p:nvGrpSpPr>
+        <p:cNvPr id="1" name=""/>
+        <p:cNvGrpSpPr/>
+        <p:nvPr/>
+      </p:nvGrpSpPr>
+      <p:grpSpPr>
+        <a:xfrm>
+          <a:off x="0" y="0"/>
+          <a:ext cx="0" cy="0"/>
+          <a:chOff x="0" y="0"/>
+          <a:chExt cx="0" cy="0"/>
+        </a:xfrm>
+      </p:grpSpPr>
+      <p:sp>
+        <p:nvSpPr>
+          <p:cNvPr id="2" name="Title 1"/>
+          <p:cNvSpPr>
+            <a:spLocks noGrp="1"/>
+          </p:cNvSpPr>
+          <p:nvPr>
+            <p:ph type="title"/>
+          </p:nvPr>
+        </p:nvSpPr>
+        <p:spPr/>
+        <p:txBody>
+          <a:bodyPr/>
+          <a:lstStyle/>
+          <a:p>
+            <a:r>
+              <a:rPr lang="en-US" dirty="0" smtClean="0"/>
+              <a:t>Time-series data in </a:t>
+            </a:r>
+            <a:r>
+              <a:rPr lang="en-US" dirty="0" err="1"/>
+              <a:t>M</a:t>
+            </a:r>
+            <a:r>
+              <a:rPr lang="en-US" dirty="0" err="1" smtClean="0"/>
+              <a:t>atlab</a:t>
+            </a:r>
+            <a:endParaRPr lang="en-US" dirty="0"/>
+          </a:p>
+        </p:txBody>
+      </p:sp>
+      <p:sp>
+        <p:nvSpPr>
+          <p:cNvPr id="3" name="Content Placeholder 2"/>
+          <p:cNvSpPr>
+            <a:spLocks noGrp="1"/>
+          </p:cNvSpPr>
+          <p:nvPr>
+            <p:ph idx="1"/>
+          </p:nvPr>
+        </p:nvSpPr>
+        <p:spPr/>
+        <p:txBody>
+          <a:bodyPr>
+            <a:normAutofit fontScale="77500" lnSpcReduction="20000"/>
+          </a:bodyPr>
+          <a:lstStyle/>
+          <a:p>
+            <a:r>
+              <a:rPr lang="en-US" dirty="0" smtClean="0"/>
+              <a:t>Simple approach: Combine time and data into a single array, e.g. </a:t>
+            </a:r>
+            <a:r>
+              <a:rPr lang="en-US" dirty="0" smtClean="0">
+                <a:latin typeface="Courier"/>
+                <a:cs typeface="Courier"/>
+              </a:rPr>
+              <a:t>[</a:t>
+            </a:r>
+            <a:r>
+              <a:rPr lang="en-US" dirty="0" err="1" smtClean="0">
+                <a:latin typeface="Courier"/>
+                <a:cs typeface="Courier"/>
+              </a:rPr>
+              <a:t>unixEpoch</a:t>
+            </a:r>
+            <a:r>
+              <a:rPr lang="en-US" dirty="0" smtClean="0">
+                <a:latin typeface="Courier"/>
+                <a:cs typeface="Courier"/>
+              </a:rPr>
+              <a:t>(:) </a:t>
+            </a:r>
+            <a:r>
+              <a:rPr lang="en-US" dirty="0" err="1" smtClean="0">
+                <a:latin typeface="Courier"/>
+                <a:cs typeface="Courier"/>
+              </a:rPr>
+              <a:t>dataX</a:t>
+            </a:r>
+            <a:r>
+              <a:rPr lang="en-US" dirty="0" smtClean="0">
+                <a:latin typeface="Courier"/>
+                <a:cs typeface="Courier"/>
+              </a:rPr>
+              <a:t>(:) </a:t>
+            </a:r>
+            <a:r>
+              <a:rPr lang="en-US" dirty="0" err="1" smtClean="0">
+                <a:latin typeface="Courier"/>
+                <a:cs typeface="Courier"/>
+              </a:rPr>
+              <a:t>dataY</a:t>
+            </a:r>
+            <a:r>
+              <a:rPr lang="en-US" dirty="0" smtClean="0">
+                <a:latin typeface="Courier"/>
+                <a:cs typeface="Courier"/>
+              </a:rPr>
+              <a:t>(:)</a:t>
+            </a:r>
+            <a:r>
+              <a:rPr lang="en-US" dirty="0" smtClean="0">
+                <a:latin typeface="Courier"/>
+                <a:cs typeface="Courier"/>
+              </a:rPr>
+              <a:t> </a:t>
+            </a:r>
+            <a:r>
+              <a:rPr lang="en-US" dirty="0" err="1" smtClean="0">
+                <a:latin typeface="Courier"/>
+                <a:cs typeface="Courier"/>
+              </a:rPr>
+              <a:t>dataZ</a:t>
+            </a:r>
+            <a:r>
+              <a:rPr lang="en-US" dirty="0" smtClean="0">
+                <a:latin typeface="Courier"/>
+                <a:cs typeface="Courier"/>
+              </a:rPr>
+              <a:t>(:)</a:t>
+            </a:r>
+            <a:r>
+              <a:rPr lang="en-US" dirty="0" smtClean="0">
+                <a:latin typeface="Courier"/>
+                <a:cs typeface="Courier"/>
+              </a:rPr>
+              <a:t>]</a:t>
+            </a:r>
+          </a:p>
+          <a:p>
+            <a:pPr lvl="1"/>
+            <a:r>
+              <a:rPr lang="en-US" dirty="0" smtClean="0">
+                <a:solidFill>
+                  <a:schemeClr val="accent3"/>
+                </a:solidFill>
+              </a:rPr>
+              <a:t>Pros</a:t>
+            </a:r>
+            <a:r>
+              <a:rPr lang="en-US" dirty="0" smtClean="0"/>
+              <a:t>: Works nicely for simple time-series</a:t>
+            </a:r>
+          </a:p>
+          <a:p>
+            <a:pPr lvl="1"/>
+            <a:r>
+              <a:rPr lang="en-US" dirty="0" smtClean="0">
+                <a:solidFill>
+                  <a:schemeClr val="accent2"/>
+                </a:solidFill>
+              </a:rPr>
+              <a:t>Cons</a:t>
+            </a:r>
+            <a:r>
+              <a:rPr lang="en-US" dirty="0" smtClean="0"/>
+              <a:t>: </a:t>
+            </a:r>
+          </a:p>
+          <a:p>
+            <a:pPr lvl="2"/>
+            <a:r>
+              <a:rPr lang="en-US" dirty="0" smtClean="0"/>
+              <a:t>time and data must be converted to the same type</a:t>
+            </a:r>
+          </a:p>
+          <a:p>
+            <a:pPr lvl="2"/>
+            <a:r>
+              <a:rPr lang="en-US" dirty="0" smtClean="0"/>
+              <a:t>No metadata</a:t>
+            </a:r>
+          </a:p>
+          <a:p>
+            <a:r>
+              <a:rPr lang="en-US" dirty="0" smtClean="0"/>
+              <a:t>Complex approach: </a:t>
+            </a:r>
+            <a:r>
+              <a:rPr lang="en-US" dirty="0" err="1" smtClean="0">
+                <a:latin typeface="Courier"/>
+                <a:cs typeface="Courier"/>
+              </a:rPr>
+              <a:t>TSeries</a:t>
+            </a:r>
+            <a:r>
+              <a:rPr lang="en-US" dirty="0" smtClean="0"/>
+              <a:t> class </a:t>
+            </a:r>
+          </a:p>
+          <a:p>
+            <a:pPr lvl="1"/>
+            <a:r>
+              <a:rPr lang="en-US" dirty="0" smtClean="0">
+                <a:solidFill>
+                  <a:schemeClr val="accent3"/>
+                </a:solidFill>
+              </a:rPr>
+              <a:t>Pros</a:t>
+            </a:r>
+            <a:r>
+              <a:rPr lang="en-US" dirty="0" smtClean="0"/>
+              <a:t>: </a:t>
+            </a:r>
+          </a:p>
+          <a:p>
+            <a:pPr lvl="2"/>
+            <a:r>
+              <a:rPr lang="en-US" dirty="0" smtClean="0"/>
+              <a:t>Preserves </a:t>
+            </a:r>
+            <a:r>
+              <a:rPr lang="en-US" dirty="0" smtClean="0"/>
+              <a:t>time and data types in the raw data</a:t>
+            </a:r>
+          </a:p>
+          <a:p>
+            <a:pPr lvl="2"/>
+            <a:r>
+              <a:rPr lang="en-US" dirty="0" smtClean="0"/>
+              <a:t>Contains metadata</a:t>
+            </a:r>
+          </a:p>
+          <a:p>
+            <a:pPr lvl="2"/>
+            <a:r>
+              <a:rPr lang="en-US" dirty="0" smtClean="0"/>
+              <a:t>Works for multi-dimensional data</a:t>
+            </a:r>
+          </a:p>
+          <a:p>
+            <a:pPr lvl="2"/>
+            <a:r>
+              <a:rPr lang="en-US" dirty="0" smtClean="0"/>
+              <a:t>Less error prone</a:t>
+            </a:r>
+            <a:endParaRPr lang="en-US" dirty="0" smtClean="0"/>
+          </a:p>
+          <a:p>
+            <a:pPr lvl="1"/>
+            <a:r>
+              <a:rPr lang="en-US" dirty="0" smtClean="0">
+                <a:solidFill>
+                  <a:schemeClr val="accent2"/>
+                </a:solidFill>
+              </a:rPr>
+              <a:t>Cons</a:t>
+            </a:r>
+            <a:r>
+              <a:rPr lang="en-US" dirty="0" smtClean="0"/>
+              <a:t>: more complicated to use</a:t>
+            </a:r>
+          </a:p>
+        </p:txBody>
+      </p:sp>
+    </p:spTree>
+    <p:extLst>
+      <p:ext uri="{BB962C8B-B14F-4D97-AF65-F5344CB8AC3E}">
+        <p14:creationId xmlns:p14="http://schemas.microsoft.com/office/powerpoint/2010/main" val="1284398574"/>
+      </p:ext>
+    </p:extLst>
+  </p:cSld>
+  <p:clrMapOvr>
+    <a:masterClrMapping/>
+  </p:clrMapOvr>
+</p:sld>
+</file>
+
+<file path=ppt/slides/slide14.xml><?xml version="1.0" encoding="utf-8"?>
+<p:sld xmlns:a="http://schemas.openxmlformats.org/drawingml/2006/main" xmlns:r="http://schemas.openxmlformats.org/officeDocument/2006/relationships" xmlns:p="http://schemas.openxmlformats.org/presentationml/2006/main">
+  <p:cSld>
+    <p:spTree>
+      <p:nvGrpSpPr>
+        <p:cNvPr id="1" name=""/>
+        <p:cNvGrpSpPr/>
+        <p:nvPr/>
+      </p:nvGrpSpPr>
+      <p:grpSpPr>
+        <a:xfrm>
+          <a:off x="0" y="0"/>
+          <a:ext cx="0" cy="0"/>
+          <a:chOff x="0" y="0"/>
+          <a:chExt cx="0" cy="0"/>
+        </a:xfrm>
+      </p:grpSpPr>
+      <p:sp>
+        <p:nvSpPr>
+          <p:cNvPr id="2" name="Title 1"/>
+          <p:cNvSpPr>
+            <a:spLocks noGrp="1"/>
+          </p:cNvSpPr>
+          <p:nvPr>
+            <p:ph type="title"/>
+          </p:nvPr>
+        </p:nvSpPr>
+        <p:spPr/>
+        <p:txBody>
+          <a:bodyPr/>
+          <a:lstStyle/>
+          <a:p>
+            <a:r>
+              <a:rPr lang="en-US" dirty="0" smtClean="0"/>
+              <a:t>Plotting </a:t>
+            </a:r>
+            <a:r>
+              <a:rPr lang="en-US" dirty="0" err="1" smtClean="0"/>
+              <a:t>TSeries</a:t>
+            </a:r>
+            <a:r>
+              <a:rPr lang="en-US" dirty="0" smtClean="0"/>
+              <a:t> objects</a:t>
+            </a:r>
+            <a:endParaRPr lang="en-US" dirty="0"/>
+          </a:p>
+        </p:txBody>
+      </p:sp>
+      <p:sp>
+        <p:nvSpPr>
+          <p:cNvPr id="3" name="Content Placeholder 2"/>
+          <p:cNvSpPr>
+            <a:spLocks noGrp="1"/>
+          </p:cNvSpPr>
+          <p:nvPr>
+            <p:ph idx="1"/>
+          </p:nvPr>
+        </p:nvSpPr>
+        <p:spPr>
+          <a:xfrm>
+            <a:off x="457200" y="1600200"/>
+            <a:ext cx="8229600" cy="5120462"/>
+          </a:xfrm>
+        </p:spPr>
+        <p:txBody>
+          <a:bodyPr>
+            <a:normAutofit fontScale="55000" lnSpcReduction="20000"/>
+          </a:bodyPr>
+          <a:lstStyle/>
+          <a:p>
+            <a:pPr marL="0" indent="0">
+              <a:buNone/>
+            </a:pPr>
+            <a:r>
+              <a:rPr lang="en-US" dirty="0" smtClean="0">
+                <a:latin typeface="Courier"/>
+                <a:cs typeface="Courier"/>
+              </a:rPr>
+              <a:t>%Input: Ts1, Ts2 – some data, vectors (</a:t>
+            </a:r>
+            <a:r>
+              <a:rPr lang="en-US" dirty="0" err="1" smtClean="0">
+                <a:latin typeface="Courier"/>
+                <a:cs typeface="Courier"/>
+              </a:rPr>
+              <a:t>x,y,z</a:t>
+            </a:r>
+            <a:r>
+              <a:rPr lang="en-US" dirty="0" smtClean="0">
+                <a:latin typeface="Courier"/>
+                <a:cs typeface="Courier"/>
+              </a:rPr>
+              <a:t>)</a:t>
+            </a:r>
+          </a:p>
+          <a:p>
+            <a:pPr marL="0" indent="0">
+              <a:buNone/>
+            </a:pPr>
+            <a:r>
+              <a:rPr lang="en-US" dirty="0" smtClean="0">
+                <a:latin typeface="Courier"/>
+                <a:cs typeface="Courier"/>
+              </a:rPr>
+              <a:t>%Simple plot:</a:t>
+            </a:r>
+          </a:p>
+          <a:p>
+            <a:pPr marL="0" indent="0">
+              <a:buNone/>
+            </a:pPr>
+            <a:r>
+              <a:rPr lang="en-US" b="1" dirty="0">
+                <a:latin typeface="Courier"/>
+                <a:cs typeface="Courier"/>
+              </a:rPr>
+              <a:t>h</a:t>
+            </a:r>
+            <a:r>
+              <a:rPr lang="en-US" b="1" dirty="0" smtClean="0">
+                <a:latin typeface="Courier"/>
+                <a:cs typeface="Courier"/>
+              </a:rPr>
+              <a:t> = </a:t>
+            </a:r>
+            <a:r>
+              <a:rPr lang="en-US" b="1" dirty="0" err="1">
+                <a:latin typeface="Courier"/>
+                <a:cs typeface="Courier"/>
+              </a:rPr>
+              <a:t>i</a:t>
+            </a:r>
+            <a:r>
+              <a:rPr lang="en-US" b="1" dirty="0" err="1" smtClean="0">
+                <a:latin typeface="Courier"/>
+                <a:cs typeface="Courier"/>
+              </a:rPr>
+              <a:t>rf_plot</a:t>
+            </a:r>
+            <a:r>
+              <a:rPr lang="en-US" b="1" dirty="0" smtClean="0">
+                <a:latin typeface="Courier"/>
+                <a:cs typeface="Courier"/>
+              </a:rPr>
+              <a:t>(Ts1)</a:t>
+            </a:r>
+          </a:p>
+          <a:p>
+            <a:pPr marL="0" indent="0">
+              <a:buNone/>
+            </a:pPr>
+            <a:endParaRPr lang="en-US" b="1" dirty="0" smtClean="0">
+              <a:latin typeface="Courier"/>
+              <a:cs typeface="Courier"/>
+            </a:endParaRPr>
+          </a:p>
+          <a:p>
+            <a:pPr marL="0" indent="0">
+              <a:buNone/>
+            </a:pPr>
+            <a:r>
+              <a:rPr lang="en-US" dirty="0" smtClean="0">
+                <a:latin typeface="Courier"/>
+                <a:cs typeface="Courier"/>
+              </a:rPr>
+              <a:t>%2 TS objects in separate panels</a:t>
+            </a:r>
+          </a:p>
+          <a:p>
+            <a:pPr marL="0" indent="0">
+              <a:buNone/>
+            </a:pPr>
+            <a:r>
+              <a:rPr lang="en-US" b="1" dirty="0">
+                <a:latin typeface="Courier"/>
+                <a:cs typeface="Courier"/>
+              </a:rPr>
+              <a:t>h</a:t>
+            </a:r>
+            <a:r>
+              <a:rPr lang="en-US" b="1" dirty="0" smtClean="0">
+                <a:latin typeface="Courier"/>
+                <a:cs typeface="Courier"/>
+              </a:rPr>
+              <a:t> = </a:t>
+            </a:r>
+            <a:r>
+              <a:rPr lang="en-US" b="1" dirty="0" err="1">
+                <a:latin typeface="Courier"/>
+                <a:cs typeface="Courier"/>
+              </a:rPr>
+              <a:t>i</a:t>
+            </a:r>
+            <a:r>
+              <a:rPr lang="en-US" b="1" dirty="0" err="1" smtClean="0">
+                <a:latin typeface="Courier"/>
+                <a:cs typeface="Courier"/>
+              </a:rPr>
+              <a:t>rf_plot</a:t>
+            </a:r>
+            <a:r>
+              <a:rPr lang="en-US" b="1" dirty="0" smtClean="0">
+                <a:latin typeface="Courier"/>
+                <a:cs typeface="Courier"/>
+              </a:rPr>
+              <a:t>({Ts1, Ts1})</a:t>
+            </a:r>
+          </a:p>
+          <a:p>
+            <a:pPr marL="0" indent="0">
+              <a:buNone/>
+            </a:pPr>
+            <a:endParaRPr lang="en-US" dirty="0" smtClean="0">
+              <a:latin typeface="Courier"/>
+              <a:cs typeface="Courier"/>
+            </a:endParaRPr>
+          </a:p>
+          <a:p>
+            <a:pPr marL="0" indent="0">
+              <a:buNone/>
+            </a:pPr>
+            <a:r>
+              <a:rPr lang="en-US" dirty="0" smtClean="0">
+                <a:latin typeface="Courier"/>
+                <a:cs typeface="Courier"/>
+              </a:rPr>
+              <a:t>%2 TS objects, each component in a separate panel</a:t>
+            </a:r>
+          </a:p>
+          <a:p>
+            <a:pPr marL="0" indent="0">
+              <a:buNone/>
+            </a:pPr>
+            <a:r>
+              <a:rPr lang="en-US" b="1" dirty="0">
+                <a:latin typeface="Courier"/>
+                <a:cs typeface="Courier"/>
+              </a:rPr>
+              <a:t>h</a:t>
+            </a:r>
+            <a:r>
+              <a:rPr lang="en-US" b="1" dirty="0" smtClean="0">
+                <a:latin typeface="Courier"/>
+                <a:cs typeface="Courier"/>
+              </a:rPr>
+              <a:t> = </a:t>
+            </a:r>
+            <a:r>
+              <a:rPr lang="en-US" b="1" dirty="0" err="1">
+                <a:latin typeface="Courier"/>
+                <a:cs typeface="Courier"/>
+              </a:rPr>
+              <a:t>i</a:t>
+            </a:r>
+            <a:r>
+              <a:rPr lang="en-US" b="1" dirty="0" err="1" smtClean="0">
+                <a:latin typeface="Courier"/>
+                <a:cs typeface="Courier"/>
+              </a:rPr>
+              <a:t>rf_plot</a:t>
+            </a:r>
+            <a:r>
+              <a:rPr lang="en-US" b="1" dirty="0" smtClean="0">
+                <a:latin typeface="Courier"/>
+                <a:cs typeface="Courier"/>
+              </a:rPr>
+              <a:t>({Ts1, Ts1},</a:t>
+            </a:r>
+            <a:r>
+              <a:rPr lang="en-US" b="1" dirty="0" smtClean="0">
+                <a:solidFill>
+                  <a:srgbClr val="8064A2"/>
+                </a:solidFill>
+                <a:latin typeface="Courier"/>
+                <a:cs typeface="Courier"/>
+              </a:rPr>
+              <a:t>’comp’</a:t>
+            </a:r>
+            <a:r>
+              <a:rPr lang="en-US" b="1" dirty="0" smtClean="0">
+                <a:latin typeface="Courier"/>
+                <a:cs typeface="Courier"/>
+              </a:rPr>
+              <a:t>)</a:t>
+            </a:r>
+          </a:p>
+          <a:p>
+            <a:pPr marL="0" indent="0">
+              <a:buNone/>
+            </a:pPr>
+            <a:endParaRPr lang="en-US" dirty="0" smtClean="0">
+              <a:latin typeface="Courier"/>
+              <a:cs typeface="Courier"/>
+            </a:endParaRPr>
+          </a:p>
+          <a:p>
+            <a:pPr marL="0" indent="0">
+              <a:buNone/>
+            </a:pPr>
+            <a:r>
+              <a:rPr lang="en-US" dirty="0" smtClean="0">
+                <a:latin typeface="Courier"/>
+                <a:cs typeface="Courier"/>
+              </a:rPr>
+              <a:t>%Ts1.x, Ts1.z in one panel, and abs(Ts2) in a %separate panel</a:t>
+            </a:r>
+          </a:p>
+          <a:p>
+            <a:pPr marL="0" indent="0">
+              <a:buNone/>
+            </a:pPr>
+            <a:r>
+              <a:rPr lang="en-US" b="1" dirty="0">
+                <a:latin typeface="Courier"/>
+                <a:cs typeface="Courier"/>
+              </a:rPr>
+              <a:t>h</a:t>
+            </a:r>
+            <a:r>
+              <a:rPr lang="en-US" b="1" dirty="0" smtClean="0">
+                <a:latin typeface="Courier"/>
+                <a:cs typeface="Courier"/>
+              </a:rPr>
+              <a:t> = </a:t>
+            </a:r>
+            <a:r>
+              <a:rPr lang="en-US" b="1" dirty="0" err="1" smtClean="0">
+                <a:latin typeface="Courier"/>
+                <a:cs typeface="Courier"/>
+              </a:rPr>
+              <a:t>irf_plot</a:t>
+            </a:r>
+            <a:r>
+              <a:rPr lang="en-US" b="1" dirty="0" smtClean="0">
+                <a:latin typeface="Courier"/>
+                <a:cs typeface="Courier"/>
+              </a:rPr>
+              <a:t>(2); % initialize with 2 panels</a:t>
+            </a:r>
+          </a:p>
+          <a:p>
+            <a:pPr marL="0" indent="0">
+              <a:buNone/>
+            </a:pPr>
+            <a:r>
+              <a:rPr lang="en-US" b="1" dirty="0" err="1">
+                <a:latin typeface="Courier"/>
+                <a:cs typeface="Courier"/>
+              </a:rPr>
+              <a:t>h</a:t>
+            </a:r>
+            <a:r>
+              <a:rPr lang="en-US" b="1" dirty="0" err="1" smtClean="0">
+                <a:latin typeface="Courier"/>
+                <a:cs typeface="Courier"/>
+              </a:rPr>
+              <a:t>ca</a:t>
+            </a:r>
+            <a:r>
+              <a:rPr lang="en-US" b="1" dirty="0" smtClean="0">
+                <a:latin typeface="Courier"/>
+                <a:cs typeface="Courier"/>
+              </a:rPr>
+              <a:t> = </a:t>
+            </a:r>
+            <a:r>
+              <a:rPr lang="en-US" b="1" dirty="0" err="1" smtClean="0">
+                <a:latin typeface="Courier"/>
+                <a:cs typeface="Courier"/>
+              </a:rPr>
+              <a:t>irf_panel</a:t>
+            </a:r>
+            <a:r>
+              <a:rPr lang="en-US" b="1" dirty="0" smtClean="0">
+                <a:latin typeface="Courier"/>
+                <a:cs typeface="Courier"/>
+              </a:rPr>
+              <a:t>(</a:t>
+            </a:r>
+            <a:r>
+              <a:rPr lang="en-US" b="1" dirty="0" smtClean="0">
+                <a:solidFill>
+                  <a:srgbClr val="8064A2"/>
+                </a:solidFill>
+                <a:latin typeface="Courier"/>
+                <a:cs typeface="Courier"/>
+              </a:rPr>
+              <a:t>‘panel 1’</a:t>
+            </a:r>
+            <a:r>
+              <a:rPr lang="en-US" b="1" dirty="0" smtClean="0">
+                <a:latin typeface="Courier"/>
+                <a:cs typeface="Courier"/>
+              </a:rPr>
+              <a:t>);</a:t>
+            </a:r>
+          </a:p>
+          <a:p>
+            <a:pPr marL="0" indent="0">
+              <a:buNone/>
+            </a:pPr>
+            <a:r>
+              <a:rPr lang="en-US" b="1" dirty="0" err="1">
+                <a:latin typeface="Courier"/>
+                <a:cs typeface="Courier"/>
+              </a:rPr>
+              <a:t>i</a:t>
+            </a:r>
+            <a:r>
+              <a:rPr lang="en-US" b="1" dirty="0" err="1" smtClean="0">
+                <a:latin typeface="Courier"/>
+                <a:cs typeface="Courier"/>
+              </a:rPr>
+              <a:t>rf_plot</a:t>
+            </a:r>
+            <a:r>
+              <a:rPr lang="en-US" b="1" dirty="0" smtClean="0">
+                <a:latin typeface="Courier"/>
+                <a:cs typeface="Courier"/>
+              </a:rPr>
+              <a:t>(</a:t>
+            </a:r>
+            <a:r>
+              <a:rPr lang="en-US" b="1" dirty="0" err="1" smtClean="0">
+                <a:latin typeface="Courier"/>
+                <a:cs typeface="Courier"/>
+              </a:rPr>
+              <a:t>hca</a:t>
+            </a:r>
+            <a:r>
+              <a:rPr lang="en-US" b="1" dirty="0" smtClean="0">
+                <a:latin typeface="Courier"/>
+                <a:cs typeface="Courier"/>
+              </a:rPr>
+              <a:t>,{</a:t>
+            </a:r>
+            <a:r>
+              <a:rPr lang="en-US" b="1" dirty="0" smtClean="0">
+                <a:latin typeface="Courier"/>
+                <a:cs typeface="Courier"/>
+              </a:rPr>
+              <a:t>Ts1.x, Ts1.z</a:t>
+            </a:r>
+            <a:r>
+              <a:rPr lang="en-US" b="1" dirty="0" smtClean="0">
+                <a:latin typeface="Courier"/>
+                <a:cs typeface="Courier"/>
+              </a:rPr>
+              <a:t>},</a:t>
+            </a:r>
+            <a:r>
+              <a:rPr lang="en-US" b="1" dirty="0" smtClean="0">
+                <a:solidFill>
+                  <a:srgbClr val="8064A2"/>
+                </a:solidFill>
+                <a:latin typeface="Courier"/>
+                <a:cs typeface="Courier"/>
+              </a:rPr>
+              <a:t>’comp’</a:t>
+            </a:r>
+            <a:r>
+              <a:rPr lang="en-US" b="1" dirty="0" smtClean="0">
+                <a:latin typeface="Courier"/>
+                <a:cs typeface="Courier"/>
+              </a:rPr>
+              <a:t>)</a:t>
+            </a:r>
+          </a:p>
+          <a:p>
+            <a:pPr marL="0" indent="0">
+              <a:buNone/>
+            </a:pPr>
+            <a:r>
+              <a:rPr lang="en-US" b="1" dirty="0" err="1">
+                <a:latin typeface="Courier"/>
+                <a:cs typeface="Courier"/>
+              </a:rPr>
+              <a:t>h</a:t>
+            </a:r>
+            <a:r>
+              <a:rPr lang="en-US" b="1" dirty="0" err="1" smtClean="0">
+                <a:latin typeface="Courier"/>
+                <a:cs typeface="Courier"/>
+              </a:rPr>
+              <a:t>ca</a:t>
+            </a:r>
+            <a:r>
+              <a:rPr lang="en-US" b="1" dirty="0" smtClean="0">
+                <a:latin typeface="Courier"/>
+                <a:cs typeface="Courier"/>
+              </a:rPr>
+              <a:t> = </a:t>
+            </a:r>
+            <a:r>
+              <a:rPr lang="en-US" b="1" dirty="0" err="1" smtClean="0">
+                <a:latin typeface="Courier"/>
+                <a:cs typeface="Courier"/>
+              </a:rPr>
+              <a:t>irf_panel</a:t>
+            </a:r>
+            <a:r>
+              <a:rPr lang="en-US" b="1" dirty="0" smtClean="0">
+                <a:latin typeface="Courier"/>
+                <a:cs typeface="Courier"/>
+              </a:rPr>
+              <a:t>(</a:t>
+            </a:r>
+            <a:r>
+              <a:rPr lang="en-US" b="1" dirty="0" smtClean="0">
+                <a:solidFill>
+                  <a:srgbClr val="8064A2"/>
+                </a:solidFill>
+                <a:latin typeface="Courier"/>
+                <a:cs typeface="Courier"/>
+              </a:rPr>
+              <a:t>‘panel 1’</a:t>
+            </a:r>
+            <a:r>
+              <a:rPr lang="en-US" b="1" dirty="0" smtClean="0">
+                <a:latin typeface="Courier"/>
+                <a:cs typeface="Courier"/>
+              </a:rPr>
+              <a:t>);</a:t>
+            </a:r>
+          </a:p>
+          <a:p>
+            <a:pPr marL="0" indent="0">
+              <a:buNone/>
+            </a:pPr>
+            <a:r>
+              <a:rPr lang="en-US" b="1" dirty="0" err="1">
+                <a:latin typeface="Courier"/>
+                <a:cs typeface="Courier"/>
+              </a:rPr>
+              <a:t>i</a:t>
+            </a:r>
+            <a:r>
+              <a:rPr lang="en-US" b="1" dirty="0" err="1" smtClean="0">
+                <a:latin typeface="Courier"/>
+                <a:cs typeface="Courier"/>
+              </a:rPr>
+              <a:t>rf_plot</a:t>
+            </a:r>
+            <a:r>
+              <a:rPr lang="en-US" b="1" dirty="0" smtClean="0">
+                <a:latin typeface="Courier"/>
+                <a:cs typeface="Courier"/>
+              </a:rPr>
+              <a:t>(hca,Ts2.abs)</a:t>
+            </a:r>
+          </a:p>
+          <a:p>
+            <a:pPr marL="0" indent="0">
+              <a:buNone/>
+            </a:pPr>
+            <a:endParaRPr lang="en-US" dirty="0" smtClean="0">
+              <a:latin typeface="Courier"/>
+              <a:cs typeface="Courier"/>
+            </a:endParaRPr>
+          </a:p>
+          <a:p>
+            <a:pPr marL="0" indent="0">
+              <a:buNone/>
+            </a:pPr>
+            <a:endParaRPr lang="en-US" dirty="0" smtClean="0">
+              <a:latin typeface="Courier"/>
+              <a:cs typeface="Courier"/>
+            </a:endParaRPr>
+          </a:p>
+          <a:p>
+            <a:pPr marL="0" indent="0">
+              <a:buNone/>
+            </a:pPr>
+            <a:endParaRPr lang="en-US" dirty="0" smtClean="0">
+              <a:latin typeface="Courier"/>
+              <a:cs typeface="Courier"/>
+            </a:endParaRPr>
+          </a:p>
+          <a:p>
+            <a:pPr marL="0" indent="0">
+              <a:buNone/>
+            </a:pPr>
+            <a:endParaRPr lang="en-US" dirty="0">
+              <a:latin typeface="Courier"/>
+              <a:cs typeface="Courier"/>
+            </a:endParaRPr>
+          </a:p>
+        </p:txBody>
+      </p:sp>
+    </p:spTree>
+    <p:extLst>
+      <p:ext uri="{BB962C8B-B14F-4D97-AF65-F5344CB8AC3E}">
+        <p14:creationId xmlns:p14="http://schemas.microsoft.com/office/powerpoint/2010/main" val="922265134"/>
+      </p:ext>
+    </p:extLst>
+  </p:cSld>
+  <p:clrMapOvr>
+    <a:masterClrMapping/>
+  </p:clrMapOvr>
+</p:sld>
+</file>
+
+<file path=ppt/slides/slide15.xml><?xml version="1.0" encoding="utf-8"?>
+<p:sld xmlns:a="http://schemas.openxmlformats.org/drawingml/2006/main" xmlns:r="http://schemas.openxmlformats.org/officeDocument/2006/relationships" xmlns:p="http://schemas.openxmlformats.org/presentationml/2006/main">
+  <p:cSld>
+    <p:spTree>
+      <p:nvGrpSpPr>
+        <p:cNvPr id="1" name=""/>
+        <p:cNvGrpSpPr/>
+        <p:nvPr/>
+      </p:nvGrpSpPr>
+      <p:grpSpPr>
+        <a:xfrm>
+          <a:off x="0" y="0"/>
+          <a:ext cx="0" cy="0"/>
+          <a:chOff x="0" y="0"/>
+          <a:chExt cx="0" cy="0"/>
+        </a:xfrm>
+      </p:grpSpPr>
+      <p:sp>
+        <p:nvSpPr>
+          <p:cNvPr id="2" name="Title 1"/>
+          <p:cNvSpPr>
+            <a:spLocks noGrp="1"/>
+          </p:cNvSpPr>
+          <p:nvPr>
+            <p:ph type="title"/>
+          </p:nvPr>
+        </p:nvSpPr>
+        <p:spPr/>
+        <p:txBody>
+          <a:bodyPr/>
+          <a:lstStyle/>
+          <a:p>
+            <a:r>
+              <a:rPr lang="en-US" dirty="0" smtClean="0"/>
+              <a:t>Exercise 3</a:t>
+            </a:r>
+            <a:endParaRPr lang="en-US" dirty="0"/>
+          </a:p>
+        </p:txBody>
+      </p:sp>
+      <p:sp>
+        <p:nvSpPr>
+          <p:cNvPr id="3" name="Content Placeholder 2"/>
+          <p:cNvSpPr>
+            <a:spLocks noGrp="1"/>
+          </p:cNvSpPr>
+          <p:nvPr>
+            <p:ph idx="1"/>
+          </p:nvPr>
+        </p:nvSpPr>
+        <p:spPr/>
+        <p:txBody>
+          <a:bodyPr>
+            <a:normAutofit fontScale="25000" lnSpcReduction="20000"/>
+          </a:bodyPr>
+          <a:lstStyle/>
+          <a:p>
+            <a:pPr marL="0" indent="0">
+              <a:buNone/>
+            </a:pPr>
+            <a:r>
+              <a:rPr lang="en-US" dirty="0" smtClean="0">
+                <a:latin typeface="Courier"/>
+                <a:cs typeface="Courier"/>
+              </a:rPr>
+              <a:t>&gt;&gt; </a:t>
+            </a:r>
+            <a:r>
+              <a:rPr lang="en-US" b="1" dirty="0" smtClean="0">
+                <a:latin typeface="Courier"/>
+                <a:cs typeface="Courier"/>
+              </a:rPr>
+              <a:t>D=</a:t>
+            </a:r>
+            <a:r>
+              <a:rPr lang="en-US" b="1" dirty="0" err="1" smtClean="0">
+                <a:latin typeface="Courier"/>
+                <a:cs typeface="Courier"/>
+              </a:rPr>
+              <a:t>dataobj</a:t>
+            </a:r>
+            <a:r>
+              <a:rPr lang="en-US" b="1" dirty="0" smtClean="0">
+                <a:latin typeface="Courier"/>
+                <a:cs typeface="Courier"/>
+              </a:rPr>
+              <a:t>(</a:t>
+            </a:r>
+            <a:r>
+              <a:rPr lang="en-US" b="1" dirty="0" smtClean="0">
+                <a:solidFill>
+                  <a:srgbClr val="8064A2"/>
+                </a:solidFill>
+                <a:latin typeface="Courier"/>
+                <a:cs typeface="Courier"/>
+              </a:rPr>
+              <a:t>'CAA/C1_CP_FGM_FULL/C1_CP_FGM_FULL__20020330_131130_20020330_131200_V140306.cdf'</a:t>
+            </a:r>
+            <a:r>
+              <a:rPr lang="en-US" b="1" dirty="0" smtClean="0">
+                <a:latin typeface="Courier"/>
+                <a:cs typeface="Courier"/>
+              </a:rPr>
+              <a:t>)</a:t>
+            </a:r>
+          </a:p>
+          <a:p>
+            <a:pPr marL="0" indent="0">
+              <a:buNone/>
+            </a:pPr>
+            <a:r>
+              <a:rPr lang="en-US" dirty="0" smtClean="0">
+                <a:latin typeface="Courier"/>
+                <a:cs typeface="Courier"/>
+              </a:rPr>
+              <a:t> </a:t>
+            </a:r>
+          </a:p>
+          <a:p>
+            <a:pPr marL="0" indent="0">
+              <a:buNone/>
+            </a:pPr>
+            <a:r>
+              <a:rPr lang="en-US" dirty="0" err="1" smtClean="0">
+                <a:latin typeface="Courier"/>
+                <a:cs typeface="Courier"/>
+              </a:rPr>
+              <a:t>dataobj</a:t>
+            </a:r>
+            <a:r>
+              <a:rPr lang="en-US" dirty="0" smtClean="0">
+                <a:latin typeface="Courier"/>
+                <a:cs typeface="Courier"/>
+              </a:rPr>
+              <a:t> object created : 25-Jul-2015 23:25:41</a:t>
+            </a:r>
+          </a:p>
+          <a:p>
+            <a:pPr marL="0" indent="0">
+              <a:buNone/>
+            </a:pPr>
+            <a:r>
+              <a:rPr lang="en-US" dirty="0" smtClean="0">
+                <a:latin typeface="Courier"/>
+                <a:cs typeface="Courier"/>
+              </a:rPr>
+              <a:t> </a:t>
+            </a:r>
+          </a:p>
+          <a:p>
+            <a:pPr marL="0" indent="0">
+              <a:buNone/>
+            </a:pPr>
+            <a:r>
+              <a:rPr lang="en-US" dirty="0" smtClean="0">
+                <a:latin typeface="Courier"/>
+                <a:cs typeface="Courier"/>
+              </a:rPr>
+              <a:t>Variables:</a:t>
+            </a:r>
+          </a:p>
+          <a:p>
+            <a:pPr marL="0" indent="0">
+              <a:buNone/>
+            </a:pPr>
+            <a:r>
+              <a:rPr lang="en-US" dirty="0" smtClean="0">
+                <a:latin typeface="Courier"/>
+                <a:cs typeface="Courier"/>
+              </a:rPr>
+              <a:t>time_tags__C1_CP_FGM_FULL : epoch : 2018 recs</a:t>
+            </a:r>
+          </a:p>
+          <a:p>
+            <a:pPr marL="0" indent="0">
+              <a:buNone/>
+            </a:pPr>
+            <a:r>
+              <a:rPr lang="en-US" dirty="0" smtClean="0">
+                <a:latin typeface="Courier"/>
+                <a:cs typeface="Courier"/>
+              </a:rPr>
+              <a:t>half_interval__C1_CP_FGM_FULL : single : 2018 recs</a:t>
+            </a:r>
+          </a:p>
+          <a:p>
+            <a:pPr marL="0" indent="0">
+              <a:buNone/>
+            </a:pPr>
+            <a:r>
+              <a:rPr lang="en-US" dirty="0" smtClean="0">
+                <a:latin typeface="Courier"/>
+                <a:cs typeface="Courier"/>
+              </a:rPr>
+              <a:t>B_vec_xyz_gse__C1_CP_FGM_FULL : single : 2018 recs</a:t>
+            </a:r>
+          </a:p>
+          <a:p>
+            <a:pPr marL="0" indent="0">
+              <a:buNone/>
+            </a:pPr>
+            <a:r>
+              <a:rPr lang="en-US" dirty="0" smtClean="0">
+                <a:latin typeface="Courier"/>
+                <a:cs typeface="Courier"/>
+              </a:rPr>
+              <a:t>B_mag__C1_CP_FGM_FULL : single : 2018 recs</a:t>
+            </a:r>
+          </a:p>
+          <a:p>
+            <a:pPr marL="0" indent="0">
+              <a:buNone/>
+            </a:pPr>
+            <a:r>
+              <a:rPr lang="en-US" dirty="0" smtClean="0">
+                <a:latin typeface="Courier"/>
+                <a:cs typeface="Courier"/>
+              </a:rPr>
+              <a:t>sc_pos_xyz_gse__C1_CP_FGM_FULL : single : 2018 recs</a:t>
+            </a:r>
+          </a:p>
+          <a:p>
+            <a:pPr marL="0" indent="0">
+              <a:buNone/>
+            </a:pPr>
+            <a:r>
+              <a:rPr lang="en-US" dirty="0" smtClean="0">
+                <a:latin typeface="Courier"/>
+                <a:cs typeface="Courier"/>
+              </a:rPr>
+              <a:t>range__C1_CP_FGM_FULL : int32 : 2018 recs</a:t>
+            </a:r>
+          </a:p>
+          <a:p>
+            <a:pPr marL="0" indent="0">
+              <a:buNone/>
+            </a:pPr>
+            <a:r>
+              <a:rPr lang="en-US" dirty="0" smtClean="0">
+                <a:latin typeface="Courier"/>
+                <a:cs typeface="Courier"/>
+              </a:rPr>
+              <a:t>tm__C1_CP_FGM_FULL : int32 : 2018 recs</a:t>
+            </a:r>
+          </a:p>
+          <a:p>
+            <a:pPr marL="0" indent="0">
+              <a:buNone/>
+            </a:pPr>
+            <a:endParaRPr lang="en-US" dirty="0" smtClean="0">
+              <a:latin typeface="Courier"/>
+              <a:cs typeface="Courier"/>
+            </a:endParaRPr>
+          </a:p>
+          <a:p>
+            <a:pPr marL="0" indent="0">
+              <a:buNone/>
+            </a:pPr>
+            <a:r>
+              <a:rPr lang="en-US" dirty="0" smtClean="0">
+                <a:latin typeface="Courier"/>
+                <a:cs typeface="Courier"/>
+              </a:rPr>
+              <a:t>&gt;&gt; </a:t>
+            </a:r>
+            <a:r>
+              <a:rPr lang="en-US" b="1" dirty="0" smtClean="0">
+                <a:latin typeface="Courier"/>
+                <a:cs typeface="Courier"/>
+              </a:rPr>
+              <a:t>B=</a:t>
+            </a:r>
+            <a:r>
+              <a:rPr lang="en-US" b="1" dirty="0" err="1" smtClean="0">
+                <a:latin typeface="Courier"/>
+                <a:cs typeface="Courier"/>
+              </a:rPr>
+              <a:t>get_ts</a:t>
+            </a:r>
+            <a:r>
+              <a:rPr lang="en-US" b="1" dirty="0" smtClean="0">
+                <a:latin typeface="Courier"/>
+                <a:cs typeface="Courier"/>
+              </a:rPr>
+              <a:t>(D,</a:t>
+            </a:r>
+            <a:r>
+              <a:rPr lang="en-US" b="1" dirty="0" smtClean="0">
+                <a:solidFill>
+                  <a:srgbClr val="8064A2"/>
+                </a:solidFill>
+                <a:latin typeface="Courier"/>
+                <a:cs typeface="Courier"/>
+              </a:rPr>
+              <a:t>'B_vec_xyz_gse__C1_CP_FGM_FULL’</a:t>
+            </a:r>
+            <a:r>
+              <a:rPr lang="en-US" b="1" dirty="0" smtClean="0">
+                <a:latin typeface="Courier"/>
+                <a:cs typeface="Courier"/>
+              </a:rPr>
+              <a:t>)</a:t>
+            </a:r>
+          </a:p>
+          <a:p>
+            <a:pPr marL="0" indent="0">
+              <a:buNone/>
+            </a:pPr>
+            <a:endParaRPr lang="en-US" b="1" dirty="0" smtClean="0">
+              <a:latin typeface="Courier"/>
+              <a:cs typeface="Courier"/>
+            </a:endParaRPr>
+          </a:p>
+          <a:p>
+            <a:pPr marL="0" indent="0">
+              <a:buNone/>
+            </a:pPr>
+            <a:r>
+              <a:rPr lang="en-US" dirty="0" smtClean="0">
+                <a:latin typeface="Courier"/>
+                <a:cs typeface="Courier"/>
+              </a:rPr>
+              <a:t>B = </a:t>
+            </a:r>
+          </a:p>
+          <a:p>
+            <a:pPr marL="0" indent="0">
+              <a:buNone/>
+            </a:pPr>
+            <a:endParaRPr lang="en-US" dirty="0" smtClean="0">
+              <a:latin typeface="Courier"/>
+              <a:cs typeface="Courier"/>
+            </a:endParaRPr>
+          </a:p>
+          <a:p>
+            <a:pPr marL="0" indent="0">
+              <a:buNone/>
+            </a:pPr>
+            <a:r>
+              <a:rPr lang="en-US" dirty="0" smtClean="0">
+                <a:latin typeface="Courier"/>
+                <a:cs typeface="Courier"/>
+              </a:rPr>
+              <a:t>  </a:t>
+            </a:r>
+            <a:r>
+              <a:rPr lang="en-US" dirty="0" err="1" smtClean="0">
+                <a:latin typeface="Courier"/>
+                <a:cs typeface="Courier"/>
+              </a:rPr>
+              <a:t>TSeries</a:t>
+            </a:r>
+            <a:r>
+              <a:rPr lang="en-US" dirty="0" smtClean="0">
+                <a:latin typeface="Courier"/>
+                <a:cs typeface="Courier"/>
+              </a:rPr>
+              <a:t> with properties:</a:t>
+            </a:r>
+          </a:p>
+          <a:p>
+            <a:pPr marL="0" indent="0">
+              <a:buNone/>
+            </a:pPr>
+            <a:endParaRPr lang="en-US" dirty="0" smtClean="0">
+              <a:latin typeface="Courier"/>
+              <a:cs typeface="Courier"/>
+            </a:endParaRPr>
+          </a:p>
+          <a:p>
+            <a:pPr marL="0" indent="0">
+              <a:buNone/>
+            </a:pPr>
+            <a:r>
+              <a:rPr lang="en-US" dirty="0" smtClean="0">
+                <a:latin typeface="Courier"/>
+                <a:cs typeface="Courier"/>
+              </a:rPr>
+              <a:t>              data: [2018x3 single]</a:t>
+            </a:r>
+          </a:p>
+          <a:p>
+            <a:pPr marL="0" indent="0">
+              <a:buNone/>
+            </a:pPr>
+            <a:r>
+              <a:rPr lang="en-US" dirty="0" smtClean="0">
+                <a:latin typeface="Courier"/>
+                <a:cs typeface="Courier"/>
+              </a:rPr>
+              <a:t>              time: [2018x1 </a:t>
+            </a:r>
+            <a:r>
+              <a:rPr lang="en-US" dirty="0" err="1" smtClean="0">
+                <a:latin typeface="Courier"/>
+                <a:cs typeface="Courier"/>
+              </a:rPr>
+              <a:t>EpochUnix</a:t>
+            </a:r>
+            <a:r>
+              <a:rPr lang="en-US" dirty="0" smtClean="0">
+                <a:latin typeface="Courier"/>
+                <a:cs typeface="Courier"/>
+              </a:rPr>
+              <a:t>]</a:t>
+            </a:r>
+          </a:p>
+          <a:p>
+            <a:pPr marL="0" indent="0">
+              <a:buNone/>
+            </a:pPr>
+            <a:r>
+              <a:rPr lang="en-US" dirty="0" smtClean="0">
+                <a:latin typeface="Courier"/>
+                <a:cs typeface="Courier"/>
+              </a:rPr>
+              <a:t>       </a:t>
+            </a:r>
+            <a:r>
+              <a:rPr lang="en-US" dirty="0" err="1" smtClean="0">
+                <a:latin typeface="Courier"/>
+                <a:cs typeface="Courier"/>
+              </a:rPr>
+              <a:t>tensorOrder</a:t>
+            </a:r>
+            <a:r>
+              <a:rPr lang="en-US" dirty="0" smtClean="0">
+                <a:latin typeface="Courier"/>
+                <a:cs typeface="Courier"/>
+              </a:rPr>
+              <a:t>: 1</a:t>
+            </a:r>
+          </a:p>
+          <a:p>
+            <a:pPr marL="0" indent="0">
+              <a:buNone/>
+            </a:pPr>
+            <a:r>
+              <a:rPr lang="en-US" dirty="0" smtClean="0">
+                <a:latin typeface="Courier"/>
+                <a:cs typeface="Courier"/>
+              </a:rPr>
+              <a:t>       </a:t>
+            </a:r>
+            <a:r>
+              <a:rPr lang="en-US" dirty="0" err="1" smtClean="0">
+                <a:latin typeface="Courier"/>
+                <a:cs typeface="Courier"/>
+              </a:rPr>
+              <a:t>tensorBasis</a:t>
+            </a:r>
+            <a:r>
+              <a:rPr lang="en-US" dirty="0" smtClean="0">
+                <a:latin typeface="Courier"/>
+                <a:cs typeface="Courier"/>
+              </a:rPr>
+              <a:t>: 'xyz (Cartesian)'</a:t>
+            </a:r>
+          </a:p>
+          <a:p>
+            <a:pPr marL="0" indent="0">
+              <a:buNone/>
+            </a:pPr>
+            <a:r>
+              <a:rPr lang="en-US" dirty="0" smtClean="0">
+                <a:latin typeface="Courier"/>
+                <a:cs typeface="Courier"/>
+              </a:rPr>
+              <a:t>    representation: {2x1 cell}</a:t>
+            </a:r>
+          </a:p>
+          <a:p>
+            <a:pPr marL="0" indent="0">
+              <a:buNone/>
+            </a:pPr>
+            <a:r>
+              <a:rPr lang="en-US" dirty="0" smtClean="0">
+                <a:latin typeface="Courier"/>
+                <a:cs typeface="Courier"/>
+              </a:rPr>
+              <a:t>              name: 'B_vec_xyz_gse__C1_CP_FGM_FULL'</a:t>
+            </a:r>
+          </a:p>
+          <a:p>
+            <a:pPr marL="0" indent="0">
+              <a:buNone/>
+            </a:pPr>
+            <a:r>
+              <a:rPr lang="en-US" dirty="0" smtClean="0">
+                <a:latin typeface="Courier"/>
+                <a:cs typeface="Courier"/>
+              </a:rPr>
+              <a:t>             units: '</a:t>
+            </a:r>
+            <a:r>
+              <a:rPr lang="en-US" dirty="0" err="1" smtClean="0">
+                <a:latin typeface="Courier"/>
+                <a:cs typeface="Courier"/>
+              </a:rPr>
+              <a:t>nT</a:t>
+            </a:r>
+            <a:r>
+              <a:rPr lang="en-US" dirty="0" smtClean="0">
+                <a:latin typeface="Courier"/>
+                <a:cs typeface="Courier"/>
+              </a:rPr>
+              <a:t>'</a:t>
+            </a:r>
+          </a:p>
+          <a:p>
+            <a:pPr marL="0" indent="0">
+              <a:buNone/>
+            </a:pPr>
+            <a:r>
+              <a:rPr lang="en-US" dirty="0" smtClean="0">
+                <a:latin typeface="Courier"/>
+                <a:cs typeface="Courier"/>
+              </a:rPr>
+              <a:t>          </a:t>
+            </a:r>
+            <a:r>
+              <a:rPr lang="en-US" dirty="0" err="1" smtClean="0">
+                <a:latin typeface="Courier"/>
+                <a:cs typeface="Courier"/>
+              </a:rPr>
+              <a:t>userData</a:t>
+            </a:r>
+            <a:r>
+              <a:rPr lang="en-US" dirty="0" smtClean="0">
+                <a:latin typeface="Courier"/>
+                <a:cs typeface="Courier"/>
+              </a:rPr>
+              <a:t>: [1x1 </a:t>
+            </a:r>
+            <a:r>
+              <a:rPr lang="en-US" dirty="0" err="1" smtClean="0">
+                <a:latin typeface="Courier"/>
+                <a:cs typeface="Courier"/>
+              </a:rPr>
+              <a:t>struct</a:t>
+            </a:r>
+            <a:r>
+              <a:rPr lang="en-US" dirty="0" smtClean="0">
+                <a:latin typeface="Courier"/>
+                <a:cs typeface="Courier"/>
+              </a:rPr>
+              <a:t>]</a:t>
+            </a:r>
+          </a:p>
+          <a:p>
+            <a:pPr marL="0" indent="0">
+              <a:buNone/>
+            </a:pPr>
+            <a:endParaRPr lang="en-US" dirty="0" smtClean="0">
+              <a:latin typeface="Courier"/>
+              <a:cs typeface="Courier"/>
+            </a:endParaRPr>
+          </a:p>
+          <a:p>
+            <a:pPr marL="0" indent="0">
+              <a:buNone/>
+            </a:pPr>
+            <a:r>
+              <a:rPr lang="en-US" dirty="0" smtClean="0">
+                <a:latin typeface="Courier"/>
+                <a:cs typeface="Courier"/>
+              </a:rPr>
+              <a:t>&gt;&gt; </a:t>
+            </a:r>
+            <a:r>
+              <a:rPr lang="en-US" b="1" dirty="0" err="1" smtClean="0">
+                <a:latin typeface="Courier"/>
+                <a:cs typeface="Courier"/>
+              </a:rPr>
+              <a:t>irf_plot</a:t>
+            </a:r>
+            <a:r>
+              <a:rPr lang="en-US" b="1" dirty="0" smtClean="0">
+                <a:latin typeface="Courier"/>
+                <a:cs typeface="Courier"/>
+              </a:rPr>
+              <a:t>(</a:t>
+            </a:r>
+            <a:r>
+              <a:rPr lang="en-US" b="1" dirty="0" err="1" smtClean="0">
+                <a:latin typeface="Courier"/>
+                <a:cs typeface="Courier"/>
+              </a:rPr>
+              <a:t>B.z</a:t>
+            </a:r>
+            <a:r>
+              <a:rPr lang="en-US" b="1" dirty="0" smtClean="0">
+                <a:latin typeface="Courier"/>
+                <a:cs typeface="Courier"/>
+              </a:rPr>
+              <a:t>)</a:t>
+            </a:r>
+          </a:p>
+          <a:p>
+            <a:pPr marL="0" indent="0">
+              <a:buNone/>
+            </a:pPr>
+            <a:r>
+              <a:rPr lang="en-US" dirty="0" smtClean="0">
+                <a:latin typeface="Courier"/>
+                <a:cs typeface="Courier"/>
+              </a:rPr>
+              <a:t>&gt;&gt; </a:t>
+            </a:r>
+            <a:r>
+              <a:rPr lang="en-US" b="1" dirty="0" err="1" smtClean="0">
+                <a:latin typeface="Courier"/>
+                <a:cs typeface="Courier"/>
+              </a:rPr>
+              <a:t>B.name</a:t>
+            </a:r>
+            <a:r>
+              <a:rPr lang="en-US" b="1" dirty="0" smtClean="0">
+                <a:latin typeface="Courier"/>
+                <a:cs typeface="Courier"/>
+              </a:rPr>
+              <a:t>=</a:t>
+            </a:r>
+            <a:r>
+              <a:rPr lang="en-US" b="1" dirty="0" smtClean="0">
+                <a:solidFill>
+                  <a:srgbClr val="8064A2"/>
+                </a:solidFill>
+                <a:latin typeface="Courier"/>
+                <a:cs typeface="Courier"/>
+              </a:rPr>
+              <a:t>'B__C1'</a:t>
+            </a:r>
+          </a:p>
+          <a:p>
+            <a:pPr marL="0" indent="0">
+              <a:buNone/>
+            </a:pPr>
+            <a:endParaRPr lang="en-US" dirty="0" smtClean="0">
+              <a:latin typeface="Courier"/>
+              <a:cs typeface="Courier"/>
+            </a:endParaRPr>
+          </a:p>
+          <a:p>
+            <a:pPr marL="0" indent="0">
+              <a:buNone/>
+            </a:pPr>
+            <a:r>
+              <a:rPr lang="en-US" dirty="0" smtClean="0">
+                <a:latin typeface="Courier"/>
+                <a:cs typeface="Courier"/>
+              </a:rPr>
+              <a:t>B = </a:t>
+            </a:r>
+          </a:p>
+          <a:p>
+            <a:pPr marL="0" indent="0">
+              <a:buNone/>
+            </a:pPr>
+            <a:endParaRPr lang="en-US" dirty="0" smtClean="0">
+              <a:latin typeface="Courier"/>
+              <a:cs typeface="Courier"/>
+            </a:endParaRPr>
+          </a:p>
+          <a:p>
+            <a:pPr marL="0" indent="0">
+              <a:buNone/>
+            </a:pPr>
+            <a:r>
+              <a:rPr lang="en-US" dirty="0" smtClean="0">
+                <a:latin typeface="Courier"/>
+                <a:cs typeface="Courier"/>
+              </a:rPr>
+              <a:t>  </a:t>
+            </a:r>
+            <a:r>
+              <a:rPr lang="en-US" dirty="0" err="1" smtClean="0">
+                <a:latin typeface="Courier"/>
+                <a:cs typeface="Courier"/>
+              </a:rPr>
+              <a:t>TSeries</a:t>
+            </a:r>
+            <a:r>
+              <a:rPr lang="en-US" dirty="0" smtClean="0">
+                <a:latin typeface="Courier"/>
+                <a:cs typeface="Courier"/>
+              </a:rPr>
+              <a:t> with properties:</a:t>
+            </a:r>
+          </a:p>
+          <a:p>
+            <a:pPr marL="0" indent="0">
+              <a:buNone/>
+            </a:pPr>
+            <a:endParaRPr lang="en-US" dirty="0" smtClean="0">
+              <a:latin typeface="Courier"/>
+              <a:cs typeface="Courier"/>
+            </a:endParaRPr>
+          </a:p>
+          <a:p>
+            <a:pPr marL="0" indent="0">
+              <a:buNone/>
+            </a:pPr>
+            <a:r>
+              <a:rPr lang="en-US" dirty="0" smtClean="0">
+                <a:latin typeface="Courier"/>
+                <a:cs typeface="Courier"/>
+              </a:rPr>
+              <a:t>              data: [2018x3 single]</a:t>
+            </a:r>
+          </a:p>
+          <a:p>
+            <a:pPr marL="0" indent="0">
+              <a:buNone/>
+            </a:pPr>
+            <a:r>
+              <a:rPr lang="en-US" dirty="0" smtClean="0">
+                <a:latin typeface="Courier"/>
+                <a:cs typeface="Courier"/>
+              </a:rPr>
+              <a:t>              time: [2018x1 </a:t>
+            </a:r>
+            <a:r>
+              <a:rPr lang="en-US" dirty="0" err="1" smtClean="0">
+                <a:latin typeface="Courier"/>
+                <a:cs typeface="Courier"/>
+              </a:rPr>
+              <a:t>EpochUnix</a:t>
+            </a:r>
+            <a:r>
+              <a:rPr lang="en-US" dirty="0" smtClean="0">
+                <a:latin typeface="Courier"/>
+                <a:cs typeface="Courier"/>
+              </a:rPr>
+              <a:t>]</a:t>
+            </a:r>
+          </a:p>
+          <a:p>
+            <a:pPr marL="0" indent="0">
+              <a:buNone/>
+            </a:pPr>
+            <a:r>
+              <a:rPr lang="en-US" dirty="0" smtClean="0">
+                <a:latin typeface="Courier"/>
+                <a:cs typeface="Courier"/>
+              </a:rPr>
+              <a:t>       </a:t>
+            </a:r>
+            <a:r>
+              <a:rPr lang="en-US" dirty="0" err="1" smtClean="0">
+                <a:latin typeface="Courier"/>
+                <a:cs typeface="Courier"/>
+              </a:rPr>
+              <a:t>tensorOrder</a:t>
+            </a:r>
+            <a:r>
+              <a:rPr lang="en-US" dirty="0" smtClean="0">
+                <a:latin typeface="Courier"/>
+                <a:cs typeface="Courier"/>
+              </a:rPr>
+              <a:t>: 1</a:t>
+            </a:r>
+          </a:p>
+          <a:p>
+            <a:pPr marL="0" indent="0">
+              <a:buNone/>
+            </a:pPr>
+            <a:r>
+              <a:rPr lang="en-US" dirty="0" smtClean="0">
+                <a:latin typeface="Courier"/>
+                <a:cs typeface="Courier"/>
+              </a:rPr>
+              <a:t>       </a:t>
+            </a:r>
+            <a:r>
+              <a:rPr lang="en-US" dirty="0" err="1" smtClean="0">
+                <a:latin typeface="Courier"/>
+                <a:cs typeface="Courier"/>
+              </a:rPr>
+              <a:t>tensorBasis</a:t>
+            </a:r>
+            <a:r>
+              <a:rPr lang="en-US" dirty="0" smtClean="0">
+                <a:latin typeface="Courier"/>
+                <a:cs typeface="Courier"/>
+              </a:rPr>
+              <a:t>: 'xyz (Cartesian)'</a:t>
+            </a:r>
+          </a:p>
+          <a:p>
+            <a:pPr marL="0" indent="0">
+              <a:buNone/>
+            </a:pPr>
+            <a:r>
+              <a:rPr lang="en-US" dirty="0" smtClean="0">
+                <a:latin typeface="Courier"/>
+                <a:cs typeface="Courier"/>
+              </a:rPr>
+              <a:t>    representation: {2x1 cell}</a:t>
+            </a:r>
+          </a:p>
+          <a:p>
+            <a:pPr marL="0" indent="0">
+              <a:buNone/>
+            </a:pPr>
+            <a:r>
+              <a:rPr lang="en-US" dirty="0" smtClean="0">
+                <a:latin typeface="Courier"/>
+                <a:cs typeface="Courier"/>
+              </a:rPr>
+              <a:t>              name: 'B__C1'</a:t>
+            </a:r>
+          </a:p>
+          <a:p>
+            <a:pPr marL="0" indent="0">
+              <a:buNone/>
+            </a:pPr>
+            <a:r>
+              <a:rPr lang="en-US" dirty="0" smtClean="0">
+                <a:latin typeface="Courier"/>
+                <a:cs typeface="Courier"/>
+              </a:rPr>
+              <a:t>             units: '</a:t>
+            </a:r>
+            <a:r>
+              <a:rPr lang="en-US" dirty="0" err="1" smtClean="0">
+                <a:latin typeface="Courier"/>
+                <a:cs typeface="Courier"/>
+              </a:rPr>
+              <a:t>nT</a:t>
+            </a:r>
+            <a:r>
+              <a:rPr lang="en-US" dirty="0" smtClean="0">
+                <a:latin typeface="Courier"/>
+                <a:cs typeface="Courier"/>
+              </a:rPr>
+              <a:t>'</a:t>
+            </a:r>
+          </a:p>
+          <a:p>
+            <a:pPr marL="0" indent="0">
+              <a:buNone/>
+            </a:pPr>
+            <a:r>
+              <a:rPr lang="en-US" dirty="0" smtClean="0">
+                <a:latin typeface="Courier"/>
+                <a:cs typeface="Courier"/>
+              </a:rPr>
+              <a:t>          </a:t>
+            </a:r>
+            <a:r>
+              <a:rPr lang="en-US" dirty="0" err="1" smtClean="0">
+                <a:latin typeface="Courier"/>
+                <a:cs typeface="Courier"/>
+              </a:rPr>
+              <a:t>userData</a:t>
+            </a:r>
+            <a:r>
+              <a:rPr lang="en-US" dirty="0" smtClean="0">
+                <a:latin typeface="Courier"/>
+                <a:cs typeface="Courier"/>
+              </a:rPr>
+              <a:t>: [1x1 </a:t>
+            </a:r>
+            <a:r>
+              <a:rPr lang="en-US" dirty="0" err="1" smtClean="0">
+                <a:latin typeface="Courier"/>
+                <a:cs typeface="Courier"/>
+              </a:rPr>
+              <a:t>struct</a:t>
+            </a:r>
+            <a:r>
+              <a:rPr lang="en-US" dirty="0" smtClean="0">
+                <a:latin typeface="Courier"/>
+                <a:cs typeface="Courier"/>
+              </a:rPr>
+              <a:t>]</a:t>
+            </a:r>
+            <a:endParaRPr lang="en-US" dirty="0">
+              <a:latin typeface="Courier"/>
+              <a:cs typeface="Courier"/>
+            </a:endParaRPr>
+          </a:p>
+        </p:txBody>
+      </p:sp>
+    </p:spTree>
+    <p:extLst>
+      <p:ext uri="{BB962C8B-B14F-4D97-AF65-F5344CB8AC3E}">
+        <p14:creationId xmlns:p14="http://schemas.microsoft.com/office/powerpoint/2010/main" val="2298536950"/>
+      </p:ext>
+    </p:extLst>
+  </p:cSld>
+  <p:clrMapOvr>
+    <a:masterClrMapping/>
+  </p:clrMapOvr>
+</p:sld>
+</file>
+
+<file path=ppt/slides/slide16.xml><?xml version="1.0" encoding="utf-8"?>
+<p:sld xmlns:a="http://schemas.openxmlformats.org/drawingml/2006/main" xmlns:r="http://schemas.openxmlformats.org/officeDocument/2006/relationships" xmlns:p="http://schemas.openxmlformats.org/presentationml/2006/main">
+  <p:cSld>
+    <p:spTree>
+      <p:nvGrpSpPr>
+        <p:cNvPr id="1" name=""/>
+        <p:cNvGrpSpPr/>
+        <p:nvPr/>
+      </p:nvGrpSpPr>
+      <p:grpSpPr>
+        <a:xfrm>
+          <a:off x="0" y="0"/>
+          <a:ext cx="0" cy="0"/>
+          <a:chOff x="0" y="0"/>
+          <a:chExt cx="0" cy="0"/>
+        </a:xfrm>
+      </p:grpSpPr>
+      <p:sp>
+        <p:nvSpPr>
+          <p:cNvPr id="2" name="Title 1"/>
+          <p:cNvSpPr>
+            <a:spLocks noGrp="1"/>
+          </p:cNvSpPr>
+          <p:nvPr>
+            <p:ph type="title"/>
+          </p:nvPr>
+        </p:nvSpPr>
+        <p:spPr/>
+        <p:txBody>
+          <a:bodyPr/>
+          <a:lstStyle/>
+          <a:p>
+            <a:r>
+              <a:rPr lang="en-US" dirty="0" smtClean="0"/>
+              <a:t>Exercise 4</a:t>
+            </a:r>
+            <a:endParaRPr lang="en-US" dirty="0"/>
+          </a:p>
+        </p:txBody>
+      </p:sp>
+      <p:sp>
+        <p:nvSpPr>
+          <p:cNvPr id="3" name="Content Placeholder 2"/>
+          <p:cNvSpPr>
+            <a:spLocks noGrp="1"/>
+          </p:cNvSpPr>
+          <p:nvPr>
+            <p:ph idx="1"/>
+          </p:nvPr>
+        </p:nvSpPr>
+        <p:spPr/>
+        <p:txBody>
+          <a:bodyPr/>
+          <a:lstStyle/>
+          <a:p>
+            <a:r>
+              <a:rPr lang="en-US" dirty="0" smtClean="0"/>
+              <a:t>Make a plot for C1, 2 panels:</a:t>
+            </a:r>
+          </a:p>
+          <a:p>
+            <a:pPr lvl="1"/>
+            <a:r>
+              <a:rPr lang="en-US" dirty="0" smtClean="0"/>
+              <a:t>E and B</a:t>
+            </a:r>
+          </a:p>
+          <a:p>
+            <a:r>
+              <a:rPr lang="en-US" dirty="0" smtClean="0"/>
+              <a:t>Make a plot for C1..C4, 4 panels:</a:t>
+            </a:r>
+          </a:p>
+          <a:p>
+            <a:pPr lvl="1"/>
+            <a:r>
+              <a:rPr lang="en-US" dirty="0" err="1" smtClean="0"/>
+              <a:t>Bx</a:t>
+            </a:r>
+            <a:r>
+              <a:rPr lang="en-US" dirty="0" smtClean="0"/>
+              <a:t>, By, </a:t>
+            </a:r>
+            <a:r>
+              <a:rPr lang="en-US" dirty="0" err="1" smtClean="0"/>
+              <a:t>Bz</a:t>
+            </a:r>
+            <a:r>
+              <a:rPr lang="en-US" dirty="0" smtClean="0"/>
+              <a:t>, </a:t>
+            </a:r>
+            <a:r>
+              <a:rPr lang="en-US" dirty="0" err="1" smtClean="0"/>
+              <a:t>Btot</a:t>
+            </a:r>
+            <a:endParaRPr lang="en-US" dirty="0"/>
+          </a:p>
+        </p:txBody>
+      </p:sp>
+    </p:spTree>
+    <p:extLst>
+      <p:ext uri="{BB962C8B-B14F-4D97-AF65-F5344CB8AC3E}">
+        <p14:creationId xmlns:p14="http://schemas.microsoft.com/office/powerpoint/2010/main" val="1134018746"/>
+      </p:ext>
+    </p:extLst>
+  </p:cSld>
+  <p:clrMapOvr>
+    <a:masterClrMapping/>
+  </p:clrMapOvr>
+</p:sld>
+</file>
+
 <file path=ppt/slides/slide2.xml><?xml version="1.0" encoding="utf-8"?>
 <p:sld xmlns:a="http://schemas.openxmlformats.org/drawingml/2006/main" xmlns:r="http://schemas.openxmlformats.org/officeDocument/2006/relationships" xmlns:p="http://schemas.openxmlformats.org/presentationml/2006/main">
   <p:cSld>
@@ -7700,6 +10028,13 @@
   <p:clrMapOvr>
     <a:masterClrMapping/>
   </p:clrMapOvr>
+  <p:timing>
+    <p:tnLst>
+      <p:par>
+        <p:cTn xmlns:p14="http://schemas.microsoft.com/office/powerpoint/2010/main" id="1" dur="indefinite" restart="never" nodeType="tmRoot"/>
+      </p:par>
+    </p:tnLst>
+  </p:timing>
 </p:sld>
 </file>
 
@@ -7737,7 +10072,11 @@
           <a:p>
             <a:r>
               <a:rPr lang="en-US" dirty="0" smtClean="0"/>
-              <a:t>Time</a:t>
+              <a:t>Ex1 : </a:t>
+            </a:r>
+            <a:r>
+              <a:rPr lang="en-US" dirty="0" err="1" smtClean="0"/>
+              <a:t>dataobj</a:t>
             </a:r>
             <a:endParaRPr lang="en-US" dirty="0"/>
           </a:p>
@@ -7753,25 +10092,588 @@
             <p:ph idx="1"/>
           </p:nvPr>
         </p:nvSpPr>
-        <p:spPr/>
+        <p:spPr>
+          <a:xfrm>
+            <a:off x="457200" y="1417638"/>
+            <a:ext cx="8229600" cy="5245948"/>
+          </a:xfrm>
+        </p:spPr>
         <p:txBody>
-          <a:bodyPr/>
+          <a:bodyPr>
+            <a:normAutofit fontScale="25000" lnSpcReduction="20000"/>
+          </a:bodyPr>
           <a:lstStyle/>
           <a:p>
-            <a:endParaRPr lang="en-US"/>
+            <a:r>
+              <a:rPr lang="en-US" dirty="0" err="1">
+                <a:latin typeface="Courier"/>
+                <a:cs typeface="Courier"/>
+              </a:rPr>
+              <a:t>d</a:t>
+            </a:r>
+            <a:r>
+              <a:rPr lang="en-US" dirty="0" err="1" smtClean="0">
+                <a:latin typeface="Courier"/>
+                <a:cs typeface="Courier"/>
+              </a:rPr>
+              <a:t>ataobj</a:t>
+            </a:r>
+            <a:r>
+              <a:rPr lang="en-US" dirty="0" smtClean="0"/>
+              <a:t> class – representation of a CDF file in </a:t>
+            </a:r>
+            <a:r>
+              <a:rPr lang="en-US" dirty="0" err="1" smtClean="0"/>
+              <a:t>Matlab</a:t>
+            </a:r>
+            <a:r>
+              <a:rPr lang="en-US" dirty="0" smtClean="0"/>
+              <a:t>, contains both metadata and data</a:t>
+            </a:r>
+          </a:p>
+          <a:p>
+            <a:r>
+              <a:rPr lang="en-US" dirty="0" err="1" smtClean="0"/>
+              <a:t>Matlab</a:t>
+            </a:r>
+            <a:r>
+              <a:rPr lang="en-US" dirty="0" smtClean="0"/>
+              <a:t> code:</a:t>
+            </a:r>
+          </a:p>
+          <a:p>
+            <a:pPr marL="0" indent="0">
+              <a:buNone/>
+            </a:pPr>
+            <a:r>
+              <a:rPr lang="en-US" dirty="0" smtClean="0">
+                <a:latin typeface="Courier"/>
+                <a:cs typeface="Courier"/>
+              </a:rPr>
+              <a:t>&gt;&gt; </a:t>
+            </a:r>
+            <a:r>
+              <a:rPr lang="en-US" b="1" dirty="0" smtClean="0">
+                <a:latin typeface="Courier"/>
+                <a:cs typeface="Courier"/>
+              </a:rPr>
+              <a:t>D=</a:t>
+            </a:r>
+            <a:r>
+              <a:rPr lang="en-US" b="1" dirty="0" err="1" smtClean="0">
+                <a:latin typeface="Courier"/>
+                <a:cs typeface="Courier"/>
+              </a:rPr>
+              <a:t>dataobj</a:t>
+            </a:r>
+            <a:r>
+              <a:rPr lang="en-US" b="1" dirty="0" smtClean="0">
+                <a:latin typeface="Courier"/>
+                <a:cs typeface="Courier"/>
+              </a:rPr>
+              <a:t>(</a:t>
+            </a:r>
+            <a:r>
+              <a:rPr lang="en-US" b="1" dirty="0" smtClean="0">
+                <a:solidFill>
+                  <a:schemeClr val="accent4"/>
+                </a:solidFill>
+                <a:latin typeface="Courier"/>
+                <a:cs typeface="Courier"/>
+              </a:rPr>
+              <a:t>'CAA/C1_CP_FGM_FULL/C1_CP_FGM_FULL__20020330_131130_20020330_131200_V140306.cdf'</a:t>
+            </a:r>
+            <a:r>
+              <a:rPr lang="en-US" b="1" dirty="0" smtClean="0">
+                <a:latin typeface="Courier"/>
+                <a:cs typeface="Courier"/>
+              </a:rPr>
+              <a:t>)</a:t>
+            </a:r>
+          </a:p>
+          <a:p>
+            <a:pPr marL="0" indent="0">
+              <a:buNone/>
+            </a:pPr>
+            <a:r>
+              <a:rPr lang="en-US" dirty="0" smtClean="0">
+                <a:latin typeface="Courier"/>
+                <a:cs typeface="Courier"/>
+              </a:rPr>
+              <a:t> </a:t>
+            </a:r>
+          </a:p>
+          <a:p>
+            <a:pPr marL="0" indent="0">
+              <a:buNone/>
+            </a:pPr>
+            <a:r>
+              <a:rPr lang="en-US" dirty="0" err="1" smtClean="0">
+                <a:latin typeface="Courier"/>
+                <a:cs typeface="Courier"/>
+              </a:rPr>
+              <a:t>dataobj</a:t>
+            </a:r>
+            <a:r>
+              <a:rPr lang="en-US" dirty="0" smtClean="0">
+                <a:latin typeface="Courier"/>
+                <a:cs typeface="Courier"/>
+              </a:rPr>
+              <a:t> object created : 25-Jul-2015 23:25:41</a:t>
+            </a:r>
+          </a:p>
+          <a:p>
+            <a:pPr marL="0" indent="0">
+              <a:buNone/>
+            </a:pPr>
+            <a:r>
+              <a:rPr lang="en-US" dirty="0" smtClean="0">
+                <a:latin typeface="Courier"/>
+                <a:cs typeface="Courier"/>
+              </a:rPr>
+              <a:t> </a:t>
+            </a:r>
+          </a:p>
+          <a:p>
+            <a:pPr marL="0" indent="0">
+              <a:buNone/>
+            </a:pPr>
+            <a:r>
+              <a:rPr lang="en-US" dirty="0" smtClean="0">
+                <a:latin typeface="Courier"/>
+                <a:cs typeface="Courier"/>
+              </a:rPr>
+              <a:t>Variables:</a:t>
+            </a:r>
+          </a:p>
+          <a:p>
+            <a:pPr marL="0" indent="0">
+              <a:buNone/>
+            </a:pPr>
+            <a:r>
+              <a:rPr lang="en-US" dirty="0" smtClean="0">
+                <a:latin typeface="Courier"/>
+                <a:cs typeface="Courier"/>
+              </a:rPr>
+              <a:t>time_tags__C1_CP_FGM_FULL : epoch : 2018 recs</a:t>
+            </a:r>
+          </a:p>
+          <a:p>
+            <a:pPr marL="0" indent="0">
+              <a:buNone/>
+            </a:pPr>
+            <a:r>
+              <a:rPr lang="en-US" dirty="0" smtClean="0">
+                <a:latin typeface="Courier"/>
+                <a:cs typeface="Courier"/>
+              </a:rPr>
+              <a:t>half_interval__C1_CP_FGM_FULL : single : 2018 recs</a:t>
+            </a:r>
+          </a:p>
+          <a:p>
+            <a:pPr marL="0" indent="0">
+              <a:buNone/>
+            </a:pPr>
+            <a:r>
+              <a:rPr lang="en-US" dirty="0" smtClean="0">
+                <a:latin typeface="Courier"/>
+                <a:cs typeface="Courier"/>
+              </a:rPr>
+              <a:t>B_vec_xyz_gse__C1_CP_FGM_FULL : single : 2018 recs</a:t>
+            </a:r>
+          </a:p>
+          <a:p>
+            <a:pPr marL="0" indent="0">
+              <a:buNone/>
+            </a:pPr>
+            <a:r>
+              <a:rPr lang="en-US" dirty="0" smtClean="0">
+                <a:latin typeface="Courier"/>
+                <a:cs typeface="Courier"/>
+              </a:rPr>
+              <a:t>B_mag__C1_CP_FGM_FULL : single : 2018 recs</a:t>
+            </a:r>
+          </a:p>
+          <a:p>
+            <a:pPr marL="0" indent="0">
+              <a:buNone/>
+            </a:pPr>
+            <a:r>
+              <a:rPr lang="en-US" dirty="0" smtClean="0">
+                <a:latin typeface="Courier"/>
+                <a:cs typeface="Courier"/>
+              </a:rPr>
+              <a:t>sc_pos_xyz_gse__C1_CP_FGM_FULL : single : 2018 recs</a:t>
+            </a:r>
+          </a:p>
+          <a:p>
+            <a:pPr marL="0" indent="0">
+              <a:buNone/>
+            </a:pPr>
+            <a:r>
+              <a:rPr lang="en-US" dirty="0" smtClean="0">
+                <a:latin typeface="Courier"/>
+                <a:cs typeface="Courier"/>
+              </a:rPr>
+              <a:t>range__C1_CP_FGM_FULL : int32 : 2018 recs</a:t>
+            </a:r>
+          </a:p>
+          <a:p>
+            <a:pPr marL="0" indent="0">
+              <a:buNone/>
+            </a:pPr>
+            <a:r>
+              <a:rPr lang="en-US" dirty="0" smtClean="0">
+                <a:latin typeface="Courier"/>
+                <a:cs typeface="Courier"/>
+              </a:rPr>
+              <a:t>tm__C1_CP_FGM_FULL : int32 : 2018 recs</a:t>
+            </a:r>
+          </a:p>
+          <a:p>
+            <a:pPr marL="0" indent="0">
+              <a:buNone/>
+            </a:pPr>
+            <a:r>
+              <a:rPr lang="en-US" dirty="0" smtClean="0">
+                <a:latin typeface="Courier"/>
+                <a:cs typeface="Courier"/>
+              </a:rPr>
+              <a:t> </a:t>
+            </a:r>
+          </a:p>
+          <a:p>
+            <a:pPr marL="0" indent="0">
+              <a:buNone/>
+            </a:pPr>
+            <a:r>
+              <a:rPr lang="en-US" dirty="0" smtClean="0">
+                <a:latin typeface="Courier"/>
+                <a:cs typeface="Courier"/>
+              </a:rPr>
+              <a:t>&gt;&gt; </a:t>
+            </a:r>
+            <a:r>
+              <a:rPr lang="en-US" b="1" dirty="0" err="1" smtClean="0">
+                <a:latin typeface="Courier"/>
+                <a:cs typeface="Courier"/>
+              </a:rPr>
+              <a:t>D.VariableAttributes</a:t>
+            </a:r>
+            <a:endParaRPr lang="en-US" b="1" dirty="0" smtClean="0">
+              <a:latin typeface="Courier"/>
+              <a:cs typeface="Courier"/>
+            </a:endParaRPr>
+          </a:p>
+          <a:p>
+            <a:pPr marL="0" indent="0">
+              <a:buNone/>
+            </a:pPr>
+            <a:endParaRPr lang="en-US" dirty="0" smtClean="0">
+              <a:latin typeface="Courier"/>
+              <a:cs typeface="Courier"/>
+            </a:endParaRPr>
+          </a:p>
+          <a:p>
+            <a:pPr marL="0" indent="0">
+              <a:buNone/>
+            </a:pPr>
+            <a:r>
+              <a:rPr lang="en-US" dirty="0" err="1" smtClean="0">
+                <a:latin typeface="Courier"/>
+                <a:cs typeface="Courier"/>
+              </a:rPr>
+              <a:t>ans</a:t>
+            </a:r>
+            <a:r>
+              <a:rPr lang="en-US" dirty="0" smtClean="0">
+                <a:latin typeface="Courier"/>
+                <a:cs typeface="Courier"/>
+              </a:rPr>
+              <a:t> = </a:t>
+            </a:r>
+          </a:p>
+          <a:p>
+            <a:pPr marL="0" indent="0">
+              <a:buNone/>
+            </a:pPr>
+            <a:endParaRPr lang="en-US" dirty="0" smtClean="0">
+              <a:latin typeface="Courier"/>
+              <a:cs typeface="Courier"/>
+            </a:endParaRPr>
+          </a:p>
+          <a:p>
+            <a:pPr marL="0" indent="0">
+              <a:buNone/>
+            </a:pPr>
+            <a:r>
+              <a:rPr lang="en-US" dirty="0" smtClean="0">
+                <a:latin typeface="Courier"/>
+                <a:cs typeface="Courier"/>
+              </a:rPr>
+              <a:t>        PARAMETER_TYPE: {11x2 cell}</a:t>
+            </a:r>
+          </a:p>
+          <a:p>
+            <a:pPr marL="0" indent="0">
+              <a:buNone/>
+            </a:pPr>
+            <a:r>
+              <a:rPr lang="en-US" dirty="0" smtClean="0">
+                <a:latin typeface="Courier"/>
+                <a:cs typeface="Courier"/>
+              </a:rPr>
+              <a:t>               CATDESC: {7x2 cell}</a:t>
+            </a:r>
+          </a:p>
+          <a:p>
+            <a:pPr marL="0" indent="0">
+              <a:buNone/>
+            </a:pPr>
+            <a:r>
+              <a:rPr lang="en-US" dirty="0" smtClean="0">
+                <a:latin typeface="Courier"/>
+                <a:cs typeface="Courier"/>
+              </a:rPr>
+              <a:t>                 UNITS: {7x2 cell}</a:t>
+            </a:r>
+          </a:p>
+          <a:p>
+            <a:pPr marL="0" indent="0">
+              <a:buNone/>
+            </a:pPr>
+            <a:r>
+              <a:rPr lang="en-US" dirty="0" smtClean="0">
+                <a:latin typeface="Courier"/>
+                <a:cs typeface="Courier"/>
+              </a:rPr>
+              <a:t>         SI_CONVERSION: {5x2 cell}</a:t>
+            </a:r>
+          </a:p>
+          <a:p>
+            <a:pPr marL="0" indent="0">
+              <a:buNone/>
+            </a:pPr>
+            <a:r>
+              <a:rPr lang="en-US" dirty="0" smtClean="0">
+                <a:latin typeface="Courier"/>
+                <a:cs typeface="Courier"/>
+              </a:rPr>
+              <a:t>    SIGNIFICANT_DIGITS: {7x2 cell}</a:t>
+            </a:r>
+          </a:p>
+          <a:p>
+            <a:pPr marL="0" indent="0">
+              <a:buNone/>
+            </a:pPr>
+            <a:r>
+              <a:rPr lang="en-US" dirty="0" smtClean="0">
+                <a:latin typeface="Courier"/>
+                <a:cs typeface="Courier"/>
+              </a:rPr>
+              <a:t>               FILLVAL: {7x2 cell}</a:t>
+            </a:r>
+          </a:p>
+          <a:p>
+            <a:pPr marL="0" indent="0">
+              <a:buNone/>
+            </a:pPr>
+            <a:r>
+              <a:rPr lang="en-US" dirty="0" smtClean="0">
+                <a:latin typeface="Courier"/>
+                <a:cs typeface="Courier"/>
+              </a:rPr>
+              <a:t>              FIELDNAM: {7x2 cell}</a:t>
+            </a:r>
+          </a:p>
+          <a:p>
+            <a:pPr marL="0" indent="0">
+              <a:buNone/>
+            </a:pPr>
+            <a:r>
+              <a:rPr lang="en-US" dirty="0" smtClean="0">
+                <a:latin typeface="Courier"/>
+                <a:cs typeface="Courier"/>
+              </a:rPr>
+              <a:t>              LABLAXIS: {7x2 cell}</a:t>
+            </a:r>
+          </a:p>
+          <a:p>
+            <a:pPr marL="0" indent="0">
+              <a:buNone/>
+            </a:pPr>
+            <a:r>
+              <a:rPr lang="en-US" dirty="0" smtClean="0">
+                <a:latin typeface="Courier"/>
+                <a:cs typeface="Courier"/>
+              </a:rPr>
+              <a:t>            DELTA_PLUS: {1x2 cell}</a:t>
+            </a:r>
+          </a:p>
+          <a:p>
+            <a:pPr marL="0" indent="0">
+              <a:buNone/>
+            </a:pPr>
+            <a:r>
+              <a:rPr lang="en-US" dirty="0" smtClean="0">
+                <a:latin typeface="Courier"/>
+                <a:cs typeface="Courier"/>
+              </a:rPr>
+              <a:t>           DELTA_MINUS: {1x2 cell}</a:t>
+            </a:r>
+          </a:p>
+          <a:p>
+            <a:pPr marL="0" indent="0">
+              <a:buNone/>
+            </a:pPr>
+            <a:r>
+              <a:rPr lang="en-US" dirty="0" smtClean="0">
+                <a:latin typeface="Courier"/>
+                <a:cs typeface="Courier"/>
+              </a:rPr>
+              <a:t>                ENTITY: {3x2 cell}</a:t>
+            </a:r>
+          </a:p>
+          <a:p>
+            <a:pPr marL="0" indent="0">
+              <a:buNone/>
+            </a:pPr>
+            <a:r>
+              <a:rPr lang="en-US" dirty="0" smtClean="0">
+                <a:latin typeface="Courier"/>
+                <a:cs typeface="Courier"/>
+              </a:rPr>
+              <a:t>              PROPERTY: {3x2 cell}</a:t>
+            </a:r>
+          </a:p>
+          <a:p>
+            <a:pPr marL="0" indent="0">
+              <a:buNone/>
+            </a:pPr>
+            <a:r>
+              <a:rPr lang="en-US" dirty="0" smtClean="0">
+                <a:latin typeface="Courier"/>
+                <a:cs typeface="Courier"/>
+              </a:rPr>
+              <a:t>          FLUCTUATIONS: {2x2 cell}</a:t>
+            </a:r>
+          </a:p>
+          <a:p>
+            <a:pPr marL="0" indent="0">
+              <a:buNone/>
+            </a:pPr>
+            <a:r>
+              <a:rPr lang="en-US" dirty="0" smtClean="0">
+                <a:latin typeface="Courier"/>
+                <a:cs typeface="Courier"/>
+              </a:rPr>
+              <a:t>          TENSOR_ORDER: {5x2 cell}</a:t>
+            </a:r>
+          </a:p>
+          <a:p>
+            <a:pPr marL="0" indent="0">
+              <a:buNone/>
+            </a:pPr>
+            <a:r>
+              <a:rPr lang="en-US" dirty="0" smtClean="0">
+                <a:latin typeface="Courier"/>
+                <a:cs typeface="Courier"/>
+              </a:rPr>
+              <a:t>     COORDINATE_SYSTEM: {2x2 cell}</a:t>
+            </a:r>
+          </a:p>
+          <a:p>
+            <a:pPr marL="0" indent="0">
+              <a:buNone/>
+            </a:pPr>
+            <a:r>
+              <a:rPr lang="en-US" dirty="0" smtClean="0">
+                <a:latin typeface="Courier"/>
+                <a:cs typeface="Courier"/>
+              </a:rPr>
+              <a:t>      REPRESENTATION_1: {2x2 cell}</a:t>
+            </a:r>
+          </a:p>
+          <a:p>
+            <a:pPr marL="0" indent="0">
+              <a:buNone/>
+            </a:pPr>
+            <a:r>
+              <a:rPr lang="en-US" dirty="0" smtClean="0">
+                <a:latin typeface="Courier"/>
+                <a:cs typeface="Courier"/>
+              </a:rPr>
+              <a:t>               QUALITY: {3x2 cell}</a:t>
+            </a:r>
+          </a:p>
+          <a:p>
+            <a:pPr marL="0" indent="0">
+              <a:buNone/>
+            </a:pPr>
+            <a:r>
+              <a:rPr lang="en-US" dirty="0" smtClean="0">
+                <a:latin typeface="Courier"/>
+                <a:cs typeface="Courier"/>
+              </a:rPr>
+              <a:t>              DEPEND_0: {5x2 cell}</a:t>
+            </a:r>
+          </a:p>
+          <a:p>
+            <a:pPr marL="0" indent="0">
+              <a:buNone/>
+            </a:pPr>
+            <a:r>
+              <a:rPr lang="en-US" dirty="0" smtClean="0">
+                <a:latin typeface="Courier"/>
+                <a:cs typeface="Courier"/>
+              </a:rPr>
+              <a:t>               LABEL_1: {2x2 cell}</a:t>
+            </a:r>
+          </a:p>
+          <a:p>
+            <a:pPr marL="0" indent="0">
+              <a:buNone/>
+            </a:pPr>
+            <a:endParaRPr lang="en-US" dirty="0" smtClean="0">
+              <a:latin typeface="Courier"/>
+              <a:cs typeface="Courier"/>
+            </a:endParaRPr>
+          </a:p>
+          <a:p>
+            <a:pPr marL="0" indent="0">
+              <a:buNone/>
+            </a:pPr>
+            <a:r>
+              <a:rPr lang="en-US" dirty="0" smtClean="0">
+                <a:latin typeface="Courier"/>
+                <a:cs typeface="Courier"/>
+              </a:rPr>
+              <a:t>&gt;&gt; plot(D,'B_vec_xyz_gse__C1_CP_FGM_FULL')</a:t>
+            </a:r>
+            <a:endParaRPr lang="en-US" dirty="0">
+              <a:latin typeface="Courier"/>
+              <a:cs typeface="Courier"/>
+            </a:endParaRPr>
           </a:p>
         </p:txBody>
       </p:sp>
     </p:spTree>
     <p:extLst>
       <p:ext uri="{BB962C8B-B14F-4D97-AF65-F5344CB8AC3E}">
-        <p14:creationId xmlns:p14="http://schemas.microsoft.com/office/powerpoint/2010/main" val="2071276764"/>
+        <p14:creationId xmlns:p14="http://schemas.microsoft.com/office/powerpoint/2010/main" val="1415367931"/>
       </p:ext>
     </p:extLst>
   </p:cSld>
   <p:clrMapOvr>
     <a:masterClrMapping/>
   </p:clrMapOvr>
+  <p:timing>
+    <p:tnLst>
+      <p:par>
+        <p:cTn xmlns:p14="http://schemas.microsoft.com/office/powerpoint/2010/main" id="1" dur="indefinite" restart="never" nodeType="tmRoot"/>
+      </p:par>
+    </p:tnLst>
+  </p:timing>
 </p:sld>
 </file>
 

--- a/Lectures/Lecture_1.pptx
+++ b/Lectures/Lecture_1.pptx
@@ -13,14 +13,13 @@
     <p:sldId id="261" r:id="rId7"/>
     <p:sldId id="262" r:id="rId8"/>
     <p:sldId id="263" r:id="rId9"/>
-    <p:sldId id="268" r:id="rId10"/>
-    <p:sldId id="264" r:id="rId11"/>
-    <p:sldId id="265" r:id="rId12"/>
-    <p:sldId id="266" r:id="rId13"/>
-    <p:sldId id="267" r:id="rId14"/>
-    <p:sldId id="269" r:id="rId15"/>
-    <p:sldId id="270" r:id="rId16"/>
-    <p:sldId id="271" r:id="rId17"/>
+    <p:sldId id="265" r:id="rId10"/>
+    <p:sldId id="266" r:id="rId11"/>
+    <p:sldId id="267" r:id="rId12"/>
+    <p:sldId id="269" r:id="rId13"/>
+    <p:sldId id="268" r:id="rId14"/>
+    <p:sldId id="270" r:id="rId15"/>
+    <p:sldId id="271" r:id="rId16"/>
   </p:sldIdLst>
   <p:sldSz cx="9144000" cy="6858000" type="screen4x3"/>
   <p:notesSz cx="6858000" cy="9144000"/>
@@ -303,7 +302,7 @@
           <a:p>
             <a:fld id="{E5297B54-4BCD-7248-ABCA-5759508CA198}" type="datetimeFigureOut">
               <a:rPr lang="en-US" smtClean="0"/>
-              <a:t>31.07.15</a:t>
+              <a:t>15-08-04</a:t>
             </a:fld>
             <a:endParaRPr lang="en-US"/>
           </a:p>
@@ -473,7 +472,7 @@
           <a:p>
             <a:fld id="{E5297B54-4BCD-7248-ABCA-5759508CA198}" type="datetimeFigureOut">
               <a:rPr lang="en-US" smtClean="0"/>
-              <a:t>31.07.15</a:t>
+              <a:t>15-08-04</a:t>
             </a:fld>
             <a:endParaRPr lang="en-US"/>
           </a:p>
@@ -653,7 +652,7 @@
           <a:p>
             <a:fld id="{E5297B54-4BCD-7248-ABCA-5759508CA198}" type="datetimeFigureOut">
               <a:rPr lang="en-US" smtClean="0"/>
-              <a:t>31.07.15</a:t>
+              <a:t>15-08-04</a:t>
             </a:fld>
             <a:endParaRPr lang="en-US"/>
           </a:p>
@@ -823,7 +822,7 @@
           <a:p>
             <a:fld id="{E5297B54-4BCD-7248-ABCA-5759508CA198}" type="datetimeFigureOut">
               <a:rPr lang="en-US" smtClean="0"/>
-              <a:t>31.07.15</a:t>
+              <a:t>15-08-04</a:t>
             </a:fld>
             <a:endParaRPr lang="en-US"/>
           </a:p>
@@ -1069,7 +1068,7 @@
           <a:p>
             <a:fld id="{E5297B54-4BCD-7248-ABCA-5759508CA198}" type="datetimeFigureOut">
               <a:rPr lang="en-US" smtClean="0"/>
-              <a:t>31.07.15</a:t>
+              <a:t>15-08-04</a:t>
             </a:fld>
             <a:endParaRPr lang="en-US"/>
           </a:p>
@@ -1357,7 +1356,7 @@
           <a:p>
             <a:fld id="{E5297B54-4BCD-7248-ABCA-5759508CA198}" type="datetimeFigureOut">
               <a:rPr lang="en-US" smtClean="0"/>
-              <a:t>31.07.15</a:t>
+              <a:t>15-08-04</a:t>
             </a:fld>
             <a:endParaRPr lang="en-US"/>
           </a:p>
@@ -1779,7 +1778,7 @@
           <a:p>
             <a:fld id="{E5297B54-4BCD-7248-ABCA-5759508CA198}" type="datetimeFigureOut">
               <a:rPr lang="en-US" smtClean="0"/>
-              <a:t>31.07.15</a:t>
+              <a:t>15-08-04</a:t>
             </a:fld>
             <a:endParaRPr lang="en-US"/>
           </a:p>
@@ -1897,7 +1896,7 @@
           <a:p>
             <a:fld id="{E5297B54-4BCD-7248-ABCA-5759508CA198}" type="datetimeFigureOut">
               <a:rPr lang="en-US" smtClean="0"/>
-              <a:t>31.07.15</a:t>
+              <a:t>15-08-04</a:t>
             </a:fld>
             <a:endParaRPr lang="en-US"/>
           </a:p>
@@ -1992,7 +1991,7 @@
           <a:p>
             <a:fld id="{E5297B54-4BCD-7248-ABCA-5759508CA198}" type="datetimeFigureOut">
               <a:rPr lang="en-US" smtClean="0"/>
-              <a:t>31.07.15</a:t>
+              <a:t>15-08-04</a:t>
             </a:fld>
             <a:endParaRPr lang="en-US"/>
           </a:p>
@@ -2269,7 +2268,7 @@
           <a:p>
             <a:fld id="{E5297B54-4BCD-7248-ABCA-5759508CA198}" type="datetimeFigureOut">
               <a:rPr lang="en-US" smtClean="0"/>
-              <a:t>31.07.15</a:t>
+              <a:t>15-08-04</a:t>
             </a:fld>
             <a:endParaRPr lang="en-US"/>
           </a:p>
@@ -2522,7 +2521,7 @@
           <a:p>
             <a:fld id="{E5297B54-4BCD-7248-ABCA-5759508CA198}" type="datetimeFigureOut">
               <a:rPr lang="en-US" smtClean="0"/>
-              <a:t>31.07.15</a:t>
+              <a:t>15-08-04</a:t>
             </a:fld>
             <a:endParaRPr lang="en-US"/>
           </a:p>
@@ -2735,7 +2734,7 @@
           <a:p>
             <a:fld id="{E5297B54-4BCD-7248-ABCA-5759508CA198}" type="datetimeFigureOut">
               <a:rPr lang="en-US" smtClean="0"/>
-              <a:t>31.07.15</a:t>
+              <a:t>15-08-04</a:t>
             </a:fld>
             <a:endParaRPr lang="en-US"/>
           </a:p>
@@ -3243,7 +3242,11 @@
           <a:p>
             <a:r>
               <a:rPr lang="en-US" dirty="0" smtClean="0"/>
-              <a:t>Time</a:t>
+              <a:t>Exercise </a:t>
+            </a:r>
+            <a:r>
+              <a:rPr lang="en-US" dirty="0" smtClean="0"/>
+              <a:t>2 : time</a:t>
             </a:r>
             <a:endParaRPr lang="en-US" dirty="0"/>
           </a:p>
@@ -3259,74 +3262,983 @@
             <p:ph idx="1"/>
           </p:nvPr>
         </p:nvSpPr>
-        <p:spPr/>
+        <p:spPr>
+          <a:xfrm>
+            <a:off x="457200" y="1600200"/>
+            <a:ext cx="8229600" cy="5020733"/>
+          </a:xfrm>
+        </p:spPr>
         <p:txBody>
-          <a:bodyPr/>
+          <a:bodyPr>
+            <a:normAutofit fontScale="32500" lnSpcReduction="20000"/>
+          </a:bodyPr>
           <a:lstStyle/>
           <a:p>
-            <a:r>
-              <a:rPr lang="en-US" dirty="0" smtClean="0"/>
-              <a:t>CDF epoch </a:t>
-            </a:r>
-            <a:r>
-              <a:rPr lang="en-US" dirty="0" smtClean="0"/>
-              <a:t>– </a:t>
-            </a:r>
-            <a:r>
-              <a:rPr lang="en-US" dirty="0" smtClean="0">
-                <a:solidFill>
-                  <a:srgbClr val="FF0000"/>
-                </a:solidFill>
-              </a:rPr>
-              <a:t>very limited precision</a:t>
-            </a:r>
-          </a:p>
-          <a:p>
-            <a:endParaRPr lang="en-US" dirty="0" smtClean="0"/>
-          </a:p>
-          <a:p>
-            <a:r>
-              <a:rPr lang="en-US" dirty="0" smtClean="0"/>
-              <a:t>CDF epoch16</a:t>
-            </a:r>
-          </a:p>
-          <a:p>
-            <a:r>
-              <a:rPr lang="en-US" dirty="0" smtClean="0"/>
-              <a:t>Unix epoch</a:t>
-            </a:r>
-          </a:p>
-          <a:p>
-            <a:r>
-              <a:rPr lang="en-US" dirty="0" smtClean="0"/>
-              <a:t>CDF epochTT2000</a:t>
-            </a:r>
-          </a:p>
-          <a:p>
-            <a:pPr marL="0" indent="0">
-              <a:buNone/>
-            </a:pPr>
-            <a:endParaRPr lang="en-US" dirty="0"/>
+            <a:pPr marL="0" indent="0">
+              <a:buNone/>
+            </a:pPr>
+            <a:r>
+              <a:rPr lang="fr-FR" dirty="0">
+                <a:latin typeface="Courier"/>
+                <a:cs typeface="Courier"/>
+              </a:rPr>
+              <a:t>utcT1 = '2002-03-04T09:30:00Z'; % UTC string</a:t>
+            </a:r>
+          </a:p>
+          <a:p>
+            <a:pPr marL="0" indent="0">
+              <a:buNone/>
+            </a:pPr>
+            <a:r>
+              <a:rPr lang="fr-FR" dirty="0">
+                <a:latin typeface="Courier"/>
+                <a:cs typeface="Courier"/>
+              </a:rPr>
+              <a:t>EpochTT1 = </a:t>
+            </a:r>
+            <a:r>
+              <a:rPr lang="fr-FR" dirty="0" err="1">
+                <a:latin typeface="Courier"/>
+                <a:cs typeface="Courier"/>
+              </a:rPr>
+              <a:t>EpochTT</a:t>
+            </a:r>
+            <a:r>
+              <a:rPr lang="fr-FR" dirty="0">
+                <a:latin typeface="Courier"/>
+                <a:cs typeface="Courier"/>
+              </a:rPr>
+              <a:t>(utcT1);      % New </a:t>
+            </a:r>
+            <a:r>
+              <a:rPr lang="fr-FR" dirty="0" err="1">
+                <a:latin typeface="Courier"/>
+                <a:cs typeface="Courier"/>
+              </a:rPr>
+              <a:t>EpochTT</a:t>
+            </a:r>
+            <a:r>
+              <a:rPr lang="fr-FR" dirty="0">
+                <a:latin typeface="Courier"/>
+                <a:cs typeface="Courier"/>
+              </a:rPr>
+              <a:t> </a:t>
+            </a:r>
+            <a:r>
+              <a:rPr lang="fr-FR" dirty="0" err="1">
+                <a:latin typeface="Courier"/>
+                <a:cs typeface="Courier"/>
+              </a:rPr>
+              <a:t>object</a:t>
+            </a:r>
+            <a:endParaRPr lang="fr-FR" dirty="0">
+              <a:latin typeface="Courier"/>
+              <a:cs typeface="Courier"/>
+            </a:endParaRPr>
+          </a:p>
+          <a:p>
+            <a:pPr marL="0" indent="0">
+              <a:buNone/>
+            </a:pPr>
+            <a:r>
+              <a:rPr lang="fr-FR" dirty="0">
+                <a:latin typeface="Courier"/>
+                <a:cs typeface="Courier"/>
+              </a:rPr>
+              <a:t>EpochTT2 = EpochTT1 + 10;       % New </a:t>
+            </a:r>
+            <a:r>
+              <a:rPr lang="fr-FR" dirty="0" err="1">
+                <a:latin typeface="Courier"/>
+                <a:cs typeface="Courier"/>
+              </a:rPr>
+              <a:t>EpochTT</a:t>
+            </a:r>
+            <a:r>
+              <a:rPr lang="fr-FR" dirty="0">
+                <a:latin typeface="Courier"/>
+                <a:cs typeface="Courier"/>
+              </a:rPr>
+              <a:t> </a:t>
+            </a:r>
+            <a:r>
+              <a:rPr lang="fr-FR" dirty="0" err="1">
+                <a:latin typeface="Courier"/>
+                <a:cs typeface="Courier"/>
+              </a:rPr>
+              <a:t>object</a:t>
+            </a:r>
+            <a:r>
+              <a:rPr lang="fr-FR" dirty="0">
+                <a:latin typeface="Courier"/>
+                <a:cs typeface="Courier"/>
+              </a:rPr>
+              <a:t> offset by 10 sec</a:t>
+            </a:r>
+          </a:p>
+          <a:p>
+            <a:pPr marL="0" indent="0">
+              <a:buNone/>
+            </a:pPr>
+            <a:r>
+              <a:rPr lang="fr-FR" dirty="0">
+                <a:latin typeface="Courier"/>
+                <a:cs typeface="Courier"/>
+              </a:rPr>
+              <a:t>offset = EpochTT2 - EpochTT1;   % Offset </a:t>
+            </a:r>
+            <a:r>
+              <a:rPr lang="fr-FR" dirty="0" err="1">
+                <a:latin typeface="Courier"/>
+                <a:cs typeface="Courier"/>
+              </a:rPr>
+              <a:t>between</a:t>
+            </a:r>
+            <a:r>
+              <a:rPr lang="fr-FR" dirty="0">
+                <a:latin typeface="Courier"/>
+                <a:cs typeface="Courier"/>
+              </a:rPr>
+              <a:t> </a:t>
+            </a:r>
+            <a:r>
+              <a:rPr lang="fr-FR" dirty="0" err="1">
+                <a:latin typeface="Courier"/>
+                <a:cs typeface="Courier"/>
+              </a:rPr>
+              <a:t>two</a:t>
+            </a:r>
+            <a:r>
+              <a:rPr lang="fr-FR" dirty="0">
+                <a:latin typeface="Courier"/>
+                <a:cs typeface="Courier"/>
+              </a:rPr>
+              <a:t> times in sec</a:t>
+            </a:r>
+          </a:p>
+          <a:p>
+            <a:pPr marL="0" indent="0">
+              <a:buNone/>
+            </a:pPr>
+            <a:r>
+              <a:rPr lang="fr-FR" dirty="0">
+                <a:latin typeface="Courier"/>
+                <a:cs typeface="Courier"/>
+              </a:rPr>
+              <a:t>if EpochTT2&gt;EpochTT1            % Compare times</a:t>
+            </a:r>
+          </a:p>
+          <a:p>
+            <a:pPr marL="0" indent="0">
+              <a:buNone/>
+            </a:pPr>
+            <a:r>
+              <a:rPr lang="fr-FR" dirty="0">
+                <a:latin typeface="Courier"/>
+                <a:cs typeface="Courier"/>
+              </a:rPr>
+              <a:t>  </a:t>
+            </a:r>
+            <a:r>
+              <a:rPr lang="fr-FR" dirty="0" err="1">
+                <a:latin typeface="Courier"/>
+                <a:cs typeface="Courier"/>
+              </a:rPr>
+              <a:t>disp</a:t>
+            </a:r>
+            <a:r>
+              <a:rPr lang="fr-FR" dirty="0">
+                <a:latin typeface="Courier"/>
+                <a:cs typeface="Courier"/>
+              </a:rPr>
+              <a:t>('</a:t>
+            </a:r>
+            <a:r>
+              <a:rPr lang="fr-FR" dirty="0" err="1">
+                <a:latin typeface="Courier"/>
+                <a:cs typeface="Courier"/>
+              </a:rPr>
+              <a:t>larger</a:t>
+            </a:r>
+            <a:r>
+              <a:rPr lang="fr-FR" dirty="0">
+                <a:latin typeface="Courier"/>
+                <a:cs typeface="Courier"/>
+              </a:rPr>
+              <a:t>!')</a:t>
+            </a:r>
+          </a:p>
+          <a:p>
+            <a:pPr marL="0" indent="0">
+              <a:buNone/>
+            </a:pPr>
+            <a:r>
+              <a:rPr lang="fr-FR" dirty="0">
+                <a:latin typeface="Courier"/>
+                <a:cs typeface="Courier"/>
+              </a:rPr>
+              <a:t>end </a:t>
+            </a:r>
+          </a:p>
+          <a:p>
+            <a:pPr marL="0" indent="0">
+              <a:buNone/>
+            </a:pPr>
+            <a:r>
+              <a:rPr lang="fr-FR" dirty="0">
+                <a:latin typeface="Courier"/>
+                <a:cs typeface="Courier"/>
+              </a:rPr>
+              <a:t> </a:t>
+            </a:r>
+          </a:p>
+          <a:p>
+            <a:pPr marL="0" indent="0">
+              <a:buNone/>
+            </a:pPr>
+            <a:r>
+              <a:rPr lang="fr-FR" dirty="0">
+                <a:latin typeface="Courier"/>
+                <a:cs typeface="Courier"/>
+              </a:rPr>
+              <a:t>EpochTT0 = EpochTT1 + (-5);     % New </a:t>
+            </a:r>
+            <a:r>
+              <a:rPr lang="fr-FR" dirty="0" err="1">
+                <a:latin typeface="Courier"/>
+                <a:cs typeface="Courier"/>
+              </a:rPr>
+              <a:t>EpochTT</a:t>
+            </a:r>
+            <a:r>
+              <a:rPr lang="fr-FR" dirty="0">
+                <a:latin typeface="Courier"/>
+                <a:cs typeface="Courier"/>
+              </a:rPr>
+              <a:t> </a:t>
+            </a:r>
+            <a:r>
+              <a:rPr lang="fr-FR" dirty="0" err="1">
+                <a:latin typeface="Courier"/>
+                <a:cs typeface="Courier"/>
+              </a:rPr>
+              <a:t>with</a:t>
+            </a:r>
+            <a:r>
+              <a:rPr lang="fr-FR" dirty="0">
+                <a:latin typeface="Courier"/>
+                <a:cs typeface="Courier"/>
+              </a:rPr>
+              <a:t> </a:t>
+            </a:r>
+            <a:r>
+              <a:rPr lang="fr-FR" dirty="0" err="1">
+                <a:latin typeface="Courier"/>
+                <a:cs typeface="Courier"/>
+              </a:rPr>
+              <a:t>negative</a:t>
+            </a:r>
+            <a:r>
+              <a:rPr lang="fr-FR" dirty="0">
+                <a:latin typeface="Courier"/>
+                <a:cs typeface="Courier"/>
+              </a:rPr>
+              <a:t> offset of 5 sec</a:t>
+            </a:r>
+          </a:p>
+          <a:p>
+            <a:pPr marL="0" indent="0">
+              <a:buNone/>
+            </a:pPr>
+            <a:r>
+              <a:rPr lang="fr-FR" dirty="0">
+                <a:latin typeface="Courier"/>
+                <a:cs typeface="Courier"/>
+              </a:rPr>
+              <a:t>if EpochTT0&lt;EpochTT1            % Compare times</a:t>
+            </a:r>
+          </a:p>
+          <a:p>
+            <a:pPr marL="0" indent="0">
+              <a:buNone/>
+            </a:pPr>
+            <a:r>
+              <a:rPr lang="fr-FR" dirty="0">
+                <a:latin typeface="Courier"/>
+                <a:cs typeface="Courier"/>
+              </a:rPr>
+              <a:t>  </a:t>
+            </a:r>
+            <a:r>
+              <a:rPr lang="fr-FR" dirty="0" err="1">
+                <a:latin typeface="Courier"/>
+                <a:cs typeface="Courier"/>
+              </a:rPr>
+              <a:t>disp</a:t>
+            </a:r>
+            <a:r>
+              <a:rPr lang="fr-FR" dirty="0">
+                <a:latin typeface="Courier"/>
+                <a:cs typeface="Courier"/>
+              </a:rPr>
+              <a:t>('</a:t>
+            </a:r>
+            <a:r>
+              <a:rPr lang="fr-FR" dirty="0" err="1">
+                <a:latin typeface="Courier"/>
+                <a:cs typeface="Courier"/>
+              </a:rPr>
+              <a:t>smaller</a:t>
+            </a:r>
+            <a:r>
+              <a:rPr lang="fr-FR" dirty="0">
+                <a:latin typeface="Courier"/>
+                <a:cs typeface="Courier"/>
+              </a:rPr>
+              <a:t>!')</a:t>
+            </a:r>
+          </a:p>
+          <a:p>
+            <a:pPr marL="0" indent="0">
+              <a:buNone/>
+            </a:pPr>
+            <a:r>
+              <a:rPr lang="fr-FR" dirty="0">
+                <a:latin typeface="Courier"/>
+                <a:cs typeface="Courier"/>
+              </a:rPr>
+              <a:t>end </a:t>
+            </a:r>
+          </a:p>
+          <a:p>
+            <a:pPr marL="0" indent="0">
+              <a:buNone/>
+            </a:pPr>
+            <a:r>
+              <a:rPr lang="fr-FR" dirty="0">
+                <a:latin typeface="Courier"/>
+                <a:cs typeface="Courier"/>
+              </a:rPr>
+              <a:t> </a:t>
+            </a:r>
+          </a:p>
+          <a:p>
+            <a:pPr marL="0" indent="0">
+              <a:buNone/>
+            </a:pPr>
+            <a:r>
+              <a:rPr lang="fr-FR" dirty="0">
+                <a:latin typeface="Courier"/>
+                <a:cs typeface="Courier"/>
+              </a:rPr>
+              <a:t>EpochUnix1 = </a:t>
+            </a:r>
+            <a:r>
+              <a:rPr lang="fr-FR" dirty="0" err="1">
+                <a:latin typeface="Courier"/>
+                <a:cs typeface="Courier"/>
+              </a:rPr>
+              <a:t>EpochUnix</a:t>
+            </a:r>
+            <a:r>
+              <a:rPr lang="fr-FR" dirty="0">
+                <a:latin typeface="Courier"/>
+                <a:cs typeface="Courier"/>
+              </a:rPr>
+              <a:t>(utcT1);  % New </a:t>
+            </a:r>
+            <a:r>
+              <a:rPr lang="fr-FR" dirty="0" err="1">
+                <a:latin typeface="Courier"/>
+                <a:cs typeface="Courier"/>
+              </a:rPr>
+              <a:t>EpochUnix</a:t>
+            </a:r>
+            <a:endParaRPr lang="fr-FR" dirty="0">
+              <a:latin typeface="Courier"/>
+              <a:cs typeface="Courier"/>
+            </a:endParaRPr>
+          </a:p>
+          <a:p>
+            <a:pPr marL="0" indent="0">
+              <a:buNone/>
+            </a:pPr>
+            <a:r>
+              <a:rPr lang="fr-FR" dirty="0">
+                <a:latin typeface="Courier"/>
+                <a:cs typeface="Courier"/>
+              </a:rPr>
+              <a:t>if EpochUnix1 == EpochTT1       % Compare times</a:t>
+            </a:r>
+          </a:p>
+          <a:p>
+            <a:pPr marL="0" indent="0">
+              <a:buNone/>
+            </a:pPr>
+            <a:r>
+              <a:rPr lang="fr-FR" dirty="0">
+                <a:latin typeface="Courier"/>
+                <a:cs typeface="Courier"/>
+              </a:rPr>
+              <a:t>  </a:t>
+            </a:r>
+            <a:r>
+              <a:rPr lang="fr-FR" dirty="0" err="1">
+                <a:latin typeface="Courier"/>
+                <a:cs typeface="Courier"/>
+              </a:rPr>
+              <a:t>disp</a:t>
+            </a:r>
+            <a:r>
+              <a:rPr lang="fr-FR" dirty="0">
+                <a:latin typeface="Courier"/>
+                <a:cs typeface="Courier"/>
+              </a:rPr>
+              <a:t>('</a:t>
+            </a:r>
+            <a:r>
+              <a:rPr lang="fr-FR" dirty="0" err="1">
+                <a:latin typeface="Courier"/>
+                <a:cs typeface="Courier"/>
+              </a:rPr>
+              <a:t>equal</a:t>
+            </a:r>
+            <a:r>
+              <a:rPr lang="fr-FR" dirty="0">
+                <a:latin typeface="Courier"/>
+                <a:cs typeface="Courier"/>
+              </a:rPr>
+              <a:t>!')</a:t>
+            </a:r>
+          </a:p>
+          <a:p>
+            <a:pPr marL="0" indent="0">
+              <a:buNone/>
+            </a:pPr>
+            <a:r>
+              <a:rPr lang="fr-FR" dirty="0">
+                <a:latin typeface="Courier"/>
+                <a:cs typeface="Courier"/>
+              </a:rPr>
+              <a:t>end</a:t>
+            </a:r>
+          </a:p>
+          <a:p>
+            <a:pPr marL="0" indent="0">
+              <a:buNone/>
+            </a:pPr>
+            <a:r>
+              <a:rPr lang="fr-FR" dirty="0" err="1">
+                <a:latin typeface="Courier"/>
+                <a:cs typeface="Courier"/>
+              </a:rPr>
+              <a:t>epochUnix</a:t>
+            </a:r>
+            <a:r>
+              <a:rPr lang="fr-FR" dirty="0">
+                <a:latin typeface="Courier"/>
+                <a:cs typeface="Courier"/>
+              </a:rPr>
+              <a:t> = EpochUnix1.epochUnix; % double value of Unix </a:t>
+            </a:r>
+            <a:r>
+              <a:rPr lang="fr-FR" dirty="0" err="1">
+                <a:latin typeface="Courier"/>
+                <a:cs typeface="Courier"/>
+              </a:rPr>
+              <a:t>epoch</a:t>
+            </a:r>
+            <a:r>
+              <a:rPr lang="fr-FR" dirty="0">
+                <a:latin typeface="Courier"/>
+                <a:cs typeface="Courier"/>
+              </a:rPr>
+              <a:t> [sec]</a:t>
+            </a:r>
+          </a:p>
+          <a:p>
+            <a:pPr marL="0" indent="0">
+              <a:buNone/>
+            </a:pPr>
+            <a:r>
+              <a:rPr lang="fr-FR" dirty="0" err="1">
+                <a:latin typeface="Courier"/>
+                <a:cs typeface="Courier"/>
+              </a:rPr>
+              <a:t>ttns</a:t>
+            </a:r>
+            <a:r>
+              <a:rPr lang="fr-FR" dirty="0">
+                <a:latin typeface="Courier"/>
+                <a:cs typeface="Courier"/>
+              </a:rPr>
+              <a:t> = EpochUnix1.ttns;         % int64 value of TT </a:t>
+            </a:r>
+            <a:r>
+              <a:rPr lang="fr-FR" dirty="0" err="1">
+                <a:latin typeface="Courier"/>
+                <a:cs typeface="Courier"/>
+              </a:rPr>
+              <a:t>epoch</a:t>
+            </a:r>
+            <a:r>
+              <a:rPr lang="fr-FR" dirty="0">
+                <a:latin typeface="Courier"/>
+                <a:cs typeface="Courier"/>
+              </a:rPr>
+              <a:t> [ns]</a:t>
+            </a:r>
+          </a:p>
+          <a:p>
+            <a:pPr marL="0" indent="0">
+              <a:buNone/>
+            </a:pPr>
+            <a:r>
+              <a:rPr lang="fr-FR" dirty="0">
+                <a:latin typeface="Courier"/>
+                <a:cs typeface="Courier"/>
+              </a:rPr>
+              <a:t>if </a:t>
+            </a:r>
+            <a:r>
+              <a:rPr lang="fr-FR" dirty="0" err="1">
+                <a:latin typeface="Courier"/>
+                <a:cs typeface="Courier"/>
+              </a:rPr>
+              <a:t>ttns</a:t>
+            </a:r>
+            <a:r>
+              <a:rPr lang="fr-FR" dirty="0">
+                <a:latin typeface="Courier"/>
+                <a:cs typeface="Courier"/>
+              </a:rPr>
+              <a:t> == EpochTT1.ttns        % Compare times</a:t>
+            </a:r>
+          </a:p>
+          <a:p>
+            <a:pPr marL="0" indent="0">
+              <a:buNone/>
+            </a:pPr>
+            <a:r>
+              <a:rPr lang="fr-FR" dirty="0">
+                <a:latin typeface="Courier"/>
+                <a:cs typeface="Courier"/>
+              </a:rPr>
+              <a:t>  </a:t>
+            </a:r>
+            <a:r>
+              <a:rPr lang="fr-FR" dirty="0" err="1">
+                <a:latin typeface="Courier"/>
+                <a:cs typeface="Courier"/>
+              </a:rPr>
+              <a:t>disp</a:t>
+            </a:r>
+            <a:r>
+              <a:rPr lang="fr-FR" dirty="0">
+                <a:latin typeface="Courier"/>
+                <a:cs typeface="Courier"/>
+              </a:rPr>
+              <a:t>('</a:t>
+            </a:r>
+            <a:r>
+              <a:rPr lang="fr-FR" dirty="0" err="1">
+                <a:latin typeface="Courier"/>
+                <a:cs typeface="Courier"/>
+              </a:rPr>
+              <a:t>equal</a:t>
+            </a:r>
+            <a:r>
+              <a:rPr lang="fr-FR" dirty="0">
+                <a:latin typeface="Courier"/>
+                <a:cs typeface="Courier"/>
+              </a:rPr>
+              <a:t>!')</a:t>
+            </a:r>
+          </a:p>
+          <a:p>
+            <a:pPr marL="0" indent="0">
+              <a:buNone/>
+            </a:pPr>
+            <a:r>
+              <a:rPr lang="fr-FR" dirty="0">
+                <a:latin typeface="Courier"/>
+                <a:cs typeface="Courier"/>
+              </a:rPr>
+              <a:t>end</a:t>
+            </a:r>
+          </a:p>
+          <a:p>
+            <a:pPr marL="0" indent="0">
+              <a:buNone/>
+            </a:pPr>
+            <a:r>
+              <a:rPr lang="fr-FR" dirty="0" err="1">
+                <a:latin typeface="Courier"/>
+                <a:cs typeface="Courier"/>
+              </a:rPr>
+              <a:t>disp</a:t>
+            </a:r>
+            <a:r>
+              <a:rPr lang="fr-FR" dirty="0">
+                <a:latin typeface="Courier"/>
+                <a:cs typeface="Courier"/>
+              </a:rPr>
+              <a:t>(EpochUnix1.utc)            % </a:t>
+            </a:r>
+            <a:r>
+              <a:rPr lang="fr-FR" dirty="0" err="1">
+                <a:latin typeface="Courier"/>
+                <a:cs typeface="Courier"/>
+              </a:rPr>
+              <a:t>convert</a:t>
+            </a:r>
+            <a:r>
+              <a:rPr lang="fr-FR" dirty="0">
+                <a:latin typeface="Courier"/>
+                <a:cs typeface="Courier"/>
+              </a:rPr>
+              <a:t> to UTC string</a:t>
+            </a:r>
+          </a:p>
+          <a:p>
+            <a:pPr marL="0" indent="0">
+              <a:buNone/>
+            </a:pPr>
+            <a:r>
+              <a:rPr lang="fr-FR" dirty="0">
+                <a:latin typeface="Courier"/>
+                <a:cs typeface="Courier"/>
+              </a:rPr>
+              <a:t> </a:t>
+            </a:r>
+          </a:p>
+          <a:p>
+            <a:pPr marL="0" indent="0">
+              <a:buNone/>
+            </a:pPr>
+            <a:r>
+              <a:rPr lang="fr-FR" dirty="0" err="1">
+                <a:latin typeface="Courier"/>
+                <a:cs typeface="Courier"/>
+              </a:rPr>
+              <a:t>TTarray</a:t>
+            </a:r>
+            <a:r>
+              <a:rPr lang="fr-FR" dirty="0">
+                <a:latin typeface="Courier"/>
+                <a:cs typeface="Courier"/>
+              </a:rPr>
+              <a:t> = EpochTT0:1:EpochTT2;  % New time </a:t>
+            </a:r>
+            <a:r>
+              <a:rPr lang="fr-FR" dirty="0" err="1">
+                <a:latin typeface="Courier"/>
+                <a:cs typeface="Courier"/>
+              </a:rPr>
+              <a:t>array</a:t>
+            </a:r>
+            <a:r>
+              <a:rPr lang="fr-FR" dirty="0">
+                <a:latin typeface="Courier"/>
+                <a:cs typeface="Courier"/>
+              </a:rPr>
+              <a:t>, </a:t>
+            </a:r>
+            <a:r>
+              <a:rPr lang="fr-FR" dirty="0" err="1">
+                <a:latin typeface="Courier"/>
+                <a:cs typeface="Courier"/>
+              </a:rPr>
+              <a:t>with</a:t>
+            </a:r>
+            <a:r>
+              <a:rPr lang="fr-FR" dirty="0">
+                <a:latin typeface="Courier"/>
+                <a:cs typeface="Courier"/>
+              </a:rPr>
+              <a:t> 1 sec </a:t>
+            </a:r>
+            <a:r>
+              <a:rPr lang="fr-FR" dirty="0" err="1">
+                <a:latin typeface="Courier"/>
+                <a:cs typeface="Courier"/>
+              </a:rPr>
+              <a:t>step</a:t>
+            </a:r>
+            <a:endParaRPr lang="fr-FR" dirty="0">
+              <a:latin typeface="Courier"/>
+              <a:cs typeface="Courier"/>
+            </a:endParaRPr>
+          </a:p>
+          <a:p>
+            <a:pPr marL="0" indent="0">
+              <a:buNone/>
+            </a:pPr>
+            <a:r>
+              <a:rPr lang="fr-FR" dirty="0" err="1">
+                <a:latin typeface="Courier"/>
+                <a:cs typeface="Courier"/>
+              </a:rPr>
+              <a:t>TintLim</a:t>
+            </a:r>
+            <a:r>
+              <a:rPr lang="fr-FR" dirty="0">
+                <a:latin typeface="Courier"/>
+                <a:cs typeface="Courier"/>
+              </a:rPr>
+              <a:t> = ...                   % Time </a:t>
+            </a:r>
+            <a:r>
+              <a:rPr lang="fr-FR" dirty="0" err="1">
+                <a:latin typeface="Courier"/>
+                <a:cs typeface="Courier"/>
+              </a:rPr>
+              <a:t>interval</a:t>
+            </a:r>
+            <a:endParaRPr lang="fr-FR" dirty="0">
+              <a:latin typeface="Courier"/>
+              <a:cs typeface="Courier"/>
+            </a:endParaRPr>
+          </a:p>
+          <a:p>
+            <a:pPr marL="0" indent="0">
+              <a:buNone/>
+            </a:pPr>
+            <a:r>
+              <a:rPr lang="it-IT" dirty="0">
+                <a:latin typeface="Courier"/>
+                <a:cs typeface="Courier"/>
+              </a:rPr>
+              <a:t>  </a:t>
+            </a:r>
+            <a:r>
+              <a:rPr lang="it-IT" dirty="0" err="1">
+                <a:latin typeface="Courier"/>
+                <a:cs typeface="Courier"/>
+              </a:rPr>
+              <a:t>irf.tint</a:t>
+            </a:r>
+            <a:r>
+              <a:rPr lang="it-IT" dirty="0">
+                <a:latin typeface="Courier"/>
+                <a:cs typeface="Courier"/>
+              </a:rPr>
+              <a:t>('2002-03-04T09:30:00Z/2002-03-04T09:30:05Z');</a:t>
+            </a:r>
+          </a:p>
+          <a:p>
+            <a:pPr marL="0" indent="0">
+              <a:buNone/>
+            </a:pPr>
+            <a:r>
+              <a:rPr lang="it-IT" dirty="0">
+                <a:latin typeface="Courier"/>
+                <a:cs typeface="Courier"/>
+              </a:rPr>
+              <a:t>[</a:t>
+            </a:r>
+            <a:r>
+              <a:rPr lang="it-IT" dirty="0" err="1">
+                <a:latin typeface="Courier"/>
+                <a:cs typeface="Courier"/>
+              </a:rPr>
+              <a:t>idxIn,TTarrayIn</a:t>
+            </a:r>
+            <a:r>
+              <a:rPr lang="it-IT" dirty="0">
+                <a:latin typeface="Courier"/>
+                <a:cs typeface="Courier"/>
+              </a:rPr>
+              <a:t>] = ...</a:t>
+            </a:r>
+          </a:p>
+          <a:p>
+            <a:pPr marL="0" indent="0">
+              <a:buNone/>
+            </a:pPr>
+            <a:r>
+              <a:rPr lang="it-IT" dirty="0">
+                <a:latin typeface="Courier"/>
+                <a:cs typeface="Courier"/>
+              </a:rPr>
+              <a:t>  </a:t>
+            </a:r>
+            <a:r>
+              <a:rPr lang="it-IT" dirty="0" err="1">
+                <a:latin typeface="Courier"/>
+                <a:cs typeface="Courier"/>
+              </a:rPr>
+              <a:t>TTarray.tlim</a:t>
+            </a:r>
+            <a:r>
+              <a:rPr lang="it-IT" dirty="0">
+                <a:latin typeface="Courier"/>
+                <a:cs typeface="Courier"/>
+              </a:rPr>
+              <a:t>(</a:t>
+            </a:r>
+            <a:r>
+              <a:rPr lang="it-IT" dirty="0" err="1">
+                <a:latin typeface="Courier"/>
+                <a:cs typeface="Courier"/>
+              </a:rPr>
+              <a:t>TintLim</a:t>
+            </a:r>
+            <a:r>
+              <a:rPr lang="it-IT" dirty="0">
+                <a:latin typeface="Courier"/>
+                <a:cs typeface="Courier"/>
+              </a:rPr>
+              <a:t>);        % Limit </a:t>
+            </a:r>
+            <a:r>
+              <a:rPr lang="it-IT" dirty="0" err="1">
+                <a:latin typeface="Courier"/>
+                <a:cs typeface="Courier"/>
+              </a:rPr>
+              <a:t>TTarray</a:t>
+            </a:r>
+            <a:r>
+              <a:rPr lang="it-IT" dirty="0">
+                <a:latin typeface="Courier"/>
+                <a:cs typeface="Courier"/>
+              </a:rPr>
+              <a:t> by </a:t>
+            </a:r>
+            <a:r>
+              <a:rPr lang="it-IT" dirty="0" err="1">
+                <a:latin typeface="Courier"/>
+                <a:cs typeface="Courier"/>
+              </a:rPr>
+              <a:t>TintLim</a:t>
+            </a:r>
+            <a:endParaRPr lang="it-IT" dirty="0">
+              <a:latin typeface="Courier"/>
+              <a:cs typeface="Courier"/>
+            </a:endParaRPr>
+          </a:p>
+          <a:p>
+            <a:pPr marL="0" indent="0">
+              <a:buNone/>
+            </a:pPr>
+            <a:r>
+              <a:rPr lang="it-IT" dirty="0">
+                <a:latin typeface="Courier"/>
+                <a:cs typeface="Courier"/>
+              </a:rPr>
+              <a:t>[</a:t>
+            </a:r>
+            <a:r>
+              <a:rPr lang="it-IT" dirty="0" err="1">
+                <a:latin typeface="Courier"/>
+                <a:cs typeface="Courier"/>
+              </a:rPr>
+              <a:t>idxOut,TTarrayOut</a:t>
+            </a:r>
+            <a:r>
+              <a:rPr lang="it-IT" dirty="0">
+                <a:latin typeface="Courier"/>
+                <a:cs typeface="Courier"/>
+              </a:rPr>
+              <a:t>] = ...</a:t>
+            </a:r>
+          </a:p>
+          <a:p>
+            <a:pPr marL="0" indent="0">
+              <a:buNone/>
+            </a:pPr>
+            <a:r>
+              <a:rPr lang="it-IT" dirty="0">
+                <a:latin typeface="Courier"/>
+                <a:cs typeface="Courier"/>
+              </a:rPr>
+              <a:t>  </a:t>
+            </a:r>
+            <a:r>
+              <a:rPr lang="it-IT" dirty="0" err="1">
+                <a:latin typeface="Courier"/>
+                <a:cs typeface="Courier"/>
+              </a:rPr>
+              <a:t>TTarray.tlim</a:t>
+            </a:r>
+            <a:r>
+              <a:rPr lang="it-IT" dirty="0">
+                <a:latin typeface="Courier"/>
+                <a:cs typeface="Courier"/>
+              </a:rPr>
+              <a:t>(TintLim,1);      % Limit </a:t>
+            </a:r>
+            <a:r>
+              <a:rPr lang="it-IT" dirty="0" err="1">
+                <a:latin typeface="Courier"/>
+                <a:cs typeface="Courier"/>
+              </a:rPr>
+              <a:t>TTarray</a:t>
+            </a:r>
+            <a:r>
+              <a:rPr lang="it-IT" dirty="0">
+                <a:latin typeface="Courier"/>
+                <a:cs typeface="Courier"/>
+              </a:rPr>
+              <a:t> by </a:t>
+            </a:r>
+            <a:r>
+              <a:rPr lang="it-IT" dirty="0" err="1">
+                <a:latin typeface="Courier"/>
+                <a:cs typeface="Courier"/>
+              </a:rPr>
+              <a:t>TintLim</a:t>
+            </a:r>
+            <a:r>
+              <a:rPr lang="it-IT" dirty="0">
+                <a:latin typeface="Courier"/>
+                <a:cs typeface="Courier"/>
+              </a:rPr>
+              <a:t>, XOR mode</a:t>
+            </a:r>
+          </a:p>
+          <a:p>
+            <a:pPr marL="0" indent="0">
+              <a:buNone/>
+            </a:pPr>
+            <a:r>
+              <a:rPr lang="it-IT" dirty="0" err="1">
+                <a:latin typeface="Courier"/>
+                <a:cs typeface="Courier"/>
+              </a:rPr>
+              <a:t>TTarray</a:t>
+            </a:r>
+            <a:r>
+              <a:rPr lang="it-IT" dirty="0">
+                <a:latin typeface="Courier"/>
+                <a:cs typeface="Courier"/>
+              </a:rPr>
+              <a:t> &lt; EpochTT1              % compare </a:t>
+            </a:r>
+            <a:r>
+              <a:rPr lang="it-IT" dirty="0" err="1" smtClean="0">
+                <a:latin typeface="Courier"/>
+                <a:cs typeface="Courier"/>
+              </a:rPr>
+              <a:t>times</a:t>
+            </a:r>
+            <a:endParaRPr lang="it-IT" dirty="0">
+              <a:latin typeface="Courier"/>
+              <a:cs typeface="Courier"/>
+            </a:endParaRPr>
           </a:p>
         </p:txBody>
       </p:sp>
     </p:spTree>
     <p:extLst>
       <p:ext uri="{BB962C8B-B14F-4D97-AF65-F5344CB8AC3E}">
-        <p14:creationId xmlns:p14="http://schemas.microsoft.com/office/powerpoint/2010/main" val="2071276764"/>
+        <p14:creationId xmlns:p14="http://schemas.microsoft.com/office/powerpoint/2010/main" val="2277618643"/>
       </p:ext>
     </p:extLst>
   </p:cSld>
   <p:clrMapOvr>
     <a:masterClrMapping/>
   </p:clrMapOvr>
-  <p:timing>
-    <p:tnLst>
-      <p:par>
-        <p:cTn xmlns:p14="http://schemas.microsoft.com/office/powerpoint/2010/main" id="1" dur="indefinite" restart="never" nodeType="tmRoot"/>
-      </p:par>
-    </p:tnLst>
-  </p:timing>
 </p:sld>
 </file>
 
@@ -3364,11 +4276,15 @@
           <a:p>
             <a:r>
               <a:rPr lang="en-US" dirty="0" smtClean="0"/>
-              <a:t>Time in </a:t>
+              <a:t>Time-series data in </a:t>
+            </a:r>
+            <a:r>
+              <a:rPr lang="en-US" dirty="0" err="1"/>
+              <a:t>M</a:t>
             </a:r>
             <a:r>
               <a:rPr lang="en-US" dirty="0" err="1" smtClean="0"/>
-              <a:t>Matlab</a:t>
+              <a:t>atlab</a:t>
             </a:r>
             <a:endParaRPr lang="en-US" dirty="0"/>
           </a:p>
@@ -3387,166 +4303,203 @@
         <p:spPr/>
         <p:txBody>
           <a:bodyPr>
-            <a:normAutofit lnSpcReduction="10000"/>
+            <a:normAutofit fontScale="77500" lnSpcReduction="20000"/>
           </a:bodyPr>
           <a:lstStyle/>
           <a:p>
             <a:r>
               <a:rPr lang="en-US" dirty="0" smtClean="0"/>
-              <a:t>UTC string </a:t>
-            </a:r>
+              <a:t>Simple approach: Combine time and data into a single array, e.g. </a:t>
+            </a:r>
+            <a:r>
+              <a:rPr lang="en-US" dirty="0" smtClean="0">
+                <a:latin typeface="Courier"/>
+                <a:cs typeface="Courier"/>
+              </a:rPr>
+              <a:t>[</a:t>
+            </a:r>
+            <a:r>
+              <a:rPr lang="en-US" dirty="0" err="1" smtClean="0">
+                <a:latin typeface="Courier"/>
+                <a:cs typeface="Courier"/>
+              </a:rPr>
+              <a:t>unixEpoch</a:t>
+            </a:r>
+            <a:r>
+              <a:rPr lang="en-US" dirty="0" smtClean="0">
+                <a:latin typeface="Courier"/>
+                <a:cs typeface="Courier"/>
+              </a:rPr>
+              <a:t>(:) </a:t>
+            </a:r>
+            <a:r>
+              <a:rPr lang="en-US" dirty="0" err="1" smtClean="0">
+                <a:latin typeface="Courier"/>
+                <a:cs typeface="Courier"/>
+              </a:rPr>
+              <a:t>dataX</a:t>
+            </a:r>
+            <a:r>
+              <a:rPr lang="en-US" dirty="0" smtClean="0">
+                <a:latin typeface="Courier"/>
+                <a:cs typeface="Courier"/>
+              </a:rPr>
+              <a:t>(:) </a:t>
+            </a:r>
+            <a:r>
+              <a:rPr lang="en-US" dirty="0" err="1" smtClean="0">
+                <a:latin typeface="Courier"/>
+                <a:cs typeface="Courier"/>
+              </a:rPr>
+              <a:t>dataY</a:t>
+            </a:r>
+            <a:r>
+              <a:rPr lang="en-US" dirty="0" smtClean="0">
+                <a:latin typeface="Courier"/>
+                <a:cs typeface="Courier"/>
+              </a:rPr>
+              <a:t>(:) </a:t>
+            </a:r>
+            <a:r>
+              <a:rPr lang="en-US" dirty="0" err="1" smtClean="0">
+                <a:latin typeface="Courier"/>
+                <a:cs typeface="Courier"/>
+              </a:rPr>
+              <a:t>dataZ</a:t>
+            </a:r>
+            <a:r>
+              <a:rPr lang="en-US" dirty="0" smtClean="0">
+                <a:latin typeface="Courier"/>
+                <a:cs typeface="Courier"/>
+              </a:rPr>
+              <a:t>(:)]</a:t>
+            </a:r>
+          </a:p>
+          <a:p>
+            <a:pPr lvl="1"/>
             <a:r>
               <a:rPr lang="en-US" dirty="0" smtClean="0">
                 <a:solidFill>
-                  <a:srgbClr val="660066"/>
+                  <a:schemeClr val="accent3"/>
                 </a:solidFill>
               </a:rPr>
-              <a:t>‘</a:t>
+              <a:t>Pros</a:t>
+            </a:r>
+            <a:r>
+              <a:rPr lang="en-US" dirty="0" smtClean="0"/>
+              <a:t>: Works nicely for simple time-series</a:t>
+            </a:r>
+          </a:p>
+          <a:p>
+            <a:pPr lvl="1"/>
+            <a:r>
+              <a:rPr lang="en-US" dirty="0" smtClean="0">
+                <a:solidFill>
+                  <a:schemeClr val="accent2"/>
+                </a:solidFill>
+              </a:rPr>
+              <a:t>Cons</a:t>
+            </a:r>
+            <a:r>
+              <a:rPr lang="en-US" dirty="0" smtClean="0"/>
+              <a:t>: </a:t>
+            </a:r>
+          </a:p>
+          <a:p>
+            <a:pPr lvl="2"/>
+            <a:r>
+              <a:rPr lang="en-US" dirty="0" smtClean="0"/>
+              <a:t>time and data must be converted to the same type</a:t>
+            </a:r>
+          </a:p>
+          <a:p>
+            <a:pPr lvl="2"/>
+            <a:r>
+              <a:rPr lang="en-US" dirty="0" smtClean="0"/>
+              <a:t>No metadata</a:t>
+            </a:r>
+          </a:p>
+          <a:p>
+            <a:r>
+              <a:rPr lang="en-US" dirty="0" smtClean="0"/>
+              <a:t>Complex approach: </a:t>
             </a:r>
             <a:r>
               <a:rPr lang="en-US" dirty="0" err="1" smtClean="0">
+                <a:latin typeface="Courier"/>
+                <a:cs typeface="Courier"/>
+              </a:rPr>
+              <a:t>TSeries</a:t>
+            </a:r>
+            <a:r>
+              <a:rPr lang="en-US" dirty="0" smtClean="0"/>
+              <a:t> class </a:t>
+            </a:r>
+          </a:p>
+          <a:p>
+            <a:pPr lvl="1"/>
+            <a:r>
+              <a:rPr lang="en-US" dirty="0" smtClean="0">
                 <a:solidFill>
-                  <a:srgbClr val="660066"/>
+                  <a:schemeClr val="accent3"/>
                 </a:solidFill>
               </a:rPr>
-              <a:t>yyyy-mm-ddThh:mm:ss.sssssssssZ</a:t>
-            </a:r>
+              <a:t>Pros</a:t>
+            </a:r>
+            <a:r>
+              <a:rPr lang="en-US" dirty="0" smtClean="0"/>
+              <a:t>: </a:t>
+            </a:r>
+          </a:p>
+          <a:p>
+            <a:pPr lvl="2"/>
+            <a:r>
+              <a:rPr lang="en-US" dirty="0" smtClean="0"/>
+              <a:t>Preserves time and data types in the raw data</a:t>
+            </a:r>
+          </a:p>
+          <a:p>
+            <a:pPr lvl="2"/>
+            <a:r>
+              <a:rPr lang="en-US" dirty="0" smtClean="0"/>
+              <a:t>Contains metadata</a:t>
+            </a:r>
+          </a:p>
+          <a:p>
+            <a:pPr lvl="2"/>
+            <a:r>
+              <a:rPr lang="en-US" dirty="0" smtClean="0"/>
+              <a:t>Works for multi-dimensional data</a:t>
+            </a:r>
+          </a:p>
+          <a:p>
+            <a:pPr lvl="2"/>
+            <a:r>
+              <a:rPr lang="en-US" dirty="0" smtClean="0"/>
+              <a:t>Less error prone</a:t>
+            </a:r>
+          </a:p>
+          <a:p>
+            <a:pPr lvl="1"/>
             <a:r>
               <a:rPr lang="en-US" dirty="0" smtClean="0">
                 <a:solidFill>
-                  <a:srgbClr val="660066"/>
+                  <a:schemeClr val="accent2"/>
                 </a:solidFill>
               </a:rPr>
-              <a:t>’</a:t>
-            </a:r>
-          </a:p>
-          <a:p>
-            <a:r>
-              <a:rPr lang="en-US" dirty="0" err="1" smtClean="0"/>
-              <a:t>Matlab’s</a:t>
+              <a:t>Cons</a:t>
             </a:r>
             <a:r>
               <a:rPr lang="en-US" dirty="0" smtClean="0"/>
-              <a:t> </a:t>
-            </a:r>
-            <a:r>
-              <a:rPr lang="en-US" dirty="0" err="1" smtClean="0">
-                <a:latin typeface="Courier"/>
-                <a:cs typeface="Courier"/>
-              </a:rPr>
-              <a:t>datenum</a:t>
-            </a:r>
-            <a:r>
-              <a:rPr lang="en-US" dirty="0" smtClean="0"/>
-              <a:t> – </a:t>
-            </a:r>
-            <a:r>
-              <a:rPr lang="en-US" dirty="0" smtClean="0">
-                <a:solidFill>
-                  <a:schemeClr val="accent6"/>
-                </a:solidFill>
-              </a:rPr>
-              <a:t>very limited precision</a:t>
-            </a:r>
-          </a:p>
-          <a:p>
-            <a:r>
-              <a:rPr lang="en-US" dirty="0" smtClean="0"/>
-              <a:t>Date array – [</a:t>
-            </a:r>
-            <a:r>
-              <a:rPr lang="en-US" dirty="0" err="1" smtClean="0"/>
-              <a:t>yyyy</a:t>
-            </a:r>
-            <a:r>
-              <a:rPr lang="en-US" dirty="0" smtClean="0"/>
-              <a:t> mm </a:t>
-            </a:r>
-            <a:r>
-              <a:rPr lang="en-US" dirty="0" err="1" smtClean="0"/>
-              <a:t>dd</a:t>
-            </a:r>
-            <a:r>
-              <a:rPr lang="en-US" dirty="0" smtClean="0"/>
-              <a:t> </a:t>
-            </a:r>
-            <a:r>
-              <a:rPr lang="en-US" dirty="0" err="1" smtClean="0"/>
-              <a:t>hh</a:t>
-            </a:r>
-            <a:r>
-              <a:rPr lang="en-US" dirty="0" smtClean="0"/>
-              <a:t> mm </a:t>
-            </a:r>
-            <a:r>
-              <a:rPr lang="en-US" dirty="0" err="1" smtClean="0"/>
-              <a:t>ss</a:t>
-            </a:r>
-            <a:r>
-              <a:rPr lang="en-US" dirty="0" smtClean="0"/>
-              <a:t>], double</a:t>
-            </a:r>
-          </a:p>
-          <a:p>
-            <a:r>
-              <a:rPr lang="en-US" dirty="0" smtClean="0"/>
-              <a:t>Unix epoch – seconds from Jan 1, 1970, double array or </a:t>
-            </a:r>
-            <a:r>
-              <a:rPr lang="en-US" dirty="0" err="1" smtClean="0">
-                <a:latin typeface="Courier"/>
-                <a:cs typeface="Courier"/>
-              </a:rPr>
-              <a:t>EpochUnix</a:t>
-            </a:r>
-            <a:r>
-              <a:rPr lang="en-US" dirty="0" smtClean="0"/>
-              <a:t> class, </a:t>
-            </a:r>
-            <a:r>
-              <a:rPr lang="en-US" dirty="0" smtClean="0">
-                <a:solidFill>
-                  <a:srgbClr val="F79646"/>
-                </a:solidFill>
-              </a:rPr>
-              <a:t>limited precision</a:t>
-            </a:r>
-          </a:p>
-          <a:p>
-            <a:r>
-              <a:rPr lang="en-US" dirty="0" smtClean="0">
-                <a:solidFill>
-                  <a:schemeClr val="tx2"/>
-                </a:solidFill>
-              </a:rPr>
-              <a:t>Terrestrial time </a:t>
-            </a:r>
-            <a:r>
-              <a:rPr lang="en-US" dirty="0" smtClean="0"/>
-              <a:t>– EpochTT2000 in CDF, internally represented by nanoseconds (int64) since Jan 1, 2000, </a:t>
-            </a:r>
-            <a:r>
-              <a:rPr lang="en-US" dirty="0" err="1" smtClean="0">
-                <a:latin typeface="Courier"/>
-                <a:cs typeface="Courier"/>
-              </a:rPr>
-              <a:t>EpochTT</a:t>
-            </a:r>
-            <a:r>
-              <a:rPr lang="en-US" dirty="0" smtClean="0"/>
-              <a:t> class</a:t>
-            </a:r>
-            <a:endParaRPr lang="en-US" dirty="0" smtClean="0"/>
-          </a:p>
-          <a:p>
-            <a:endParaRPr lang="en-US" dirty="0"/>
+              <a:t>: more complicated to use</a:t>
+            </a:r>
           </a:p>
         </p:txBody>
       </p:sp>
     </p:spTree>
     <p:extLst>
       <p:ext uri="{BB962C8B-B14F-4D97-AF65-F5344CB8AC3E}">
-        <p14:creationId xmlns:p14="http://schemas.microsoft.com/office/powerpoint/2010/main" val="1364240192"/>
+        <p14:creationId xmlns:p14="http://schemas.microsoft.com/office/powerpoint/2010/main" val="1284398574"/>
       </p:ext>
     </p:extLst>
   </p:cSld>
@@ -3590,7 +4543,15 @@
           <a:p>
             <a:r>
               <a:rPr lang="en-US" dirty="0" smtClean="0"/>
-              <a:t>Exercise 2</a:t>
+              <a:t>Plotting </a:t>
+            </a:r>
+            <a:r>
+              <a:rPr lang="en-US" dirty="0" err="1" smtClean="0"/>
+              <a:t>TSeries</a:t>
+            </a:r>
+            <a:r>
+              <a:rPr lang="en-US" dirty="0" smtClean="0"/>
+              <a:t> objects</a:t>
             </a:r>
             <a:endParaRPr lang="en-US" dirty="0"/>
           </a:p>
@@ -3606,23 +4567,527 @@
             <p:ph idx="1"/>
           </p:nvPr>
         </p:nvSpPr>
-        <p:spPr/>
+        <p:spPr>
+          <a:xfrm>
+            <a:off x="457200" y="1600200"/>
+            <a:ext cx="8229600" cy="5120462"/>
+          </a:xfrm>
+        </p:spPr>
         <p:txBody>
-          <a:bodyPr/>
+          <a:bodyPr>
+            <a:normAutofit fontScale="55000" lnSpcReduction="20000"/>
+          </a:bodyPr>
           <a:lstStyle/>
           <a:p>
-            <a:r>
-              <a:rPr lang="en-US" dirty="0" smtClean="0"/>
-              <a:t>time</a:t>
-            </a:r>
-            <a:endParaRPr lang="en-US" dirty="0"/>
+            <a:pPr marL="0" indent="0">
+              <a:buNone/>
+            </a:pPr>
+            <a:r>
+              <a:rPr lang="en-US" dirty="0" smtClean="0">
+                <a:latin typeface="Courier"/>
+                <a:cs typeface="Courier"/>
+              </a:rPr>
+              <a:t>%Input: Ts1, Ts2 – some data, vectors (</a:t>
+            </a:r>
+            <a:r>
+              <a:rPr lang="en-US" dirty="0" err="1" smtClean="0">
+                <a:latin typeface="Courier"/>
+                <a:cs typeface="Courier"/>
+              </a:rPr>
+              <a:t>x,y,z</a:t>
+            </a:r>
+            <a:r>
+              <a:rPr lang="en-US" dirty="0" smtClean="0">
+                <a:latin typeface="Courier"/>
+                <a:cs typeface="Courier"/>
+              </a:rPr>
+              <a:t>)</a:t>
+            </a:r>
+          </a:p>
+          <a:p>
+            <a:pPr marL="0" indent="0">
+              <a:buNone/>
+            </a:pPr>
+            <a:r>
+              <a:rPr lang="en-US" dirty="0" smtClean="0">
+                <a:latin typeface="Courier"/>
+                <a:cs typeface="Courier"/>
+              </a:rPr>
+              <a:t>%Simple plot:</a:t>
+            </a:r>
+          </a:p>
+          <a:p>
+            <a:pPr marL="0" indent="0">
+              <a:buNone/>
+            </a:pPr>
+            <a:r>
+              <a:rPr lang="en-US" b="1" dirty="0">
+                <a:latin typeface="Courier"/>
+                <a:cs typeface="Courier"/>
+              </a:rPr>
+              <a:t>h</a:t>
+            </a:r>
+            <a:r>
+              <a:rPr lang="en-US" b="1" dirty="0" smtClean="0">
+                <a:latin typeface="Courier"/>
+                <a:cs typeface="Courier"/>
+              </a:rPr>
+              <a:t> = </a:t>
+            </a:r>
+            <a:r>
+              <a:rPr lang="en-US" b="1" dirty="0" err="1">
+                <a:latin typeface="Courier"/>
+                <a:cs typeface="Courier"/>
+              </a:rPr>
+              <a:t>i</a:t>
+            </a:r>
+            <a:r>
+              <a:rPr lang="en-US" b="1" dirty="0" err="1" smtClean="0">
+                <a:latin typeface="Courier"/>
+                <a:cs typeface="Courier"/>
+              </a:rPr>
+              <a:t>rf_plot</a:t>
+            </a:r>
+            <a:r>
+              <a:rPr lang="en-US" b="1" dirty="0" smtClean="0">
+                <a:latin typeface="Courier"/>
+                <a:cs typeface="Courier"/>
+              </a:rPr>
+              <a:t>(Ts1)</a:t>
+            </a:r>
+          </a:p>
+          <a:p>
+            <a:pPr marL="0" indent="0">
+              <a:buNone/>
+            </a:pPr>
+            <a:endParaRPr lang="en-US" b="1" dirty="0" smtClean="0">
+              <a:latin typeface="Courier"/>
+              <a:cs typeface="Courier"/>
+            </a:endParaRPr>
+          </a:p>
+          <a:p>
+            <a:pPr marL="0" indent="0">
+              <a:buNone/>
+            </a:pPr>
+            <a:r>
+              <a:rPr lang="en-US" dirty="0" smtClean="0">
+                <a:latin typeface="Courier"/>
+                <a:cs typeface="Courier"/>
+              </a:rPr>
+              <a:t>%2 TS objects in separate panels</a:t>
+            </a:r>
+          </a:p>
+          <a:p>
+            <a:pPr marL="0" indent="0">
+              <a:buNone/>
+            </a:pPr>
+            <a:r>
+              <a:rPr lang="en-US" b="1" dirty="0">
+                <a:latin typeface="Courier"/>
+                <a:cs typeface="Courier"/>
+              </a:rPr>
+              <a:t>h</a:t>
+            </a:r>
+            <a:r>
+              <a:rPr lang="en-US" b="1" dirty="0" smtClean="0">
+                <a:latin typeface="Courier"/>
+                <a:cs typeface="Courier"/>
+              </a:rPr>
+              <a:t> = </a:t>
+            </a:r>
+            <a:r>
+              <a:rPr lang="en-US" b="1" dirty="0" err="1">
+                <a:latin typeface="Courier"/>
+                <a:cs typeface="Courier"/>
+              </a:rPr>
+              <a:t>i</a:t>
+            </a:r>
+            <a:r>
+              <a:rPr lang="en-US" b="1" dirty="0" err="1" smtClean="0">
+                <a:latin typeface="Courier"/>
+                <a:cs typeface="Courier"/>
+              </a:rPr>
+              <a:t>rf_plot</a:t>
+            </a:r>
+            <a:r>
+              <a:rPr lang="en-US" b="1" dirty="0" smtClean="0">
+                <a:latin typeface="Courier"/>
+                <a:cs typeface="Courier"/>
+              </a:rPr>
+              <a:t>({Ts1, Ts1})</a:t>
+            </a:r>
+          </a:p>
+          <a:p>
+            <a:pPr marL="0" indent="0">
+              <a:buNone/>
+            </a:pPr>
+            <a:endParaRPr lang="en-US" dirty="0" smtClean="0">
+              <a:latin typeface="Courier"/>
+              <a:cs typeface="Courier"/>
+            </a:endParaRPr>
+          </a:p>
+          <a:p>
+            <a:pPr marL="0" indent="0">
+              <a:buNone/>
+            </a:pPr>
+            <a:r>
+              <a:rPr lang="en-US" dirty="0" smtClean="0">
+                <a:latin typeface="Courier"/>
+                <a:cs typeface="Courier"/>
+              </a:rPr>
+              <a:t>%2 TS objects, each component in a separate panel</a:t>
+            </a:r>
+          </a:p>
+          <a:p>
+            <a:pPr marL="0" indent="0">
+              <a:buNone/>
+            </a:pPr>
+            <a:r>
+              <a:rPr lang="en-US" b="1" dirty="0">
+                <a:latin typeface="Courier"/>
+                <a:cs typeface="Courier"/>
+              </a:rPr>
+              <a:t>h</a:t>
+            </a:r>
+            <a:r>
+              <a:rPr lang="en-US" b="1" dirty="0" smtClean="0">
+                <a:latin typeface="Courier"/>
+                <a:cs typeface="Courier"/>
+              </a:rPr>
+              <a:t> = </a:t>
+            </a:r>
+            <a:r>
+              <a:rPr lang="en-US" b="1" dirty="0" err="1">
+                <a:latin typeface="Courier"/>
+                <a:cs typeface="Courier"/>
+              </a:rPr>
+              <a:t>i</a:t>
+            </a:r>
+            <a:r>
+              <a:rPr lang="en-US" b="1" dirty="0" err="1" smtClean="0">
+                <a:latin typeface="Courier"/>
+                <a:cs typeface="Courier"/>
+              </a:rPr>
+              <a:t>rf_plot</a:t>
+            </a:r>
+            <a:r>
+              <a:rPr lang="en-US" b="1" dirty="0" smtClean="0">
+                <a:latin typeface="Courier"/>
+                <a:cs typeface="Courier"/>
+              </a:rPr>
+              <a:t>({Ts1, Ts1},</a:t>
+            </a:r>
+            <a:r>
+              <a:rPr lang="en-US" b="1" dirty="0" smtClean="0">
+                <a:solidFill>
+                  <a:srgbClr val="8064A2"/>
+                </a:solidFill>
+                <a:latin typeface="Courier"/>
+                <a:cs typeface="Courier"/>
+              </a:rPr>
+              <a:t>’comp’</a:t>
+            </a:r>
+            <a:r>
+              <a:rPr lang="en-US" b="1" dirty="0" smtClean="0">
+                <a:latin typeface="Courier"/>
+                <a:cs typeface="Courier"/>
+              </a:rPr>
+              <a:t>)</a:t>
+            </a:r>
+          </a:p>
+          <a:p>
+            <a:pPr marL="0" indent="0">
+              <a:buNone/>
+            </a:pPr>
+            <a:endParaRPr lang="en-US" dirty="0" smtClean="0">
+              <a:latin typeface="Courier"/>
+              <a:cs typeface="Courier"/>
+            </a:endParaRPr>
+          </a:p>
+          <a:p>
+            <a:pPr marL="0" indent="0">
+              <a:buNone/>
+            </a:pPr>
+            <a:r>
+              <a:rPr lang="en-US" dirty="0" smtClean="0">
+                <a:latin typeface="Courier"/>
+                <a:cs typeface="Courier"/>
+              </a:rPr>
+              <a:t>%Ts1.x, Ts1.z in one panel, and abs(Ts2) in a %separate panel</a:t>
+            </a:r>
+          </a:p>
+          <a:p>
+            <a:pPr marL="0" indent="0">
+              <a:buNone/>
+            </a:pPr>
+            <a:r>
+              <a:rPr lang="en-US" b="1" dirty="0">
+                <a:latin typeface="Courier"/>
+                <a:cs typeface="Courier"/>
+              </a:rPr>
+              <a:t>h</a:t>
+            </a:r>
+            <a:r>
+              <a:rPr lang="en-US" b="1" dirty="0" smtClean="0">
+                <a:latin typeface="Courier"/>
+                <a:cs typeface="Courier"/>
+              </a:rPr>
+              <a:t> = </a:t>
+            </a:r>
+            <a:r>
+              <a:rPr lang="en-US" b="1" dirty="0" err="1" smtClean="0">
+                <a:latin typeface="Courier"/>
+                <a:cs typeface="Courier"/>
+              </a:rPr>
+              <a:t>irf_plot</a:t>
+            </a:r>
+            <a:r>
+              <a:rPr lang="en-US" b="1" dirty="0" smtClean="0">
+                <a:latin typeface="Courier"/>
+                <a:cs typeface="Courier"/>
+              </a:rPr>
+              <a:t>(2); % initialize with 2 panels</a:t>
+            </a:r>
+          </a:p>
+          <a:p>
+            <a:pPr marL="0" indent="0">
+              <a:buNone/>
+            </a:pPr>
+            <a:r>
+              <a:rPr lang="en-US" b="1" dirty="0" err="1">
+                <a:latin typeface="Courier"/>
+                <a:cs typeface="Courier"/>
+              </a:rPr>
+              <a:t>h</a:t>
+            </a:r>
+            <a:r>
+              <a:rPr lang="en-US" b="1" dirty="0" err="1" smtClean="0">
+                <a:latin typeface="Courier"/>
+                <a:cs typeface="Courier"/>
+              </a:rPr>
+              <a:t>ca</a:t>
+            </a:r>
+            <a:r>
+              <a:rPr lang="en-US" b="1" dirty="0" smtClean="0">
+                <a:latin typeface="Courier"/>
+                <a:cs typeface="Courier"/>
+              </a:rPr>
+              <a:t> = </a:t>
+            </a:r>
+            <a:r>
+              <a:rPr lang="en-US" b="1" dirty="0" err="1" smtClean="0">
+                <a:latin typeface="Courier"/>
+                <a:cs typeface="Courier"/>
+              </a:rPr>
+              <a:t>irf_panel</a:t>
+            </a:r>
+            <a:r>
+              <a:rPr lang="en-US" b="1" dirty="0" smtClean="0">
+                <a:latin typeface="Courier"/>
+                <a:cs typeface="Courier"/>
+              </a:rPr>
+              <a:t>(</a:t>
+            </a:r>
+            <a:r>
+              <a:rPr lang="en-US" b="1" dirty="0" smtClean="0">
+                <a:solidFill>
+                  <a:srgbClr val="8064A2"/>
+                </a:solidFill>
+                <a:latin typeface="Courier"/>
+                <a:cs typeface="Courier"/>
+              </a:rPr>
+              <a:t>‘panel 1’</a:t>
+            </a:r>
+            <a:r>
+              <a:rPr lang="en-US" b="1" dirty="0" smtClean="0">
+                <a:latin typeface="Courier"/>
+                <a:cs typeface="Courier"/>
+              </a:rPr>
+              <a:t>);</a:t>
+            </a:r>
+          </a:p>
+          <a:p>
+            <a:pPr marL="0" indent="0">
+              <a:buNone/>
+            </a:pPr>
+            <a:r>
+              <a:rPr lang="en-US" b="1" dirty="0" err="1">
+                <a:latin typeface="Courier"/>
+                <a:cs typeface="Courier"/>
+              </a:rPr>
+              <a:t>i</a:t>
+            </a:r>
+            <a:r>
+              <a:rPr lang="en-US" b="1" dirty="0" err="1" smtClean="0">
+                <a:latin typeface="Courier"/>
+                <a:cs typeface="Courier"/>
+              </a:rPr>
+              <a:t>rf_plot</a:t>
+            </a:r>
+            <a:r>
+              <a:rPr lang="en-US" b="1" dirty="0" smtClean="0">
+                <a:latin typeface="Courier"/>
+                <a:cs typeface="Courier"/>
+              </a:rPr>
+              <a:t>(</a:t>
+            </a:r>
+            <a:r>
+              <a:rPr lang="en-US" b="1" dirty="0" err="1" smtClean="0">
+                <a:latin typeface="Courier"/>
+                <a:cs typeface="Courier"/>
+              </a:rPr>
+              <a:t>hca</a:t>
+            </a:r>
+            <a:r>
+              <a:rPr lang="en-US" b="1" dirty="0" smtClean="0">
+                <a:latin typeface="Courier"/>
+                <a:cs typeface="Courier"/>
+              </a:rPr>
+              <a:t>,{Ts1.x, Ts1.z},</a:t>
+            </a:r>
+            <a:r>
+              <a:rPr lang="en-US" b="1" dirty="0" smtClean="0">
+                <a:solidFill>
+                  <a:srgbClr val="8064A2"/>
+                </a:solidFill>
+                <a:latin typeface="Courier"/>
+                <a:cs typeface="Courier"/>
+              </a:rPr>
+              <a:t>’comp’</a:t>
+            </a:r>
+            <a:r>
+              <a:rPr lang="en-US" b="1" dirty="0" smtClean="0">
+                <a:latin typeface="Courier"/>
+                <a:cs typeface="Courier"/>
+              </a:rPr>
+              <a:t>)</a:t>
+            </a:r>
+          </a:p>
+          <a:p>
+            <a:pPr marL="0" indent="0">
+              <a:buNone/>
+            </a:pPr>
+            <a:r>
+              <a:rPr lang="en-US" b="1" dirty="0" err="1">
+                <a:latin typeface="Courier"/>
+                <a:cs typeface="Courier"/>
+              </a:rPr>
+              <a:t>h</a:t>
+            </a:r>
+            <a:r>
+              <a:rPr lang="en-US" b="1" dirty="0" err="1" smtClean="0">
+                <a:latin typeface="Courier"/>
+                <a:cs typeface="Courier"/>
+              </a:rPr>
+              <a:t>ca</a:t>
+            </a:r>
+            <a:r>
+              <a:rPr lang="en-US" b="1" dirty="0" smtClean="0">
+                <a:latin typeface="Courier"/>
+                <a:cs typeface="Courier"/>
+              </a:rPr>
+              <a:t> = </a:t>
+            </a:r>
+            <a:r>
+              <a:rPr lang="en-US" b="1" dirty="0" err="1" smtClean="0">
+                <a:latin typeface="Courier"/>
+                <a:cs typeface="Courier"/>
+              </a:rPr>
+              <a:t>irf_panel</a:t>
+            </a:r>
+            <a:r>
+              <a:rPr lang="en-US" b="1" dirty="0" smtClean="0">
+                <a:latin typeface="Courier"/>
+                <a:cs typeface="Courier"/>
+              </a:rPr>
+              <a:t>(</a:t>
+            </a:r>
+            <a:r>
+              <a:rPr lang="en-US" b="1" dirty="0" smtClean="0">
+                <a:solidFill>
+                  <a:srgbClr val="8064A2"/>
+                </a:solidFill>
+                <a:latin typeface="Courier"/>
+                <a:cs typeface="Courier"/>
+              </a:rPr>
+              <a:t>‘panel 1’</a:t>
+            </a:r>
+            <a:r>
+              <a:rPr lang="en-US" b="1" dirty="0" smtClean="0">
+                <a:latin typeface="Courier"/>
+                <a:cs typeface="Courier"/>
+              </a:rPr>
+              <a:t>);</a:t>
+            </a:r>
+          </a:p>
+          <a:p>
+            <a:pPr marL="0" indent="0">
+              <a:buNone/>
+            </a:pPr>
+            <a:r>
+              <a:rPr lang="en-US" b="1" dirty="0" err="1">
+                <a:latin typeface="Courier"/>
+                <a:cs typeface="Courier"/>
+              </a:rPr>
+              <a:t>i</a:t>
+            </a:r>
+            <a:r>
+              <a:rPr lang="en-US" b="1" dirty="0" err="1" smtClean="0">
+                <a:latin typeface="Courier"/>
+                <a:cs typeface="Courier"/>
+              </a:rPr>
+              <a:t>rf_plot</a:t>
+            </a:r>
+            <a:r>
+              <a:rPr lang="en-US" b="1" dirty="0" smtClean="0">
+                <a:latin typeface="Courier"/>
+                <a:cs typeface="Courier"/>
+              </a:rPr>
+              <a:t>(hca,Ts2.abs)</a:t>
+            </a:r>
+          </a:p>
+          <a:p>
+            <a:pPr marL="0" indent="0">
+              <a:buNone/>
+            </a:pPr>
+            <a:endParaRPr lang="en-US" dirty="0" smtClean="0">
+              <a:latin typeface="Courier"/>
+              <a:cs typeface="Courier"/>
+            </a:endParaRPr>
+          </a:p>
+          <a:p>
+            <a:pPr marL="0" indent="0">
+              <a:buNone/>
+            </a:pPr>
+            <a:endParaRPr lang="en-US" dirty="0" smtClean="0">
+              <a:latin typeface="Courier"/>
+              <a:cs typeface="Courier"/>
+            </a:endParaRPr>
+          </a:p>
+          <a:p>
+            <a:pPr marL="0" indent="0">
+              <a:buNone/>
+            </a:pPr>
+            <a:endParaRPr lang="en-US" dirty="0" smtClean="0">
+              <a:latin typeface="Courier"/>
+              <a:cs typeface="Courier"/>
+            </a:endParaRPr>
+          </a:p>
+          <a:p>
+            <a:pPr marL="0" indent="0">
+              <a:buNone/>
+            </a:pPr>
+            <a:endParaRPr lang="en-US" dirty="0">
+              <a:latin typeface="Courier"/>
+              <a:cs typeface="Courier"/>
+            </a:endParaRPr>
           </a:p>
         </p:txBody>
       </p:sp>
     </p:spTree>
     <p:extLst>
       <p:ext uri="{BB962C8B-B14F-4D97-AF65-F5344CB8AC3E}">
-        <p14:creationId xmlns:p14="http://schemas.microsoft.com/office/powerpoint/2010/main" val="2277618643"/>
+        <p14:creationId xmlns:p14="http://schemas.microsoft.com/office/powerpoint/2010/main" val="922265134"/>
       </p:ext>
     </p:extLst>
   </p:cSld>
@@ -3666,15 +5131,11 @@
           <a:p>
             <a:r>
               <a:rPr lang="en-US" dirty="0" smtClean="0"/>
-              <a:t>Time-series data in </a:t>
-            </a:r>
-            <a:r>
-              <a:rPr lang="en-US" dirty="0" err="1"/>
-              <a:t>M</a:t>
+              <a:t>Ex1 : </a:t>
             </a:r>
             <a:r>
               <a:rPr lang="en-US" dirty="0" err="1" smtClean="0"/>
-              <a:t>atlab</a:t>
+              <a:t>dataobj</a:t>
             </a:r>
             <a:endParaRPr lang="en-US" dirty="0"/>
           </a:p>
@@ -3690,231 +5151,588 @@
             <p:ph idx="1"/>
           </p:nvPr>
         </p:nvSpPr>
-        <p:spPr/>
+        <p:spPr>
+          <a:xfrm>
+            <a:off x="457200" y="1417638"/>
+            <a:ext cx="8229600" cy="5245948"/>
+          </a:xfrm>
+        </p:spPr>
         <p:txBody>
           <a:bodyPr>
-            <a:normAutofit fontScale="77500" lnSpcReduction="20000"/>
+            <a:normAutofit fontScale="25000" lnSpcReduction="20000"/>
           </a:bodyPr>
           <a:lstStyle/>
           <a:p>
             <a:r>
+              <a:rPr lang="en-US" dirty="0" err="1">
+                <a:latin typeface="Courier"/>
+                <a:cs typeface="Courier"/>
+              </a:rPr>
+              <a:t>d</a:t>
+            </a:r>
+            <a:r>
+              <a:rPr lang="en-US" dirty="0" err="1" smtClean="0">
+                <a:latin typeface="Courier"/>
+                <a:cs typeface="Courier"/>
+              </a:rPr>
+              <a:t>ataobj</a:t>
+            </a:r>
+            <a:r>
               <a:rPr lang="en-US" dirty="0" smtClean="0"/>
-              <a:t>Simple approach: Combine time and data into a single array, e.g. </a:t>
-            </a:r>
-            <a:r>
-              <a:rPr lang="en-US" dirty="0" smtClean="0">
-                <a:latin typeface="Courier"/>
-                <a:cs typeface="Courier"/>
-              </a:rPr>
-              <a:t>[</a:t>
-            </a:r>
+              <a:t> class – representation of a CDF file in </a:t>
+            </a:r>
+            <a:r>
+              <a:rPr lang="en-US" dirty="0" err="1" smtClean="0"/>
+              <a:t>Matlab</a:t>
+            </a:r>
+            <a:r>
+              <a:rPr lang="en-US" dirty="0" smtClean="0"/>
+              <a:t>, contains both metadata and data</a:t>
+            </a:r>
+          </a:p>
+          <a:p>
+            <a:r>
+              <a:rPr lang="en-US" dirty="0" err="1" smtClean="0"/>
+              <a:t>Matlab</a:t>
+            </a:r>
+            <a:r>
+              <a:rPr lang="en-US" dirty="0" smtClean="0"/>
+              <a:t> code:</a:t>
+            </a:r>
+          </a:p>
+          <a:p>
+            <a:pPr marL="0" indent="0">
+              <a:buNone/>
+            </a:pPr>
+            <a:r>
+              <a:rPr lang="en-US" dirty="0" smtClean="0">
+                <a:latin typeface="Courier"/>
+                <a:cs typeface="Courier"/>
+              </a:rPr>
+              <a:t>&gt;&gt; </a:t>
+            </a:r>
+            <a:r>
+              <a:rPr lang="en-US" b="1" dirty="0" smtClean="0">
+                <a:latin typeface="Courier"/>
+                <a:cs typeface="Courier"/>
+              </a:rPr>
+              <a:t>D = </a:t>
+            </a:r>
+            <a:r>
+              <a:rPr lang="en-US" b="1" dirty="0" err="1" smtClean="0">
+                <a:latin typeface="Courier"/>
+                <a:cs typeface="Courier"/>
+              </a:rPr>
+              <a:t>dataobj</a:t>
+            </a:r>
+            <a:r>
+              <a:rPr lang="en-US" b="1" dirty="0" smtClean="0">
+                <a:latin typeface="Courier"/>
+                <a:cs typeface="Courier"/>
+              </a:rPr>
+              <a:t>(</a:t>
+            </a:r>
+            <a:r>
+              <a:rPr lang="en-US" b="1" dirty="0" smtClean="0">
+                <a:solidFill>
+                  <a:schemeClr val="accent4"/>
+                </a:solidFill>
+                <a:latin typeface="Courier"/>
+                <a:cs typeface="Courier"/>
+              </a:rPr>
+              <a:t>'CAA/C1_CP_FGM_FULL/C1_CP_FGM_FULL__20020330_131130_20020330_131200_V140306.cdf'</a:t>
+            </a:r>
+            <a:r>
+              <a:rPr lang="en-US" b="1" dirty="0" smtClean="0">
+                <a:latin typeface="Courier"/>
+                <a:cs typeface="Courier"/>
+              </a:rPr>
+              <a:t>)</a:t>
+            </a:r>
+          </a:p>
+          <a:p>
+            <a:pPr marL="0" indent="0">
+              <a:buNone/>
+            </a:pPr>
+            <a:r>
+              <a:rPr lang="en-US" dirty="0" smtClean="0">
+                <a:latin typeface="Courier"/>
+                <a:cs typeface="Courier"/>
+              </a:rPr>
+              <a:t> </a:t>
+            </a:r>
+          </a:p>
+          <a:p>
+            <a:pPr marL="0" indent="0">
+              <a:buNone/>
+            </a:pPr>
             <a:r>
               <a:rPr lang="en-US" dirty="0" err="1" smtClean="0">
                 <a:latin typeface="Courier"/>
                 <a:cs typeface="Courier"/>
               </a:rPr>
-              <a:t>unixEpoch</a:t>
-            </a:r>
-            <a:r>
-              <a:rPr lang="en-US" dirty="0" smtClean="0">
-                <a:latin typeface="Courier"/>
-                <a:cs typeface="Courier"/>
-              </a:rPr>
-              <a:t>(:) </a:t>
-            </a:r>
+              <a:t>dataobj</a:t>
+            </a:r>
+            <a:r>
+              <a:rPr lang="en-US" dirty="0" smtClean="0">
+                <a:latin typeface="Courier"/>
+                <a:cs typeface="Courier"/>
+              </a:rPr>
+              <a:t> object created : 25-Jul-2015 23:25:41</a:t>
+            </a:r>
+          </a:p>
+          <a:p>
+            <a:pPr marL="0" indent="0">
+              <a:buNone/>
+            </a:pPr>
+            <a:r>
+              <a:rPr lang="en-US" dirty="0" smtClean="0">
+                <a:latin typeface="Courier"/>
+                <a:cs typeface="Courier"/>
+              </a:rPr>
+              <a:t> </a:t>
+            </a:r>
+          </a:p>
+          <a:p>
+            <a:pPr marL="0" indent="0">
+              <a:buNone/>
+            </a:pPr>
+            <a:r>
+              <a:rPr lang="en-US" dirty="0" smtClean="0">
+                <a:latin typeface="Courier"/>
+                <a:cs typeface="Courier"/>
+              </a:rPr>
+              <a:t>Variables:</a:t>
+            </a:r>
+          </a:p>
+          <a:p>
+            <a:pPr marL="0" indent="0">
+              <a:buNone/>
+            </a:pPr>
+            <a:r>
+              <a:rPr lang="en-US" dirty="0" smtClean="0">
+                <a:latin typeface="Courier"/>
+                <a:cs typeface="Courier"/>
+              </a:rPr>
+              <a:t>time_tags__C1_CP_FGM_FULL : epoch : 2018 recs</a:t>
+            </a:r>
+          </a:p>
+          <a:p>
+            <a:pPr marL="0" indent="0">
+              <a:buNone/>
+            </a:pPr>
+            <a:r>
+              <a:rPr lang="en-US" dirty="0" smtClean="0">
+                <a:latin typeface="Courier"/>
+                <a:cs typeface="Courier"/>
+              </a:rPr>
+              <a:t>half_interval__C1_CP_FGM_FULL : single : 2018 recs</a:t>
+            </a:r>
+          </a:p>
+          <a:p>
+            <a:pPr marL="0" indent="0">
+              <a:buNone/>
+            </a:pPr>
+            <a:r>
+              <a:rPr lang="en-US" dirty="0" smtClean="0">
+                <a:latin typeface="Courier"/>
+                <a:cs typeface="Courier"/>
+              </a:rPr>
+              <a:t>B_vec_xyz_gse__C1_CP_FGM_FULL : single : 2018 recs</a:t>
+            </a:r>
+          </a:p>
+          <a:p>
+            <a:pPr marL="0" indent="0">
+              <a:buNone/>
+            </a:pPr>
+            <a:r>
+              <a:rPr lang="en-US" dirty="0" smtClean="0">
+                <a:latin typeface="Courier"/>
+                <a:cs typeface="Courier"/>
+              </a:rPr>
+              <a:t>B_mag__C1_CP_FGM_FULL : single : 2018 recs</a:t>
+            </a:r>
+          </a:p>
+          <a:p>
+            <a:pPr marL="0" indent="0">
+              <a:buNone/>
+            </a:pPr>
+            <a:r>
+              <a:rPr lang="en-US" dirty="0" smtClean="0">
+                <a:latin typeface="Courier"/>
+                <a:cs typeface="Courier"/>
+              </a:rPr>
+              <a:t>sc_pos_xyz_gse__C1_CP_FGM_FULL : single : 2018 recs</a:t>
+            </a:r>
+          </a:p>
+          <a:p>
+            <a:pPr marL="0" indent="0">
+              <a:buNone/>
+            </a:pPr>
+            <a:r>
+              <a:rPr lang="en-US" dirty="0" smtClean="0">
+                <a:latin typeface="Courier"/>
+                <a:cs typeface="Courier"/>
+              </a:rPr>
+              <a:t>range__C1_CP_FGM_FULL : int32 : 2018 recs</a:t>
+            </a:r>
+          </a:p>
+          <a:p>
+            <a:pPr marL="0" indent="0">
+              <a:buNone/>
+            </a:pPr>
+            <a:r>
+              <a:rPr lang="en-US" dirty="0" smtClean="0">
+                <a:latin typeface="Courier"/>
+                <a:cs typeface="Courier"/>
+              </a:rPr>
+              <a:t>tm__C1_CP_FGM_FULL : int32 : 2018 recs</a:t>
+            </a:r>
+          </a:p>
+          <a:p>
+            <a:pPr marL="0" indent="0">
+              <a:buNone/>
+            </a:pPr>
+            <a:r>
+              <a:rPr lang="en-US" dirty="0" smtClean="0">
+                <a:latin typeface="Courier"/>
+                <a:cs typeface="Courier"/>
+              </a:rPr>
+              <a:t> </a:t>
+            </a:r>
+          </a:p>
+          <a:p>
+            <a:pPr marL="0" indent="0">
+              <a:buNone/>
+            </a:pPr>
+            <a:r>
+              <a:rPr lang="en-US" dirty="0" smtClean="0">
+                <a:latin typeface="Courier"/>
+                <a:cs typeface="Courier"/>
+              </a:rPr>
+              <a:t>&gt;&gt; </a:t>
+            </a:r>
+            <a:r>
+              <a:rPr lang="en-US" b="1" dirty="0" err="1" smtClean="0">
+                <a:latin typeface="Courier"/>
+                <a:cs typeface="Courier"/>
+              </a:rPr>
+              <a:t>D.VariableAttributes</a:t>
+            </a:r>
+            <a:endParaRPr lang="en-US" b="1" dirty="0" smtClean="0">
+              <a:latin typeface="Courier"/>
+              <a:cs typeface="Courier"/>
+            </a:endParaRPr>
+          </a:p>
+          <a:p>
+            <a:pPr marL="0" indent="0">
+              <a:buNone/>
+            </a:pPr>
+            <a:endParaRPr lang="en-US" dirty="0" smtClean="0">
+              <a:latin typeface="Courier"/>
+              <a:cs typeface="Courier"/>
+            </a:endParaRPr>
+          </a:p>
+          <a:p>
+            <a:pPr marL="0" indent="0">
+              <a:buNone/>
+            </a:pPr>
             <a:r>
               <a:rPr lang="en-US" dirty="0" err="1" smtClean="0">
                 <a:latin typeface="Courier"/>
                 <a:cs typeface="Courier"/>
               </a:rPr>
-              <a:t>dataX</a:t>
-            </a:r>
-            <a:r>
-              <a:rPr lang="en-US" dirty="0" smtClean="0">
-                <a:latin typeface="Courier"/>
-                <a:cs typeface="Courier"/>
-              </a:rPr>
-              <a:t>(:) </a:t>
-            </a:r>
-            <a:r>
-              <a:rPr lang="en-US" dirty="0" err="1" smtClean="0">
-                <a:latin typeface="Courier"/>
-                <a:cs typeface="Courier"/>
-              </a:rPr>
-              <a:t>dataY</a:t>
-            </a:r>
-            <a:r>
-              <a:rPr lang="en-US" dirty="0" smtClean="0">
-                <a:latin typeface="Courier"/>
-                <a:cs typeface="Courier"/>
-              </a:rPr>
-              <a:t>(:)</a:t>
-            </a:r>
-            <a:r>
-              <a:rPr lang="en-US" dirty="0" smtClean="0">
-                <a:latin typeface="Courier"/>
-                <a:cs typeface="Courier"/>
-              </a:rPr>
-              <a:t> </a:t>
-            </a:r>
-            <a:r>
-              <a:rPr lang="en-US" dirty="0" err="1" smtClean="0">
-                <a:latin typeface="Courier"/>
-                <a:cs typeface="Courier"/>
-              </a:rPr>
-              <a:t>dataZ</a:t>
-            </a:r>
-            <a:r>
-              <a:rPr lang="en-US" dirty="0" smtClean="0">
-                <a:latin typeface="Courier"/>
-                <a:cs typeface="Courier"/>
-              </a:rPr>
-              <a:t>(:)</a:t>
-            </a:r>
-            <a:r>
-              <a:rPr lang="en-US" dirty="0" smtClean="0">
-                <a:latin typeface="Courier"/>
-                <a:cs typeface="Courier"/>
-              </a:rPr>
-              <a:t>]</a:t>
-            </a:r>
-          </a:p>
-          <a:p>
-            <a:pPr lvl="1"/>
-            <a:r>
-              <a:rPr lang="en-US" dirty="0" smtClean="0">
-                <a:solidFill>
-                  <a:schemeClr val="accent3"/>
-                </a:solidFill>
-              </a:rPr>
-              <a:t>Pros</a:t>
-            </a:r>
-            <a:r>
-              <a:rPr lang="en-US" dirty="0" smtClean="0"/>
-              <a:t>: Works nicely for simple time-series</a:t>
-            </a:r>
-          </a:p>
-          <a:p>
-            <a:pPr lvl="1"/>
-            <a:r>
-              <a:rPr lang="en-US" dirty="0" smtClean="0">
-                <a:solidFill>
-                  <a:schemeClr val="accent2"/>
-                </a:solidFill>
-              </a:rPr>
-              <a:t>Cons</a:t>
-            </a:r>
-            <a:r>
-              <a:rPr lang="en-US" dirty="0" smtClean="0"/>
-              <a:t>: </a:t>
-            </a:r>
-          </a:p>
-          <a:p>
-            <a:pPr lvl="2"/>
-            <a:r>
-              <a:rPr lang="en-US" dirty="0" smtClean="0"/>
-              <a:t>time and data must be converted to the same type</a:t>
-            </a:r>
-          </a:p>
-          <a:p>
-            <a:pPr lvl="2"/>
-            <a:r>
-              <a:rPr lang="en-US" dirty="0" smtClean="0"/>
-              <a:t>No metadata</a:t>
-            </a:r>
-          </a:p>
-          <a:p>
-            <a:r>
-              <a:rPr lang="en-US" dirty="0" smtClean="0"/>
-              <a:t>Complex approach: </a:t>
-            </a:r>
-            <a:r>
-              <a:rPr lang="en-US" dirty="0" err="1" smtClean="0">
-                <a:latin typeface="Courier"/>
-                <a:cs typeface="Courier"/>
-              </a:rPr>
-              <a:t>TSeries</a:t>
-            </a:r>
-            <a:r>
-              <a:rPr lang="en-US" dirty="0" smtClean="0"/>
-              <a:t> class </a:t>
-            </a:r>
-          </a:p>
-          <a:p>
-            <a:pPr lvl="1"/>
-            <a:r>
-              <a:rPr lang="en-US" dirty="0" smtClean="0">
-                <a:solidFill>
-                  <a:schemeClr val="accent3"/>
-                </a:solidFill>
-              </a:rPr>
-              <a:t>Pros</a:t>
-            </a:r>
-            <a:r>
-              <a:rPr lang="en-US" dirty="0" smtClean="0"/>
-              <a:t>: </a:t>
-            </a:r>
-          </a:p>
-          <a:p>
-            <a:pPr lvl="2"/>
-            <a:r>
-              <a:rPr lang="en-US" dirty="0" smtClean="0"/>
-              <a:t>Preserves </a:t>
-            </a:r>
-            <a:r>
-              <a:rPr lang="en-US" dirty="0" smtClean="0"/>
-              <a:t>time and data types in the raw data</a:t>
-            </a:r>
-          </a:p>
-          <a:p>
-            <a:pPr lvl="2"/>
-            <a:r>
-              <a:rPr lang="en-US" dirty="0" smtClean="0"/>
-              <a:t>Contains metadata</a:t>
-            </a:r>
-          </a:p>
-          <a:p>
-            <a:pPr lvl="2"/>
-            <a:r>
-              <a:rPr lang="en-US" dirty="0" smtClean="0"/>
-              <a:t>Works for multi-dimensional data</a:t>
-            </a:r>
-          </a:p>
-          <a:p>
-            <a:pPr lvl="2"/>
-            <a:r>
-              <a:rPr lang="en-US" dirty="0" smtClean="0"/>
-              <a:t>Less error prone</a:t>
-            </a:r>
-            <a:endParaRPr lang="en-US" dirty="0" smtClean="0"/>
-          </a:p>
-          <a:p>
-            <a:pPr lvl="1"/>
-            <a:r>
-              <a:rPr lang="en-US" dirty="0" smtClean="0">
-                <a:solidFill>
-                  <a:schemeClr val="accent2"/>
-                </a:solidFill>
-              </a:rPr>
-              <a:t>Cons</a:t>
-            </a:r>
-            <a:r>
-              <a:rPr lang="en-US" dirty="0" smtClean="0"/>
-              <a:t>: more complicated to use</a:t>
-            </a:r>
+              <a:t>ans</a:t>
+            </a:r>
+            <a:r>
+              <a:rPr lang="en-US" dirty="0" smtClean="0">
+                <a:latin typeface="Courier"/>
+                <a:cs typeface="Courier"/>
+              </a:rPr>
+              <a:t> = </a:t>
+            </a:r>
+          </a:p>
+          <a:p>
+            <a:pPr marL="0" indent="0">
+              <a:buNone/>
+            </a:pPr>
+            <a:endParaRPr lang="en-US" dirty="0" smtClean="0">
+              <a:latin typeface="Courier"/>
+              <a:cs typeface="Courier"/>
+            </a:endParaRPr>
+          </a:p>
+          <a:p>
+            <a:pPr marL="0" indent="0">
+              <a:buNone/>
+            </a:pPr>
+            <a:r>
+              <a:rPr lang="en-US" dirty="0" smtClean="0">
+                <a:latin typeface="Courier"/>
+                <a:cs typeface="Courier"/>
+              </a:rPr>
+              <a:t>        PARAMETER_TYPE: {11x2 cell}</a:t>
+            </a:r>
+          </a:p>
+          <a:p>
+            <a:pPr marL="0" indent="0">
+              <a:buNone/>
+            </a:pPr>
+            <a:r>
+              <a:rPr lang="en-US" dirty="0" smtClean="0">
+                <a:latin typeface="Courier"/>
+                <a:cs typeface="Courier"/>
+              </a:rPr>
+              <a:t>               CATDESC: {7x2 cell}</a:t>
+            </a:r>
+          </a:p>
+          <a:p>
+            <a:pPr marL="0" indent="0">
+              <a:buNone/>
+            </a:pPr>
+            <a:r>
+              <a:rPr lang="en-US" dirty="0" smtClean="0">
+                <a:latin typeface="Courier"/>
+                <a:cs typeface="Courier"/>
+              </a:rPr>
+              <a:t>                 UNITS: {7x2 cell}</a:t>
+            </a:r>
+          </a:p>
+          <a:p>
+            <a:pPr marL="0" indent="0">
+              <a:buNone/>
+            </a:pPr>
+            <a:r>
+              <a:rPr lang="en-US" dirty="0" smtClean="0">
+                <a:latin typeface="Courier"/>
+                <a:cs typeface="Courier"/>
+              </a:rPr>
+              <a:t>         SI_CONVERSION: {5x2 cell}</a:t>
+            </a:r>
+          </a:p>
+          <a:p>
+            <a:pPr marL="0" indent="0">
+              <a:buNone/>
+            </a:pPr>
+            <a:r>
+              <a:rPr lang="en-US" dirty="0" smtClean="0">
+                <a:latin typeface="Courier"/>
+                <a:cs typeface="Courier"/>
+              </a:rPr>
+              <a:t>    SIGNIFICANT_DIGITS: {7x2 cell}</a:t>
+            </a:r>
+          </a:p>
+          <a:p>
+            <a:pPr marL="0" indent="0">
+              <a:buNone/>
+            </a:pPr>
+            <a:r>
+              <a:rPr lang="en-US" dirty="0" smtClean="0">
+                <a:latin typeface="Courier"/>
+                <a:cs typeface="Courier"/>
+              </a:rPr>
+              <a:t>               FILLVAL: {7x2 cell}</a:t>
+            </a:r>
+          </a:p>
+          <a:p>
+            <a:pPr marL="0" indent="0">
+              <a:buNone/>
+            </a:pPr>
+            <a:r>
+              <a:rPr lang="en-US" dirty="0" smtClean="0">
+                <a:latin typeface="Courier"/>
+                <a:cs typeface="Courier"/>
+              </a:rPr>
+              <a:t>              FIELDNAM: {7x2 cell}</a:t>
+            </a:r>
+          </a:p>
+          <a:p>
+            <a:pPr marL="0" indent="0">
+              <a:buNone/>
+            </a:pPr>
+            <a:r>
+              <a:rPr lang="en-US" dirty="0" smtClean="0">
+                <a:latin typeface="Courier"/>
+                <a:cs typeface="Courier"/>
+              </a:rPr>
+              <a:t>              LABLAXIS: {7x2 cell}</a:t>
+            </a:r>
+          </a:p>
+          <a:p>
+            <a:pPr marL="0" indent="0">
+              <a:buNone/>
+            </a:pPr>
+            <a:r>
+              <a:rPr lang="en-US" dirty="0" smtClean="0">
+                <a:latin typeface="Courier"/>
+                <a:cs typeface="Courier"/>
+              </a:rPr>
+              <a:t>            DELTA_PLUS: {1x2 cell}</a:t>
+            </a:r>
+          </a:p>
+          <a:p>
+            <a:pPr marL="0" indent="0">
+              <a:buNone/>
+            </a:pPr>
+            <a:r>
+              <a:rPr lang="en-US" dirty="0" smtClean="0">
+                <a:latin typeface="Courier"/>
+                <a:cs typeface="Courier"/>
+              </a:rPr>
+              <a:t>           DELTA_MINUS: {1x2 cell}</a:t>
+            </a:r>
+          </a:p>
+          <a:p>
+            <a:pPr marL="0" indent="0">
+              <a:buNone/>
+            </a:pPr>
+            <a:r>
+              <a:rPr lang="en-US" dirty="0" smtClean="0">
+                <a:latin typeface="Courier"/>
+                <a:cs typeface="Courier"/>
+              </a:rPr>
+              <a:t>                ENTITY: {3x2 cell}</a:t>
+            </a:r>
+          </a:p>
+          <a:p>
+            <a:pPr marL="0" indent="0">
+              <a:buNone/>
+            </a:pPr>
+            <a:r>
+              <a:rPr lang="en-US" dirty="0" smtClean="0">
+                <a:latin typeface="Courier"/>
+                <a:cs typeface="Courier"/>
+              </a:rPr>
+              <a:t>              PROPERTY: {3x2 cell}</a:t>
+            </a:r>
+          </a:p>
+          <a:p>
+            <a:pPr marL="0" indent="0">
+              <a:buNone/>
+            </a:pPr>
+            <a:r>
+              <a:rPr lang="en-US" dirty="0" smtClean="0">
+                <a:latin typeface="Courier"/>
+                <a:cs typeface="Courier"/>
+              </a:rPr>
+              <a:t>          FLUCTUATIONS: {2x2 cell}</a:t>
+            </a:r>
+          </a:p>
+          <a:p>
+            <a:pPr marL="0" indent="0">
+              <a:buNone/>
+            </a:pPr>
+            <a:r>
+              <a:rPr lang="en-US" dirty="0" smtClean="0">
+                <a:latin typeface="Courier"/>
+                <a:cs typeface="Courier"/>
+              </a:rPr>
+              <a:t>          TENSOR_ORDER: {5x2 cell}</a:t>
+            </a:r>
+          </a:p>
+          <a:p>
+            <a:pPr marL="0" indent="0">
+              <a:buNone/>
+            </a:pPr>
+            <a:r>
+              <a:rPr lang="en-US" dirty="0" smtClean="0">
+                <a:latin typeface="Courier"/>
+                <a:cs typeface="Courier"/>
+              </a:rPr>
+              <a:t>     COORDINATE_SYSTEM: {2x2 cell}</a:t>
+            </a:r>
+          </a:p>
+          <a:p>
+            <a:pPr marL="0" indent="0">
+              <a:buNone/>
+            </a:pPr>
+            <a:r>
+              <a:rPr lang="en-US" dirty="0" smtClean="0">
+                <a:latin typeface="Courier"/>
+                <a:cs typeface="Courier"/>
+              </a:rPr>
+              <a:t>      REPRESENTATION_1: {2x2 cell}</a:t>
+            </a:r>
+          </a:p>
+          <a:p>
+            <a:pPr marL="0" indent="0">
+              <a:buNone/>
+            </a:pPr>
+            <a:r>
+              <a:rPr lang="en-US" dirty="0" smtClean="0">
+                <a:latin typeface="Courier"/>
+                <a:cs typeface="Courier"/>
+              </a:rPr>
+              <a:t>               QUALITY: {3x2 cell}</a:t>
+            </a:r>
+          </a:p>
+          <a:p>
+            <a:pPr marL="0" indent="0">
+              <a:buNone/>
+            </a:pPr>
+            <a:r>
+              <a:rPr lang="en-US" dirty="0" smtClean="0">
+                <a:latin typeface="Courier"/>
+                <a:cs typeface="Courier"/>
+              </a:rPr>
+              <a:t>              DEPEND_0: {5x2 cell}</a:t>
+            </a:r>
+          </a:p>
+          <a:p>
+            <a:pPr marL="0" indent="0">
+              <a:buNone/>
+            </a:pPr>
+            <a:r>
+              <a:rPr lang="en-US" dirty="0" smtClean="0">
+                <a:latin typeface="Courier"/>
+                <a:cs typeface="Courier"/>
+              </a:rPr>
+              <a:t>               LABEL_1: {2x2 cell}</a:t>
+            </a:r>
+          </a:p>
+          <a:p>
+            <a:pPr marL="0" indent="0">
+              <a:buNone/>
+            </a:pPr>
+            <a:endParaRPr lang="en-US" dirty="0" smtClean="0">
+              <a:latin typeface="Courier"/>
+              <a:cs typeface="Courier"/>
+            </a:endParaRPr>
+          </a:p>
+          <a:p>
+            <a:pPr marL="0" indent="0">
+              <a:buNone/>
+            </a:pPr>
+            <a:r>
+              <a:rPr lang="en-US" dirty="0" smtClean="0">
+                <a:latin typeface="Courier"/>
+                <a:cs typeface="Courier"/>
+              </a:rPr>
+              <a:t>&gt;&gt; plot(D,'B_vec_xyz_gse__C1_CP_FGM_FULL')</a:t>
+            </a:r>
+            <a:endParaRPr lang="en-US" dirty="0">
+              <a:latin typeface="Courier"/>
+              <a:cs typeface="Courier"/>
+            </a:endParaRPr>
           </a:p>
         </p:txBody>
       </p:sp>
     </p:spTree>
     <p:extLst>
       <p:ext uri="{BB962C8B-B14F-4D97-AF65-F5344CB8AC3E}">
-        <p14:creationId xmlns:p14="http://schemas.microsoft.com/office/powerpoint/2010/main" val="1284398574"/>
+        <p14:creationId xmlns:p14="http://schemas.microsoft.com/office/powerpoint/2010/main" val="1415367931"/>
       </p:ext>
     </p:extLst>
   </p:cSld>
   <p:clrMapOvr>
     <a:masterClrMapping/>
   </p:clrMapOvr>
+  <p:timing>
+    <p:tnLst>
+      <p:par>
+        <p:cTn xmlns:p14="http://schemas.microsoft.com/office/powerpoint/2010/main" id="1" dur="indefinite" restart="never" nodeType="tmRoot"/>
+      </p:par>
+    </p:tnLst>
+  </p:timing>
 </p:sld>
 </file>
 
@@ -3952,608 +5770,6 @@
           <a:p>
             <a:r>
               <a:rPr lang="en-US" dirty="0" smtClean="0"/>
-              <a:t>Plotting </a:t>
-            </a:r>
-            <a:r>
-              <a:rPr lang="en-US" dirty="0" err="1" smtClean="0"/>
-              <a:t>TSeries</a:t>
-            </a:r>
-            <a:r>
-              <a:rPr lang="en-US" dirty="0" smtClean="0"/>
-              <a:t> objects</a:t>
-            </a:r>
-            <a:endParaRPr lang="en-US" dirty="0"/>
-          </a:p>
-        </p:txBody>
-      </p:sp>
-      <p:sp>
-        <p:nvSpPr>
-          <p:cNvPr id="3" name="Content Placeholder 2"/>
-          <p:cNvSpPr>
-            <a:spLocks noGrp="1"/>
-          </p:cNvSpPr>
-          <p:nvPr>
-            <p:ph idx="1"/>
-          </p:nvPr>
-        </p:nvSpPr>
-        <p:spPr>
-          <a:xfrm>
-            <a:off x="457200" y="1600200"/>
-            <a:ext cx="8229600" cy="5120462"/>
-          </a:xfrm>
-        </p:spPr>
-        <p:txBody>
-          <a:bodyPr>
-            <a:normAutofit fontScale="55000" lnSpcReduction="20000"/>
-          </a:bodyPr>
-          <a:lstStyle/>
-          <a:p>
-            <a:pPr marL="0" indent="0">
-              <a:buNone/>
-            </a:pPr>
-            <a:r>
-              <a:rPr lang="en-US" dirty="0" smtClean="0">
-                <a:latin typeface="Courier"/>
-                <a:cs typeface="Courier"/>
-              </a:rPr>
-              <a:t>%Input: Ts1, Ts2 – some data, vectors (</a:t>
-            </a:r>
-            <a:r>
-              <a:rPr lang="en-US" dirty="0" err="1" smtClean="0">
-                <a:latin typeface="Courier"/>
-                <a:cs typeface="Courier"/>
-              </a:rPr>
-              <a:t>x,y,z</a:t>
-            </a:r>
-            <a:r>
-              <a:rPr lang="en-US" dirty="0" smtClean="0">
-                <a:latin typeface="Courier"/>
-                <a:cs typeface="Courier"/>
-              </a:rPr>
-              <a:t>)</a:t>
-            </a:r>
-          </a:p>
-          <a:p>
-            <a:pPr marL="0" indent="0">
-              <a:buNone/>
-            </a:pPr>
-            <a:r>
-              <a:rPr lang="en-US" dirty="0" smtClean="0">
-                <a:latin typeface="Courier"/>
-                <a:cs typeface="Courier"/>
-              </a:rPr>
-              <a:t>%Simple plot:</a:t>
-            </a:r>
-          </a:p>
-          <a:p>
-            <a:pPr marL="0" indent="0">
-              <a:buNone/>
-            </a:pPr>
-            <a:r>
-              <a:rPr lang="en-US" b="1" dirty="0">
-                <a:latin typeface="Courier"/>
-                <a:cs typeface="Courier"/>
-              </a:rPr>
-              <a:t>h</a:t>
-            </a:r>
-            <a:r>
-              <a:rPr lang="en-US" b="1" dirty="0" smtClean="0">
-                <a:latin typeface="Courier"/>
-                <a:cs typeface="Courier"/>
-              </a:rPr>
-              <a:t> = </a:t>
-            </a:r>
-            <a:r>
-              <a:rPr lang="en-US" b="1" dirty="0" err="1">
-                <a:latin typeface="Courier"/>
-                <a:cs typeface="Courier"/>
-              </a:rPr>
-              <a:t>i</a:t>
-            </a:r>
-            <a:r>
-              <a:rPr lang="en-US" b="1" dirty="0" err="1" smtClean="0">
-                <a:latin typeface="Courier"/>
-                <a:cs typeface="Courier"/>
-              </a:rPr>
-              <a:t>rf_plot</a:t>
-            </a:r>
-            <a:r>
-              <a:rPr lang="en-US" b="1" dirty="0" smtClean="0">
-                <a:latin typeface="Courier"/>
-                <a:cs typeface="Courier"/>
-              </a:rPr>
-              <a:t>(Ts1)</a:t>
-            </a:r>
-          </a:p>
-          <a:p>
-            <a:pPr marL="0" indent="0">
-              <a:buNone/>
-            </a:pPr>
-            <a:endParaRPr lang="en-US" b="1" dirty="0" smtClean="0">
-              <a:latin typeface="Courier"/>
-              <a:cs typeface="Courier"/>
-            </a:endParaRPr>
-          </a:p>
-          <a:p>
-            <a:pPr marL="0" indent="0">
-              <a:buNone/>
-            </a:pPr>
-            <a:r>
-              <a:rPr lang="en-US" dirty="0" smtClean="0">
-                <a:latin typeface="Courier"/>
-                <a:cs typeface="Courier"/>
-              </a:rPr>
-              <a:t>%2 TS objects in separate panels</a:t>
-            </a:r>
-          </a:p>
-          <a:p>
-            <a:pPr marL="0" indent="0">
-              <a:buNone/>
-            </a:pPr>
-            <a:r>
-              <a:rPr lang="en-US" b="1" dirty="0">
-                <a:latin typeface="Courier"/>
-                <a:cs typeface="Courier"/>
-              </a:rPr>
-              <a:t>h</a:t>
-            </a:r>
-            <a:r>
-              <a:rPr lang="en-US" b="1" dirty="0" smtClean="0">
-                <a:latin typeface="Courier"/>
-                <a:cs typeface="Courier"/>
-              </a:rPr>
-              <a:t> = </a:t>
-            </a:r>
-            <a:r>
-              <a:rPr lang="en-US" b="1" dirty="0" err="1">
-                <a:latin typeface="Courier"/>
-                <a:cs typeface="Courier"/>
-              </a:rPr>
-              <a:t>i</a:t>
-            </a:r>
-            <a:r>
-              <a:rPr lang="en-US" b="1" dirty="0" err="1" smtClean="0">
-                <a:latin typeface="Courier"/>
-                <a:cs typeface="Courier"/>
-              </a:rPr>
-              <a:t>rf_plot</a:t>
-            </a:r>
-            <a:r>
-              <a:rPr lang="en-US" b="1" dirty="0" smtClean="0">
-                <a:latin typeface="Courier"/>
-                <a:cs typeface="Courier"/>
-              </a:rPr>
-              <a:t>({Ts1, Ts1})</a:t>
-            </a:r>
-          </a:p>
-          <a:p>
-            <a:pPr marL="0" indent="0">
-              <a:buNone/>
-            </a:pPr>
-            <a:endParaRPr lang="en-US" dirty="0" smtClean="0">
-              <a:latin typeface="Courier"/>
-              <a:cs typeface="Courier"/>
-            </a:endParaRPr>
-          </a:p>
-          <a:p>
-            <a:pPr marL="0" indent="0">
-              <a:buNone/>
-            </a:pPr>
-            <a:r>
-              <a:rPr lang="en-US" dirty="0" smtClean="0">
-                <a:latin typeface="Courier"/>
-                <a:cs typeface="Courier"/>
-              </a:rPr>
-              <a:t>%2 TS objects, each component in a separate panel</a:t>
-            </a:r>
-          </a:p>
-          <a:p>
-            <a:pPr marL="0" indent="0">
-              <a:buNone/>
-            </a:pPr>
-            <a:r>
-              <a:rPr lang="en-US" b="1" dirty="0">
-                <a:latin typeface="Courier"/>
-                <a:cs typeface="Courier"/>
-              </a:rPr>
-              <a:t>h</a:t>
-            </a:r>
-            <a:r>
-              <a:rPr lang="en-US" b="1" dirty="0" smtClean="0">
-                <a:latin typeface="Courier"/>
-                <a:cs typeface="Courier"/>
-              </a:rPr>
-              <a:t> = </a:t>
-            </a:r>
-            <a:r>
-              <a:rPr lang="en-US" b="1" dirty="0" err="1">
-                <a:latin typeface="Courier"/>
-                <a:cs typeface="Courier"/>
-              </a:rPr>
-              <a:t>i</a:t>
-            </a:r>
-            <a:r>
-              <a:rPr lang="en-US" b="1" dirty="0" err="1" smtClean="0">
-                <a:latin typeface="Courier"/>
-                <a:cs typeface="Courier"/>
-              </a:rPr>
-              <a:t>rf_plot</a:t>
-            </a:r>
-            <a:r>
-              <a:rPr lang="en-US" b="1" dirty="0" smtClean="0">
-                <a:latin typeface="Courier"/>
-                <a:cs typeface="Courier"/>
-              </a:rPr>
-              <a:t>({Ts1, Ts1},</a:t>
-            </a:r>
-            <a:r>
-              <a:rPr lang="en-US" b="1" dirty="0" smtClean="0">
-                <a:solidFill>
-                  <a:srgbClr val="8064A2"/>
-                </a:solidFill>
-                <a:latin typeface="Courier"/>
-                <a:cs typeface="Courier"/>
-              </a:rPr>
-              <a:t>’comp’</a:t>
-            </a:r>
-            <a:r>
-              <a:rPr lang="en-US" b="1" dirty="0" smtClean="0">
-                <a:latin typeface="Courier"/>
-                <a:cs typeface="Courier"/>
-              </a:rPr>
-              <a:t>)</a:t>
-            </a:r>
-          </a:p>
-          <a:p>
-            <a:pPr marL="0" indent="0">
-              <a:buNone/>
-            </a:pPr>
-            <a:endParaRPr lang="en-US" dirty="0" smtClean="0">
-              <a:latin typeface="Courier"/>
-              <a:cs typeface="Courier"/>
-            </a:endParaRPr>
-          </a:p>
-          <a:p>
-            <a:pPr marL="0" indent="0">
-              <a:buNone/>
-            </a:pPr>
-            <a:r>
-              <a:rPr lang="en-US" dirty="0" smtClean="0">
-                <a:latin typeface="Courier"/>
-                <a:cs typeface="Courier"/>
-              </a:rPr>
-              <a:t>%Ts1.x, Ts1.z in one panel, and abs(Ts2) in a %separate panel</a:t>
-            </a:r>
-          </a:p>
-          <a:p>
-            <a:pPr marL="0" indent="0">
-              <a:buNone/>
-            </a:pPr>
-            <a:r>
-              <a:rPr lang="en-US" b="1" dirty="0">
-                <a:latin typeface="Courier"/>
-                <a:cs typeface="Courier"/>
-              </a:rPr>
-              <a:t>h</a:t>
-            </a:r>
-            <a:r>
-              <a:rPr lang="en-US" b="1" dirty="0" smtClean="0">
-                <a:latin typeface="Courier"/>
-                <a:cs typeface="Courier"/>
-              </a:rPr>
-              <a:t> = </a:t>
-            </a:r>
-            <a:r>
-              <a:rPr lang="en-US" b="1" dirty="0" err="1" smtClean="0">
-                <a:latin typeface="Courier"/>
-                <a:cs typeface="Courier"/>
-              </a:rPr>
-              <a:t>irf_plot</a:t>
-            </a:r>
-            <a:r>
-              <a:rPr lang="en-US" b="1" dirty="0" smtClean="0">
-                <a:latin typeface="Courier"/>
-                <a:cs typeface="Courier"/>
-              </a:rPr>
-              <a:t>(2); % initialize with 2 panels</a:t>
-            </a:r>
-          </a:p>
-          <a:p>
-            <a:pPr marL="0" indent="0">
-              <a:buNone/>
-            </a:pPr>
-            <a:r>
-              <a:rPr lang="en-US" b="1" dirty="0" err="1">
-                <a:latin typeface="Courier"/>
-                <a:cs typeface="Courier"/>
-              </a:rPr>
-              <a:t>h</a:t>
-            </a:r>
-            <a:r>
-              <a:rPr lang="en-US" b="1" dirty="0" err="1" smtClean="0">
-                <a:latin typeface="Courier"/>
-                <a:cs typeface="Courier"/>
-              </a:rPr>
-              <a:t>ca</a:t>
-            </a:r>
-            <a:r>
-              <a:rPr lang="en-US" b="1" dirty="0" smtClean="0">
-                <a:latin typeface="Courier"/>
-                <a:cs typeface="Courier"/>
-              </a:rPr>
-              <a:t> = </a:t>
-            </a:r>
-            <a:r>
-              <a:rPr lang="en-US" b="1" dirty="0" err="1" smtClean="0">
-                <a:latin typeface="Courier"/>
-                <a:cs typeface="Courier"/>
-              </a:rPr>
-              <a:t>irf_panel</a:t>
-            </a:r>
-            <a:r>
-              <a:rPr lang="en-US" b="1" dirty="0" smtClean="0">
-                <a:latin typeface="Courier"/>
-                <a:cs typeface="Courier"/>
-              </a:rPr>
-              <a:t>(</a:t>
-            </a:r>
-            <a:r>
-              <a:rPr lang="en-US" b="1" dirty="0" smtClean="0">
-                <a:solidFill>
-                  <a:srgbClr val="8064A2"/>
-                </a:solidFill>
-                <a:latin typeface="Courier"/>
-                <a:cs typeface="Courier"/>
-              </a:rPr>
-              <a:t>‘panel 1’</a:t>
-            </a:r>
-            <a:r>
-              <a:rPr lang="en-US" b="1" dirty="0" smtClean="0">
-                <a:latin typeface="Courier"/>
-                <a:cs typeface="Courier"/>
-              </a:rPr>
-              <a:t>);</a:t>
-            </a:r>
-          </a:p>
-          <a:p>
-            <a:pPr marL="0" indent="0">
-              <a:buNone/>
-            </a:pPr>
-            <a:r>
-              <a:rPr lang="en-US" b="1" dirty="0" err="1">
-                <a:latin typeface="Courier"/>
-                <a:cs typeface="Courier"/>
-              </a:rPr>
-              <a:t>i</a:t>
-            </a:r>
-            <a:r>
-              <a:rPr lang="en-US" b="1" dirty="0" err="1" smtClean="0">
-                <a:latin typeface="Courier"/>
-                <a:cs typeface="Courier"/>
-              </a:rPr>
-              <a:t>rf_plot</a:t>
-            </a:r>
-            <a:r>
-              <a:rPr lang="en-US" b="1" dirty="0" smtClean="0">
-                <a:latin typeface="Courier"/>
-                <a:cs typeface="Courier"/>
-              </a:rPr>
-              <a:t>(</a:t>
-            </a:r>
-            <a:r>
-              <a:rPr lang="en-US" b="1" dirty="0" err="1" smtClean="0">
-                <a:latin typeface="Courier"/>
-                <a:cs typeface="Courier"/>
-              </a:rPr>
-              <a:t>hca</a:t>
-            </a:r>
-            <a:r>
-              <a:rPr lang="en-US" b="1" dirty="0" smtClean="0">
-                <a:latin typeface="Courier"/>
-                <a:cs typeface="Courier"/>
-              </a:rPr>
-              <a:t>,{</a:t>
-            </a:r>
-            <a:r>
-              <a:rPr lang="en-US" b="1" dirty="0" smtClean="0">
-                <a:latin typeface="Courier"/>
-                <a:cs typeface="Courier"/>
-              </a:rPr>
-              <a:t>Ts1.x, Ts1.z</a:t>
-            </a:r>
-            <a:r>
-              <a:rPr lang="en-US" b="1" dirty="0" smtClean="0">
-                <a:latin typeface="Courier"/>
-                <a:cs typeface="Courier"/>
-              </a:rPr>
-              <a:t>},</a:t>
-            </a:r>
-            <a:r>
-              <a:rPr lang="en-US" b="1" dirty="0" smtClean="0">
-                <a:solidFill>
-                  <a:srgbClr val="8064A2"/>
-                </a:solidFill>
-                <a:latin typeface="Courier"/>
-                <a:cs typeface="Courier"/>
-              </a:rPr>
-              <a:t>’comp’</a:t>
-            </a:r>
-            <a:r>
-              <a:rPr lang="en-US" b="1" dirty="0" smtClean="0">
-                <a:latin typeface="Courier"/>
-                <a:cs typeface="Courier"/>
-              </a:rPr>
-              <a:t>)</a:t>
-            </a:r>
-          </a:p>
-          <a:p>
-            <a:pPr marL="0" indent="0">
-              <a:buNone/>
-            </a:pPr>
-            <a:r>
-              <a:rPr lang="en-US" b="1" dirty="0" err="1">
-                <a:latin typeface="Courier"/>
-                <a:cs typeface="Courier"/>
-              </a:rPr>
-              <a:t>h</a:t>
-            </a:r>
-            <a:r>
-              <a:rPr lang="en-US" b="1" dirty="0" err="1" smtClean="0">
-                <a:latin typeface="Courier"/>
-                <a:cs typeface="Courier"/>
-              </a:rPr>
-              <a:t>ca</a:t>
-            </a:r>
-            <a:r>
-              <a:rPr lang="en-US" b="1" dirty="0" smtClean="0">
-                <a:latin typeface="Courier"/>
-                <a:cs typeface="Courier"/>
-              </a:rPr>
-              <a:t> = </a:t>
-            </a:r>
-            <a:r>
-              <a:rPr lang="en-US" b="1" dirty="0" err="1" smtClean="0">
-                <a:latin typeface="Courier"/>
-                <a:cs typeface="Courier"/>
-              </a:rPr>
-              <a:t>irf_panel</a:t>
-            </a:r>
-            <a:r>
-              <a:rPr lang="en-US" b="1" dirty="0" smtClean="0">
-                <a:latin typeface="Courier"/>
-                <a:cs typeface="Courier"/>
-              </a:rPr>
-              <a:t>(</a:t>
-            </a:r>
-            <a:r>
-              <a:rPr lang="en-US" b="1" dirty="0" smtClean="0">
-                <a:solidFill>
-                  <a:srgbClr val="8064A2"/>
-                </a:solidFill>
-                <a:latin typeface="Courier"/>
-                <a:cs typeface="Courier"/>
-              </a:rPr>
-              <a:t>‘panel 1’</a:t>
-            </a:r>
-            <a:r>
-              <a:rPr lang="en-US" b="1" dirty="0" smtClean="0">
-                <a:latin typeface="Courier"/>
-                <a:cs typeface="Courier"/>
-              </a:rPr>
-              <a:t>);</a:t>
-            </a:r>
-          </a:p>
-          <a:p>
-            <a:pPr marL="0" indent="0">
-              <a:buNone/>
-            </a:pPr>
-            <a:r>
-              <a:rPr lang="en-US" b="1" dirty="0" err="1">
-                <a:latin typeface="Courier"/>
-                <a:cs typeface="Courier"/>
-              </a:rPr>
-              <a:t>i</a:t>
-            </a:r>
-            <a:r>
-              <a:rPr lang="en-US" b="1" dirty="0" err="1" smtClean="0">
-                <a:latin typeface="Courier"/>
-                <a:cs typeface="Courier"/>
-              </a:rPr>
-              <a:t>rf_plot</a:t>
-            </a:r>
-            <a:r>
-              <a:rPr lang="en-US" b="1" dirty="0" smtClean="0">
-                <a:latin typeface="Courier"/>
-                <a:cs typeface="Courier"/>
-              </a:rPr>
-              <a:t>(hca,Ts2.abs)</a:t>
-            </a:r>
-          </a:p>
-          <a:p>
-            <a:pPr marL="0" indent="0">
-              <a:buNone/>
-            </a:pPr>
-            <a:endParaRPr lang="en-US" dirty="0" smtClean="0">
-              <a:latin typeface="Courier"/>
-              <a:cs typeface="Courier"/>
-            </a:endParaRPr>
-          </a:p>
-          <a:p>
-            <a:pPr marL="0" indent="0">
-              <a:buNone/>
-            </a:pPr>
-            <a:endParaRPr lang="en-US" dirty="0" smtClean="0">
-              <a:latin typeface="Courier"/>
-              <a:cs typeface="Courier"/>
-            </a:endParaRPr>
-          </a:p>
-          <a:p>
-            <a:pPr marL="0" indent="0">
-              <a:buNone/>
-            </a:pPr>
-            <a:endParaRPr lang="en-US" dirty="0" smtClean="0">
-              <a:latin typeface="Courier"/>
-              <a:cs typeface="Courier"/>
-            </a:endParaRPr>
-          </a:p>
-          <a:p>
-            <a:pPr marL="0" indent="0">
-              <a:buNone/>
-            </a:pPr>
-            <a:endParaRPr lang="en-US" dirty="0">
-              <a:latin typeface="Courier"/>
-              <a:cs typeface="Courier"/>
-            </a:endParaRPr>
-          </a:p>
-        </p:txBody>
-      </p:sp>
-    </p:spTree>
-    <p:extLst>
-      <p:ext uri="{BB962C8B-B14F-4D97-AF65-F5344CB8AC3E}">
-        <p14:creationId xmlns:p14="http://schemas.microsoft.com/office/powerpoint/2010/main" val="922265134"/>
-      </p:ext>
-    </p:extLst>
-  </p:cSld>
-  <p:clrMapOvr>
-    <a:masterClrMapping/>
-  </p:clrMapOvr>
-</p:sld>
-</file>
-
-<file path=ppt/slides/slide15.xml><?xml version="1.0" encoding="utf-8"?>
-<p:sld xmlns:a="http://schemas.openxmlformats.org/drawingml/2006/main" xmlns:r="http://schemas.openxmlformats.org/officeDocument/2006/relationships" xmlns:p="http://schemas.openxmlformats.org/presentationml/2006/main">
-  <p:cSld>
-    <p:spTree>
-      <p:nvGrpSpPr>
-        <p:cNvPr id="1" name=""/>
-        <p:cNvGrpSpPr/>
-        <p:nvPr/>
-      </p:nvGrpSpPr>
-      <p:grpSpPr>
-        <a:xfrm>
-          <a:off x="0" y="0"/>
-          <a:ext cx="0" cy="0"/>
-          <a:chOff x="0" y="0"/>
-          <a:chExt cx="0" cy="0"/>
-        </a:xfrm>
-      </p:grpSpPr>
-      <p:sp>
-        <p:nvSpPr>
-          <p:cNvPr id="2" name="Title 1"/>
-          <p:cNvSpPr>
-            <a:spLocks noGrp="1"/>
-          </p:cNvSpPr>
-          <p:nvPr>
-            <p:ph type="title"/>
-          </p:nvPr>
-        </p:nvSpPr>
-        <p:spPr/>
-        <p:txBody>
-          <a:bodyPr/>
-          <a:lstStyle/>
-          <a:p>
-            <a:r>
-              <a:rPr lang="en-US" dirty="0" smtClean="0"/>
               <a:t>Exercise 3</a:t>
             </a:r>
             <a:endParaRPr lang="en-US" dirty="0"/>
@@ -5418,7 +6634,7 @@
 </p:sld>
 </file>
 
-<file path=ppt/slides/slide16.xml><?xml version="1.0" encoding="utf-8"?>
+<file path=ppt/slides/slide15.xml><?xml version="1.0" encoding="utf-8"?>
 <p:sld xmlns:a="http://schemas.openxmlformats.org/drawingml/2006/main" xmlns:r="http://schemas.openxmlformats.org/officeDocument/2006/relationships" xmlns:p="http://schemas.openxmlformats.org/presentationml/2006/main">
   <p:cSld>
     <p:spTree>
@@ -5583,7 +6799,7 @@
         <p:spPr/>
         <p:txBody>
           <a:bodyPr>
-            <a:normAutofit fontScale="92500" lnSpcReduction="20000"/>
+            <a:normAutofit fontScale="85000" lnSpcReduction="20000"/>
           </a:bodyPr>
           <a:lstStyle/>
           <a:p>
@@ -5629,6 +6845,23 @@
               <a:rPr lang="en-US" dirty="0" smtClean="0"/>
               <a:t>CSA (Cluster Science Archive) account</a:t>
             </a:r>
+            <a:r>
+              <a:rPr lang="en-US" dirty="0"/>
+              <a:t>, register at </a:t>
+            </a:r>
+            <a:r>
+              <a:rPr lang="en-US" dirty="0">
+                <a:hlinkClick r:id="rId2"/>
+              </a:rPr>
+              <a:t>http://www.cosmos.esa.int/web/csa/register-</a:t>
+            </a:r>
+            <a:r>
+              <a:rPr lang="en-US" dirty="0" smtClean="0">
+                <a:hlinkClick r:id="rId2"/>
+              </a:rPr>
+              <a:t>now</a:t>
+            </a:r>
+            <a:endParaRPr lang="en-US" dirty="0" smtClean="0"/>
           </a:p>
           <a:p>
             <a:r>
@@ -5656,7 +6889,7 @@
             <a:pPr lvl="1"/>
             <a:r>
               <a:rPr lang="en-US" dirty="0" smtClean="0">
-                <a:hlinkClick r:id="rId2"/>
+                <a:hlinkClick r:id="rId3"/>
               </a:rPr>
               <a:t>https://github.com/irfu/irfu-matlab</a:t>
             </a:r>
@@ -7438,7 +8671,6 @@
               <a:rPr lang="en-US" dirty="0" smtClean="0"/>
               <a:t>Self-contained:  metadata header and data in the same file</a:t>
             </a:r>
-            <a:endParaRPr lang="en-US" dirty="0" smtClean="0"/>
           </a:p>
           <a:p>
             <a:r>
@@ -7524,7 +8756,11 @@
           <a:p>
             <a:r>
               <a:rPr lang="en-US" dirty="0" smtClean="0"/>
-              <a:t>Exercise 1</a:t>
+              <a:t>Exercise </a:t>
+            </a:r>
+            <a:r>
+              <a:rPr lang="en-US" dirty="0" smtClean="0"/>
+              <a:t>1 : CDF</a:t>
             </a:r>
             <a:endParaRPr lang="en-US" dirty="0"/>
           </a:p>
@@ -7578,7 +8814,28 @@
                 <a:latin typeface="Courier"/>
                 <a:cs typeface="Courier"/>
               </a:rPr>
-              <a:t>tint = </a:t>
+              <a:t>Tint </a:t>
+            </a:r>
+            <a:r>
+              <a:rPr lang="fr-FR" b="1" dirty="0">
+                <a:latin typeface="Courier"/>
+                <a:cs typeface="Courier"/>
+              </a:rPr>
+              <a:t>= </a:t>
+            </a:r>
+            <a:r>
+              <a:rPr lang="fr-FR" b="1" dirty="0" err="1" smtClean="0">
+                <a:latin typeface="Courier"/>
+                <a:cs typeface="Courier"/>
+              </a:rPr>
+              <a:t>irf.tint</a:t>
+            </a:r>
+            <a:r>
+              <a:rPr lang="fr-FR" b="1" dirty="0">
+                <a:latin typeface="Courier"/>
+                <a:cs typeface="Courier"/>
+              </a:rPr>
+              <a:t>(</a:t>
             </a:r>
             <a:r>
               <a:rPr lang="fr-FR" b="1" dirty="0" smtClean="0">
@@ -7588,7 +8845,7 @@
                 <a:latin typeface="Courier"/>
                 <a:cs typeface="Courier"/>
               </a:rPr>
-              <a:t>'2002-03-30T13:11:30Z/2002-03-30T13:12:00Z'</a:t>
+              <a:t>'2002-03-30T13:11:30Z/2002-03-30T13:12:00Z’)</a:t>
             </a:r>
             <a:r>
               <a:rPr lang="fr-FR" b="1" dirty="0" smtClean="0">
@@ -7963,10 +9220,20 @@
             </a:r>
             <a:r>
               <a:rPr lang="it-IT" b="1" dirty="0" err="1" smtClean="0">
-                <a:latin typeface="Courier"/>
-                <a:cs typeface="Courier"/>
-              </a:rPr>
-              <a:t>spdfcdfinfo</a:t>
+                <a:solidFill>
+                  <a:srgbClr val="FF0000"/>
+                </a:solidFill>
+                <a:latin typeface="Courier"/>
+                <a:cs typeface="Courier"/>
+              </a:rPr>
+              <a:t>spdf</a:t>
+            </a:r>
+            <a:r>
+              <a:rPr lang="it-IT" b="1" dirty="0" err="1" smtClean="0">
+                <a:latin typeface="Courier"/>
+                <a:cs typeface="Courier"/>
+              </a:rPr>
+              <a:t>cdfinfo</a:t>
             </a:r>
             <a:r>
               <a:rPr lang="it-IT" b="1" dirty="0" smtClean="0">
@@ -8018,8 +9285,364 @@
             <a:pPr marL="0" indent="0">
               <a:buNone/>
             </a:pPr>
-            <a:endParaRPr lang="it-IT" dirty="0" smtClean="0">
-              <a:latin typeface="Courier"/>
+            <a:r>
+              <a:rPr lang="it-IT" dirty="0" smtClean="0">
+                <a:latin typeface="Courier"/>
+                <a:cs typeface="Courier"/>
+              </a:rPr>
+              <a:t>              </a:t>
+            </a:r>
+            <a:r>
+              <a:rPr lang="it-IT" dirty="0" err="1" smtClean="0">
+                <a:latin typeface="Courier"/>
+                <a:cs typeface="Courier"/>
+              </a:rPr>
+              <a:t>Filename</a:t>
+            </a:r>
+            <a:r>
+              <a:rPr lang="it-IT" dirty="0" smtClean="0">
+                <a:latin typeface="Courier"/>
+                <a:cs typeface="Courier"/>
+              </a:rPr>
+              <a:t>: 'C1_CP_FGM_FULL__20020330_131130_20020330_131200_V140306.cdf'</a:t>
+            </a:r>
+          </a:p>
+          <a:p>
+            <a:pPr marL="0" indent="0">
+              <a:buNone/>
+            </a:pPr>
+            <a:r>
+              <a:rPr lang="it-IT" dirty="0" smtClean="0">
+                <a:latin typeface="Courier"/>
+                <a:cs typeface="Courier"/>
+              </a:rPr>
+              <a:t>           </a:t>
+            </a:r>
+            <a:r>
+              <a:rPr lang="it-IT" dirty="0" err="1" smtClean="0">
+                <a:latin typeface="Courier"/>
+                <a:cs typeface="Courier"/>
+              </a:rPr>
+              <a:t>FileModDate</a:t>
+            </a:r>
+            <a:r>
+              <a:rPr lang="it-IT" dirty="0" smtClean="0">
+                <a:latin typeface="Courier"/>
+                <a:cs typeface="Courier"/>
+              </a:rPr>
+              <a:t>: '25-Jul-2015 23:25:41'</a:t>
+            </a:r>
+          </a:p>
+          <a:p>
+            <a:pPr marL="0" indent="0">
+              <a:buNone/>
+            </a:pPr>
+            <a:r>
+              <a:rPr lang="it-IT" dirty="0" smtClean="0">
+                <a:latin typeface="Courier"/>
+                <a:cs typeface="Courier"/>
+              </a:rPr>
+              <a:t>              </a:t>
+            </a:r>
+            <a:r>
+              <a:rPr lang="it-IT" dirty="0" err="1" smtClean="0">
+                <a:latin typeface="Courier"/>
+                <a:cs typeface="Courier"/>
+              </a:rPr>
+              <a:t>FileSize</a:t>
+            </a:r>
+            <a:r>
+              <a:rPr lang="it-IT" dirty="0" smtClean="0">
+                <a:latin typeface="Courier"/>
+                <a:cs typeface="Courier"/>
+              </a:rPr>
+              <a:t>: 137987</a:t>
+            </a:r>
+          </a:p>
+          <a:p>
+            <a:pPr marL="0" indent="0">
+              <a:buNone/>
+            </a:pPr>
+            <a:r>
+              <a:rPr lang="it-IT" dirty="0" smtClean="0">
+                <a:latin typeface="Courier"/>
+                <a:cs typeface="Courier"/>
+              </a:rPr>
+              <a:t>                Format: 'CDF'</a:t>
+            </a:r>
+          </a:p>
+          <a:p>
+            <a:pPr marL="0" indent="0">
+              <a:buNone/>
+            </a:pPr>
+            <a:r>
+              <a:rPr lang="it-IT" dirty="0" smtClean="0">
+                <a:latin typeface="Courier"/>
+                <a:cs typeface="Courier"/>
+              </a:rPr>
+              <a:t>         </a:t>
+            </a:r>
+            <a:r>
+              <a:rPr lang="it-IT" dirty="0" err="1" smtClean="0">
+                <a:latin typeface="Courier"/>
+                <a:cs typeface="Courier"/>
+              </a:rPr>
+              <a:t>FormatVersion</a:t>
+            </a:r>
+            <a:r>
+              <a:rPr lang="it-IT" dirty="0" smtClean="0">
+                <a:latin typeface="Courier"/>
+                <a:cs typeface="Courier"/>
+              </a:rPr>
+              <a:t>: '3.3.1'</a:t>
+            </a:r>
+          </a:p>
+          <a:p>
+            <a:pPr marL="0" indent="0">
+              <a:buNone/>
+            </a:pPr>
+            <a:r>
+              <a:rPr lang="it-IT" dirty="0" smtClean="0">
+                <a:latin typeface="Courier"/>
+                <a:cs typeface="Courier"/>
+              </a:rPr>
+              <a:t>          </a:t>
+            </a:r>
+            <a:r>
+              <a:rPr lang="it-IT" dirty="0" err="1" smtClean="0">
+                <a:latin typeface="Courier"/>
+                <a:cs typeface="Courier"/>
+              </a:rPr>
+              <a:t>FileSettings</a:t>
+            </a:r>
+            <a:r>
+              <a:rPr lang="it-IT" dirty="0" smtClean="0">
+                <a:latin typeface="Courier"/>
+                <a:cs typeface="Courier"/>
+              </a:rPr>
+              <a:t>: [1x1 </a:t>
+            </a:r>
+            <a:r>
+              <a:rPr lang="it-IT" dirty="0" err="1" smtClean="0">
+                <a:latin typeface="Courier"/>
+                <a:cs typeface="Courier"/>
+              </a:rPr>
+              <a:t>struct</a:t>
+            </a:r>
+            <a:r>
+              <a:rPr lang="it-IT" dirty="0" smtClean="0">
+                <a:latin typeface="Courier"/>
+                <a:cs typeface="Courier"/>
+              </a:rPr>
+              <a:t>]</a:t>
+            </a:r>
+          </a:p>
+          <a:p>
+            <a:pPr marL="0" indent="0">
+              <a:buNone/>
+            </a:pPr>
+            <a:r>
+              <a:rPr lang="it-IT" dirty="0" smtClean="0">
+                <a:latin typeface="Courier"/>
+                <a:cs typeface="Courier"/>
+              </a:rPr>
+              <a:t>              </a:t>
+            </a:r>
+            <a:r>
+              <a:rPr lang="it-IT" dirty="0" err="1" smtClean="0">
+                <a:latin typeface="Courier"/>
+                <a:cs typeface="Courier"/>
+              </a:rPr>
+              <a:t>Subfiles</a:t>
+            </a:r>
+            <a:r>
+              <a:rPr lang="it-IT" dirty="0" smtClean="0">
+                <a:latin typeface="Courier"/>
+                <a:cs typeface="Courier"/>
+              </a:rPr>
+              <a:t>: {}</a:t>
+            </a:r>
+          </a:p>
+          <a:p>
+            <a:pPr marL="0" indent="0">
+              <a:buNone/>
+            </a:pPr>
+            <a:r>
+              <a:rPr lang="it-IT" dirty="0" smtClean="0">
+                <a:latin typeface="Courier"/>
+                <a:cs typeface="Courier"/>
+              </a:rPr>
+              <a:t>             </a:t>
+            </a:r>
+            <a:r>
+              <a:rPr lang="it-IT" dirty="0" err="1" smtClean="0">
+                <a:latin typeface="Courier"/>
+                <a:cs typeface="Courier"/>
+              </a:rPr>
+              <a:t>Variables</a:t>
+            </a:r>
+            <a:r>
+              <a:rPr lang="it-IT" dirty="0" smtClean="0">
+                <a:latin typeface="Courier"/>
+                <a:cs typeface="Courier"/>
+              </a:rPr>
+              <a:t>: {11x9 </a:t>
+            </a:r>
+            <a:r>
+              <a:rPr lang="it-IT" dirty="0" err="1" smtClean="0">
+                <a:latin typeface="Courier"/>
+                <a:cs typeface="Courier"/>
+              </a:rPr>
+              <a:t>cell</a:t>
+            </a:r>
+            <a:r>
+              <a:rPr lang="it-IT" dirty="0" smtClean="0">
+                <a:latin typeface="Courier"/>
+                <a:cs typeface="Courier"/>
+              </a:rPr>
+              <a:t>}</a:t>
+            </a:r>
+          </a:p>
+          <a:p>
+            <a:pPr marL="0" indent="0">
+              <a:buNone/>
+            </a:pPr>
+            <a:r>
+              <a:rPr lang="it-IT" dirty="0" smtClean="0">
+                <a:latin typeface="Courier"/>
+                <a:cs typeface="Courier"/>
+              </a:rPr>
+              <a:t>      </a:t>
+            </a:r>
+            <a:r>
+              <a:rPr lang="it-IT" dirty="0" err="1" smtClean="0">
+                <a:latin typeface="Courier"/>
+                <a:cs typeface="Courier"/>
+              </a:rPr>
+              <a:t>GlobalAttributes</a:t>
+            </a:r>
+            <a:r>
+              <a:rPr lang="it-IT" dirty="0" smtClean="0">
+                <a:latin typeface="Courier"/>
+                <a:cs typeface="Courier"/>
+              </a:rPr>
+              <a:t>: [1x1 </a:t>
+            </a:r>
+            <a:r>
+              <a:rPr lang="it-IT" dirty="0" err="1" smtClean="0">
+                <a:latin typeface="Courier"/>
+                <a:cs typeface="Courier"/>
+              </a:rPr>
+              <a:t>struct</a:t>
+            </a:r>
+            <a:r>
+              <a:rPr lang="it-IT" dirty="0" smtClean="0">
+                <a:latin typeface="Courier"/>
+                <a:cs typeface="Courier"/>
+              </a:rPr>
+              <a:t>]</a:t>
+            </a:r>
+          </a:p>
+          <a:p>
+            <a:pPr marL="0" indent="0">
+              <a:buNone/>
+            </a:pPr>
+            <a:r>
+              <a:rPr lang="it-IT" dirty="0" smtClean="0">
+                <a:latin typeface="Courier"/>
+                <a:cs typeface="Courier"/>
+              </a:rPr>
+              <a:t>    </a:t>
+            </a:r>
+            <a:r>
+              <a:rPr lang="it-IT" dirty="0" err="1" smtClean="0">
+                <a:latin typeface="Courier"/>
+                <a:cs typeface="Courier"/>
+              </a:rPr>
+              <a:t>VariableAttributes</a:t>
+            </a:r>
+            <a:r>
+              <a:rPr lang="it-IT" dirty="0" smtClean="0">
+                <a:latin typeface="Courier"/>
+                <a:cs typeface="Courier"/>
+              </a:rPr>
+              <a:t>: [1x1 </a:t>
+            </a:r>
+            <a:r>
+              <a:rPr lang="it-IT" dirty="0" err="1" smtClean="0">
+                <a:latin typeface="Courier"/>
+                <a:cs typeface="Courier"/>
+              </a:rPr>
+              <a:t>struct</a:t>
+            </a:r>
+            <a:r>
+              <a:rPr lang="it-IT" dirty="0" smtClean="0">
+                <a:latin typeface="Courier"/>
+                <a:cs typeface="Courier"/>
+              </a:rPr>
+              <a:t>]</a:t>
+            </a:r>
+          </a:p>
+          <a:p>
+            <a:pPr marL="0" indent="0">
+              <a:buNone/>
+            </a:pPr>
+            <a:r>
+              <a:rPr lang="it-IT" dirty="0" smtClean="0">
+                <a:latin typeface="Courier"/>
+                <a:cs typeface="Courier"/>
+              </a:rPr>
+              <a:t>            </a:t>
+            </a:r>
+            <a:r>
+              <a:rPr lang="it-IT" dirty="0" err="1" smtClean="0">
+                <a:latin typeface="Courier"/>
+                <a:cs typeface="Courier"/>
+              </a:rPr>
+              <a:t>LibVersion</a:t>
+            </a:r>
+            <a:r>
+              <a:rPr lang="it-IT" dirty="0" smtClean="0">
+                <a:latin typeface="Courier"/>
+                <a:cs typeface="Courier"/>
+              </a:rPr>
+              <a:t>: '3.6.0'</a:t>
+            </a:r>
+          </a:p>
+          <a:p>
+            <a:pPr marL="0" indent="0">
+              <a:buNone/>
+            </a:pPr>
+            <a:r>
+              <a:rPr lang="it-IT" dirty="0" smtClean="0">
+                <a:latin typeface="Courier"/>
+                <a:cs typeface="Courier"/>
+              </a:rPr>
+              <a:t>          </a:t>
+            </a:r>
+            <a:r>
+              <a:rPr lang="it-IT" dirty="0" err="1" smtClean="0">
+                <a:latin typeface="Courier"/>
+                <a:cs typeface="Courier"/>
+              </a:rPr>
+              <a:t>PatchVersion</a:t>
+            </a:r>
+            <a:r>
+              <a:rPr lang="it-IT" dirty="0" smtClean="0">
+                <a:latin typeface="Courier"/>
+                <a:cs typeface="Courier"/>
+              </a:rPr>
+              <a:t>: '3.6.0.4’</a:t>
+            </a:r>
+          </a:p>
+          <a:p>
+            <a:pPr marL="0" indent="0">
+              <a:buNone/>
+            </a:pPr>
+            <a:endParaRPr lang="it-IT" b="1" dirty="0" smtClean="0">
+              <a:solidFill>
+                <a:srgbClr val="FF0000"/>
+              </a:solidFill>
               <a:cs typeface="Courier"/>
             </a:endParaRPr>
           </a:p>
@@ -8028,356 +9651,133 @@
               <a:buNone/>
             </a:pPr>
             <a:r>
+              <a:rPr lang="it-IT" b="1" dirty="0" smtClean="0">
+                <a:solidFill>
+                  <a:srgbClr val="FF0000"/>
+                </a:solidFill>
+                <a:cs typeface="Courier"/>
+              </a:rPr>
+              <a:t>Note</a:t>
+            </a:r>
+            <a:r>
               <a:rPr lang="it-IT" dirty="0" smtClean="0">
-                <a:latin typeface="Courier"/>
-                <a:cs typeface="Courier"/>
-              </a:rPr>
-              <a:t>              </a:t>
+                <a:cs typeface="Courier"/>
+              </a:rPr>
+              <a:t>: </a:t>
             </a:r>
             <a:r>
               <a:rPr lang="it-IT" dirty="0" err="1" smtClean="0">
                 <a:latin typeface="Courier"/>
                 <a:cs typeface="Courier"/>
               </a:rPr>
-              <a:t>Filename</a:t>
+              <a:t>spdfcdf</a:t>
             </a:r>
             <a:r>
               <a:rPr lang="it-IT" dirty="0" smtClean="0">
                 <a:latin typeface="Courier"/>
                 <a:cs typeface="Courier"/>
               </a:rPr>
-              <a:t>: 'C1_CP_FGM_FULL__20020330_131130_20020330_131200_V140306.cdf'</a:t>
-            </a:r>
-          </a:p>
-          <a:p>
-            <a:pPr marL="0" indent="0">
-              <a:buNone/>
-            </a:pPr>
+              <a:t>*</a:t>
+            </a:r>
             <a:r>
               <a:rPr lang="it-IT" dirty="0" smtClean="0">
-                <a:latin typeface="Courier"/>
-                <a:cs typeface="Courier"/>
-              </a:rPr>
-              <a:t>           </a:t>
+                <a:cs typeface="Courier"/>
+              </a:rPr>
+              <a:t> </a:t>
             </a:r>
             <a:r>
               <a:rPr lang="it-IT" dirty="0" err="1" smtClean="0">
-                <a:latin typeface="Courier"/>
-                <a:cs typeface="Courier"/>
-              </a:rPr>
-              <a:t>FileModDate</a:t>
+                <a:cs typeface="Courier"/>
+              </a:rPr>
+              <a:t>functions</a:t>
             </a:r>
             <a:r>
               <a:rPr lang="it-IT" dirty="0" smtClean="0">
-                <a:latin typeface="Courier"/>
-                <a:cs typeface="Courier"/>
-              </a:rPr>
-              <a:t>: '25-Jul-2015 23:25:41'</a:t>
-            </a:r>
-          </a:p>
-          <a:p>
-            <a:pPr marL="0" indent="0">
-              <a:buNone/>
-            </a:pPr>
+                <a:cs typeface="Courier"/>
+              </a:rPr>
+              <a:t> are </a:t>
+            </a:r>
+            <a:r>
+              <a:rPr lang="it-IT" dirty="0" err="1" smtClean="0">
+                <a:cs typeface="Courier"/>
+              </a:rPr>
+              <a:t>fron</a:t>
+            </a:r>
             <a:r>
               <a:rPr lang="it-IT" dirty="0" smtClean="0">
-                <a:latin typeface="Courier"/>
-                <a:cs typeface="Courier"/>
-              </a:rPr>
-              <a:t>              </a:t>
+                <a:cs typeface="Courier"/>
+              </a:rPr>
+              <a:t> the NASA CDF patch, </a:t>
             </a:r>
             <a:r>
               <a:rPr lang="it-IT" dirty="0" err="1" smtClean="0">
-                <a:latin typeface="Courier"/>
-                <a:cs typeface="Courier"/>
-              </a:rPr>
-              <a:t>FileSize</a:t>
+                <a:cs typeface="Courier"/>
+              </a:rPr>
+              <a:t>these</a:t>
             </a:r>
             <a:r>
               <a:rPr lang="it-IT" dirty="0" smtClean="0">
-                <a:latin typeface="Courier"/>
-                <a:cs typeface="Courier"/>
-              </a:rPr>
-              <a:t>: 137987</a:t>
-            </a:r>
-          </a:p>
-          <a:p>
-            <a:pPr marL="0" indent="0">
-              <a:buNone/>
-            </a:pPr>
+                <a:cs typeface="Courier"/>
+              </a:rPr>
+              <a:t> </a:t>
+            </a:r>
+            <a:r>
+              <a:rPr lang="it-IT" dirty="0" err="1" smtClean="0">
+                <a:cs typeface="Courier"/>
+              </a:rPr>
+              <a:t>differ</a:t>
+            </a:r>
             <a:r>
               <a:rPr lang="it-IT" dirty="0" smtClean="0">
-                <a:latin typeface="Courier"/>
-                <a:cs typeface="Courier"/>
-              </a:rPr>
-              <a:t>                Format: 'CDF'</a:t>
-            </a:r>
-          </a:p>
-          <a:p>
-            <a:pPr marL="0" indent="0">
-              <a:buNone/>
-            </a:pPr>
+                <a:cs typeface="Courier"/>
+              </a:rPr>
+              <a:t> from </a:t>
+            </a:r>
+            <a:r>
+              <a:rPr lang="it-IT" dirty="0" err="1" smtClean="0">
+                <a:cs typeface="Courier"/>
+              </a:rPr>
+              <a:t>Matlabs</a:t>
+            </a:r>
             <a:r>
               <a:rPr lang="it-IT" dirty="0" smtClean="0">
-                <a:latin typeface="Courier"/>
-                <a:cs typeface="Courier"/>
-              </a:rPr>
-              <a:t>         </a:t>
+                <a:cs typeface="Courier"/>
+              </a:rPr>
+              <a:t> </a:t>
+            </a:r>
+            <a:r>
+              <a:rPr lang="it-IT" dirty="0" err="1">
+                <a:latin typeface="Courier"/>
+                <a:cs typeface="Courier"/>
+              </a:rPr>
+              <a:t>cdf</a:t>
+            </a:r>
+            <a:r>
+              <a:rPr lang="it-IT" dirty="0">
+                <a:latin typeface="Courier"/>
+                <a:cs typeface="Courier"/>
+              </a:rPr>
+              <a:t>*</a:t>
+            </a:r>
+            <a:r>
+              <a:rPr lang="it-IT" dirty="0">
+                <a:cs typeface="Courier"/>
+              </a:rPr>
+              <a:t> </a:t>
             </a:r>
             <a:r>
               <a:rPr lang="it-IT" dirty="0" err="1" smtClean="0">
-                <a:latin typeface="Courier"/>
-                <a:cs typeface="Courier"/>
-              </a:rPr>
-              <a:t>FormatVersion</a:t>
+                <a:cs typeface="Courier"/>
+              </a:rPr>
+              <a:t>functions</a:t>
             </a:r>
             <a:r>
               <a:rPr lang="it-IT" dirty="0" smtClean="0">
-                <a:latin typeface="Courier"/>
-                <a:cs typeface="Courier"/>
-              </a:rPr>
-              <a:t>: '3.3.1'</a:t>
-            </a:r>
-          </a:p>
-          <a:p>
-            <a:pPr marL="0" indent="0">
-              <a:buNone/>
-            </a:pPr>
-            <a:r>
-              <a:rPr lang="it-IT" dirty="0" smtClean="0">
-                <a:latin typeface="Courier"/>
-                <a:cs typeface="Courier"/>
-              </a:rPr>
-              <a:t>          </a:t>
-            </a:r>
-            <a:r>
-              <a:rPr lang="it-IT" dirty="0" err="1" smtClean="0">
-                <a:latin typeface="Courier"/>
-                <a:cs typeface="Courier"/>
-              </a:rPr>
-              <a:t>FileSettings</a:t>
-            </a:r>
-            <a:r>
-              <a:rPr lang="it-IT" dirty="0" smtClean="0">
-                <a:latin typeface="Courier"/>
-                <a:cs typeface="Courier"/>
-              </a:rPr>
-              <a:t>: [1x1 </a:t>
-            </a:r>
-            <a:r>
-              <a:rPr lang="it-IT" dirty="0" err="1" smtClean="0">
-                <a:latin typeface="Courier"/>
-                <a:cs typeface="Courier"/>
-              </a:rPr>
-              <a:t>struct</a:t>
-            </a:r>
-            <a:r>
-              <a:rPr lang="it-IT" dirty="0" smtClean="0">
-                <a:latin typeface="Courier"/>
-                <a:cs typeface="Courier"/>
-              </a:rPr>
-              <a:t>]</a:t>
-            </a:r>
-          </a:p>
-          <a:p>
-            <a:pPr marL="0" indent="0">
-              <a:buNone/>
-            </a:pPr>
-            <a:r>
-              <a:rPr lang="it-IT" dirty="0" smtClean="0">
-                <a:latin typeface="Courier"/>
-                <a:cs typeface="Courier"/>
-              </a:rPr>
-              <a:t>              </a:t>
-            </a:r>
-            <a:r>
-              <a:rPr lang="it-IT" dirty="0" err="1" smtClean="0">
-                <a:latin typeface="Courier"/>
-                <a:cs typeface="Courier"/>
-              </a:rPr>
-              <a:t>Subfiles</a:t>
-            </a:r>
-            <a:r>
-              <a:rPr lang="it-IT" dirty="0" smtClean="0">
-                <a:latin typeface="Courier"/>
-                <a:cs typeface="Courier"/>
-              </a:rPr>
-              <a:t>: {}</a:t>
-            </a:r>
-          </a:p>
-          <a:p>
-            <a:pPr marL="0" indent="0">
-              <a:buNone/>
-            </a:pPr>
-            <a:r>
-              <a:rPr lang="it-IT" dirty="0" smtClean="0">
-                <a:latin typeface="Courier"/>
-                <a:cs typeface="Courier"/>
-              </a:rPr>
-              <a:t>             </a:t>
-            </a:r>
-            <a:r>
-              <a:rPr lang="it-IT" dirty="0" err="1" smtClean="0">
-                <a:latin typeface="Courier"/>
-                <a:cs typeface="Courier"/>
-              </a:rPr>
-              <a:t>Variables</a:t>
-            </a:r>
-            <a:r>
-              <a:rPr lang="it-IT" dirty="0" smtClean="0">
-                <a:latin typeface="Courier"/>
-                <a:cs typeface="Courier"/>
-              </a:rPr>
-              <a:t>: {11x9 </a:t>
-            </a:r>
-            <a:r>
-              <a:rPr lang="it-IT" dirty="0" err="1" smtClean="0">
-                <a:latin typeface="Courier"/>
-                <a:cs typeface="Courier"/>
-              </a:rPr>
-              <a:t>cell</a:t>
-            </a:r>
-            <a:r>
-              <a:rPr lang="it-IT" dirty="0" smtClean="0">
-                <a:latin typeface="Courier"/>
-                <a:cs typeface="Courier"/>
-              </a:rPr>
-              <a:t>}</a:t>
-            </a:r>
-          </a:p>
-          <a:p>
-            <a:pPr marL="0" indent="0">
-              <a:buNone/>
-            </a:pPr>
-            <a:r>
-              <a:rPr lang="it-IT" dirty="0" smtClean="0">
-                <a:latin typeface="Courier"/>
-                <a:cs typeface="Courier"/>
-              </a:rPr>
-              <a:t>      </a:t>
-            </a:r>
-            <a:r>
-              <a:rPr lang="it-IT" dirty="0" err="1" smtClean="0">
-                <a:latin typeface="Courier"/>
-                <a:cs typeface="Courier"/>
-              </a:rPr>
-              <a:t>GlobalAttributes</a:t>
-            </a:r>
-            <a:r>
-              <a:rPr lang="it-IT" dirty="0" smtClean="0">
-                <a:latin typeface="Courier"/>
-                <a:cs typeface="Courier"/>
-              </a:rPr>
-              <a:t>: [1x1 </a:t>
-            </a:r>
-            <a:r>
-              <a:rPr lang="it-IT" dirty="0" err="1" smtClean="0">
-                <a:latin typeface="Courier"/>
-                <a:cs typeface="Courier"/>
-              </a:rPr>
-              <a:t>struct</a:t>
-            </a:r>
-            <a:r>
-              <a:rPr lang="it-IT" dirty="0" smtClean="0">
-                <a:latin typeface="Courier"/>
-                <a:cs typeface="Courier"/>
-              </a:rPr>
-              <a:t>]</a:t>
-            </a:r>
-          </a:p>
-          <a:p>
-            <a:pPr marL="0" indent="0">
-              <a:buNone/>
-            </a:pPr>
-            <a:r>
-              <a:rPr lang="it-IT" dirty="0" smtClean="0">
-                <a:latin typeface="Courier"/>
-                <a:cs typeface="Courier"/>
-              </a:rPr>
-              <a:t>    </a:t>
-            </a:r>
-            <a:r>
-              <a:rPr lang="it-IT" dirty="0" err="1" smtClean="0">
-                <a:latin typeface="Courier"/>
-                <a:cs typeface="Courier"/>
-              </a:rPr>
-              <a:t>VariableAttributes</a:t>
-            </a:r>
-            <a:r>
-              <a:rPr lang="it-IT" dirty="0" smtClean="0">
-                <a:latin typeface="Courier"/>
-                <a:cs typeface="Courier"/>
-              </a:rPr>
-              <a:t>: [1x1 </a:t>
-            </a:r>
-            <a:r>
-              <a:rPr lang="it-IT" dirty="0" err="1" smtClean="0">
-                <a:latin typeface="Courier"/>
-                <a:cs typeface="Courier"/>
-              </a:rPr>
-              <a:t>struct</a:t>
-            </a:r>
-            <a:r>
-              <a:rPr lang="it-IT" dirty="0" smtClean="0">
-                <a:latin typeface="Courier"/>
-                <a:cs typeface="Courier"/>
-              </a:rPr>
-              <a:t>]</a:t>
-            </a:r>
-          </a:p>
-          <a:p>
-            <a:pPr marL="0" indent="0">
-              <a:buNone/>
-            </a:pPr>
-            <a:r>
-              <a:rPr lang="it-IT" dirty="0" smtClean="0">
-                <a:latin typeface="Courier"/>
-                <a:cs typeface="Courier"/>
-              </a:rPr>
-              <a:t>            </a:t>
-            </a:r>
-            <a:r>
-              <a:rPr lang="it-IT" dirty="0" err="1" smtClean="0">
-                <a:latin typeface="Courier"/>
-                <a:cs typeface="Courier"/>
-              </a:rPr>
-              <a:t>LibVersion</a:t>
-            </a:r>
-            <a:r>
-              <a:rPr lang="it-IT" dirty="0" smtClean="0">
-                <a:latin typeface="Courier"/>
-                <a:cs typeface="Courier"/>
-              </a:rPr>
-              <a:t>: '3.6.0'</a:t>
-            </a:r>
-          </a:p>
-          <a:p>
-            <a:pPr marL="0" indent="0">
-              <a:buNone/>
-            </a:pPr>
-            <a:r>
-              <a:rPr lang="it-IT" dirty="0" smtClean="0">
-                <a:latin typeface="Courier"/>
-                <a:cs typeface="Courier"/>
-              </a:rPr>
-              <a:t>          </a:t>
-            </a:r>
-            <a:r>
-              <a:rPr lang="it-IT" dirty="0" err="1" smtClean="0">
-                <a:latin typeface="Courier"/>
-                <a:cs typeface="Courier"/>
-              </a:rPr>
-              <a:t>PatchVersion</a:t>
-            </a:r>
-            <a:r>
-              <a:rPr lang="it-IT" dirty="0" smtClean="0">
-                <a:latin typeface="Courier"/>
-                <a:cs typeface="Courier"/>
-              </a:rPr>
-              <a:t>: '3.6.0.4'</a:t>
+                <a:cs typeface="Courier"/>
+              </a:rPr>
+              <a:t>.</a:t>
             </a:r>
             <a:endParaRPr lang="en-US" dirty="0">
-              <a:latin typeface="Courier"/>
               <a:cs typeface="Courier"/>
             </a:endParaRPr>
           </a:p>
@@ -9608,7 +11008,17 @@
                 <a:latin typeface="Courier"/>
                 <a:cs typeface="Courier"/>
               </a:rPr>
-              <a:t>    'time_tags__C1_CP...'    [1x2 double]    [2018]    'epoch'     'T/'     'Full'</a:t>
+              <a:t>    </a:t>
+            </a:r>
+            <a:r>
+              <a:rPr lang="en-US" dirty="0" smtClean="0">
+                <a:solidFill>
+                  <a:srgbClr val="C0504D"/>
+                </a:solidFill>
+                <a:latin typeface="Courier"/>
+                <a:cs typeface="Courier"/>
+              </a:rPr>
+              <a:t>'time_tags__C1_CP...'    [1x2 double]    [2018]    'epoch'     'T/'     'Full'</a:t>
             </a:r>
           </a:p>
           <a:p>
@@ -10072,11 +11482,7 @@
           <a:p>
             <a:r>
               <a:rPr lang="en-US" dirty="0" smtClean="0"/>
-              <a:t>Ex1 : </a:t>
-            </a:r>
-            <a:r>
-              <a:rPr lang="en-US" dirty="0" err="1" smtClean="0"/>
-              <a:t>dataobj</a:t>
+              <a:t>Representations of time</a:t>
             </a:r>
             <a:endParaRPr lang="en-US" dirty="0"/>
           </a:p>
@@ -10092,35 +11498,93 @@
             <p:ph idx="1"/>
           </p:nvPr>
         </p:nvSpPr>
-        <p:spPr>
-          <a:xfrm>
-            <a:off x="457200" y="1417638"/>
-            <a:ext cx="8229600" cy="5245948"/>
-          </a:xfrm>
-        </p:spPr>
+        <p:spPr/>
         <p:txBody>
           <a:bodyPr>
-            <a:normAutofit fontScale="25000" lnSpcReduction="20000"/>
+            <a:normAutofit fontScale="77500" lnSpcReduction="20000"/>
           </a:bodyPr>
           <a:lstStyle/>
           <a:p>
             <a:r>
-              <a:rPr lang="en-US" dirty="0" err="1">
-                <a:latin typeface="Courier"/>
-                <a:cs typeface="Courier"/>
-              </a:rPr>
-              <a:t>d</a:t>
-            </a:r>
-            <a:r>
-              <a:rPr lang="en-US" dirty="0" err="1" smtClean="0">
-                <a:latin typeface="Courier"/>
-                <a:cs typeface="Courier"/>
-              </a:rPr>
-              <a:t>ataobj</a:t>
-            </a:r>
-            <a:r>
               <a:rPr lang="en-US" dirty="0" smtClean="0"/>
-              <a:t> class – representation of a CDF file in </a:t>
+              <a:t>CDF times:</a:t>
+            </a:r>
+          </a:p>
+          <a:p>
+            <a:pPr lvl="1"/>
+            <a:r>
+              <a:rPr lang="en-US" dirty="0" smtClean="0"/>
+              <a:t>CDF </a:t>
+            </a:r>
+            <a:r>
+              <a:rPr lang="en-US" dirty="0"/>
+              <a:t>epoch – very limited </a:t>
+            </a:r>
+            <a:r>
+              <a:rPr lang="en-US" dirty="0" smtClean="0"/>
+              <a:t>precision, Cluster/CSA</a:t>
+            </a:r>
+            <a:endParaRPr lang="en-US" dirty="0"/>
+          </a:p>
+          <a:p>
+            <a:pPr lvl="1"/>
+            <a:r>
+              <a:rPr lang="en-US" dirty="0"/>
+              <a:t>CDF </a:t>
+            </a:r>
+            <a:r>
+              <a:rPr lang="en-US" dirty="0" smtClean="0"/>
+              <a:t>epoch16 – best precision, difficult to use</a:t>
+            </a:r>
+            <a:r>
+              <a:rPr lang="en-US" dirty="0"/>
+              <a:t>, Cluster/CSA</a:t>
+            </a:r>
+          </a:p>
+          <a:p>
+            <a:pPr lvl="1"/>
+            <a:r>
+              <a:rPr lang="en-US" dirty="0"/>
+              <a:t>Unix </a:t>
+            </a:r>
+            <a:r>
+              <a:rPr lang="en-US" dirty="0" smtClean="0"/>
+              <a:t>epoch </a:t>
+            </a:r>
+            <a:r>
+              <a:rPr lang="en-US" dirty="0"/>
+              <a:t>–</a:t>
+            </a:r>
+            <a:r>
+              <a:rPr lang="en-US" dirty="0" smtClean="0"/>
+              <a:t> </a:t>
+            </a:r>
+            <a:r>
+              <a:rPr lang="en-US" dirty="0"/>
+              <a:t>somewhat </a:t>
+            </a:r>
+            <a:r>
+              <a:rPr lang="en-US" dirty="0" smtClean="0"/>
+              <a:t> limited precision, THEMIS</a:t>
+            </a:r>
+            <a:endParaRPr lang="en-US" dirty="0"/>
+          </a:p>
+          <a:p>
+            <a:pPr lvl="1"/>
+            <a:r>
+              <a:rPr lang="en-US" dirty="0"/>
+              <a:t>CDF </a:t>
+            </a:r>
+            <a:r>
+              <a:rPr lang="en-US" dirty="0" smtClean="0"/>
+              <a:t>epochTT2000 – best, MMS, Solar Orbiter </a:t>
+            </a:r>
+            <a:endParaRPr lang="en-US" dirty="0"/>
+          </a:p>
+          <a:p>
+            <a:r>
+              <a:rPr lang="en-US" dirty="0" smtClean="0"/>
+              <a:t>We can use in </a:t>
             </a:r>
             <a:r>
               <a:rPr lang="en-US" dirty="0" err="1" smtClean="0"/>
@@ -10128,552 +11592,184 @@
             </a:r>
             <a:r>
               <a:rPr lang="en-US" dirty="0" smtClean="0"/>
-              <a:t>, contains both metadata and data</a:t>
-            </a:r>
-          </a:p>
-          <a:p>
+              <a:t>:</a:t>
+            </a:r>
+          </a:p>
+          <a:p>
+            <a:pPr lvl="1"/>
+            <a:r>
+              <a:rPr lang="en-US" dirty="0" smtClean="0"/>
+              <a:t>UTC </a:t>
+            </a:r>
+            <a:r>
+              <a:rPr lang="en-US" dirty="0" smtClean="0"/>
+              <a:t>string </a:t>
+            </a:r>
+            <a:r>
+              <a:rPr lang="en-US" dirty="0" smtClean="0">
+                <a:solidFill>
+                  <a:srgbClr val="660066"/>
+                </a:solidFill>
+              </a:rPr>
+              <a:t>‘</a:t>
+            </a:r>
+            <a:r>
+              <a:rPr lang="en-US" dirty="0" err="1" smtClean="0">
+                <a:solidFill>
+                  <a:srgbClr val="660066"/>
+                </a:solidFill>
+              </a:rPr>
+              <a:t>yyyy-mm-ddThh:mm:ss.sssssssssZ</a:t>
+            </a:r>
+            <a:r>
+              <a:rPr lang="en-US" dirty="0" smtClean="0">
+                <a:solidFill>
+                  <a:srgbClr val="660066"/>
+                </a:solidFill>
+              </a:rPr>
+              <a:t>’</a:t>
+            </a:r>
+          </a:p>
+          <a:p>
+            <a:pPr lvl="1"/>
             <a:r>
               <a:rPr lang="en-US" dirty="0" err="1" smtClean="0"/>
-              <a:t>Matlab</a:t>
+              <a:t>Matlab’s</a:t>
             </a:r>
             <a:r>
               <a:rPr lang="en-US" dirty="0" smtClean="0"/>
-              <a:t> code:</a:t>
-            </a:r>
-          </a:p>
-          <a:p>
-            <a:pPr marL="0" indent="0">
-              <a:buNone/>
-            </a:pPr>
-            <a:r>
-              <a:rPr lang="en-US" dirty="0" smtClean="0">
-                <a:latin typeface="Courier"/>
-                <a:cs typeface="Courier"/>
-              </a:rPr>
-              <a:t>&gt;&gt; </a:t>
-            </a:r>
-            <a:r>
-              <a:rPr lang="en-US" b="1" dirty="0" smtClean="0">
-                <a:latin typeface="Courier"/>
-                <a:cs typeface="Courier"/>
-              </a:rPr>
-              <a:t>D=</a:t>
-            </a:r>
-            <a:r>
-              <a:rPr lang="en-US" b="1" dirty="0" err="1" smtClean="0">
-                <a:latin typeface="Courier"/>
-                <a:cs typeface="Courier"/>
-              </a:rPr>
-              <a:t>dataobj</a:t>
-            </a:r>
-            <a:r>
-              <a:rPr lang="en-US" b="1" dirty="0" smtClean="0">
-                <a:latin typeface="Courier"/>
-                <a:cs typeface="Courier"/>
-              </a:rPr>
-              <a:t>(</a:t>
-            </a:r>
-            <a:r>
-              <a:rPr lang="en-US" b="1" dirty="0" smtClean="0">
+              <a:t> </a:t>
+            </a:r>
+            <a:r>
+              <a:rPr lang="en-US" dirty="0" err="1" smtClean="0">
+                <a:latin typeface="Courier"/>
+                <a:cs typeface="Courier"/>
+              </a:rPr>
+              <a:t>datenum</a:t>
+            </a:r>
+            <a:r>
+              <a:rPr lang="en-US" dirty="0" smtClean="0"/>
+              <a:t> – </a:t>
+            </a:r>
+            <a:r>
+              <a:rPr lang="en-US" dirty="0" smtClean="0">
                 <a:solidFill>
-                  <a:schemeClr val="accent4"/>
+                  <a:schemeClr val="accent6"/>
                 </a:solidFill>
-                <a:latin typeface="Courier"/>
-                <a:cs typeface="Courier"/>
-              </a:rPr>
-              <a:t>'CAA/C1_CP_FGM_FULL/C1_CP_FGM_FULL__20020330_131130_20020330_131200_V140306.cdf'</a:t>
-            </a:r>
-            <a:r>
-              <a:rPr lang="en-US" b="1" dirty="0" smtClean="0">
-                <a:latin typeface="Courier"/>
-                <a:cs typeface="Courier"/>
-              </a:rPr>
-              <a:t>)</a:t>
-            </a:r>
-          </a:p>
-          <a:p>
-            <a:pPr marL="0" indent="0">
-              <a:buNone/>
-            </a:pPr>
-            <a:r>
-              <a:rPr lang="en-US" dirty="0" smtClean="0">
-                <a:latin typeface="Courier"/>
-                <a:cs typeface="Courier"/>
-              </a:rPr>
+              </a:rPr>
+              <a:t>very limited precision</a:t>
+            </a:r>
+          </a:p>
+          <a:p>
+            <a:pPr lvl="1"/>
+            <a:r>
+              <a:rPr lang="en-US" dirty="0" smtClean="0"/>
+              <a:t>Date array – [</a:t>
+            </a:r>
+            <a:r>
+              <a:rPr lang="en-US" dirty="0" err="1" smtClean="0"/>
+              <a:t>yyyy</a:t>
+            </a:r>
+            <a:r>
+              <a:rPr lang="en-US" dirty="0" smtClean="0"/>
+              <a:t> mm </a:t>
+            </a:r>
+            <a:r>
+              <a:rPr lang="en-US" dirty="0" err="1" smtClean="0"/>
+              <a:t>dd</a:t>
+            </a:r>
+            <a:r>
+              <a:rPr lang="en-US" dirty="0" smtClean="0"/>
               <a:t> </a:t>
             </a:r>
-          </a:p>
-          <a:p>
-            <a:pPr marL="0" indent="0">
-              <a:buNone/>
-            </a:pPr>
+            <a:r>
+              <a:rPr lang="en-US" dirty="0" err="1" smtClean="0"/>
+              <a:t>hh</a:t>
+            </a:r>
+            <a:r>
+              <a:rPr lang="en-US" dirty="0" smtClean="0"/>
+              <a:t> mm </a:t>
+            </a:r>
+            <a:r>
+              <a:rPr lang="en-US" dirty="0" err="1" smtClean="0"/>
+              <a:t>ss</a:t>
+            </a:r>
+            <a:r>
+              <a:rPr lang="en-US" dirty="0" smtClean="0"/>
+              <a:t>], double</a:t>
+            </a:r>
+          </a:p>
+          <a:p>
+            <a:pPr lvl="1"/>
+            <a:r>
+              <a:rPr lang="en-US" dirty="0" smtClean="0"/>
+              <a:t>Unix epoch – seconds from Jan 1, 1970, double array or </a:t>
+            </a:r>
             <a:r>
               <a:rPr lang="en-US" dirty="0" err="1" smtClean="0">
                 <a:latin typeface="Courier"/>
                 <a:cs typeface="Courier"/>
               </a:rPr>
-              <a:t>dataobj</a:t>
-            </a:r>
-            <a:r>
-              <a:rPr lang="en-US" dirty="0" smtClean="0">
-                <a:latin typeface="Courier"/>
-                <a:cs typeface="Courier"/>
-              </a:rPr>
-              <a:t> object created : 25-Jul-2015 23:25:41</a:t>
-            </a:r>
-          </a:p>
-          <a:p>
-            <a:pPr marL="0" indent="0">
-              <a:buNone/>
-            </a:pPr>
-            <a:r>
-              <a:rPr lang="en-US" dirty="0" smtClean="0">
-                <a:latin typeface="Courier"/>
-                <a:cs typeface="Courier"/>
-              </a:rPr>
+              <a:t>EpochUnix</a:t>
+            </a:r>
+            <a:r>
+              <a:rPr lang="en-US" dirty="0" smtClean="0"/>
               <a:t> </a:t>
             </a:r>
-          </a:p>
-          <a:p>
-            <a:pPr marL="0" indent="0">
-              <a:buNone/>
-            </a:pPr>
-            <a:r>
-              <a:rPr lang="en-US" dirty="0" smtClean="0">
-                <a:latin typeface="Courier"/>
-                <a:cs typeface="Courier"/>
-              </a:rPr>
-              <a:t>Variables:</a:t>
-            </a:r>
-          </a:p>
-          <a:p>
-            <a:pPr marL="0" indent="0">
-              <a:buNone/>
-            </a:pPr>
-            <a:r>
-              <a:rPr lang="en-US" dirty="0" smtClean="0">
-                <a:latin typeface="Courier"/>
-                <a:cs typeface="Courier"/>
-              </a:rPr>
-              <a:t>time_tags__C1_CP_FGM_FULL : epoch : 2018 recs</a:t>
-            </a:r>
-          </a:p>
-          <a:p>
-            <a:pPr marL="0" indent="0">
-              <a:buNone/>
-            </a:pPr>
-            <a:r>
-              <a:rPr lang="en-US" dirty="0" smtClean="0">
-                <a:latin typeface="Courier"/>
-                <a:cs typeface="Courier"/>
-              </a:rPr>
-              <a:t>half_interval__C1_CP_FGM_FULL : single : 2018 recs</a:t>
-            </a:r>
-          </a:p>
-          <a:p>
-            <a:pPr marL="0" indent="0">
-              <a:buNone/>
-            </a:pPr>
-            <a:r>
-              <a:rPr lang="en-US" dirty="0" smtClean="0">
-                <a:latin typeface="Courier"/>
-                <a:cs typeface="Courier"/>
-              </a:rPr>
-              <a:t>B_vec_xyz_gse__C1_CP_FGM_FULL : single : 2018 recs</a:t>
-            </a:r>
-          </a:p>
-          <a:p>
-            <a:pPr marL="0" indent="0">
-              <a:buNone/>
-            </a:pPr>
-            <a:r>
-              <a:rPr lang="en-US" dirty="0" smtClean="0">
-                <a:latin typeface="Courier"/>
-                <a:cs typeface="Courier"/>
-              </a:rPr>
-              <a:t>B_mag__C1_CP_FGM_FULL : single : 2018 recs</a:t>
-            </a:r>
-          </a:p>
-          <a:p>
-            <a:pPr marL="0" indent="0">
-              <a:buNone/>
-            </a:pPr>
-            <a:r>
-              <a:rPr lang="en-US" dirty="0" smtClean="0">
-                <a:latin typeface="Courier"/>
-                <a:cs typeface="Courier"/>
-              </a:rPr>
-              <a:t>sc_pos_xyz_gse__C1_CP_FGM_FULL : single : 2018 recs</a:t>
-            </a:r>
-          </a:p>
-          <a:p>
-            <a:pPr marL="0" indent="0">
-              <a:buNone/>
-            </a:pPr>
-            <a:r>
-              <a:rPr lang="en-US" dirty="0" smtClean="0">
-                <a:latin typeface="Courier"/>
-                <a:cs typeface="Courier"/>
-              </a:rPr>
-              <a:t>range__C1_CP_FGM_FULL : int32 : 2018 recs</a:t>
-            </a:r>
-          </a:p>
-          <a:p>
-            <a:pPr marL="0" indent="0">
-              <a:buNone/>
-            </a:pPr>
-            <a:r>
-              <a:rPr lang="en-US" dirty="0" smtClean="0">
-                <a:latin typeface="Courier"/>
-                <a:cs typeface="Courier"/>
-              </a:rPr>
-              <a:t>tm__C1_CP_FGM_FULL : int32 : 2018 recs</a:t>
-            </a:r>
-          </a:p>
-          <a:p>
-            <a:pPr marL="0" indent="0">
-              <a:buNone/>
-            </a:pPr>
-            <a:r>
-              <a:rPr lang="en-US" dirty="0" smtClean="0">
-                <a:latin typeface="Courier"/>
-                <a:cs typeface="Courier"/>
-              </a:rPr>
-              <a:t> </a:t>
-            </a:r>
-          </a:p>
-          <a:p>
-            <a:pPr marL="0" indent="0">
-              <a:buNone/>
-            </a:pPr>
-            <a:r>
-              <a:rPr lang="en-US" dirty="0" smtClean="0">
-                <a:latin typeface="Courier"/>
-                <a:cs typeface="Courier"/>
-              </a:rPr>
-              <a:t>&gt;&gt; </a:t>
-            </a:r>
-            <a:r>
-              <a:rPr lang="en-US" b="1" dirty="0" err="1" smtClean="0">
-                <a:latin typeface="Courier"/>
-                <a:cs typeface="Courier"/>
-              </a:rPr>
-              <a:t>D.VariableAttributes</a:t>
-            </a:r>
-            <a:endParaRPr lang="en-US" b="1" dirty="0" smtClean="0">
-              <a:latin typeface="Courier"/>
-              <a:cs typeface="Courier"/>
-            </a:endParaRPr>
-          </a:p>
-          <a:p>
-            <a:pPr marL="0" indent="0">
-              <a:buNone/>
-            </a:pPr>
-            <a:endParaRPr lang="en-US" dirty="0" smtClean="0">
-              <a:latin typeface="Courier"/>
-              <a:cs typeface="Courier"/>
-            </a:endParaRPr>
-          </a:p>
-          <a:p>
-            <a:pPr marL="0" indent="0">
-              <a:buNone/>
-            </a:pPr>
+            <a:r>
+              <a:rPr lang="en-US" dirty="0" smtClean="0"/>
+              <a:t>class</a:t>
+            </a:r>
+          </a:p>
+          <a:p>
+            <a:pPr lvl="1"/>
+            <a:r>
+              <a:rPr lang="en-US" dirty="0" smtClean="0">
+                <a:solidFill>
+                  <a:schemeClr val="tx2"/>
+                </a:solidFill>
+              </a:rPr>
+              <a:t>Terrestrial </a:t>
+            </a:r>
+            <a:r>
+              <a:rPr lang="en-US" dirty="0" smtClean="0">
+                <a:solidFill>
+                  <a:schemeClr val="tx2"/>
+                </a:solidFill>
+              </a:rPr>
+              <a:t>time </a:t>
+            </a:r>
+            <a:r>
+              <a:rPr lang="en-US" dirty="0" smtClean="0"/>
+              <a:t>– EpochTT2000 in CDF, internally represented by nanoseconds (int64) since Jan 1, 2000, </a:t>
+            </a:r>
             <a:r>
               <a:rPr lang="en-US" dirty="0" err="1" smtClean="0">
                 <a:latin typeface="Courier"/>
                 <a:cs typeface="Courier"/>
               </a:rPr>
-              <a:t>ans</a:t>
-            </a:r>
-            <a:r>
-              <a:rPr lang="en-US" dirty="0" smtClean="0">
-                <a:latin typeface="Courier"/>
-                <a:cs typeface="Courier"/>
-              </a:rPr>
-              <a:t> = </a:t>
-            </a:r>
-          </a:p>
-          <a:p>
-            <a:pPr marL="0" indent="0">
-              <a:buNone/>
-            </a:pPr>
-            <a:endParaRPr lang="en-US" dirty="0" smtClean="0">
-              <a:latin typeface="Courier"/>
-              <a:cs typeface="Courier"/>
-            </a:endParaRPr>
-          </a:p>
-          <a:p>
-            <a:pPr marL="0" indent="0">
-              <a:buNone/>
-            </a:pPr>
-            <a:r>
-              <a:rPr lang="en-US" dirty="0" smtClean="0">
-                <a:latin typeface="Courier"/>
-                <a:cs typeface="Courier"/>
-              </a:rPr>
-              <a:t>        PARAMETER_TYPE: {11x2 cell}</a:t>
-            </a:r>
-          </a:p>
-          <a:p>
-            <a:pPr marL="0" indent="0">
-              <a:buNone/>
-            </a:pPr>
-            <a:r>
-              <a:rPr lang="en-US" dirty="0" smtClean="0">
-                <a:latin typeface="Courier"/>
-                <a:cs typeface="Courier"/>
-              </a:rPr>
-              <a:t>               CATDESC: {7x2 cell}</a:t>
-            </a:r>
-          </a:p>
-          <a:p>
-            <a:pPr marL="0" indent="0">
-              <a:buNone/>
-            </a:pPr>
-            <a:r>
-              <a:rPr lang="en-US" dirty="0" smtClean="0">
-                <a:latin typeface="Courier"/>
-                <a:cs typeface="Courier"/>
-              </a:rPr>
-              <a:t>                 UNITS: {7x2 cell}</a:t>
-            </a:r>
-          </a:p>
-          <a:p>
-            <a:pPr marL="0" indent="0">
-              <a:buNone/>
-            </a:pPr>
-            <a:r>
-              <a:rPr lang="en-US" dirty="0" smtClean="0">
-                <a:latin typeface="Courier"/>
-                <a:cs typeface="Courier"/>
-              </a:rPr>
-              <a:t>         SI_CONVERSION: {5x2 cell}</a:t>
-            </a:r>
-          </a:p>
-          <a:p>
-            <a:pPr marL="0" indent="0">
-              <a:buNone/>
-            </a:pPr>
-            <a:r>
-              <a:rPr lang="en-US" dirty="0" smtClean="0">
-                <a:latin typeface="Courier"/>
-                <a:cs typeface="Courier"/>
-              </a:rPr>
-              <a:t>    SIGNIFICANT_DIGITS: {7x2 cell}</a:t>
-            </a:r>
-          </a:p>
-          <a:p>
-            <a:pPr marL="0" indent="0">
-              <a:buNone/>
-            </a:pPr>
-            <a:r>
-              <a:rPr lang="en-US" dirty="0" smtClean="0">
-                <a:latin typeface="Courier"/>
-                <a:cs typeface="Courier"/>
-              </a:rPr>
-              <a:t>               FILLVAL: {7x2 cell}</a:t>
-            </a:r>
-          </a:p>
-          <a:p>
-            <a:pPr marL="0" indent="0">
-              <a:buNone/>
-            </a:pPr>
-            <a:r>
-              <a:rPr lang="en-US" dirty="0" smtClean="0">
-                <a:latin typeface="Courier"/>
-                <a:cs typeface="Courier"/>
-              </a:rPr>
-              <a:t>              FIELDNAM: {7x2 cell}</a:t>
-            </a:r>
-          </a:p>
-          <a:p>
-            <a:pPr marL="0" indent="0">
-              <a:buNone/>
-            </a:pPr>
-            <a:r>
-              <a:rPr lang="en-US" dirty="0" smtClean="0">
-                <a:latin typeface="Courier"/>
-                <a:cs typeface="Courier"/>
-              </a:rPr>
-              <a:t>              LABLAXIS: {7x2 cell}</a:t>
-            </a:r>
-          </a:p>
-          <a:p>
-            <a:pPr marL="0" indent="0">
-              <a:buNone/>
-            </a:pPr>
-            <a:r>
-              <a:rPr lang="en-US" dirty="0" smtClean="0">
-                <a:latin typeface="Courier"/>
-                <a:cs typeface="Courier"/>
-              </a:rPr>
-              <a:t>            DELTA_PLUS: {1x2 cell}</a:t>
-            </a:r>
-          </a:p>
-          <a:p>
-            <a:pPr marL="0" indent="0">
-              <a:buNone/>
-            </a:pPr>
-            <a:r>
-              <a:rPr lang="en-US" dirty="0" smtClean="0">
-                <a:latin typeface="Courier"/>
-                <a:cs typeface="Courier"/>
-              </a:rPr>
-              <a:t>           DELTA_MINUS: {1x2 cell}</a:t>
-            </a:r>
-          </a:p>
-          <a:p>
-            <a:pPr marL="0" indent="0">
-              <a:buNone/>
-            </a:pPr>
-            <a:r>
-              <a:rPr lang="en-US" dirty="0" smtClean="0">
-                <a:latin typeface="Courier"/>
-                <a:cs typeface="Courier"/>
-              </a:rPr>
-              <a:t>                ENTITY: {3x2 cell}</a:t>
-            </a:r>
-          </a:p>
-          <a:p>
-            <a:pPr marL="0" indent="0">
-              <a:buNone/>
-            </a:pPr>
-            <a:r>
-              <a:rPr lang="en-US" dirty="0" smtClean="0">
-                <a:latin typeface="Courier"/>
-                <a:cs typeface="Courier"/>
-              </a:rPr>
-              <a:t>              PROPERTY: {3x2 cell}</a:t>
-            </a:r>
-          </a:p>
-          <a:p>
-            <a:pPr marL="0" indent="0">
-              <a:buNone/>
-            </a:pPr>
-            <a:r>
-              <a:rPr lang="en-US" dirty="0" smtClean="0">
-                <a:latin typeface="Courier"/>
-                <a:cs typeface="Courier"/>
-              </a:rPr>
-              <a:t>          FLUCTUATIONS: {2x2 cell}</a:t>
-            </a:r>
-          </a:p>
-          <a:p>
-            <a:pPr marL="0" indent="0">
-              <a:buNone/>
-            </a:pPr>
-            <a:r>
-              <a:rPr lang="en-US" dirty="0" smtClean="0">
-                <a:latin typeface="Courier"/>
-                <a:cs typeface="Courier"/>
-              </a:rPr>
-              <a:t>          TENSOR_ORDER: {5x2 cell}</a:t>
-            </a:r>
-          </a:p>
-          <a:p>
-            <a:pPr marL="0" indent="0">
-              <a:buNone/>
-            </a:pPr>
-            <a:r>
-              <a:rPr lang="en-US" dirty="0" smtClean="0">
-                <a:latin typeface="Courier"/>
-                <a:cs typeface="Courier"/>
-              </a:rPr>
-              <a:t>     COORDINATE_SYSTEM: {2x2 cell}</a:t>
-            </a:r>
-          </a:p>
-          <a:p>
-            <a:pPr marL="0" indent="0">
-              <a:buNone/>
-            </a:pPr>
-            <a:r>
-              <a:rPr lang="en-US" dirty="0" smtClean="0">
-                <a:latin typeface="Courier"/>
-                <a:cs typeface="Courier"/>
-              </a:rPr>
-              <a:t>      REPRESENTATION_1: {2x2 cell}</a:t>
-            </a:r>
-          </a:p>
-          <a:p>
-            <a:pPr marL="0" indent="0">
-              <a:buNone/>
-            </a:pPr>
-            <a:r>
-              <a:rPr lang="en-US" dirty="0" smtClean="0">
-                <a:latin typeface="Courier"/>
-                <a:cs typeface="Courier"/>
-              </a:rPr>
-              <a:t>               QUALITY: {3x2 cell}</a:t>
-            </a:r>
-          </a:p>
-          <a:p>
-            <a:pPr marL="0" indent="0">
-              <a:buNone/>
-            </a:pPr>
-            <a:r>
-              <a:rPr lang="en-US" dirty="0" smtClean="0">
-                <a:latin typeface="Courier"/>
-                <a:cs typeface="Courier"/>
-              </a:rPr>
-              <a:t>              DEPEND_0: {5x2 cell}</a:t>
-            </a:r>
-          </a:p>
-          <a:p>
-            <a:pPr marL="0" indent="0">
-              <a:buNone/>
-            </a:pPr>
-            <a:r>
-              <a:rPr lang="en-US" dirty="0" smtClean="0">
-                <a:latin typeface="Courier"/>
-                <a:cs typeface="Courier"/>
-              </a:rPr>
-              <a:t>               LABEL_1: {2x2 cell}</a:t>
-            </a:r>
-          </a:p>
-          <a:p>
-            <a:pPr marL="0" indent="0">
-              <a:buNone/>
-            </a:pPr>
-            <a:endParaRPr lang="en-US" dirty="0" smtClean="0">
-              <a:latin typeface="Courier"/>
-              <a:cs typeface="Courier"/>
-            </a:endParaRPr>
-          </a:p>
-          <a:p>
-            <a:pPr marL="0" indent="0">
-              <a:buNone/>
-            </a:pPr>
-            <a:r>
-              <a:rPr lang="en-US" dirty="0" smtClean="0">
-                <a:latin typeface="Courier"/>
-                <a:cs typeface="Courier"/>
-              </a:rPr>
-              <a:t>&gt;&gt; plot(D,'B_vec_xyz_gse__C1_CP_FGM_FULL')</a:t>
-            </a:r>
-            <a:endParaRPr lang="en-US" dirty="0">
-              <a:latin typeface="Courier"/>
-              <a:cs typeface="Courier"/>
-            </a:endParaRPr>
+              <a:t>EpochTT</a:t>
+            </a:r>
+            <a:r>
+              <a:rPr lang="en-US" dirty="0" smtClean="0"/>
+              <a:t> class</a:t>
+            </a:r>
+          </a:p>
+          <a:p>
+            <a:endParaRPr lang="en-US" dirty="0"/>
           </a:p>
         </p:txBody>
       </p:sp>
     </p:spTree>
     <p:extLst>
       <p:ext uri="{BB962C8B-B14F-4D97-AF65-F5344CB8AC3E}">
-        <p14:creationId xmlns:p14="http://schemas.microsoft.com/office/powerpoint/2010/main" val="1415367931"/>
+        <p14:creationId xmlns:p14="http://schemas.microsoft.com/office/powerpoint/2010/main" val="1364240192"/>
       </p:ext>
     </p:extLst>
   </p:cSld>
   <p:clrMapOvr>
     <a:masterClrMapping/>
   </p:clrMapOvr>
-  <p:timing>
-    <p:tnLst>
-      <p:par>
-        <p:cTn xmlns:p14="http://schemas.microsoft.com/office/powerpoint/2010/main" id="1" dur="indefinite" restart="never" nodeType="tmRoot"/>
-      </p:par>
-    </p:tnLst>
-  </p:timing>
 </p:sld>
 </file>
 

--- a/Lectures/Lecture_1.pptx
+++ b/Lectures/Lecture_1.pptx
@@ -16,10 +16,11 @@
     <p:sldId id="265" r:id="rId10"/>
     <p:sldId id="266" r:id="rId11"/>
     <p:sldId id="267" r:id="rId12"/>
-    <p:sldId id="269" r:id="rId13"/>
-    <p:sldId id="268" r:id="rId14"/>
-    <p:sldId id="270" r:id="rId15"/>
-    <p:sldId id="271" r:id="rId16"/>
+    <p:sldId id="273" r:id="rId13"/>
+    <p:sldId id="269" r:id="rId14"/>
+    <p:sldId id="268" r:id="rId15"/>
+    <p:sldId id="270" r:id="rId16"/>
+    <p:sldId id="271" r:id="rId17"/>
   </p:sldIdLst>
   <p:sldSz cx="9144000" cy="6858000" type="screen4x3"/>
   <p:notesSz cx="6858000" cy="9144000"/>
@@ -3209,7 +3210,7 @@
 </file>
 
 <file path=ppt/slides/slide10.xml><?xml version="1.0" encoding="utf-8"?>
-<p:sld xmlns:a="http://schemas.openxmlformats.org/drawingml/2006/main" xmlns:r="http://schemas.openxmlformats.org/officeDocument/2006/relationships" xmlns:p="http://schemas.openxmlformats.org/presentationml/2006/main">
+<p:sld xmlns:a="http://schemas.openxmlformats.org/drawingml/2006/main" xmlns:r="http://schemas.openxmlformats.org/officeDocument/2006/relationships" xmlns:p="http://schemas.openxmlformats.org/presentationml/2006/main" show="0">
   <p:cSld>
     <p:spTree>
       <p:nvGrpSpPr>
@@ -4239,6 +4240,14 @@
   <p:clrMapOvr>
     <a:masterClrMapping/>
   </p:clrMapOvr>
+  <mc:AlternateContent xmlns:mc="http://schemas.openxmlformats.org/markup-compatibility/2006">
+    <mc:Choice xmlns:p14="http://schemas.microsoft.com/office/powerpoint/2010/main" Requires="p14">
+      <p:transition spd="slow" p14:dur="2000"/>
+    </mc:Choice>
+    <mc:Fallback>
+      <p:transition xmlns:p14="http://schemas.microsoft.com/office/powerpoint/2010/main" spd="slow"/>
+    </mc:Fallback>
+  </mc:AlternateContent>
 </p:sld>
 </file>
 
@@ -4496,6 +4505,67 @@
           </a:p>
         </p:txBody>
       </p:sp>
+      <p:sp>
+        <p:nvSpPr>
+          <p:cNvPr id="4" name="Rectangle 3"/>
+          <p:cNvSpPr/>
+          <p:nvPr/>
+        </p:nvSpPr>
+        <p:spPr>
+          <a:xfrm>
+            <a:off x="583551" y="6300801"/>
+            <a:ext cx="1987030" cy="369332"/>
+          </a:xfrm>
+          <a:prstGeom prst="rect">
+            <a:avLst/>
+          </a:prstGeom>
+        </p:spPr>
+        <p:txBody>
+          <a:bodyPr wrap="none">
+            <a:spAutoFit/>
+          </a:bodyPr>
+          <a:lstStyle/>
+          <a:p>
+            <a:r>
+              <a:rPr lang="en-US" b="1" dirty="0">
+                <a:solidFill>
+                  <a:schemeClr val="tx2"/>
+                </a:solidFill>
+              </a:rPr>
+              <a:t>Exercise </a:t>
+            </a:r>
+            <a:r>
+              <a:rPr lang="en-US" b="1" dirty="0" smtClean="0">
+                <a:solidFill>
+                  <a:schemeClr val="tx2"/>
+                </a:solidFill>
+              </a:rPr>
+              <a:t>3 </a:t>
+            </a:r>
+            <a:r>
+              <a:rPr lang="en-US" b="1" dirty="0">
+                <a:solidFill>
+                  <a:schemeClr val="tx2"/>
+                </a:solidFill>
+              </a:rPr>
+              <a:t>: </a:t>
+            </a:r>
+            <a:r>
+              <a:rPr lang="en-US" b="1" dirty="0" err="1" smtClean="0">
+                <a:solidFill>
+                  <a:schemeClr val="tx2"/>
+                </a:solidFill>
+              </a:rPr>
+              <a:t>TSeries</a:t>
+            </a:r>
+            <a:endParaRPr lang="en-US" b="1" dirty="0">
+              <a:solidFill>
+                <a:schemeClr val="tx2"/>
+              </a:solidFill>
+            </a:endParaRPr>
+          </a:p>
+        </p:txBody>
+      </p:sp>
     </p:spTree>
     <p:extLst>
       <p:ext uri="{BB962C8B-B14F-4D97-AF65-F5344CB8AC3E}">
@@ -4510,7 +4580,7 @@
 </file>
 
 <file path=ppt/slides/slide12.xml><?xml version="1.0" encoding="utf-8"?>
-<p:sld xmlns:a="http://schemas.openxmlformats.org/drawingml/2006/main" xmlns:r="http://schemas.openxmlformats.org/officeDocument/2006/relationships" xmlns:p="http://schemas.openxmlformats.org/presentationml/2006/main">
+<p:sld xmlns:a="http://schemas.openxmlformats.org/drawingml/2006/main" xmlns:r="http://schemas.openxmlformats.org/officeDocument/2006/relationships" xmlns:p="http://schemas.openxmlformats.org/presentationml/2006/main" show="0">
   <p:cSld>
     <p:spTree>
       <p:nvGrpSpPr>
@@ -4543,15 +4613,15 @@
           <a:p>
             <a:r>
               <a:rPr lang="en-US" dirty="0" smtClean="0"/>
-              <a:t>Plotting </a:t>
+              <a:t>Exercise </a:t>
+            </a:r>
+            <a:r>
+              <a:rPr lang="en-US" dirty="0" smtClean="0"/>
+              <a:t>3 : </a:t>
             </a:r>
             <a:r>
               <a:rPr lang="en-US" dirty="0" err="1" smtClean="0"/>
               <a:t>TSeries</a:t>
-            </a:r>
-            <a:r>
-              <a:rPr lang="en-US" dirty="0" smtClean="0"/>
-              <a:t> objects</a:t>
             </a:r>
             <a:endParaRPr lang="en-US" dirty="0"/>
           </a:p>
@@ -4570,12 +4640,12 @@
         <p:spPr>
           <a:xfrm>
             <a:off x="457200" y="1600200"/>
-            <a:ext cx="8229600" cy="5120462"/>
+            <a:ext cx="8229600" cy="5020733"/>
           </a:xfrm>
         </p:spPr>
         <p:txBody>
           <a:bodyPr>
-            <a:normAutofit fontScale="55000" lnSpcReduction="20000"/>
+            <a:normAutofit fontScale="32500" lnSpcReduction="20000"/>
           </a:bodyPr>
           <a:lstStyle/>
           <a:p>
@@ -4587,496 +4657,606 @@
                 <a:latin typeface="Courier"/>
                 <a:cs typeface="Courier"/>
               </a:rPr>
-              <a:t>%Input: Ts1, Ts2 – some data, vectors (</a:t>
-            </a:r>
-            <a:r>
-              <a:rPr lang="en-US" dirty="0" err="1" smtClean="0">
-                <a:latin typeface="Courier"/>
-                <a:cs typeface="Courier"/>
-              </a:rPr>
-              <a:t>x,y,z</a:t>
-            </a:r>
-            <a:r>
-              <a:rPr lang="en-US" dirty="0" smtClean="0">
-                <a:latin typeface="Courier"/>
-                <a:cs typeface="Courier"/>
-              </a:rPr>
-              <a:t>)</a:t>
-            </a:r>
-          </a:p>
-          <a:p>
-            <a:pPr marL="0" indent="0">
-              <a:buNone/>
-            </a:pPr>
-            <a:r>
-              <a:rPr lang="en-US" dirty="0" smtClean="0">
-                <a:latin typeface="Courier"/>
-                <a:cs typeface="Courier"/>
-              </a:rPr>
-              <a:t>%Simple plot:</a:t>
-            </a:r>
-          </a:p>
-          <a:p>
-            <a:pPr marL="0" indent="0">
-              <a:buNone/>
-            </a:pPr>
-            <a:r>
-              <a:rPr lang="en-US" b="1" dirty="0">
-                <a:latin typeface="Courier"/>
-                <a:cs typeface="Courier"/>
-              </a:rPr>
-              <a:t>h</a:t>
-            </a:r>
-            <a:r>
-              <a:rPr lang="en-US" b="1" dirty="0" smtClean="0">
-                <a:latin typeface="Courier"/>
-                <a:cs typeface="Courier"/>
-              </a:rPr>
-              <a:t> = </a:t>
-            </a:r>
-            <a:r>
-              <a:rPr lang="en-US" b="1" dirty="0" err="1">
-                <a:latin typeface="Courier"/>
-                <a:cs typeface="Courier"/>
-              </a:rPr>
-              <a:t>i</a:t>
-            </a:r>
-            <a:r>
-              <a:rPr lang="en-US" b="1" dirty="0" err="1" smtClean="0">
-                <a:latin typeface="Courier"/>
-                <a:cs typeface="Courier"/>
-              </a:rPr>
-              <a:t>rf_plot</a:t>
-            </a:r>
-            <a:r>
-              <a:rPr lang="en-US" b="1" dirty="0" smtClean="0">
-                <a:latin typeface="Courier"/>
-                <a:cs typeface="Courier"/>
-              </a:rPr>
-              <a:t>(Ts1)</a:t>
-            </a:r>
-          </a:p>
-          <a:p>
-            <a:pPr marL="0" indent="0">
-              <a:buNone/>
-            </a:pPr>
-            <a:endParaRPr lang="en-US" b="1" dirty="0" smtClean="0">
-              <a:latin typeface="Courier"/>
-              <a:cs typeface="Courier"/>
-            </a:endParaRPr>
-          </a:p>
-          <a:p>
-            <a:pPr marL="0" indent="0">
-              <a:buNone/>
-            </a:pPr>
-            <a:r>
-              <a:rPr lang="en-US" dirty="0" smtClean="0">
-                <a:latin typeface="Courier"/>
-                <a:cs typeface="Courier"/>
-              </a:rPr>
-              <a:t>%2 TS objects in separate panels</a:t>
-            </a:r>
-          </a:p>
-          <a:p>
-            <a:pPr marL="0" indent="0">
-              <a:buNone/>
-            </a:pPr>
-            <a:r>
-              <a:rPr lang="en-US" b="1" dirty="0">
-                <a:latin typeface="Courier"/>
-                <a:cs typeface="Courier"/>
-              </a:rPr>
-              <a:t>h</a:t>
-            </a:r>
-            <a:r>
-              <a:rPr lang="en-US" b="1" dirty="0" smtClean="0">
-                <a:latin typeface="Courier"/>
-                <a:cs typeface="Courier"/>
-              </a:rPr>
-              <a:t> = </a:t>
-            </a:r>
-            <a:r>
-              <a:rPr lang="en-US" b="1" dirty="0" err="1">
-                <a:latin typeface="Courier"/>
-                <a:cs typeface="Courier"/>
-              </a:rPr>
-              <a:t>i</a:t>
-            </a:r>
-            <a:r>
-              <a:rPr lang="en-US" b="1" dirty="0" err="1" smtClean="0">
-                <a:latin typeface="Courier"/>
-                <a:cs typeface="Courier"/>
-              </a:rPr>
-              <a:t>rf_plot</a:t>
-            </a:r>
-            <a:r>
-              <a:rPr lang="en-US" b="1" dirty="0" smtClean="0">
-                <a:latin typeface="Courier"/>
-                <a:cs typeface="Courier"/>
-              </a:rPr>
-              <a:t>({Ts1, Ts1})</a:t>
-            </a:r>
-          </a:p>
-          <a:p>
-            <a:pPr marL="0" indent="0">
-              <a:buNone/>
-            </a:pPr>
-            <a:endParaRPr lang="en-US" dirty="0" smtClean="0">
-              <a:latin typeface="Courier"/>
-              <a:cs typeface="Courier"/>
-            </a:endParaRPr>
-          </a:p>
-          <a:p>
-            <a:pPr marL="0" indent="0">
-              <a:buNone/>
-            </a:pPr>
-            <a:r>
-              <a:rPr lang="en-US" dirty="0" smtClean="0">
-                <a:latin typeface="Courier"/>
-                <a:cs typeface="Courier"/>
-              </a:rPr>
-              <a:t>%2 TS objects, each component in a separate panel</a:t>
-            </a:r>
-          </a:p>
-          <a:p>
-            <a:pPr marL="0" indent="0">
-              <a:buNone/>
-            </a:pPr>
-            <a:r>
-              <a:rPr lang="en-US" b="1" dirty="0">
-                <a:latin typeface="Courier"/>
-                <a:cs typeface="Courier"/>
-              </a:rPr>
-              <a:t>h</a:t>
-            </a:r>
-            <a:r>
-              <a:rPr lang="en-US" b="1" dirty="0" smtClean="0">
-                <a:latin typeface="Courier"/>
-                <a:cs typeface="Courier"/>
-              </a:rPr>
-              <a:t> = </a:t>
-            </a:r>
-            <a:r>
-              <a:rPr lang="en-US" b="1" dirty="0" err="1">
-                <a:latin typeface="Courier"/>
-                <a:cs typeface="Courier"/>
-              </a:rPr>
-              <a:t>i</a:t>
-            </a:r>
-            <a:r>
-              <a:rPr lang="en-US" b="1" dirty="0" err="1" smtClean="0">
-                <a:latin typeface="Courier"/>
-                <a:cs typeface="Courier"/>
-              </a:rPr>
-              <a:t>rf_plot</a:t>
-            </a:r>
-            <a:r>
-              <a:rPr lang="en-US" b="1" dirty="0" smtClean="0">
-                <a:latin typeface="Courier"/>
-                <a:cs typeface="Courier"/>
-              </a:rPr>
-              <a:t>({Ts1, Ts1},</a:t>
-            </a:r>
-            <a:r>
-              <a:rPr lang="en-US" b="1" dirty="0" smtClean="0">
-                <a:solidFill>
-                  <a:srgbClr val="8064A2"/>
-                </a:solidFill>
-                <a:latin typeface="Courier"/>
-                <a:cs typeface="Courier"/>
-              </a:rPr>
-              <a:t>’comp’</a:t>
-            </a:r>
-            <a:r>
-              <a:rPr lang="en-US" b="1" dirty="0" smtClean="0">
-                <a:latin typeface="Courier"/>
-                <a:cs typeface="Courier"/>
-              </a:rPr>
-              <a:t>)</a:t>
-            </a:r>
-          </a:p>
-          <a:p>
-            <a:pPr marL="0" indent="0">
-              <a:buNone/>
-            </a:pPr>
-            <a:endParaRPr lang="en-US" dirty="0" smtClean="0">
-              <a:latin typeface="Courier"/>
-              <a:cs typeface="Courier"/>
-            </a:endParaRPr>
-          </a:p>
-          <a:p>
-            <a:pPr marL="0" indent="0">
-              <a:buNone/>
-            </a:pPr>
-            <a:r>
-              <a:rPr lang="en-US" dirty="0" smtClean="0">
-                <a:latin typeface="Courier"/>
-                <a:cs typeface="Courier"/>
-              </a:rPr>
-              <a:t>%Ts1.x, Ts1.z in one panel, and abs(Ts2) in a %separate panel</a:t>
-            </a:r>
-          </a:p>
-          <a:p>
-            <a:pPr marL="0" indent="0">
-              <a:buNone/>
-            </a:pPr>
-            <a:r>
-              <a:rPr lang="en-US" b="1" dirty="0">
-                <a:latin typeface="Courier"/>
-                <a:cs typeface="Courier"/>
-              </a:rPr>
-              <a:t>h</a:t>
-            </a:r>
-            <a:r>
-              <a:rPr lang="en-US" b="1" dirty="0" smtClean="0">
-                <a:latin typeface="Courier"/>
-                <a:cs typeface="Courier"/>
-              </a:rPr>
-              <a:t> = </a:t>
-            </a:r>
-            <a:r>
-              <a:rPr lang="en-US" b="1" dirty="0" err="1" smtClean="0">
+              <a:t>%</a:t>
+            </a:r>
+            <a:r>
+              <a:rPr lang="en-US" dirty="0">
+                <a:latin typeface="Courier"/>
+                <a:cs typeface="Courier"/>
+              </a:rPr>
+              <a:t>% </a:t>
+            </a:r>
+            <a:r>
+              <a:rPr lang="en-US" dirty="0" err="1">
+                <a:latin typeface="Courier"/>
+                <a:cs typeface="Courier"/>
+              </a:rPr>
+              <a:t>Artifical</a:t>
+            </a:r>
+            <a:r>
+              <a:rPr lang="en-US" dirty="0">
+                <a:latin typeface="Courier"/>
+                <a:cs typeface="Courier"/>
+              </a:rPr>
+              <a:t> times series</a:t>
+            </a:r>
+          </a:p>
+          <a:p>
+            <a:pPr marL="0" indent="0">
+              <a:buNone/>
+            </a:pPr>
+            <a:r>
+              <a:rPr lang="en-US" dirty="0">
+                <a:latin typeface="Courier"/>
+                <a:cs typeface="Courier"/>
+              </a:rPr>
+              <a:t>% Lets generate 5samples/s time series during 1h after 2002-03-04 09:30 UTC,</a:t>
+            </a:r>
+          </a:p>
+          <a:p>
+            <a:pPr marL="0" indent="0">
+              <a:buNone/>
+            </a:pPr>
+            <a:r>
+              <a:rPr lang="en-US" dirty="0">
+                <a:latin typeface="Courier"/>
+                <a:cs typeface="Courier"/>
+              </a:rPr>
+              <a:t>% showing exponentially growing wave and plot. It is good </a:t>
+            </a:r>
+            <a:r>
+              <a:rPr lang="en-US" dirty="0" err="1">
+                <a:latin typeface="Courier"/>
+                <a:cs typeface="Courier"/>
+              </a:rPr>
+              <a:t>idead</a:t>
+            </a:r>
+            <a:r>
+              <a:rPr lang="en-US" dirty="0">
+                <a:latin typeface="Courier"/>
+                <a:cs typeface="Courier"/>
+              </a:rPr>
+              <a:t> to get used </a:t>
+            </a:r>
+          </a:p>
+          <a:p>
+            <a:pPr marL="0" indent="0">
+              <a:buNone/>
+            </a:pPr>
+            <a:r>
+              <a:rPr lang="en-US" dirty="0">
+                <a:latin typeface="Courier"/>
+                <a:cs typeface="Courier"/>
+              </a:rPr>
+              <a:t>% to using axis handles (variable 'h' in example). </a:t>
+            </a:r>
+          </a:p>
+          <a:p>
+            <a:pPr marL="0" indent="0">
+              <a:buNone/>
+            </a:pPr>
+            <a:r>
+              <a:rPr lang="en-US" dirty="0">
+                <a:latin typeface="Courier"/>
+                <a:cs typeface="Courier"/>
+              </a:rPr>
+              <a:t> </a:t>
+            </a:r>
+          </a:p>
+          <a:p>
+            <a:pPr marL="0" indent="0">
+              <a:buNone/>
+            </a:pPr>
+            <a:r>
+              <a:rPr lang="fr-FR" dirty="0" err="1">
+                <a:latin typeface="Courier"/>
+                <a:cs typeface="Courier"/>
+              </a:rPr>
+              <a:t>T</a:t>
+            </a:r>
+            <a:r>
+              <a:rPr lang="fr-FR" dirty="0">
+                <a:latin typeface="Courier"/>
+                <a:cs typeface="Courier"/>
+              </a:rPr>
+              <a:t>   = </a:t>
+            </a:r>
+            <a:r>
+              <a:rPr lang="fr-FR" dirty="0" err="1">
+                <a:latin typeface="Courier"/>
+                <a:cs typeface="Courier"/>
+              </a:rPr>
+              <a:t>EpochTT</a:t>
+            </a:r>
+            <a:r>
+              <a:rPr lang="fr-FR" dirty="0">
+                <a:latin typeface="Courier"/>
+                <a:cs typeface="Courier"/>
+              </a:rPr>
+              <a:t>('2002-03-04T09:30:00Z'):.2...</a:t>
+            </a:r>
+          </a:p>
+          <a:p>
+            <a:pPr marL="0" indent="0">
+              <a:buNone/>
+            </a:pPr>
+            <a:r>
+              <a:rPr lang="en-US" dirty="0">
+                <a:latin typeface="Courier"/>
+                <a:cs typeface="Courier"/>
+              </a:rPr>
+              <a:t>     :</a:t>
+            </a:r>
+            <a:r>
+              <a:rPr lang="en-US" dirty="0" err="1">
+                <a:latin typeface="Courier"/>
+                <a:cs typeface="Courier"/>
+              </a:rPr>
+              <a:t>EpochTT</a:t>
+            </a:r>
+            <a:r>
+              <a:rPr lang="en-US" dirty="0">
+                <a:latin typeface="Courier"/>
+                <a:cs typeface="Courier"/>
+              </a:rPr>
+              <a:t>('2002-03-04T10:30:00Z');      % define time line as </a:t>
+            </a:r>
+            <a:r>
+              <a:rPr lang="en-US" dirty="0" err="1">
+                <a:latin typeface="Courier"/>
+                <a:cs typeface="Courier"/>
+              </a:rPr>
+              <a:t>EpochTT</a:t>
+            </a:r>
+            <a:r>
+              <a:rPr lang="en-US" dirty="0">
+                <a:latin typeface="Courier"/>
+                <a:cs typeface="Courier"/>
+              </a:rPr>
+              <a:t> object</a:t>
+            </a:r>
+          </a:p>
+          <a:p>
+            <a:pPr marL="0" indent="0">
+              <a:buNone/>
+            </a:pPr>
+            <a:r>
+              <a:rPr lang="en-US" dirty="0">
+                <a:latin typeface="Courier"/>
+                <a:cs typeface="Courier"/>
+              </a:rPr>
+              <a:t>t   = T - </a:t>
+            </a:r>
+            <a:r>
+              <a:rPr lang="en-US" dirty="0" err="1">
+                <a:latin typeface="Courier"/>
+                <a:cs typeface="Courier"/>
+              </a:rPr>
+              <a:t>T.start</a:t>
+            </a:r>
+            <a:r>
+              <a:rPr lang="en-US" dirty="0">
+                <a:latin typeface="Courier"/>
+                <a:cs typeface="Courier"/>
+              </a:rPr>
+              <a:t>;                     % define relative time in s from start</a:t>
+            </a:r>
+          </a:p>
+          <a:p>
+            <a:pPr marL="0" indent="0">
+              <a:buNone/>
+            </a:pPr>
+            <a:r>
+              <a:rPr lang="en-US" dirty="0">
+                <a:latin typeface="Courier"/>
+                <a:cs typeface="Courier"/>
+              </a:rPr>
+              <a:t>x   = </a:t>
+            </a:r>
+            <a:r>
+              <a:rPr lang="en-US" dirty="0" err="1">
+                <a:latin typeface="Courier"/>
+                <a:cs typeface="Courier"/>
+              </a:rPr>
+              <a:t>exp</a:t>
+            </a:r>
+            <a:r>
+              <a:rPr lang="en-US" dirty="0">
+                <a:latin typeface="Courier"/>
+                <a:cs typeface="Courier"/>
+              </a:rPr>
+              <a:t>(0.001*t).*sin(2*pi*t/180);        % define function x(t)=</a:t>
+            </a:r>
+            <a:r>
+              <a:rPr lang="en-US" dirty="0" err="1">
+                <a:latin typeface="Courier"/>
+                <a:cs typeface="Courier"/>
+              </a:rPr>
+              <a:t>exp</a:t>
+            </a:r>
+            <a:r>
+              <a:rPr lang="en-US" dirty="0">
+                <a:latin typeface="Courier"/>
+                <a:cs typeface="Courier"/>
+              </a:rPr>
+              <a:t>(0.001(t-to))*sin(t-to)</a:t>
+            </a:r>
+          </a:p>
+          <a:p>
+            <a:pPr marL="0" indent="0">
+              <a:buNone/>
+            </a:pPr>
+            <a:r>
+              <a:rPr lang="en-US" dirty="0">
+                <a:latin typeface="Courier"/>
+                <a:cs typeface="Courier"/>
+              </a:rPr>
+              <a:t>TS1 = </a:t>
+            </a:r>
+            <a:r>
+              <a:rPr lang="en-US" dirty="0" err="1">
+                <a:latin typeface="Courier"/>
+                <a:cs typeface="Courier"/>
+              </a:rPr>
+              <a:t>irf.ts_scalar</a:t>
+            </a:r>
+            <a:r>
+              <a:rPr lang="en-US" dirty="0">
+                <a:latin typeface="Courier"/>
+                <a:cs typeface="Courier"/>
+              </a:rPr>
+              <a:t>(</a:t>
+            </a:r>
+            <a:r>
+              <a:rPr lang="en-US" dirty="0" err="1">
+                <a:latin typeface="Courier"/>
+                <a:cs typeface="Courier"/>
+              </a:rPr>
+              <a:t>T,x</a:t>
+            </a:r>
+            <a:r>
+              <a:rPr lang="en-US" dirty="0">
+                <a:latin typeface="Courier"/>
+                <a:cs typeface="Courier"/>
+              </a:rPr>
+              <a:t>);                   % define scalar </a:t>
+            </a:r>
+            <a:r>
+              <a:rPr lang="en-US" dirty="0" err="1">
+                <a:latin typeface="Courier"/>
+                <a:cs typeface="Courier"/>
+              </a:rPr>
+              <a:t>TSeries</a:t>
+            </a:r>
+            <a:r>
+              <a:rPr lang="en-US" dirty="0">
+                <a:latin typeface="Courier"/>
+                <a:cs typeface="Courier"/>
+              </a:rPr>
+              <a:t> object</a:t>
+            </a:r>
+          </a:p>
+          <a:p>
+            <a:pPr marL="0" indent="0">
+              <a:buNone/>
+            </a:pPr>
+            <a:r>
+              <a:rPr lang="en-US" dirty="0">
+                <a:latin typeface="Courier"/>
+                <a:cs typeface="Courier"/>
+              </a:rPr>
+              <a:t> </a:t>
+            </a:r>
+          </a:p>
+          <a:p>
+            <a:pPr marL="0" indent="0">
+              <a:buNone/>
+            </a:pPr>
+            <a:r>
+              <a:rPr lang="en-US" dirty="0">
+                <a:latin typeface="Courier"/>
+                <a:cs typeface="Courier"/>
+              </a:rPr>
+              <a:t>h   = </a:t>
+            </a:r>
+            <a:r>
+              <a:rPr lang="en-US" dirty="0" err="1">
                 <a:latin typeface="Courier"/>
                 <a:cs typeface="Courier"/>
               </a:rPr>
               <a:t>irf_plot</a:t>
             </a:r>
             <a:r>
-              <a:rPr lang="en-US" b="1" dirty="0" smtClean="0">
-                <a:latin typeface="Courier"/>
-                <a:cs typeface="Courier"/>
-              </a:rPr>
-              <a:t>(2); % initialize with 2 panels</a:t>
-            </a:r>
-          </a:p>
-          <a:p>
-            <a:pPr marL="0" indent="0">
-              <a:buNone/>
-            </a:pPr>
-            <a:r>
-              <a:rPr lang="en-US" b="1" dirty="0" err="1">
-                <a:latin typeface="Courier"/>
-                <a:cs typeface="Courier"/>
-              </a:rPr>
-              <a:t>h</a:t>
-            </a:r>
-            <a:r>
-              <a:rPr lang="en-US" b="1" dirty="0" err="1" smtClean="0">
-                <a:latin typeface="Courier"/>
-                <a:cs typeface="Courier"/>
-              </a:rPr>
-              <a:t>ca</a:t>
-            </a:r>
-            <a:r>
-              <a:rPr lang="en-US" b="1" dirty="0" smtClean="0">
-                <a:latin typeface="Courier"/>
-                <a:cs typeface="Courier"/>
-              </a:rPr>
-              <a:t> = </a:t>
-            </a:r>
-            <a:r>
-              <a:rPr lang="en-US" b="1" dirty="0" err="1" smtClean="0">
-                <a:latin typeface="Courier"/>
-                <a:cs typeface="Courier"/>
-              </a:rPr>
-              <a:t>irf_panel</a:t>
-            </a:r>
-            <a:r>
-              <a:rPr lang="en-US" b="1" dirty="0" smtClean="0">
+              <a:rPr lang="en-US" dirty="0">
+                <a:latin typeface="Courier"/>
+                <a:cs typeface="Courier"/>
+              </a:rPr>
+              <a:t>(1,'newfigure');              % initialize figure</a:t>
+            </a:r>
+          </a:p>
+          <a:p>
+            <a:pPr marL="0" indent="0">
+              <a:buNone/>
+            </a:pPr>
+            <a:r>
+              <a:rPr lang="en-US" dirty="0" err="1">
+                <a:latin typeface="Courier"/>
+                <a:cs typeface="Courier"/>
+              </a:rPr>
+              <a:t>irf_plot</a:t>
+            </a:r>
+            <a:r>
+              <a:rPr lang="en-US" dirty="0">
+                <a:latin typeface="Courier"/>
+                <a:cs typeface="Courier"/>
+              </a:rPr>
+              <a:t>(h,TS1);                            % plot times series  </a:t>
+            </a:r>
+          </a:p>
+          <a:p>
+            <a:pPr marL="0" indent="0">
+              <a:buNone/>
+            </a:pPr>
+            <a:r>
+              <a:rPr lang="en-US" dirty="0">
+                <a:latin typeface="Courier"/>
+                <a:cs typeface="Courier"/>
+              </a:rPr>
+              <a:t> </a:t>
+            </a:r>
+          </a:p>
+          <a:p>
+            <a:pPr marL="0" indent="0">
+              <a:buNone/>
+            </a:pPr>
+            <a:r>
+              <a:rPr lang="en-US" dirty="0">
+                <a:latin typeface="Courier"/>
+                <a:cs typeface="Courier"/>
+              </a:rPr>
+              <a:t>%% Plot multicomponent data</a:t>
+            </a:r>
+          </a:p>
+          <a:p>
+            <a:pPr marL="0" indent="0">
+              <a:buNone/>
+            </a:pPr>
+            <a:r>
+              <a:rPr lang="en-US" dirty="0">
+                <a:latin typeface="Courier"/>
+                <a:cs typeface="Courier"/>
+              </a:rPr>
+              <a:t>% Generate data with two components and plot in the same figure.</a:t>
+            </a:r>
+          </a:p>
+          <a:p>
+            <a:pPr marL="0" indent="0">
+              <a:buNone/>
+            </a:pPr>
+            <a:r>
+              <a:rPr lang="en-US" dirty="0">
+                <a:latin typeface="Courier"/>
+                <a:cs typeface="Courier"/>
+              </a:rPr>
+              <a:t>% Add legend text in lower left corner</a:t>
+            </a:r>
+          </a:p>
+          <a:p>
+            <a:pPr marL="0" indent="0">
+              <a:buNone/>
+            </a:pPr>
+            <a:r>
+              <a:rPr lang="en-US" dirty="0">
+                <a:latin typeface="Courier"/>
+                <a:cs typeface="Courier"/>
+              </a:rPr>
+              <a:t>% As you notice </a:t>
+            </a:r>
+            <a:r>
+              <a:rPr lang="en-US" dirty="0" err="1">
+                <a:latin typeface="Courier"/>
+                <a:cs typeface="Courier"/>
+              </a:rPr>
+              <a:t>irfu-matlab</a:t>
+            </a:r>
+            <a:r>
+              <a:rPr lang="en-US" dirty="0">
+                <a:latin typeface="Courier"/>
+                <a:cs typeface="Courier"/>
+              </a:rPr>
+              <a:t> interprets some common names for variables, </a:t>
+            </a:r>
+          </a:p>
+          <a:p>
+            <a:pPr marL="0" indent="0">
+              <a:buNone/>
+            </a:pPr>
+            <a:r>
+              <a:rPr lang="en-US" dirty="0">
+                <a:latin typeface="Courier"/>
+                <a:cs typeface="Courier"/>
+              </a:rPr>
+              <a:t>% i.e. B2 is assumed to be magnetic field measurement by Cluster 2</a:t>
+            </a:r>
+          </a:p>
+          <a:p>
+            <a:pPr marL="0" indent="0">
+              <a:buNone/>
+            </a:pPr>
+            <a:r>
+              <a:rPr lang="en-US" dirty="0">
+                <a:latin typeface="Courier"/>
+                <a:cs typeface="Courier"/>
+              </a:rPr>
+              <a:t> </a:t>
+            </a:r>
+          </a:p>
+          <a:p>
+            <a:pPr marL="0" indent="0">
+              <a:buNone/>
+            </a:pPr>
+            <a:r>
+              <a:rPr lang="es-ES_tradnl" dirty="0">
+                <a:latin typeface="Courier"/>
+                <a:cs typeface="Courier"/>
+              </a:rPr>
+              <a:t>y = </a:t>
+            </a:r>
+            <a:r>
+              <a:rPr lang="es-ES_tradnl" dirty="0" err="1">
+                <a:latin typeface="Courier"/>
+                <a:cs typeface="Courier"/>
+              </a:rPr>
+              <a:t>exp</a:t>
+            </a:r>
+            <a:r>
+              <a:rPr lang="es-ES_tradnl" dirty="0">
+                <a:latin typeface="Courier"/>
+                <a:cs typeface="Courier"/>
+              </a:rPr>
+              <a:t>(0.001*t).*</a:t>
+            </a:r>
+            <a:r>
+              <a:rPr lang="es-ES_tradnl" dirty="0" err="1">
+                <a:latin typeface="Courier"/>
+                <a:cs typeface="Courier"/>
+              </a:rPr>
+              <a:t>cos</a:t>
+            </a:r>
+            <a:r>
+              <a:rPr lang="es-ES_tradnl" dirty="0">
+                <a:latin typeface="Courier"/>
+                <a:cs typeface="Courier"/>
+              </a:rPr>
+              <a:t>(2*pi*t/180);  % z(t)=</a:t>
+            </a:r>
+            <a:r>
+              <a:rPr lang="es-ES_tradnl" dirty="0" err="1">
+                <a:latin typeface="Courier"/>
+                <a:cs typeface="Courier"/>
+              </a:rPr>
+              <a:t>exp</a:t>
+            </a:r>
+            <a:r>
+              <a:rPr lang="es-ES_tradnl" dirty="0">
+                <a:latin typeface="Courier"/>
+                <a:cs typeface="Courier"/>
+              </a:rPr>
+              <a:t>(0.001(t-</a:t>
+            </a:r>
+            <a:r>
+              <a:rPr lang="es-ES_tradnl" dirty="0" err="1">
+                <a:latin typeface="Courier"/>
+                <a:cs typeface="Courier"/>
+              </a:rPr>
+              <a:t>to</a:t>
+            </a:r>
+            <a:r>
+              <a:rPr lang="es-ES_tradnl" dirty="0">
+                <a:latin typeface="Courier"/>
+                <a:cs typeface="Courier"/>
+              </a:rPr>
+              <a:t>))*</a:t>
+            </a:r>
+            <a:r>
+              <a:rPr lang="es-ES_tradnl" dirty="0" err="1">
+                <a:latin typeface="Courier"/>
+                <a:cs typeface="Courier"/>
+              </a:rPr>
+              <a:t>cos</a:t>
+            </a:r>
+            <a:r>
+              <a:rPr lang="es-ES_tradnl" dirty="0">
+                <a:latin typeface="Courier"/>
+                <a:cs typeface="Courier"/>
+              </a:rPr>
+              <a:t>(t)</a:t>
+            </a:r>
+          </a:p>
+          <a:p>
+            <a:pPr marL="0" indent="0">
+              <a:buNone/>
+            </a:pPr>
+            <a:r>
+              <a:rPr lang="en-US" dirty="0">
+                <a:latin typeface="Courier"/>
+                <a:cs typeface="Courier"/>
+              </a:rPr>
+              <a:t>F = </a:t>
+            </a:r>
+            <a:r>
+              <a:rPr lang="en-US" dirty="0" err="1">
+                <a:latin typeface="Courier"/>
+                <a:cs typeface="Courier"/>
+              </a:rPr>
+              <a:t>irf.ts_vec_xy</a:t>
+            </a:r>
+            <a:r>
+              <a:rPr lang="en-US" dirty="0">
+                <a:latin typeface="Courier"/>
+                <a:cs typeface="Courier"/>
+              </a:rPr>
+              <a:t>(T,[x y]);         % B2 has two components, x &amp; y</a:t>
+            </a:r>
+          </a:p>
+          <a:p>
+            <a:pPr marL="0" indent="0">
+              <a:buNone/>
+            </a:pPr>
+            <a:r>
+              <a:rPr lang="en-US" dirty="0" err="1">
+                <a:latin typeface="Courier"/>
+                <a:cs typeface="Courier"/>
+              </a:rPr>
+              <a:t>irf_plot</a:t>
+            </a:r>
+            <a:r>
+              <a:rPr lang="en-US" dirty="0">
                 <a:latin typeface="Courier"/>
                 <a:cs typeface="Courier"/>
               </a:rPr>
               <a:t>(</a:t>
             </a:r>
             <a:r>
-              <a:rPr lang="en-US" b="1" dirty="0" smtClean="0">
-                <a:solidFill>
-                  <a:srgbClr val="8064A2"/>
-                </a:solidFill>
-                <a:latin typeface="Courier"/>
-                <a:cs typeface="Courier"/>
-              </a:rPr>
-              <a:t>‘panel 1’</a:t>
-            </a:r>
-            <a:r>
-              <a:rPr lang="en-US" b="1" dirty="0" smtClean="0">
-                <a:latin typeface="Courier"/>
-                <a:cs typeface="Courier"/>
-              </a:rPr>
-              <a:t>);</a:t>
-            </a:r>
-          </a:p>
-          <a:p>
-            <a:pPr marL="0" indent="0">
-              <a:buNone/>
-            </a:pPr>
-            <a:r>
-              <a:rPr lang="en-US" b="1" dirty="0" err="1">
-                <a:latin typeface="Courier"/>
-                <a:cs typeface="Courier"/>
-              </a:rPr>
-              <a:t>i</a:t>
-            </a:r>
-            <a:r>
-              <a:rPr lang="en-US" b="1" dirty="0" err="1" smtClean="0">
-                <a:latin typeface="Courier"/>
-                <a:cs typeface="Courier"/>
-              </a:rPr>
-              <a:t>rf_plot</a:t>
-            </a:r>
-            <a:r>
-              <a:rPr lang="en-US" b="1" dirty="0" smtClean="0">
-                <a:latin typeface="Courier"/>
-                <a:cs typeface="Courier"/>
-              </a:rPr>
-              <a:t>(</a:t>
-            </a:r>
-            <a:r>
-              <a:rPr lang="en-US" b="1" dirty="0" err="1" smtClean="0">
-                <a:latin typeface="Courier"/>
-                <a:cs typeface="Courier"/>
-              </a:rPr>
-              <a:t>hca</a:t>
-            </a:r>
-            <a:r>
-              <a:rPr lang="en-US" b="1" dirty="0" smtClean="0">
-                <a:latin typeface="Courier"/>
-                <a:cs typeface="Courier"/>
-              </a:rPr>
-              <a:t>,{Ts1.x, Ts1.z},</a:t>
-            </a:r>
-            <a:r>
-              <a:rPr lang="en-US" b="1" dirty="0" smtClean="0">
-                <a:solidFill>
-                  <a:srgbClr val="8064A2"/>
-                </a:solidFill>
-                <a:latin typeface="Courier"/>
-                <a:cs typeface="Courier"/>
-              </a:rPr>
-              <a:t>’comp’</a:t>
-            </a:r>
-            <a:r>
-              <a:rPr lang="en-US" b="1" dirty="0" smtClean="0">
-                <a:latin typeface="Courier"/>
-                <a:cs typeface="Courier"/>
-              </a:rPr>
-              <a:t>)</a:t>
-            </a:r>
-          </a:p>
-          <a:p>
-            <a:pPr marL="0" indent="0">
-              <a:buNone/>
-            </a:pPr>
-            <a:r>
-              <a:rPr lang="en-US" b="1" dirty="0" err="1">
-                <a:latin typeface="Courier"/>
-                <a:cs typeface="Courier"/>
-              </a:rPr>
-              <a:t>h</a:t>
-            </a:r>
-            <a:r>
-              <a:rPr lang="en-US" b="1" dirty="0" err="1" smtClean="0">
-                <a:latin typeface="Courier"/>
-                <a:cs typeface="Courier"/>
-              </a:rPr>
-              <a:t>ca</a:t>
-            </a:r>
-            <a:r>
-              <a:rPr lang="en-US" b="1" dirty="0" smtClean="0">
-                <a:latin typeface="Courier"/>
-                <a:cs typeface="Courier"/>
-              </a:rPr>
-              <a:t> = </a:t>
-            </a:r>
-            <a:r>
-              <a:rPr lang="en-US" b="1" dirty="0" err="1" smtClean="0">
-                <a:latin typeface="Courier"/>
-                <a:cs typeface="Courier"/>
-              </a:rPr>
-              <a:t>irf_panel</a:t>
-            </a:r>
-            <a:r>
-              <a:rPr lang="en-US" b="1" dirty="0" smtClean="0">
-                <a:latin typeface="Courier"/>
-                <a:cs typeface="Courier"/>
-              </a:rPr>
-              <a:t>(</a:t>
-            </a:r>
-            <a:r>
-              <a:rPr lang="en-US" b="1" dirty="0" smtClean="0">
-                <a:solidFill>
-                  <a:srgbClr val="8064A2"/>
-                </a:solidFill>
-                <a:latin typeface="Courier"/>
-                <a:cs typeface="Courier"/>
-              </a:rPr>
-              <a:t>‘panel 1’</a:t>
-            </a:r>
-            <a:r>
-              <a:rPr lang="en-US" b="1" dirty="0" smtClean="0">
-                <a:latin typeface="Courier"/>
-                <a:cs typeface="Courier"/>
-              </a:rPr>
-              <a:t>);</a:t>
-            </a:r>
-          </a:p>
-          <a:p>
-            <a:pPr marL="0" indent="0">
-              <a:buNone/>
-            </a:pPr>
-            <a:r>
-              <a:rPr lang="en-US" b="1" dirty="0" err="1">
-                <a:latin typeface="Courier"/>
-                <a:cs typeface="Courier"/>
-              </a:rPr>
-              <a:t>i</a:t>
-            </a:r>
-            <a:r>
-              <a:rPr lang="en-US" b="1" dirty="0" err="1" smtClean="0">
-                <a:latin typeface="Courier"/>
-                <a:cs typeface="Courier"/>
-              </a:rPr>
-              <a:t>rf_plot</a:t>
-            </a:r>
-            <a:r>
-              <a:rPr lang="en-US" b="1" dirty="0" smtClean="0">
-                <a:latin typeface="Courier"/>
-                <a:cs typeface="Courier"/>
-              </a:rPr>
-              <a:t>(hca,Ts2.abs)</a:t>
-            </a:r>
-          </a:p>
-          <a:p>
-            <a:pPr marL="0" indent="0">
-              <a:buNone/>
-            </a:pPr>
-            <a:endParaRPr lang="en-US" dirty="0" smtClean="0">
-              <a:latin typeface="Courier"/>
-              <a:cs typeface="Courier"/>
-            </a:endParaRPr>
-          </a:p>
-          <a:p>
-            <a:pPr marL="0" indent="0">
-              <a:buNone/>
-            </a:pPr>
-            <a:endParaRPr lang="en-US" dirty="0" smtClean="0">
-              <a:latin typeface="Courier"/>
-              <a:cs typeface="Courier"/>
-            </a:endParaRPr>
-          </a:p>
-          <a:p>
-            <a:pPr marL="0" indent="0">
-              <a:buNone/>
-            </a:pPr>
-            <a:endParaRPr lang="en-US" dirty="0" smtClean="0">
-              <a:latin typeface="Courier"/>
-              <a:cs typeface="Courier"/>
-            </a:endParaRPr>
-          </a:p>
-          <a:p>
-            <a:pPr marL="0" indent="0">
-              <a:buNone/>
-            </a:pPr>
+              <a:rPr lang="en-US" dirty="0" err="1">
+                <a:latin typeface="Courier"/>
+                <a:cs typeface="Courier"/>
+              </a:rPr>
+              <a:t>h,F</a:t>
+            </a:r>
+            <a:r>
+              <a:rPr lang="en-US" dirty="0">
+                <a:latin typeface="Courier"/>
+                <a:cs typeface="Courier"/>
+              </a:rPr>
+              <a:t>)                       % plot in the same axis</a:t>
+            </a:r>
+          </a:p>
+          <a:p>
+            <a:pPr marL="0" indent="0">
+              <a:buNone/>
+            </a:pPr>
+            <a:r>
+              <a:rPr lang="en-US" dirty="0" err="1">
+                <a:latin typeface="Courier"/>
+                <a:cs typeface="Courier"/>
+              </a:rPr>
+              <a:t>irf_legend</a:t>
+            </a:r>
+            <a:r>
+              <a:rPr lang="en-US" dirty="0">
+                <a:latin typeface="Courier"/>
+                <a:cs typeface="Courier"/>
+              </a:rPr>
+              <a:t>({'X','Y'},[0.02 0.02])   % add legend text with the same colors as </a:t>
+            </a:r>
+            <a:r>
+              <a:rPr lang="en-US" dirty="0" smtClean="0">
+                <a:latin typeface="Courier"/>
+                <a:cs typeface="Courier"/>
+              </a:rPr>
+              <a:t>lines</a:t>
+            </a:r>
             <a:endParaRPr lang="en-US" dirty="0">
               <a:latin typeface="Courier"/>
               <a:cs typeface="Courier"/>
@@ -5087,13 +5267,21 @@
     </p:spTree>
     <p:extLst>
       <p:ext uri="{BB962C8B-B14F-4D97-AF65-F5344CB8AC3E}">
-        <p14:creationId xmlns:p14="http://schemas.microsoft.com/office/powerpoint/2010/main" val="922265134"/>
+        <p14:creationId xmlns:p14="http://schemas.microsoft.com/office/powerpoint/2010/main" val="222998261"/>
       </p:ext>
     </p:extLst>
   </p:cSld>
   <p:clrMapOvr>
     <a:masterClrMapping/>
   </p:clrMapOvr>
+  <mc:AlternateContent xmlns:mc="http://schemas.openxmlformats.org/markup-compatibility/2006">
+    <mc:Choice xmlns:p14="http://schemas.microsoft.com/office/powerpoint/2010/main" Requires="p14">
+      <p:transition spd="slow" p14:dur="2000"/>
+    </mc:Choice>
+    <mc:Fallback>
+      <p:transition xmlns:p14="http://schemas.microsoft.com/office/powerpoint/2010/main" spd="slow"/>
+    </mc:Fallback>
+  </mc:AlternateContent>
 </p:sld>
 </file>
 
@@ -5131,11 +5319,15 @@
           <a:p>
             <a:r>
               <a:rPr lang="en-US" dirty="0" smtClean="0"/>
-              <a:t>Ex1 : </a:t>
+              <a:t>Plotting </a:t>
             </a:r>
             <a:r>
               <a:rPr lang="en-US" dirty="0" err="1" smtClean="0"/>
-              <a:t>dataobj</a:t>
+              <a:t>TSeries</a:t>
+            </a:r>
+            <a:r>
+              <a:rPr lang="en-US" dirty="0" smtClean="0"/>
+              <a:t> objects</a:t>
             </a:r>
             <a:endParaRPr lang="en-US" dirty="0"/>
           </a:p>
@@ -5153,272 +5345,97 @@
         </p:nvSpPr>
         <p:spPr>
           <a:xfrm>
-            <a:off x="457200" y="1417638"/>
-            <a:ext cx="8229600" cy="5245948"/>
+            <a:off x="457200" y="1600200"/>
+            <a:ext cx="8229600" cy="5120462"/>
           </a:xfrm>
         </p:spPr>
         <p:txBody>
           <a:bodyPr>
-            <a:normAutofit fontScale="25000" lnSpcReduction="20000"/>
+            <a:normAutofit fontScale="55000" lnSpcReduction="20000"/>
           </a:bodyPr>
           <a:lstStyle/>
           <a:p>
-            <a:r>
-              <a:rPr lang="en-US" dirty="0" err="1">
-                <a:latin typeface="Courier"/>
-                <a:cs typeface="Courier"/>
-              </a:rPr>
-              <a:t>d</a:t>
+            <a:pPr marL="0" indent="0">
+              <a:buNone/>
+            </a:pPr>
+            <a:r>
+              <a:rPr lang="en-US" dirty="0" smtClean="0">
+                <a:latin typeface="Courier"/>
+                <a:cs typeface="Courier"/>
+              </a:rPr>
+              <a:t>%Input: Ts1, Ts2 – some data, vectors (</a:t>
             </a:r>
             <a:r>
               <a:rPr lang="en-US" dirty="0" err="1" smtClean="0">
                 <a:latin typeface="Courier"/>
                 <a:cs typeface="Courier"/>
               </a:rPr>
-              <a:t>ataobj</a:t>
-            </a:r>
-            <a:r>
-              <a:rPr lang="en-US" dirty="0" smtClean="0"/>
-              <a:t> class – representation of a CDF file in </a:t>
-            </a:r>
-            <a:r>
-              <a:rPr lang="en-US" dirty="0" err="1" smtClean="0"/>
-              <a:t>Matlab</a:t>
-            </a:r>
-            <a:r>
-              <a:rPr lang="en-US" dirty="0" smtClean="0"/>
-              <a:t>, contains both metadata and data</a:t>
-            </a:r>
-          </a:p>
-          <a:p>
-            <a:r>
-              <a:rPr lang="en-US" dirty="0" err="1" smtClean="0"/>
-              <a:t>Matlab</a:t>
-            </a:r>
-            <a:r>
-              <a:rPr lang="en-US" dirty="0" smtClean="0"/>
-              <a:t> code:</a:t>
-            </a:r>
-          </a:p>
-          <a:p>
-            <a:pPr marL="0" indent="0">
-              <a:buNone/>
-            </a:pPr>
-            <a:r>
-              <a:rPr lang="en-US" dirty="0" smtClean="0">
-                <a:latin typeface="Courier"/>
-                <a:cs typeface="Courier"/>
-              </a:rPr>
-              <a:t>&gt;&gt; </a:t>
+              <a:t>x,y,z</a:t>
+            </a:r>
+            <a:r>
+              <a:rPr lang="en-US" dirty="0" smtClean="0">
+                <a:latin typeface="Courier"/>
+                <a:cs typeface="Courier"/>
+              </a:rPr>
+              <a:t>)</a:t>
+            </a:r>
+          </a:p>
+          <a:p>
+            <a:pPr marL="0" indent="0">
+              <a:buNone/>
+            </a:pPr>
+            <a:r>
+              <a:rPr lang="en-US" dirty="0" smtClean="0">
+                <a:latin typeface="Courier"/>
+                <a:cs typeface="Courier"/>
+              </a:rPr>
+              <a:t>%Simple plot:</a:t>
+            </a:r>
+          </a:p>
+          <a:p>
+            <a:pPr marL="0" indent="0">
+              <a:buNone/>
+            </a:pPr>
+            <a:r>
+              <a:rPr lang="en-US" b="1" dirty="0">
+                <a:latin typeface="Courier"/>
+                <a:cs typeface="Courier"/>
+              </a:rPr>
+              <a:t>h</a:t>
             </a:r>
             <a:r>
               <a:rPr lang="en-US" b="1" dirty="0" smtClean="0">
                 <a:latin typeface="Courier"/>
                 <a:cs typeface="Courier"/>
               </a:rPr>
-              <a:t>D = </a:t>
+              <a:t> = </a:t>
+            </a:r>
+            <a:r>
+              <a:rPr lang="en-US" b="1" dirty="0" err="1">
+                <a:latin typeface="Courier"/>
+                <a:cs typeface="Courier"/>
+              </a:rPr>
+              <a:t>i</a:t>
             </a:r>
             <a:r>
               <a:rPr lang="en-US" b="1" dirty="0" err="1" smtClean="0">
                 <a:latin typeface="Courier"/>
                 <a:cs typeface="Courier"/>
               </a:rPr>
-              <a:t>dataobj</a:t>
+              <a:t>rf_plot</a:t>
             </a:r>
             <a:r>
               <a:rPr lang="en-US" b="1" dirty="0" smtClean="0">
                 <a:latin typeface="Courier"/>
                 <a:cs typeface="Courier"/>
               </a:rPr>
-              <a:t>(</a:t>
-            </a:r>
-            <a:r>
-              <a:rPr lang="en-US" b="1" dirty="0" smtClean="0">
-                <a:solidFill>
-                  <a:schemeClr val="accent4"/>
-                </a:solidFill>
-                <a:latin typeface="Courier"/>
-                <a:cs typeface="Courier"/>
-              </a:rPr>
-              <a:t>'CAA/C1_CP_FGM_FULL/C1_CP_FGM_FULL__20020330_131130_20020330_131200_V140306.cdf'</a:t>
-            </a:r>
-            <a:r>
-              <a:rPr lang="en-US" b="1" dirty="0" smtClean="0">
-                <a:latin typeface="Courier"/>
-                <a:cs typeface="Courier"/>
-              </a:rPr>
-              <a:t>)</a:t>
-            </a:r>
-          </a:p>
-          <a:p>
-            <a:pPr marL="0" indent="0">
-              <a:buNone/>
-            </a:pPr>
-            <a:r>
-              <a:rPr lang="en-US" dirty="0" smtClean="0">
-                <a:latin typeface="Courier"/>
-                <a:cs typeface="Courier"/>
-              </a:rPr>
-              <a:t> </a:t>
-            </a:r>
-          </a:p>
-          <a:p>
-            <a:pPr marL="0" indent="0">
-              <a:buNone/>
-            </a:pPr>
-            <a:r>
-              <a:rPr lang="en-US" dirty="0" err="1" smtClean="0">
-                <a:latin typeface="Courier"/>
-                <a:cs typeface="Courier"/>
-              </a:rPr>
-              <a:t>dataobj</a:t>
-            </a:r>
-            <a:r>
-              <a:rPr lang="en-US" dirty="0" smtClean="0">
-                <a:latin typeface="Courier"/>
-                <a:cs typeface="Courier"/>
-              </a:rPr>
-              <a:t> object created : 25-Jul-2015 23:25:41</a:t>
-            </a:r>
-          </a:p>
-          <a:p>
-            <a:pPr marL="0" indent="0">
-              <a:buNone/>
-            </a:pPr>
-            <a:r>
-              <a:rPr lang="en-US" dirty="0" smtClean="0">
-                <a:latin typeface="Courier"/>
-                <a:cs typeface="Courier"/>
-              </a:rPr>
-              <a:t> </a:t>
-            </a:r>
-          </a:p>
-          <a:p>
-            <a:pPr marL="0" indent="0">
-              <a:buNone/>
-            </a:pPr>
-            <a:r>
-              <a:rPr lang="en-US" dirty="0" smtClean="0">
-                <a:latin typeface="Courier"/>
-                <a:cs typeface="Courier"/>
-              </a:rPr>
-              <a:t>Variables:</a:t>
-            </a:r>
-          </a:p>
-          <a:p>
-            <a:pPr marL="0" indent="0">
-              <a:buNone/>
-            </a:pPr>
-            <a:r>
-              <a:rPr lang="en-US" dirty="0" smtClean="0">
-                <a:latin typeface="Courier"/>
-                <a:cs typeface="Courier"/>
-              </a:rPr>
-              <a:t>time_tags__C1_CP_FGM_FULL : epoch : 2018 recs</a:t>
-            </a:r>
-          </a:p>
-          <a:p>
-            <a:pPr marL="0" indent="0">
-              <a:buNone/>
-            </a:pPr>
-            <a:r>
-              <a:rPr lang="en-US" dirty="0" smtClean="0">
-                <a:latin typeface="Courier"/>
-                <a:cs typeface="Courier"/>
-              </a:rPr>
-              <a:t>half_interval__C1_CP_FGM_FULL : single : 2018 recs</a:t>
-            </a:r>
-          </a:p>
-          <a:p>
-            <a:pPr marL="0" indent="0">
-              <a:buNone/>
-            </a:pPr>
-            <a:r>
-              <a:rPr lang="en-US" dirty="0" smtClean="0">
-                <a:latin typeface="Courier"/>
-                <a:cs typeface="Courier"/>
-              </a:rPr>
-              <a:t>B_vec_xyz_gse__C1_CP_FGM_FULL : single : 2018 recs</a:t>
-            </a:r>
-          </a:p>
-          <a:p>
-            <a:pPr marL="0" indent="0">
-              <a:buNone/>
-            </a:pPr>
-            <a:r>
-              <a:rPr lang="en-US" dirty="0" smtClean="0">
-                <a:latin typeface="Courier"/>
-                <a:cs typeface="Courier"/>
-              </a:rPr>
-              <a:t>B_mag__C1_CP_FGM_FULL : single : 2018 recs</a:t>
-            </a:r>
-          </a:p>
-          <a:p>
-            <a:pPr marL="0" indent="0">
-              <a:buNone/>
-            </a:pPr>
-            <a:r>
-              <a:rPr lang="en-US" dirty="0" smtClean="0">
-                <a:latin typeface="Courier"/>
-                <a:cs typeface="Courier"/>
-              </a:rPr>
-              <a:t>sc_pos_xyz_gse__C1_CP_FGM_FULL : single : 2018 recs</a:t>
-            </a:r>
-          </a:p>
-          <a:p>
-            <a:pPr marL="0" indent="0">
-              <a:buNone/>
-            </a:pPr>
-            <a:r>
-              <a:rPr lang="en-US" dirty="0" smtClean="0">
-                <a:latin typeface="Courier"/>
-                <a:cs typeface="Courier"/>
-              </a:rPr>
-              <a:t>range__C1_CP_FGM_FULL : int32 : 2018 recs</a:t>
-            </a:r>
-          </a:p>
-          <a:p>
-            <a:pPr marL="0" indent="0">
-              <a:buNone/>
-            </a:pPr>
-            <a:r>
-              <a:rPr lang="en-US" dirty="0" smtClean="0">
-                <a:latin typeface="Courier"/>
-                <a:cs typeface="Courier"/>
-              </a:rPr>
-              <a:t>tm__C1_CP_FGM_FULL : int32 : 2018 recs</a:t>
-            </a:r>
-          </a:p>
-          <a:p>
-            <a:pPr marL="0" indent="0">
-              <a:buNone/>
-            </a:pPr>
-            <a:r>
-              <a:rPr lang="en-US" dirty="0" smtClean="0">
-                <a:latin typeface="Courier"/>
-                <a:cs typeface="Courier"/>
-              </a:rPr>
-              <a:t> </a:t>
-            </a:r>
-          </a:p>
-          <a:p>
-            <a:pPr marL="0" indent="0">
-              <a:buNone/>
-            </a:pPr>
-            <a:r>
-              <a:rPr lang="en-US" dirty="0" smtClean="0">
-                <a:latin typeface="Courier"/>
-                <a:cs typeface="Courier"/>
-              </a:rPr>
-              <a:t>&gt;&gt; </a:t>
-            </a:r>
-            <a:r>
-              <a:rPr lang="en-US" b="1" dirty="0" err="1" smtClean="0">
-                <a:latin typeface="Courier"/>
-                <a:cs typeface="Courier"/>
-              </a:rPr>
-              <a:t>D.VariableAttributes</a:t>
-            </a:r>
+              <a:t>(Ts1)</a:t>
+            </a:r>
+          </a:p>
+          <a:p>
+            <a:pPr marL="0" indent="0">
+              <a:buNone/>
+            </a:pPr>
             <a:endParaRPr lang="en-US" b="1" dirty="0" smtClean="0">
               <a:latin typeface="Courier"/>
               <a:cs typeface="Courier"/>
@@ -5428,6 +5445,58 @@
             <a:pPr marL="0" indent="0">
               <a:buNone/>
             </a:pPr>
+            <a:r>
+              <a:rPr lang="en-US" dirty="0" smtClean="0">
+                <a:latin typeface="Courier"/>
+                <a:cs typeface="Courier"/>
+              </a:rPr>
+              <a:t>%2 TS objects in separate panels</a:t>
+            </a:r>
+          </a:p>
+          <a:p>
+            <a:pPr marL="0" indent="0">
+              <a:buNone/>
+            </a:pPr>
+            <a:r>
+              <a:rPr lang="en-US" b="1" dirty="0">
+                <a:latin typeface="Courier"/>
+                <a:cs typeface="Courier"/>
+              </a:rPr>
+              <a:t>h</a:t>
+            </a:r>
+            <a:r>
+              <a:rPr lang="en-US" b="1" dirty="0" smtClean="0">
+                <a:latin typeface="Courier"/>
+                <a:cs typeface="Courier"/>
+              </a:rPr>
+              <a:t> = </a:t>
+            </a:r>
+            <a:r>
+              <a:rPr lang="en-US" b="1" dirty="0" err="1">
+                <a:latin typeface="Courier"/>
+                <a:cs typeface="Courier"/>
+              </a:rPr>
+              <a:t>i</a:t>
+            </a:r>
+            <a:r>
+              <a:rPr lang="en-US" b="1" dirty="0" err="1" smtClean="0">
+                <a:latin typeface="Courier"/>
+                <a:cs typeface="Courier"/>
+              </a:rPr>
+              <a:t>rf_plot</a:t>
+            </a:r>
+            <a:r>
+              <a:rPr lang="en-US" b="1" dirty="0" smtClean="0">
+                <a:latin typeface="Courier"/>
+                <a:cs typeface="Courier"/>
+              </a:rPr>
+              <a:t>({Ts1, Ts1})</a:t>
+            </a:r>
+          </a:p>
+          <a:p>
+            <a:pPr marL="0" indent="0">
+              <a:buNone/>
+            </a:pPr>
             <a:endParaRPr lang="en-US" dirty="0" smtClean="0">
               <a:latin typeface="Courier"/>
               <a:cs typeface="Courier"/>
@@ -5438,18 +5507,68 @@
               <a:buNone/>
             </a:pPr>
             <a:r>
-              <a:rPr lang="en-US" dirty="0" err="1" smtClean="0">
-                <a:latin typeface="Courier"/>
-                <a:cs typeface="Courier"/>
-              </a:rPr>
-              <a:t>ans</a:t>
-            </a:r>
-            <a:r>
-              <a:rPr lang="en-US" dirty="0" smtClean="0">
+              <a:rPr lang="en-US" dirty="0" smtClean="0">
+                <a:latin typeface="Courier"/>
+                <a:cs typeface="Courier"/>
+              </a:rPr>
+              <a:t>%2 TS objects, each component in a separate panel</a:t>
+            </a:r>
+          </a:p>
+          <a:p>
+            <a:pPr marL="0" indent="0">
+              <a:buNone/>
+            </a:pPr>
+            <a:r>
+              <a:rPr lang="en-US" b="1" dirty="0">
+                <a:latin typeface="Courier"/>
+                <a:cs typeface="Courier"/>
+              </a:rPr>
+              <a:t>h</a:t>
+            </a:r>
+            <a:r>
+              <a:rPr lang="en-US" b="1" dirty="0" smtClean="0">
                 <a:latin typeface="Courier"/>
                 <a:cs typeface="Courier"/>
               </a:rPr>
               <a:t> = </a:t>
+            </a:r>
+            <a:r>
+              <a:rPr lang="en-US" b="1" dirty="0" err="1">
+                <a:latin typeface="Courier"/>
+                <a:cs typeface="Courier"/>
+              </a:rPr>
+              <a:t>i</a:t>
+            </a:r>
+            <a:r>
+              <a:rPr lang="en-US" b="1" dirty="0" err="1" smtClean="0">
+                <a:latin typeface="Courier"/>
+                <a:cs typeface="Courier"/>
+              </a:rPr>
+              <a:t>rf_plot</a:t>
+            </a:r>
+            <a:r>
+              <a:rPr lang="en-US" b="1" dirty="0" smtClean="0">
+                <a:latin typeface="Courier"/>
+                <a:cs typeface="Courier"/>
+              </a:rPr>
+              <a:t>({Ts1, Ts1},</a:t>
+            </a:r>
+            <a:r>
+              <a:rPr lang="en-US" b="1" dirty="0" smtClean="0">
+                <a:solidFill>
+                  <a:srgbClr val="8064A2"/>
+                </a:solidFill>
+                <a:latin typeface="Courier"/>
+                <a:cs typeface="Courier"/>
+              </a:rPr>
+              <a:t>’comp’</a:t>
+            </a:r>
+            <a:r>
+              <a:rPr lang="en-US" b="1" dirty="0" smtClean="0">
+                <a:latin typeface="Courier"/>
+                <a:cs typeface="Courier"/>
+              </a:rPr>
+              <a:t>)</a:t>
             </a:r>
           </a:p>
           <a:p>
@@ -5470,223 +5589,237 @@
                 <a:latin typeface="Courier"/>
                 <a:cs typeface="Courier"/>
               </a:rPr>
-              <a:t>        PARAMETER_TYPE: {11x2 cell}</a:t>
-            </a:r>
-          </a:p>
-          <a:p>
-            <a:pPr marL="0" indent="0">
-              <a:buNone/>
-            </a:pPr>
-            <a:r>
-              <a:rPr lang="en-US" dirty="0" smtClean="0">
-                <a:latin typeface="Courier"/>
-                <a:cs typeface="Courier"/>
-              </a:rPr>
-              <a:t>               CATDESC: {7x2 cell}</a:t>
-            </a:r>
-          </a:p>
-          <a:p>
-            <a:pPr marL="0" indent="0">
-              <a:buNone/>
-            </a:pPr>
-            <a:r>
-              <a:rPr lang="en-US" dirty="0" smtClean="0">
-                <a:latin typeface="Courier"/>
-                <a:cs typeface="Courier"/>
-              </a:rPr>
-              <a:t>                 UNITS: {7x2 cell}</a:t>
-            </a:r>
-          </a:p>
-          <a:p>
-            <a:pPr marL="0" indent="0">
-              <a:buNone/>
-            </a:pPr>
-            <a:r>
-              <a:rPr lang="en-US" dirty="0" smtClean="0">
-                <a:latin typeface="Courier"/>
-                <a:cs typeface="Courier"/>
-              </a:rPr>
-              <a:t>         SI_CONVERSION: {5x2 cell}</a:t>
-            </a:r>
-          </a:p>
-          <a:p>
-            <a:pPr marL="0" indent="0">
-              <a:buNone/>
-            </a:pPr>
-            <a:r>
-              <a:rPr lang="en-US" dirty="0" smtClean="0">
-                <a:latin typeface="Courier"/>
-                <a:cs typeface="Courier"/>
-              </a:rPr>
-              <a:t>    SIGNIFICANT_DIGITS: {7x2 cell}</a:t>
-            </a:r>
-          </a:p>
-          <a:p>
-            <a:pPr marL="0" indent="0">
-              <a:buNone/>
-            </a:pPr>
-            <a:r>
-              <a:rPr lang="en-US" dirty="0" smtClean="0">
-                <a:latin typeface="Courier"/>
-                <a:cs typeface="Courier"/>
-              </a:rPr>
-              <a:t>               FILLVAL: {7x2 cell}</a:t>
-            </a:r>
-          </a:p>
-          <a:p>
-            <a:pPr marL="0" indent="0">
-              <a:buNone/>
-            </a:pPr>
-            <a:r>
-              <a:rPr lang="en-US" dirty="0" smtClean="0">
-                <a:latin typeface="Courier"/>
-                <a:cs typeface="Courier"/>
-              </a:rPr>
-              <a:t>              FIELDNAM: {7x2 cell}</a:t>
-            </a:r>
-          </a:p>
-          <a:p>
-            <a:pPr marL="0" indent="0">
-              <a:buNone/>
-            </a:pPr>
-            <a:r>
-              <a:rPr lang="en-US" dirty="0" smtClean="0">
-                <a:latin typeface="Courier"/>
-                <a:cs typeface="Courier"/>
-              </a:rPr>
-              <a:t>              LABLAXIS: {7x2 cell}</a:t>
-            </a:r>
-          </a:p>
-          <a:p>
-            <a:pPr marL="0" indent="0">
-              <a:buNone/>
-            </a:pPr>
-            <a:r>
-              <a:rPr lang="en-US" dirty="0" smtClean="0">
-                <a:latin typeface="Courier"/>
-                <a:cs typeface="Courier"/>
-              </a:rPr>
-              <a:t>            DELTA_PLUS: {1x2 cell}</a:t>
-            </a:r>
-          </a:p>
-          <a:p>
-            <a:pPr marL="0" indent="0">
-              <a:buNone/>
-            </a:pPr>
-            <a:r>
-              <a:rPr lang="en-US" dirty="0" smtClean="0">
-                <a:latin typeface="Courier"/>
-                <a:cs typeface="Courier"/>
-              </a:rPr>
-              <a:t>           DELTA_MINUS: {1x2 cell}</a:t>
-            </a:r>
-          </a:p>
-          <a:p>
-            <a:pPr marL="0" indent="0">
-              <a:buNone/>
-            </a:pPr>
-            <a:r>
-              <a:rPr lang="en-US" dirty="0" smtClean="0">
-                <a:latin typeface="Courier"/>
-                <a:cs typeface="Courier"/>
-              </a:rPr>
-              <a:t>                ENTITY: {3x2 cell}</a:t>
-            </a:r>
-          </a:p>
-          <a:p>
-            <a:pPr marL="0" indent="0">
-              <a:buNone/>
-            </a:pPr>
-            <a:r>
-              <a:rPr lang="en-US" dirty="0" smtClean="0">
-                <a:latin typeface="Courier"/>
-                <a:cs typeface="Courier"/>
-              </a:rPr>
-              <a:t>              PROPERTY: {3x2 cell}</a:t>
-            </a:r>
-          </a:p>
-          <a:p>
-            <a:pPr marL="0" indent="0">
-              <a:buNone/>
-            </a:pPr>
-            <a:r>
-              <a:rPr lang="en-US" dirty="0" smtClean="0">
-                <a:latin typeface="Courier"/>
-                <a:cs typeface="Courier"/>
-              </a:rPr>
-              <a:t>          FLUCTUATIONS: {2x2 cell}</a:t>
-            </a:r>
-          </a:p>
-          <a:p>
-            <a:pPr marL="0" indent="0">
-              <a:buNone/>
-            </a:pPr>
-            <a:r>
-              <a:rPr lang="en-US" dirty="0" smtClean="0">
-                <a:latin typeface="Courier"/>
-                <a:cs typeface="Courier"/>
-              </a:rPr>
-              <a:t>          TENSOR_ORDER: {5x2 cell}</a:t>
-            </a:r>
-          </a:p>
-          <a:p>
-            <a:pPr marL="0" indent="0">
-              <a:buNone/>
-            </a:pPr>
-            <a:r>
-              <a:rPr lang="en-US" dirty="0" smtClean="0">
-                <a:latin typeface="Courier"/>
-                <a:cs typeface="Courier"/>
-              </a:rPr>
-              <a:t>     COORDINATE_SYSTEM: {2x2 cell}</a:t>
-            </a:r>
-          </a:p>
-          <a:p>
-            <a:pPr marL="0" indent="0">
-              <a:buNone/>
-            </a:pPr>
-            <a:r>
-              <a:rPr lang="en-US" dirty="0" smtClean="0">
-                <a:latin typeface="Courier"/>
-                <a:cs typeface="Courier"/>
-              </a:rPr>
-              <a:t>      REPRESENTATION_1: {2x2 cell}</a:t>
-            </a:r>
-          </a:p>
-          <a:p>
-            <a:pPr marL="0" indent="0">
-              <a:buNone/>
-            </a:pPr>
-            <a:r>
-              <a:rPr lang="en-US" dirty="0" smtClean="0">
-                <a:latin typeface="Courier"/>
-                <a:cs typeface="Courier"/>
-              </a:rPr>
-              <a:t>               QUALITY: {3x2 cell}</a:t>
-            </a:r>
-          </a:p>
-          <a:p>
-            <a:pPr marL="0" indent="0">
-              <a:buNone/>
-            </a:pPr>
-            <a:r>
-              <a:rPr lang="en-US" dirty="0" smtClean="0">
-                <a:latin typeface="Courier"/>
-                <a:cs typeface="Courier"/>
-              </a:rPr>
-              <a:t>              DEPEND_0: {5x2 cell}</a:t>
-            </a:r>
-          </a:p>
-          <a:p>
-            <a:pPr marL="0" indent="0">
-              <a:buNone/>
-            </a:pPr>
-            <a:r>
-              <a:rPr lang="en-US" dirty="0" smtClean="0">
-                <a:latin typeface="Courier"/>
-                <a:cs typeface="Courier"/>
-              </a:rPr>
-              <a:t>               LABEL_1: {2x2 cell}</a:t>
+              <a:t>%Ts1.x, Ts1.z in one panel, and abs(Ts2) in a %separate panel</a:t>
+            </a:r>
+          </a:p>
+          <a:p>
+            <a:pPr marL="0" indent="0">
+              <a:buNone/>
+            </a:pPr>
+            <a:r>
+              <a:rPr lang="en-US" b="1" dirty="0">
+                <a:latin typeface="Courier"/>
+                <a:cs typeface="Courier"/>
+              </a:rPr>
+              <a:t>h</a:t>
+            </a:r>
+            <a:r>
+              <a:rPr lang="en-US" b="1" dirty="0" smtClean="0">
+                <a:latin typeface="Courier"/>
+                <a:cs typeface="Courier"/>
+              </a:rPr>
+              <a:t> = </a:t>
+            </a:r>
+            <a:r>
+              <a:rPr lang="en-US" b="1" dirty="0" err="1" smtClean="0">
+                <a:latin typeface="Courier"/>
+                <a:cs typeface="Courier"/>
+              </a:rPr>
+              <a:t>irf_plot</a:t>
+            </a:r>
+            <a:r>
+              <a:rPr lang="en-US" b="1" dirty="0" smtClean="0">
+                <a:latin typeface="Courier"/>
+                <a:cs typeface="Courier"/>
+              </a:rPr>
+              <a:t>(2); % initialize with 2 panels</a:t>
+            </a:r>
+          </a:p>
+          <a:p>
+            <a:pPr marL="0" indent="0">
+              <a:buNone/>
+            </a:pPr>
+            <a:r>
+              <a:rPr lang="en-US" b="1" dirty="0" err="1">
+                <a:latin typeface="Courier"/>
+                <a:cs typeface="Courier"/>
+              </a:rPr>
+              <a:t>h</a:t>
+            </a:r>
+            <a:r>
+              <a:rPr lang="en-US" b="1" dirty="0" err="1" smtClean="0">
+                <a:latin typeface="Courier"/>
+                <a:cs typeface="Courier"/>
+              </a:rPr>
+              <a:t>ca</a:t>
+            </a:r>
+            <a:r>
+              <a:rPr lang="en-US" b="1" dirty="0" smtClean="0">
+                <a:latin typeface="Courier"/>
+                <a:cs typeface="Courier"/>
+              </a:rPr>
+              <a:t> = </a:t>
+            </a:r>
+            <a:r>
+              <a:rPr lang="en-US" b="1" dirty="0" err="1" smtClean="0">
+                <a:latin typeface="Courier"/>
+                <a:cs typeface="Courier"/>
+              </a:rPr>
+              <a:t>irf_panel</a:t>
+            </a:r>
+            <a:r>
+              <a:rPr lang="en-US" b="1" dirty="0" smtClean="0">
+                <a:latin typeface="Courier"/>
+                <a:cs typeface="Courier"/>
+              </a:rPr>
+              <a:t>(</a:t>
+            </a:r>
+            <a:r>
+              <a:rPr lang="en-US" b="1" dirty="0" smtClean="0">
+                <a:solidFill>
+                  <a:srgbClr val="8064A2"/>
+                </a:solidFill>
+                <a:latin typeface="Courier"/>
+                <a:cs typeface="Courier"/>
+              </a:rPr>
+              <a:t>‘panel 1’</a:t>
+            </a:r>
+            <a:r>
+              <a:rPr lang="en-US" b="1" dirty="0" smtClean="0">
+                <a:latin typeface="Courier"/>
+                <a:cs typeface="Courier"/>
+              </a:rPr>
+              <a:t>);</a:t>
+            </a:r>
+          </a:p>
+          <a:p>
+            <a:pPr marL="0" indent="0">
+              <a:buNone/>
+            </a:pPr>
+            <a:r>
+              <a:rPr lang="en-US" b="1" dirty="0" err="1">
+                <a:latin typeface="Courier"/>
+                <a:cs typeface="Courier"/>
+              </a:rPr>
+              <a:t>i</a:t>
+            </a:r>
+            <a:r>
+              <a:rPr lang="en-US" b="1" dirty="0" err="1" smtClean="0">
+                <a:latin typeface="Courier"/>
+                <a:cs typeface="Courier"/>
+              </a:rPr>
+              <a:t>rf_plot</a:t>
+            </a:r>
+            <a:r>
+              <a:rPr lang="en-US" b="1" dirty="0" smtClean="0">
+                <a:latin typeface="Courier"/>
+                <a:cs typeface="Courier"/>
+              </a:rPr>
+              <a:t>(</a:t>
+            </a:r>
+            <a:r>
+              <a:rPr lang="en-US" b="1" dirty="0" err="1" smtClean="0">
+                <a:latin typeface="Courier"/>
+                <a:cs typeface="Courier"/>
+              </a:rPr>
+              <a:t>hca</a:t>
+            </a:r>
+            <a:r>
+              <a:rPr lang="en-US" b="1" dirty="0" smtClean="0">
+                <a:latin typeface="Courier"/>
+                <a:cs typeface="Courier"/>
+              </a:rPr>
+              <a:t>,{Ts1.x, Ts1.z},</a:t>
+            </a:r>
+            <a:r>
+              <a:rPr lang="en-US" b="1" dirty="0" smtClean="0">
+                <a:solidFill>
+                  <a:srgbClr val="8064A2"/>
+                </a:solidFill>
+                <a:latin typeface="Courier"/>
+                <a:cs typeface="Courier"/>
+              </a:rPr>
+              <a:t>’comp’</a:t>
+            </a:r>
+            <a:r>
+              <a:rPr lang="en-US" b="1" dirty="0" smtClean="0">
+                <a:latin typeface="Courier"/>
+                <a:cs typeface="Courier"/>
+              </a:rPr>
+              <a:t>)</a:t>
+            </a:r>
+          </a:p>
+          <a:p>
+            <a:pPr marL="0" indent="0">
+              <a:buNone/>
+            </a:pPr>
+            <a:r>
+              <a:rPr lang="en-US" b="1" dirty="0" err="1">
+                <a:latin typeface="Courier"/>
+                <a:cs typeface="Courier"/>
+              </a:rPr>
+              <a:t>h</a:t>
+            </a:r>
+            <a:r>
+              <a:rPr lang="en-US" b="1" dirty="0" err="1" smtClean="0">
+                <a:latin typeface="Courier"/>
+                <a:cs typeface="Courier"/>
+              </a:rPr>
+              <a:t>ca</a:t>
+            </a:r>
+            <a:r>
+              <a:rPr lang="en-US" b="1" dirty="0" smtClean="0">
+                <a:latin typeface="Courier"/>
+                <a:cs typeface="Courier"/>
+              </a:rPr>
+              <a:t> = </a:t>
+            </a:r>
+            <a:r>
+              <a:rPr lang="en-US" b="1" dirty="0" err="1" smtClean="0">
+                <a:latin typeface="Courier"/>
+                <a:cs typeface="Courier"/>
+              </a:rPr>
+              <a:t>irf_panel</a:t>
+            </a:r>
+            <a:r>
+              <a:rPr lang="en-US" b="1" dirty="0" smtClean="0">
+                <a:latin typeface="Courier"/>
+                <a:cs typeface="Courier"/>
+              </a:rPr>
+              <a:t>(</a:t>
+            </a:r>
+            <a:r>
+              <a:rPr lang="en-US" b="1" dirty="0" smtClean="0">
+                <a:solidFill>
+                  <a:srgbClr val="8064A2"/>
+                </a:solidFill>
+                <a:latin typeface="Courier"/>
+                <a:cs typeface="Courier"/>
+              </a:rPr>
+              <a:t>‘panel 1’</a:t>
+            </a:r>
+            <a:r>
+              <a:rPr lang="en-US" b="1" dirty="0" smtClean="0">
+                <a:latin typeface="Courier"/>
+                <a:cs typeface="Courier"/>
+              </a:rPr>
+              <a:t>);</a:t>
+            </a:r>
+          </a:p>
+          <a:p>
+            <a:pPr marL="0" indent="0">
+              <a:buNone/>
+            </a:pPr>
+            <a:r>
+              <a:rPr lang="en-US" b="1" dirty="0" err="1">
+                <a:latin typeface="Courier"/>
+                <a:cs typeface="Courier"/>
+              </a:rPr>
+              <a:t>i</a:t>
+            </a:r>
+            <a:r>
+              <a:rPr lang="en-US" b="1" dirty="0" err="1" smtClean="0">
+                <a:latin typeface="Courier"/>
+                <a:cs typeface="Courier"/>
+              </a:rPr>
+              <a:t>rf_plot</a:t>
+            </a:r>
+            <a:r>
+              <a:rPr lang="en-US" b="1" dirty="0" smtClean="0">
+                <a:latin typeface="Courier"/>
+                <a:cs typeface="Courier"/>
+              </a:rPr>
+              <a:t>(hca,Ts2.abs)</a:t>
             </a:r>
           </a:p>
           <a:p>
@@ -5702,16 +5835,88 @@
             <a:pPr marL="0" indent="0">
               <a:buNone/>
             </a:pPr>
-            <a:r>
-              <a:rPr lang="en-US" dirty="0" smtClean="0">
-                <a:latin typeface="Courier"/>
-                <a:cs typeface="Courier"/>
-              </a:rPr>
-              <a:t>&gt;&gt; plot(D,'B_vec_xyz_gse__C1_CP_FGM_FULL')</a:t>
-            </a:r>
+            <a:endParaRPr lang="en-US" dirty="0" smtClean="0">
+              <a:latin typeface="Courier"/>
+              <a:cs typeface="Courier"/>
+            </a:endParaRPr>
+          </a:p>
+          <a:p>
+            <a:pPr marL="0" indent="0">
+              <a:buNone/>
+            </a:pPr>
+            <a:endParaRPr lang="en-US" dirty="0" smtClean="0">
+              <a:latin typeface="Courier"/>
+              <a:cs typeface="Courier"/>
+            </a:endParaRPr>
+          </a:p>
+          <a:p>
+            <a:pPr marL="0" indent="0">
+              <a:buNone/>
+            </a:pPr>
             <a:endParaRPr lang="en-US" dirty="0">
               <a:latin typeface="Courier"/>
               <a:cs typeface="Courier"/>
+            </a:endParaRPr>
+          </a:p>
+        </p:txBody>
+      </p:sp>
+      <p:sp>
+        <p:nvSpPr>
+          <p:cNvPr id="4" name="Rectangle 3"/>
+          <p:cNvSpPr/>
+          <p:nvPr/>
+        </p:nvSpPr>
+        <p:spPr>
+          <a:xfrm>
+            <a:off x="583551" y="6300801"/>
+            <a:ext cx="2044149" cy="369332"/>
+          </a:xfrm>
+          <a:prstGeom prst="rect">
+            <a:avLst/>
+          </a:prstGeom>
+        </p:spPr>
+        <p:txBody>
+          <a:bodyPr wrap="none">
+            <a:spAutoFit/>
+          </a:bodyPr>
+          <a:lstStyle/>
+          <a:p>
+            <a:r>
+              <a:rPr lang="en-US" b="1" dirty="0">
+                <a:solidFill>
+                  <a:schemeClr val="tx2"/>
+                </a:solidFill>
+              </a:rPr>
+              <a:t>Exercise 4</a:t>
+            </a:r>
+            <a:r>
+              <a:rPr lang="en-US" b="1" dirty="0" smtClean="0">
+                <a:solidFill>
+                  <a:schemeClr val="tx2"/>
+                </a:solidFill>
+              </a:rPr>
+              <a:t> </a:t>
+            </a:r>
+            <a:r>
+              <a:rPr lang="en-US" b="1" dirty="0">
+                <a:solidFill>
+                  <a:schemeClr val="tx2"/>
+                </a:solidFill>
+              </a:rPr>
+              <a:t>: </a:t>
+            </a:r>
+            <a:r>
+              <a:rPr lang="en-US" b="1" dirty="0" smtClean="0">
+                <a:solidFill>
+                  <a:schemeClr val="tx2"/>
+                </a:solidFill>
+              </a:rPr>
+              <a:t>Plotting</a:t>
+            </a:r>
+            <a:endParaRPr lang="en-US" b="1" dirty="0">
+              <a:solidFill>
+                <a:schemeClr val="tx2"/>
+              </a:solidFill>
             </a:endParaRPr>
           </a:p>
         </p:txBody>
@@ -5719,20 +5924,13 @@
     </p:spTree>
     <p:extLst>
       <p:ext uri="{BB962C8B-B14F-4D97-AF65-F5344CB8AC3E}">
-        <p14:creationId xmlns:p14="http://schemas.microsoft.com/office/powerpoint/2010/main" val="1415367931"/>
+        <p14:creationId xmlns:p14="http://schemas.microsoft.com/office/powerpoint/2010/main" val="922265134"/>
       </p:ext>
     </p:extLst>
   </p:cSld>
   <p:clrMapOvr>
     <a:masterClrMapping/>
   </p:clrMapOvr>
-  <p:timing>
-    <p:tnLst>
-      <p:par>
-        <p:cTn xmlns:p14="http://schemas.microsoft.com/office/powerpoint/2010/main" id="1" dur="indefinite" restart="never" nodeType="tmRoot"/>
-      </p:par>
-    </p:tnLst>
-  </p:timing>
 </p:sld>
 </file>
 
@@ -5769,8 +5967,12 @@
           <a:lstStyle/>
           <a:p>
             <a:r>
+              <a:rPr lang="en-US" dirty="0" err="1" smtClean="0"/>
+              <a:t>Dataobj</a:t>
+            </a:r>
+            <a:r>
               <a:rPr lang="en-US" dirty="0" smtClean="0"/>
-              <a:t>Exercise 3</a:t>
+              <a:t> class</a:t>
             </a:r>
             <a:endParaRPr lang="en-US" dirty="0"/>
           </a:p>
@@ -5786,13 +5988,56 @@
             <p:ph idx="1"/>
           </p:nvPr>
         </p:nvSpPr>
-        <p:spPr/>
+        <p:spPr>
+          <a:xfrm>
+            <a:off x="457200" y="1417638"/>
+            <a:ext cx="8229600" cy="5245948"/>
+          </a:xfrm>
+        </p:spPr>
         <p:txBody>
           <a:bodyPr>
-            <a:normAutofit fontScale="25000" lnSpcReduction="20000"/>
+            <a:normAutofit/>
           </a:bodyPr>
           <a:lstStyle/>
           <a:p>
+            <a:r>
+              <a:rPr lang="en-US" dirty="0" err="1">
+                <a:latin typeface="Courier"/>
+                <a:cs typeface="Courier"/>
+              </a:rPr>
+              <a:t>d</a:t>
+            </a:r>
+            <a:r>
+              <a:rPr lang="en-US" dirty="0" err="1" smtClean="0">
+                <a:latin typeface="Courier"/>
+                <a:cs typeface="Courier"/>
+              </a:rPr>
+              <a:t>ataobj</a:t>
+            </a:r>
+            <a:r>
+              <a:rPr lang="en-US" dirty="0" smtClean="0"/>
+              <a:t> class – representation of a CDF file in </a:t>
+            </a:r>
+            <a:r>
+              <a:rPr lang="en-US" dirty="0" err="1" smtClean="0"/>
+              <a:t>Matlab</a:t>
+            </a:r>
+            <a:r>
+              <a:rPr lang="en-US" dirty="0" smtClean="0"/>
+              <a:t>, contains both metadata and data</a:t>
+            </a:r>
+          </a:p>
+          <a:p>
+            <a:r>
+              <a:rPr lang="en-US" dirty="0" err="1" smtClean="0"/>
+              <a:t>Matlab</a:t>
+            </a:r>
+            <a:r>
+              <a:rPr lang="en-US" dirty="0" smtClean="0"/>
+              <a:t> code:</a:t>
+            </a:r>
+          </a:p>
+          <a:p>
             <a:pPr marL="0" indent="0">
               <a:buNone/>
             </a:pPr>
@@ -5808,7 +6053,7 @@
                 <a:latin typeface="Courier"/>
                 <a:cs typeface="Courier"/>
               </a:rPr>
-              <a:t>D=</a:t>
+              <a:t>D = </a:t>
             </a:r>
             <a:r>
               <a:rPr lang="en-US" b="1" dirty="0" err="1" smtClean="0">
@@ -5827,15 +6072,35 @@
             <a:r>
               <a:rPr lang="en-US" b="1" dirty="0" smtClean="0">
                 <a:solidFill>
-                  <a:srgbClr val="8064A2"/>
+                  <a:schemeClr val="accent4"/>
                 </a:solidFill>
                 <a:latin typeface="Courier"/>
                 <a:cs typeface="Courier"/>
               </a:rPr>
-              <a:t>'CAA/C1_CP_FGM_FULL/C1_CP_FGM_FULL__20020330_131130_20020330_131200_V140306.cdf'</a:t>
+              <a:t>’</a:t>
+            </a:r>
+            <a:r>
+              <a:rPr lang="en-US" b="1" dirty="0" err="1" smtClean="0">
+                <a:solidFill>
+                  <a:schemeClr val="accent4"/>
+                </a:solidFill>
+                <a:latin typeface="Courier"/>
+                <a:cs typeface="Courier"/>
+              </a:rPr>
+              <a:t>filename.cdf</a:t>
             </a:r>
             <a:r>
               <a:rPr lang="en-US" b="1" dirty="0" smtClean="0">
+                <a:solidFill>
+                  <a:schemeClr val="accent4"/>
+                </a:solidFill>
+                <a:latin typeface="Courier"/>
+                <a:cs typeface="Courier"/>
+              </a:rPr>
+              <a:t>'</a:t>
+            </a:r>
+            <a:r>
+              <a:rPr lang="en-US" b="1" dirty="0" smtClean="0">
                 <a:latin typeface="Courier"/>
                 <a:cs typeface="Courier"/>
               </a:rPr>
@@ -5853,30 +6118,6 @@
               </a:rPr>
               <a:t> </a:t>
             </a:r>
-          </a:p>
-          <a:p>
-            <a:pPr marL="0" indent="0">
-              <a:buNone/>
-            </a:pPr>
-            <a:r>
-              <a:rPr lang="en-US" dirty="0" err="1" smtClean="0">
-                <a:latin typeface="Courier"/>
-                <a:cs typeface="Courier"/>
-              </a:rPr>
-              <a:t>dataobj</a:t>
-            </a:r>
-            <a:r>
-              <a:rPr lang="en-US" dirty="0" smtClean="0">
-                <a:latin typeface="Courier"/>
-                <a:cs typeface="Courier"/>
-              </a:rPr>
-              <a:t> object created : 25-Jul-2015 23:25:41</a:t>
-            </a:r>
-          </a:p>
-          <a:p>
-            <a:pPr marL="0" indent="0">
-              <a:buNone/>
-            </a:pPr>
             <a:r>
               <a:rPr lang="en-US" dirty="0" smtClean="0">
                 <a:latin typeface="Courier"/>
@@ -5884,107 +6125,6 @@
               </a:rPr>
               <a:t> </a:t>
             </a:r>
-          </a:p>
-          <a:p>
-            <a:pPr marL="0" indent="0">
-              <a:buNone/>
-            </a:pPr>
-            <a:r>
-              <a:rPr lang="en-US" dirty="0" smtClean="0">
-                <a:latin typeface="Courier"/>
-                <a:cs typeface="Courier"/>
-              </a:rPr>
-              <a:t>Variables:</a:t>
-            </a:r>
-          </a:p>
-          <a:p>
-            <a:pPr marL="0" indent="0">
-              <a:buNone/>
-            </a:pPr>
-            <a:r>
-              <a:rPr lang="en-US" dirty="0" smtClean="0">
-                <a:latin typeface="Courier"/>
-                <a:cs typeface="Courier"/>
-              </a:rPr>
-              <a:t>time_tags__C1_CP_FGM_FULL : epoch : 2018 recs</a:t>
-            </a:r>
-          </a:p>
-          <a:p>
-            <a:pPr marL="0" indent="0">
-              <a:buNone/>
-            </a:pPr>
-            <a:r>
-              <a:rPr lang="en-US" dirty="0" smtClean="0">
-                <a:latin typeface="Courier"/>
-                <a:cs typeface="Courier"/>
-              </a:rPr>
-              <a:t>half_interval__C1_CP_FGM_FULL : single : 2018 recs</a:t>
-            </a:r>
-          </a:p>
-          <a:p>
-            <a:pPr marL="0" indent="0">
-              <a:buNone/>
-            </a:pPr>
-            <a:r>
-              <a:rPr lang="en-US" dirty="0" smtClean="0">
-                <a:latin typeface="Courier"/>
-                <a:cs typeface="Courier"/>
-              </a:rPr>
-              <a:t>B_vec_xyz_gse__C1_CP_FGM_FULL : single : 2018 recs</a:t>
-            </a:r>
-          </a:p>
-          <a:p>
-            <a:pPr marL="0" indent="0">
-              <a:buNone/>
-            </a:pPr>
-            <a:r>
-              <a:rPr lang="en-US" dirty="0" smtClean="0">
-                <a:latin typeface="Courier"/>
-                <a:cs typeface="Courier"/>
-              </a:rPr>
-              <a:t>B_mag__C1_CP_FGM_FULL : single : 2018 recs</a:t>
-            </a:r>
-          </a:p>
-          <a:p>
-            <a:pPr marL="0" indent="0">
-              <a:buNone/>
-            </a:pPr>
-            <a:r>
-              <a:rPr lang="en-US" dirty="0" smtClean="0">
-                <a:latin typeface="Courier"/>
-                <a:cs typeface="Courier"/>
-              </a:rPr>
-              <a:t>sc_pos_xyz_gse__C1_CP_FGM_FULL : single : 2018 recs</a:t>
-            </a:r>
-          </a:p>
-          <a:p>
-            <a:pPr marL="0" indent="0">
-              <a:buNone/>
-            </a:pPr>
-            <a:r>
-              <a:rPr lang="en-US" dirty="0" smtClean="0">
-                <a:latin typeface="Courier"/>
-                <a:cs typeface="Courier"/>
-              </a:rPr>
-              <a:t>range__C1_CP_FGM_FULL : int32 : 2018 recs</a:t>
-            </a:r>
-          </a:p>
-          <a:p>
-            <a:pPr marL="0" indent="0">
-              <a:buNone/>
-            </a:pPr>
-            <a:r>
-              <a:rPr lang="en-US" dirty="0" smtClean="0">
-                <a:latin typeface="Courier"/>
-                <a:cs typeface="Courier"/>
-              </a:rPr>
-              <a:t>tm__C1_CP_FGM_FULL : int32 : 2018 recs</a:t>
-            </a:r>
-          </a:p>
-          <a:p>
-            <a:pPr marL="0" indent="0">
-              <a:buNone/>
-            </a:pPr>
             <a:endParaRPr lang="en-US" dirty="0" smtClean="0">
               <a:latin typeface="Courier"/>
               <a:cs typeface="Courier"/>
@@ -5995,55 +6135,49 @@
               <a:buNone/>
             </a:pPr>
             <a:r>
-              <a:rPr lang="en-US" dirty="0" smtClean="0">
+              <a:rPr lang="en-US" dirty="0">
                 <a:latin typeface="Courier"/>
                 <a:cs typeface="Courier"/>
               </a:rPr>
               <a:t>&gt;&gt; </a:t>
             </a:r>
             <a:r>
-              <a:rPr lang="en-US" b="1" dirty="0" smtClean="0">
-                <a:latin typeface="Courier"/>
-                <a:cs typeface="Courier"/>
-              </a:rPr>
-              <a:t>B=</a:t>
+              <a:rPr lang="en-US" b="1" dirty="0" err="1">
+                <a:latin typeface="Courier"/>
+                <a:cs typeface="Courier"/>
+              </a:rPr>
+              <a:t>D.GlobalAttributes</a:t>
+            </a:r>
+            <a:endParaRPr lang="en-US" b="1" dirty="0">
+              <a:latin typeface="Courier"/>
+              <a:cs typeface="Courier"/>
+            </a:endParaRPr>
+          </a:p>
+          <a:p>
+            <a:pPr marL="0" indent="0">
+              <a:buNone/>
+            </a:pPr>
+            <a:r>
+              <a:rPr lang="en-US" dirty="0" smtClean="0">
+                <a:latin typeface="Courier"/>
+                <a:cs typeface="Courier"/>
+              </a:rPr>
+              <a:t>&gt;</a:t>
+            </a:r>
+            <a:r>
+              <a:rPr lang="en-US" dirty="0" smtClean="0">
+                <a:latin typeface="Courier"/>
+                <a:cs typeface="Courier"/>
+              </a:rPr>
+              <a:t>&gt; </a:t>
             </a:r>
             <a:r>
               <a:rPr lang="en-US" b="1" dirty="0" err="1" smtClean="0">
                 <a:latin typeface="Courier"/>
                 <a:cs typeface="Courier"/>
               </a:rPr>
-              <a:t>get_ts</a:t>
-            </a:r>
-            <a:r>
-              <a:rPr lang="en-US" b="1" dirty="0" smtClean="0">
-                <a:latin typeface="Courier"/>
-                <a:cs typeface="Courier"/>
-              </a:rPr>
-              <a:t>(D,</a:t>
-            </a:r>
-            <a:r>
-              <a:rPr lang="en-US" b="1" dirty="0" smtClean="0">
-                <a:solidFill>
-                  <a:srgbClr val="8064A2"/>
-                </a:solidFill>
-                <a:latin typeface="Courier"/>
-                <a:cs typeface="Courier"/>
-              </a:rPr>
-              <a:t>'B_vec_xyz_gse__C1_CP_FGM_FULL’</a:t>
-            </a:r>
-            <a:r>
-              <a:rPr lang="en-US" b="1" dirty="0" smtClean="0">
-                <a:latin typeface="Courier"/>
-                <a:cs typeface="Courier"/>
-              </a:rPr>
-              <a:t>)</a:t>
-            </a:r>
-          </a:p>
-          <a:p>
-            <a:pPr marL="0" indent="0">
-              <a:buNone/>
-            </a:pPr>
+              <a:t>D.VariableAttributes</a:t>
+            </a:r>
             <a:endParaRPr lang="en-US" b="1" dirty="0" smtClean="0">
               <a:latin typeface="Courier"/>
               <a:cs typeface="Courier"/>
@@ -6054,18 +6188,20 @@
               <a:buNone/>
             </a:pPr>
             <a:r>
-              <a:rPr lang="en-US" dirty="0" smtClean="0">
-                <a:latin typeface="Courier"/>
-                <a:cs typeface="Courier"/>
-              </a:rPr>
-              <a:t>B = </a:t>
-            </a:r>
-          </a:p>
-          <a:p>
-            <a:pPr marL="0" indent="0">
-              <a:buNone/>
-            </a:pPr>
-            <a:endParaRPr lang="en-US" dirty="0" smtClean="0">
+              <a:rPr lang="en-US" dirty="0">
+                <a:latin typeface="Courier"/>
+                <a:cs typeface="Courier"/>
+              </a:rPr>
+              <a:t>&gt;&gt; </a:t>
+            </a:r>
+            <a:r>
+              <a:rPr lang="en-US" b="1" dirty="0" err="1" smtClean="0">
+                <a:latin typeface="Courier"/>
+                <a:cs typeface="Courier"/>
+              </a:rPr>
+              <a:t>D.Variables</a:t>
+            </a:r>
+            <a:endParaRPr lang="en-US" b="1" dirty="0" smtClean="0">
               <a:latin typeface="Courier"/>
               <a:cs typeface="Courier"/>
             </a:endParaRPr>
@@ -6075,231 +6211,7 @@
               <a:buNone/>
             </a:pPr>
             <a:r>
-              <a:rPr lang="en-US" dirty="0" smtClean="0">
-                <a:latin typeface="Courier"/>
-                <a:cs typeface="Courier"/>
-              </a:rPr>
-              <a:t>  </a:t>
-            </a:r>
-            <a:r>
-              <a:rPr lang="en-US" dirty="0" err="1" smtClean="0">
-                <a:latin typeface="Courier"/>
-                <a:cs typeface="Courier"/>
-              </a:rPr>
-              <a:t>TSeries</a:t>
-            </a:r>
-            <a:r>
-              <a:rPr lang="en-US" dirty="0" smtClean="0">
-                <a:latin typeface="Courier"/>
-                <a:cs typeface="Courier"/>
-              </a:rPr>
-              <a:t> with properties:</a:t>
-            </a:r>
-          </a:p>
-          <a:p>
-            <a:pPr marL="0" indent="0">
-              <a:buNone/>
-            </a:pPr>
-            <a:endParaRPr lang="en-US" dirty="0" smtClean="0">
-              <a:latin typeface="Courier"/>
-              <a:cs typeface="Courier"/>
-            </a:endParaRPr>
-          </a:p>
-          <a:p>
-            <a:pPr marL="0" indent="0">
-              <a:buNone/>
-            </a:pPr>
-            <a:r>
-              <a:rPr lang="en-US" dirty="0" smtClean="0">
-                <a:latin typeface="Courier"/>
-                <a:cs typeface="Courier"/>
-              </a:rPr>
-              <a:t>              data: [2018x3 single]</a:t>
-            </a:r>
-          </a:p>
-          <a:p>
-            <a:pPr marL="0" indent="0">
-              <a:buNone/>
-            </a:pPr>
-            <a:r>
-              <a:rPr lang="en-US" dirty="0" smtClean="0">
-                <a:latin typeface="Courier"/>
-                <a:cs typeface="Courier"/>
-              </a:rPr>
-              <a:t>              time: [2018x1 </a:t>
-            </a:r>
-            <a:r>
-              <a:rPr lang="en-US" dirty="0" err="1" smtClean="0">
-                <a:latin typeface="Courier"/>
-                <a:cs typeface="Courier"/>
-              </a:rPr>
-              <a:t>EpochUnix</a:t>
-            </a:r>
-            <a:r>
-              <a:rPr lang="en-US" dirty="0" smtClean="0">
-                <a:latin typeface="Courier"/>
-                <a:cs typeface="Courier"/>
-              </a:rPr>
-              <a:t>]</a:t>
-            </a:r>
-          </a:p>
-          <a:p>
-            <a:pPr marL="0" indent="0">
-              <a:buNone/>
-            </a:pPr>
-            <a:r>
-              <a:rPr lang="en-US" dirty="0" smtClean="0">
-                <a:latin typeface="Courier"/>
-                <a:cs typeface="Courier"/>
-              </a:rPr>
-              <a:t>       </a:t>
-            </a:r>
-            <a:r>
-              <a:rPr lang="en-US" dirty="0" err="1" smtClean="0">
-                <a:latin typeface="Courier"/>
-                <a:cs typeface="Courier"/>
-              </a:rPr>
-              <a:t>tensorOrder</a:t>
-            </a:r>
-            <a:r>
-              <a:rPr lang="en-US" dirty="0" smtClean="0">
-                <a:latin typeface="Courier"/>
-                <a:cs typeface="Courier"/>
-              </a:rPr>
-              <a:t>: 1</a:t>
-            </a:r>
-          </a:p>
-          <a:p>
-            <a:pPr marL="0" indent="0">
-              <a:buNone/>
-            </a:pPr>
-            <a:r>
-              <a:rPr lang="en-US" dirty="0" smtClean="0">
-                <a:latin typeface="Courier"/>
-                <a:cs typeface="Courier"/>
-              </a:rPr>
-              <a:t>       </a:t>
-            </a:r>
-            <a:r>
-              <a:rPr lang="en-US" dirty="0" err="1" smtClean="0">
-                <a:latin typeface="Courier"/>
-                <a:cs typeface="Courier"/>
-              </a:rPr>
-              <a:t>tensorBasis</a:t>
-            </a:r>
-            <a:r>
-              <a:rPr lang="en-US" dirty="0" smtClean="0">
-                <a:latin typeface="Courier"/>
-                <a:cs typeface="Courier"/>
-              </a:rPr>
-              <a:t>: 'xyz (Cartesian)'</a:t>
-            </a:r>
-          </a:p>
-          <a:p>
-            <a:pPr marL="0" indent="0">
-              <a:buNone/>
-            </a:pPr>
-            <a:r>
-              <a:rPr lang="en-US" dirty="0" smtClean="0">
-                <a:latin typeface="Courier"/>
-                <a:cs typeface="Courier"/>
-              </a:rPr>
-              <a:t>    representation: {2x1 cell}</a:t>
-            </a:r>
-          </a:p>
-          <a:p>
-            <a:pPr marL="0" indent="0">
-              <a:buNone/>
-            </a:pPr>
-            <a:r>
-              <a:rPr lang="en-US" dirty="0" smtClean="0">
-                <a:latin typeface="Courier"/>
-                <a:cs typeface="Courier"/>
-              </a:rPr>
-              <a:t>              name: 'B_vec_xyz_gse__C1_CP_FGM_FULL'</a:t>
-            </a:r>
-          </a:p>
-          <a:p>
-            <a:pPr marL="0" indent="0">
-              <a:buNone/>
-            </a:pPr>
-            <a:r>
-              <a:rPr lang="en-US" dirty="0" smtClean="0">
-                <a:latin typeface="Courier"/>
-                <a:cs typeface="Courier"/>
-              </a:rPr>
-              <a:t>             units: '</a:t>
-            </a:r>
-            <a:r>
-              <a:rPr lang="en-US" dirty="0" err="1" smtClean="0">
-                <a:latin typeface="Courier"/>
-                <a:cs typeface="Courier"/>
-              </a:rPr>
-              <a:t>nT</a:t>
-            </a:r>
-            <a:r>
-              <a:rPr lang="en-US" dirty="0" smtClean="0">
-                <a:latin typeface="Courier"/>
-                <a:cs typeface="Courier"/>
-              </a:rPr>
-              <a:t>'</a:t>
-            </a:r>
-          </a:p>
-          <a:p>
-            <a:pPr marL="0" indent="0">
-              <a:buNone/>
-            </a:pPr>
-            <a:r>
-              <a:rPr lang="en-US" dirty="0" smtClean="0">
-                <a:latin typeface="Courier"/>
-                <a:cs typeface="Courier"/>
-              </a:rPr>
-              <a:t>          </a:t>
-            </a:r>
-            <a:r>
-              <a:rPr lang="en-US" dirty="0" err="1" smtClean="0">
-                <a:latin typeface="Courier"/>
-                <a:cs typeface="Courier"/>
-              </a:rPr>
-              <a:t>userData</a:t>
-            </a:r>
-            <a:r>
-              <a:rPr lang="en-US" dirty="0" smtClean="0">
-                <a:latin typeface="Courier"/>
-                <a:cs typeface="Courier"/>
-              </a:rPr>
-              <a:t>: [1x1 </a:t>
-            </a:r>
-            <a:r>
-              <a:rPr lang="en-US" dirty="0" err="1" smtClean="0">
-                <a:latin typeface="Courier"/>
-                <a:cs typeface="Courier"/>
-              </a:rPr>
-              <a:t>struct</a:t>
-            </a:r>
-            <a:r>
-              <a:rPr lang="en-US" dirty="0" smtClean="0">
-                <a:latin typeface="Courier"/>
-                <a:cs typeface="Courier"/>
-              </a:rPr>
-              <a:t>]</a:t>
-            </a:r>
-          </a:p>
-          <a:p>
-            <a:pPr marL="0" indent="0">
-              <a:buNone/>
-            </a:pPr>
-            <a:endParaRPr lang="en-US" dirty="0" smtClean="0">
-              <a:latin typeface="Courier"/>
-              <a:cs typeface="Courier"/>
-            </a:endParaRPr>
-          </a:p>
-          <a:p>
-            <a:pPr marL="0" indent="0">
-              <a:buNone/>
-            </a:pPr>
-            <a:r>
-              <a:rPr lang="en-US" dirty="0" smtClean="0">
+              <a:rPr lang="en-US" dirty="0">
                 <a:latin typeface="Courier"/>
                 <a:cs typeface="Courier"/>
               </a:rPr>
@@ -6310,311 +6222,9 @@
                 <a:latin typeface="Courier"/>
                 <a:cs typeface="Courier"/>
               </a:rPr>
-              <a:t>irf_plot</a:t>
-            </a:r>
-            <a:r>
-              <a:rPr lang="en-US" b="1" dirty="0" smtClean="0">
-                <a:latin typeface="Courier"/>
-                <a:cs typeface="Courier"/>
-              </a:rPr>
-              <a:t>(</a:t>
-            </a:r>
-            <a:r>
-              <a:rPr lang="en-US" b="1" dirty="0" err="1" smtClean="0">
-                <a:latin typeface="Courier"/>
-                <a:cs typeface="Courier"/>
-              </a:rPr>
-              <a:t>B.z</a:t>
-            </a:r>
-            <a:r>
-              <a:rPr lang="en-US" b="1" dirty="0" smtClean="0">
-                <a:latin typeface="Courier"/>
-                <a:cs typeface="Courier"/>
-              </a:rPr>
-              <a:t>)</a:t>
-            </a:r>
-          </a:p>
-          <a:p>
-            <a:pPr marL="0" indent="0">
-              <a:buNone/>
-            </a:pPr>
-            <a:r>
-              <a:rPr lang="en-US" dirty="0" smtClean="0">
-                <a:latin typeface="Courier"/>
-                <a:cs typeface="Courier"/>
-              </a:rPr>
-              <a:t>&gt;&gt; </a:t>
-            </a:r>
-            <a:r>
-              <a:rPr lang="en-US" b="1" dirty="0" err="1" smtClean="0">
-                <a:latin typeface="Courier"/>
-                <a:cs typeface="Courier"/>
-              </a:rPr>
-              <a:t>B.name</a:t>
-            </a:r>
-            <a:r>
-              <a:rPr lang="en-US" b="1" dirty="0" smtClean="0">
-                <a:latin typeface="Courier"/>
-                <a:cs typeface="Courier"/>
-              </a:rPr>
-              <a:t>=</a:t>
-            </a:r>
-            <a:r>
-              <a:rPr lang="en-US" b="1" dirty="0" smtClean="0">
-                <a:solidFill>
-                  <a:srgbClr val="8064A2"/>
-                </a:solidFill>
-                <a:latin typeface="Courier"/>
-                <a:cs typeface="Courier"/>
-              </a:rPr>
-              <a:t>'B__C1'</a:t>
-            </a:r>
-          </a:p>
-          <a:p>
-            <a:pPr marL="0" indent="0">
-              <a:buNone/>
-            </a:pPr>
-            <a:endParaRPr lang="en-US" dirty="0" smtClean="0">
-              <a:latin typeface="Courier"/>
-              <a:cs typeface="Courier"/>
-            </a:endParaRPr>
-          </a:p>
-          <a:p>
-            <a:pPr marL="0" indent="0">
-              <a:buNone/>
-            </a:pPr>
-            <a:r>
-              <a:rPr lang="en-US" dirty="0" smtClean="0">
-                <a:latin typeface="Courier"/>
-                <a:cs typeface="Courier"/>
-              </a:rPr>
-              <a:t>B = </a:t>
-            </a:r>
-          </a:p>
-          <a:p>
-            <a:pPr marL="0" indent="0">
-              <a:buNone/>
-            </a:pPr>
-            <a:endParaRPr lang="en-US" dirty="0" smtClean="0">
-              <a:latin typeface="Courier"/>
-              <a:cs typeface="Courier"/>
-            </a:endParaRPr>
-          </a:p>
-          <a:p>
-            <a:pPr marL="0" indent="0">
-              <a:buNone/>
-            </a:pPr>
-            <a:r>
-              <a:rPr lang="en-US" dirty="0" smtClean="0">
-                <a:latin typeface="Courier"/>
-                <a:cs typeface="Courier"/>
-              </a:rPr>
-              <a:t>  </a:t>
-            </a:r>
-            <a:r>
-              <a:rPr lang="en-US" dirty="0" err="1" smtClean="0">
-                <a:latin typeface="Courier"/>
-                <a:cs typeface="Courier"/>
-              </a:rPr>
-              <a:t>TSeries</a:t>
-            </a:r>
-            <a:r>
-              <a:rPr lang="en-US" dirty="0" smtClean="0">
-                <a:latin typeface="Courier"/>
-                <a:cs typeface="Courier"/>
-              </a:rPr>
-              <a:t> with properties:</a:t>
-            </a:r>
-          </a:p>
-          <a:p>
-            <a:pPr marL="0" indent="0">
-              <a:buNone/>
-            </a:pPr>
-            <a:endParaRPr lang="en-US" dirty="0" smtClean="0">
-              <a:latin typeface="Courier"/>
-              <a:cs typeface="Courier"/>
-            </a:endParaRPr>
-          </a:p>
-          <a:p>
-            <a:pPr marL="0" indent="0">
-              <a:buNone/>
-            </a:pPr>
-            <a:r>
-              <a:rPr lang="en-US" dirty="0" smtClean="0">
-                <a:latin typeface="Courier"/>
-                <a:cs typeface="Courier"/>
-              </a:rPr>
-              <a:t>              data: [2018x3 single]</a:t>
-            </a:r>
-          </a:p>
-          <a:p>
-            <a:pPr marL="0" indent="0">
-              <a:buNone/>
-            </a:pPr>
-            <a:r>
-              <a:rPr lang="en-US" dirty="0" smtClean="0">
-                <a:latin typeface="Courier"/>
-                <a:cs typeface="Courier"/>
-              </a:rPr>
-              <a:t>              time: [2018x1 </a:t>
-            </a:r>
-            <a:r>
-              <a:rPr lang="en-US" dirty="0" err="1" smtClean="0">
-                <a:latin typeface="Courier"/>
-                <a:cs typeface="Courier"/>
-              </a:rPr>
-              <a:t>EpochUnix</a:t>
-            </a:r>
-            <a:r>
-              <a:rPr lang="en-US" dirty="0" smtClean="0">
-                <a:latin typeface="Courier"/>
-                <a:cs typeface="Courier"/>
-              </a:rPr>
-              <a:t>]</a:t>
-            </a:r>
-          </a:p>
-          <a:p>
-            <a:pPr marL="0" indent="0">
-              <a:buNone/>
-            </a:pPr>
-            <a:r>
-              <a:rPr lang="en-US" dirty="0" smtClean="0">
-                <a:latin typeface="Courier"/>
-                <a:cs typeface="Courier"/>
-              </a:rPr>
-              <a:t>       </a:t>
-            </a:r>
-            <a:r>
-              <a:rPr lang="en-US" dirty="0" err="1" smtClean="0">
-                <a:latin typeface="Courier"/>
-                <a:cs typeface="Courier"/>
-              </a:rPr>
-              <a:t>tensorOrder</a:t>
-            </a:r>
-            <a:r>
-              <a:rPr lang="en-US" dirty="0" smtClean="0">
-                <a:latin typeface="Courier"/>
-                <a:cs typeface="Courier"/>
-              </a:rPr>
-              <a:t>: 1</a:t>
-            </a:r>
-          </a:p>
-          <a:p>
-            <a:pPr marL="0" indent="0">
-              <a:buNone/>
-            </a:pPr>
-            <a:r>
-              <a:rPr lang="en-US" dirty="0" smtClean="0">
-                <a:latin typeface="Courier"/>
-                <a:cs typeface="Courier"/>
-              </a:rPr>
-              <a:t>       </a:t>
-            </a:r>
-            <a:r>
-              <a:rPr lang="en-US" dirty="0" err="1" smtClean="0">
-                <a:latin typeface="Courier"/>
-                <a:cs typeface="Courier"/>
-              </a:rPr>
-              <a:t>tensorBasis</a:t>
-            </a:r>
-            <a:r>
-              <a:rPr lang="en-US" dirty="0" smtClean="0">
-                <a:latin typeface="Courier"/>
-                <a:cs typeface="Courier"/>
-              </a:rPr>
-              <a:t>: 'xyz (Cartesian)'</a:t>
-            </a:r>
-          </a:p>
-          <a:p>
-            <a:pPr marL="0" indent="0">
-              <a:buNone/>
-            </a:pPr>
-            <a:r>
-              <a:rPr lang="en-US" dirty="0" smtClean="0">
-                <a:latin typeface="Courier"/>
-                <a:cs typeface="Courier"/>
-              </a:rPr>
-              <a:t>    representation: {2x1 cell}</a:t>
-            </a:r>
-          </a:p>
-          <a:p>
-            <a:pPr marL="0" indent="0">
-              <a:buNone/>
-            </a:pPr>
-            <a:r>
-              <a:rPr lang="en-US" dirty="0" smtClean="0">
-                <a:latin typeface="Courier"/>
-                <a:cs typeface="Courier"/>
-              </a:rPr>
-              <a:t>              name: 'B__C1'</a:t>
-            </a:r>
-          </a:p>
-          <a:p>
-            <a:pPr marL="0" indent="0">
-              <a:buNone/>
-            </a:pPr>
-            <a:r>
-              <a:rPr lang="en-US" dirty="0" smtClean="0">
-                <a:latin typeface="Courier"/>
-                <a:cs typeface="Courier"/>
-              </a:rPr>
-              <a:t>             units: '</a:t>
-            </a:r>
-            <a:r>
-              <a:rPr lang="en-US" dirty="0" err="1" smtClean="0">
-                <a:latin typeface="Courier"/>
-                <a:cs typeface="Courier"/>
-              </a:rPr>
-              <a:t>nT</a:t>
-            </a:r>
-            <a:r>
-              <a:rPr lang="en-US" dirty="0" smtClean="0">
-                <a:latin typeface="Courier"/>
-                <a:cs typeface="Courier"/>
-              </a:rPr>
-              <a:t>'</a:t>
-            </a:r>
-          </a:p>
-          <a:p>
-            <a:pPr marL="0" indent="0">
-              <a:buNone/>
-            </a:pPr>
-            <a:r>
-              <a:rPr lang="en-US" dirty="0" smtClean="0">
-                <a:latin typeface="Courier"/>
-                <a:cs typeface="Courier"/>
-              </a:rPr>
-              <a:t>          </a:t>
-            </a:r>
-            <a:r>
-              <a:rPr lang="en-US" dirty="0" err="1" smtClean="0">
-                <a:latin typeface="Courier"/>
-                <a:cs typeface="Courier"/>
-              </a:rPr>
-              <a:t>userData</a:t>
-            </a:r>
-            <a:r>
-              <a:rPr lang="en-US" dirty="0" smtClean="0">
-                <a:latin typeface="Courier"/>
-                <a:cs typeface="Courier"/>
-              </a:rPr>
-              <a:t>: [1x1 </a:t>
-            </a:r>
-            <a:r>
-              <a:rPr lang="en-US" dirty="0" err="1" smtClean="0">
-                <a:latin typeface="Courier"/>
-                <a:cs typeface="Courier"/>
-              </a:rPr>
-              <a:t>struct</a:t>
-            </a:r>
-            <a:r>
-              <a:rPr lang="en-US" dirty="0" smtClean="0">
-                <a:latin typeface="Courier"/>
-                <a:cs typeface="Courier"/>
-              </a:rPr>
-              <a:t>]</a:t>
-            </a:r>
-            <a:endParaRPr lang="en-US" dirty="0">
+              <a:t>D.Data</a:t>
+            </a:r>
+            <a:endParaRPr lang="en-US" b="1" dirty="0" smtClean="0">
               <a:latin typeface="Courier"/>
               <a:cs typeface="Courier"/>
             </a:endParaRPr>
@@ -6624,13 +6234,20 @@
     </p:spTree>
     <p:extLst>
       <p:ext uri="{BB962C8B-B14F-4D97-AF65-F5344CB8AC3E}">
-        <p14:creationId xmlns:p14="http://schemas.microsoft.com/office/powerpoint/2010/main" val="2298536950"/>
+        <p14:creationId xmlns:p14="http://schemas.microsoft.com/office/powerpoint/2010/main" val="1415367931"/>
       </p:ext>
     </p:extLst>
   </p:cSld>
   <p:clrMapOvr>
     <a:masterClrMapping/>
   </p:clrMapOvr>
+  <p:timing>
+    <p:tnLst>
+      <p:par>
+        <p:cTn xmlns:p14="http://schemas.microsoft.com/office/powerpoint/2010/main" id="1" dur="indefinite" restart="never" nodeType="tmRoot"/>
+      </p:par>
+    </p:tnLst>
+  </p:timing>
 </p:sld>
 </file>
 
@@ -6668,7 +6285,905 @@
           <a:p>
             <a:r>
               <a:rPr lang="en-US" dirty="0" smtClean="0"/>
-              <a:t>Exercise 4</a:t>
+              <a:t>Exercise 3</a:t>
+            </a:r>
+            <a:endParaRPr lang="en-US" dirty="0"/>
+          </a:p>
+        </p:txBody>
+      </p:sp>
+      <p:sp>
+        <p:nvSpPr>
+          <p:cNvPr id="3" name="Content Placeholder 2"/>
+          <p:cNvSpPr>
+            <a:spLocks noGrp="1"/>
+          </p:cNvSpPr>
+          <p:nvPr>
+            <p:ph idx="1"/>
+          </p:nvPr>
+        </p:nvSpPr>
+        <p:spPr/>
+        <p:txBody>
+          <a:bodyPr>
+            <a:normAutofit fontScale="25000" lnSpcReduction="20000"/>
+          </a:bodyPr>
+          <a:lstStyle/>
+          <a:p>
+            <a:pPr marL="0" indent="0">
+              <a:buNone/>
+            </a:pPr>
+            <a:r>
+              <a:rPr lang="en-US" dirty="0" smtClean="0">
+                <a:latin typeface="Courier"/>
+                <a:cs typeface="Courier"/>
+              </a:rPr>
+              <a:t>&gt;&gt; </a:t>
+            </a:r>
+            <a:r>
+              <a:rPr lang="en-US" b="1" dirty="0" smtClean="0">
+                <a:latin typeface="Courier"/>
+                <a:cs typeface="Courier"/>
+              </a:rPr>
+              <a:t>D=</a:t>
+            </a:r>
+            <a:r>
+              <a:rPr lang="en-US" b="1" dirty="0" err="1" smtClean="0">
+                <a:latin typeface="Courier"/>
+                <a:cs typeface="Courier"/>
+              </a:rPr>
+              <a:t>dataobj</a:t>
+            </a:r>
+            <a:r>
+              <a:rPr lang="en-US" b="1" dirty="0" smtClean="0">
+                <a:latin typeface="Courier"/>
+                <a:cs typeface="Courier"/>
+              </a:rPr>
+              <a:t>(</a:t>
+            </a:r>
+            <a:r>
+              <a:rPr lang="en-US" b="1" dirty="0" smtClean="0">
+                <a:solidFill>
+                  <a:srgbClr val="8064A2"/>
+                </a:solidFill>
+                <a:latin typeface="Courier"/>
+                <a:cs typeface="Courier"/>
+              </a:rPr>
+              <a:t>'CAA/C1_CP_FGM_FULL/C1_CP_FGM_FULL__20020330_131130_20020330_131200_V140306.cdf'</a:t>
+            </a:r>
+            <a:r>
+              <a:rPr lang="en-US" b="1" dirty="0" smtClean="0">
+                <a:latin typeface="Courier"/>
+                <a:cs typeface="Courier"/>
+              </a:rPr>
+              <a:t>)</a:t>
+            </a:r>
+          </a:p>
+          <a:p>
+            <a:pPr marL="0" indent="0">
+              <a:buNone/>
+            </a:pPr>
+            <a:r>
+              <a:rPr lang="en-US" dirty="0" smtClean="0">
+                <a:latin typeface="Courier"/>
+                <a:cs typeface="Courier"/>
+              </a:rPr>
+              <a:t> </a:t>
+            </a:r>
+          </a:p>
+          <a:p>
+            <a:pPr marL="0" indent="0">
+              <a:buNone/>
+            </a:pPr>
+            <a:r>
+              <a:rPr lang="en-US" dirty="0" err="1" smtClean="0">
+                <a:latin typeface="Courier"/>
+                <a:cs typeface="Courier"/>
+              </a:rPr>
+              <a:t>dataobj</a:t>
+            </a:r>
+            <a:r>
+              <a:rPr lang="en-US" dirty="0" smtClean="0">
+                <a:latin typeface="Courier"/>
+                <a:cs typeface="Courier"/>
+              </a:rPr>
+              <a:t> object created : 25-Jul-2015 23:25:41</a:t>
+            </a:r>
+          </a:p>
+          <a:p>
+            <a:pPr marL="0" indent="0">
+              <a:buNone/>
+            </a:pPr>
+            <a:r>
+              <a:rPr lang="en-US" dirty="0" smtClean="0">
+                <a:latin typeface="Courier"/>
+                <a:cs typeface="Courier"/>
+              </a:rPr>
+              <a:t> </a:t>
+            </a:r>
+          </a:p>
+          <a:p>
+            <a:pPr marL="0" indent="0">
+              <a:buNone/>
+            </a:pPr>
+            <a:r>
+              <a:rPr lang="en-US" dirty="0" smtClean="0">
+                <a:latin typeface="Courier"/>
+                <a:cs typeface="Courier"/>
+              </a:rPr>
+              <a:t>Variables:</a:t>
+            </a:r>
+          </a:p>
+          <a:p>
+            <a:pPr marL="0" indent="0">
+              <a:buNone/>
+            </a:pPr>
+            <a:r>
+              <a:rPr lang="en-US" dirty="0" smtClean="0">
+                <a:latin typeface="Courier"/>
+                <a:cs typeface="Courier"/>
+              </a:rPr>
+              <a:t>time_tags__C1_CP_FGM_FULL : epoch : 2018 recs</a:t>
+            </a:r>
+          </a:p>
+          <a:p>
+            <a:pPr marL="0" indent="0">
+              <a:buNone/>
+            </a:pPr>
+            <a:r>
+              <a:rPr lang="en-US" dirty="0" smtClean="0">
+                <a:latin typeface="Courier"/>
+                <a:cs typeface="Courier"/>
+              </a:rPr>
+              <a:t>half_interval__C1_CP_FGM_FULL : single : 2018 recs</a:t>
+            </a:r>
+          </a:p>
+          <a:p>
+            <a:pPr marL="0" indent="0">
+              <a:buNone/>
+            </a:pPr>
+            <a:r>
+              <a:rPr lang="en-US" dirty="0" smtClean="0">
+                <a:latin typeface="Courier"/>
+                <a:cs typeface="Courier"/>
+              </a:rPr>
+              <a:t>B_vec_xyz_gse__C1_CP_FGM_FULL : single : 2018 recs</a:t>
+            </a:r>
+          </a:p>
+          <a:p>
+            <a:pPr marL="0" indent="0">
+              <a:buNone/>
+            </a:pPr>
+            <a:r>
+              <a:rPr lang="en-US" dirty="0" smtClean="0">
+                <a:latin typeface="Courier"/>
+                <a:cs typeface="Courier"/>
+              </a:rPr>
+              <a:t>B_mag__C1_CP_FGM_FULL : single : 2018 recs</a:t>
+            </a:r>
+          </a:p>
+          <a:p>
+            <a:pPr marL="0" indent="0">
+              <a:buNone/>
+            </a:pPr>
+            <a:r>
+              <a:rPr lang="en-US" dirty="0" smtClean="0">
+                <a:latin typeface="Courier"/>
+                <a:cs typeface="Courier"/>
+              </a:rPr>
+              <a:t>sc_pos_xyz_gse__C1_CP_FGM_FULL : single : 2018 recs</a:t>
+            </a:r>
+          </a:p>
+          <a:p>
+            <a:pPr marL="0" indent="0">
+              <a:buNone/>
+            </a:pPr>
+            <a:r>
+              <a:rPr lang="en-US" dirty="0" smtClean="0">
+                <a:latin typeface="Courier"/>
+                <a:cs typeface="Courier"/>
+              </a:rPr>
+              <a:t>range__C1_CP_FGM_FULL : int32 : 2018 recs</a:t>
+            </a:r>
+          </a:p>
+          <a:p>
+            <a:pPr marL="0" indent="0">
+              <a:buNone/>
+            </a:pPr>
+            <a:r>
+              <a:rPr lang="en-US" dirty="0" smtClean="0">
+                <a:latin typeface="Courier"/>
+                <a:cs typeface="Courier"/>
+              </a:rPr>
+              <a:t>tm__C1_CP_FGM_FULL : int32 : 2018 recs</a:t>
+            </a:r>
+          </a:p>
+          <a:p>
+            <a:pPr marL="0" indent="0">
+              <a:buNone/>
+            </a:pPr>
+            <a:endParaRPr lang="en-US" dirty="0" smtClean="0">
+              <a:latin typeface="Courier"/>
+              <a:cs typeface="Courier"/>
+            </a:endParaRPr>
+          </a:p>
+          <a:p>
+            <a:pPr marL="0" indent="0">
+              <a:buNone/>
+            </a:pPr>
+            <a:r>
+              <a:rPr lang="en-US" dirty="0" smtClean="0">
+                <a:latin typeface="Courier"/>
+                <a:cs typeface="Courier"/>
+              </a:rPr>
+              <a:t>&gt;&gt; </a:t>
+            </a:r>
+            <a:r>
+              <a:rPr lang="en-US" b="1" dirty="0" smtClean="0">
+                <a:latin typeface="Courier"/>
+                <a:cs typeface="Courier"/>
+              </a:rPr>
+              <a:t>B=</a:t>
+            </a:r>
+            <a:r>
+              <a:rPr lang="en-US" b="1" dirty="0" err="1" smtClean="0">
+                <a:latin typeface="Courier"/>
+                <a:cs typeface="Courier"/>
+              </a:rPr>
+              <a:t>get_ts</a:t>
+            </a:r>
+            <a:r>
+              <a:rPr lang="en-US" b="1" dirty="0" smtClean="0">
+                <a:latin typeface="Courier"/>
+                <a:cs typeface="Courier"/>
+              </a:rPr>
+              <a:t>(D,</a:t>
+            </a:r>
+            <a:r>
+              <a:rPr lang="en-US" b="1" dirty="0" smtClean="0">
+                <a:solidFill>
+                  <a:srgbClr val="8064A2"/>
+                </a:solidFill>
+                <a:latin typeface="Courier"/>
+                <a:cs typeface="Courier"/>
+              </a:rPr>
+              <a:t>'B_vec_xyz_gse__C1_CP_FGM_FULL’</a:t>
+            </a:r>
+            <a:r>
+              <a:rPr lang="en-US" b="1" dirty="0" smtClean="0">
+                <a:latin typeface="Courier"/>
+                <a:cs typeface="Courier"/>
+              </a:rPr>
+              <a:t>)</a:t>
+            </a:r>
+          </a:p>
+          <a:p>
+            <a:pPr marL="0" indent="0">
+              <a:buNone/>
+            </a:pPr>
+            <a:endParaRPr lang="en-US" b="1" dirty="0" smtClean="0">
+              <a:latin typeface="Courier"/>
+              <a:cs typeface="Courier"/>
+            </a:endParaRPr>
+          </a:p>
+          <a:p>
+            <a:pPr marL="0" indent="0">
+              <a:buNone/>
+            </a:pPr>
+            <a:r>
+              <a:rPr lang="en-US" dirty="0" smtClean="0">
+                <a:latin typeface="Courier"/>
+                <a:cs typeface="Courier"/>
+              </a:rPr>
+              <a:t>B = </a:t>
+            </a:r>
+          </a:p>
+          <a:p>
+            <a:pPr marL="0" indent="0">
+              <a:buNone/>
+            </a:pPr>
+            <a:endParaRPr lang="en-US" dirty="0" smtClean="0">
+              <a:latin typeface="Courier"/>
+              <a:cs typeface="Courier"/>
+            </a:endParaRPr>
+          </a:p>
+          <a:p>
+            <a:pPr marL="0" indent="0">
+              <a:buNone/>
+            </a:pPr>
+            <a:r>
+              <a:rPr lang="en-US" dirty="0" smtClean="0">
+                <a:latin typeface="Courier"/>
+                <a:cs typeface="Courier"/>
+              </a:rPr>
+              <a:t>  </a:t>
+            </a:r>
+            <a:r>
+              <a:rPr lang="en-US" dirty="0" err="1" smtClean="0">
+                <a:latin typeface="Courier"/>
+                <a:cs typeface="Courier"/>
+              </a:rPr>
+              <a:t>TSeries</a:t>
+            </a:r>
+            <a:r>
+              <a:rPr lang="en-US" dirty="0" smtClean="0">
+                <a:latin typeface="Courier"/>
+                <a:cs typeface="Courier"/>
+              </a:rPr>
+              <a:t> with properties:</a:t>
+            </a:r>
+          </a:p>
+          <a:p>
+            <a:pPr marL="0" indent="0">
+              <a:buNone/>
+            </a:pPr>
+            <a:endParaRPr lang="en-US" dirty="0" smtClean="0">
+              <a:latin typeface="Courier"/>
+              <a:cs typeface="Courier"/>
+            </a:endParaRPr>
+          </a:p>
+          <a:p>
+            <a:pPr marL="0" indent="0">
+              <a:buNone/>
+            </a:pPr>
+            <a:r>
+              <a:rPr lang="en-US" dirty="0" smtClean="0">
+                <a:latin typeface="Courier"/>
+                <a:cs typeface="Courier"/>
+              </a:rPr>
+              <a:t>              data: [2018x3 single]</a:t>
+            </a:r>
+          </a:p>
+          <a:p>
+            <a:pPr marL="0" indent="0">
+              <a:buNone/>
+            </a:pPr>
+            <a:r>
+              <a:rPr lang="en-US" dirty="0" smtClean="0">
+                <a:latin typeface="Courier"/>
+                <a:cs typeface="Courier"/>
+              </a:rPr>
+              <a:t>              time: [2018x1 </a:t>
+            </a:r>
+            <a:r>
+              <a:rPr lang="en-US" dirty="0" err="1" smtClean="0">
+                <a:latin typeface="Courier"/>
+                <a:cs typeface="Courier"/>
+              </a:rPr>
+              <a:t>EpochUnix</a:t>
+            </a:r>
+            <a:r>
+              <a:rPr lang="en-US" dirty="0" smtClean="0">
+                <a:latin typeface="Courier"/>
+                <a:cs typeface="Courier"/>
+              </a:rPr>
+              <a:t>]</a:t>
+            </a:r>
+          </a:p>
+          <a:p>
+            <a:pPr marL="0" indent="0">
+              <a:buNone/>
+            </a:pPr>
+            <a:r>
+              <a:rPr lang="en-US" dirty="0" smtClean="0">
+                <a:latin typeface="Courier"/>
+                <a:cs typeface="Courier"/>
+              </a:rPr>
+              <a:t>       </a:t>
+            </a:r>
+            <a:r>
+              <a:rPr lang="en-US" dirty="0" err="1" smtClean="0">
+                <a:latin typeface="Courier"/>
+                <a:cs typeface="Courier"/>
+              </a:rPr>
+              <a:t>tensorOrder</a:t>
+            </a:r>
+            <a:r>
+              <a:rPr lang="en-US" dirty="0" smtClean="0">
+                <a:latin typeface="Courier"/>
+                <a:cs typeface="Courier"/>
+              </a:rPr>
+              <a:t>: 1</a:t>
+            </a:r>
+          </a:p>
+          <a:p>
+            <a:pPr marL="0" indent="0">
+              <a:buNone/>
+            </a:pPr>
+            <a:r>
+              <a:rPr lang="en-US" dirty="0" smtClean="0">
+                <a:latin typeface="Courier"/>
+                <a:cs typeface="Courier"/>
+              </a:rPr>
+              <a:t>       </a:t>
+            </a:r>
+            <a:r>
+              <a:rPr lang="en-US" dirty="0" err="1" smtClean="0">
+                <a:latin typeface="Courier"/>
+                <a:cs typeface="Courier"/>
+              </a:rPr>
+              <a:t>tensorBasis</a:t>
+            </a:r>
+            <a:r>
+              <a:rPr lang="en-US" dirty="0" smtClean="0">
+                <a:latin typeface="Courier"/>
+                <a:cs typeface="Courier"/>
+              </a:rPr>
+              <a:t>: 'xyz (Cartesian)'</a:t>
+            </a:r>
+          </a:p>
+          <a:p>
+            <a:pPr marL="0" indent="0">
+              <a:buNone/>
+            </a:pPr>
+            <a:r>
+              <a:rPr lang="en-US" dirty="0" smtClean="0">
+                <a:latin typeface="Courier"/>
+                <a:cs typeface="Courier"/>
+              </a:rPr>
+              <a:t>    representation: {2x1 cell}</a:t>
+            </a:r>
+          </a:p>
+          <a:p>
+            <a:pPr marL="0" indent="0">
+              <a:buNone/>
+            </a:pPr>
+            <a:r>
+              <a:rPr lang="en-US" dirty="0" smtClean="0">
+                <a:latin typeface="Courier"/>
+                <a:cs typeface="Courier"/>
+              </a:rPr>
+              <a:t>              name: 'B_vec_xyz_gse__C1_CP_FGM_FULL'</a:t>
+            </a:r>
+          </a:p>
+          <a:p>
+            <a:pPr marL="0" indent="0">
+              <a:buNone/>
+            </a:pPr>
+            <a:r>
+              <a:rPr lang="en-US" dirty="0" smtClean="0">
+                <a:latin typeface="Courier"/>
+                <a:cs typeface="Courier"/>
+              </a:rPr>
+              <a:t>             units: '</a:t>
+            </a:r>
+            <a:r>
+              <a:rPr lang="en-US" dirty="0" err="1" smtClean="0">
+                <a:latin typeface="Courier"/>
+                <a:cs typeface="Courier"/>
+              </a:rPr>
+              <a:t>nT</a:t>
+            </a:r>
+            <a:r>
+              <a:rPr lang="en-US" dirty="0" smtClean="0">
+                <a:latin typeface="Courier"/>
+                <a:cs typeface="Courier"/>
+              </a:rPr>
+              <a:t>'</a:t>
+            </a:r>
+          </a:p>
+          <a:p>
+            <a:pPr marL="0" indent="0">
+              <a:buNone/>
+            </a:pPr>
+            <a:r>
+              <a:rPr lang="en-US" dirty="0" smtClean="0">
+                <a:latin typeface="Courier"/>
+                <a:cs typeface="Courier"/>
+              </a:rPr>
+              <a:t>          </a:t>
+            </a:r>
+            <a:r>
+              <a:rPr lang="en-US" dirty="0" err="1" smtClean="0">
+                <a:latin typeface="Courier"/>
+                <a:cs typeface="Courier"/>
+              </a:rPr>
+              <a:t>userData</a:t>
+            </a:r>
+            <a:r>
+              <a:rPr lang="en-US" dirty="0" smtClean="0">
+                <a:latin typeface="Courier"/>
+                <a:cs typeface="Courier"/>
+              </a:rPr>
+              <a:t>: [1x1 </a:t>
+            </a:r>
+            <a:r>
+              <a:rPr lang="en-US" dirty="0" err="1" smtClean="0">
+                <a:latin typeface="Courier"/>
+                <a:cs typeface="Courier"/>
+              </a:rPr>
+              <a:t>struct</a:t>
+            </a:r>
+            <a:r>
+              <a:rPr lang="en-US" dirty="0" smtClean="0">
+                <a:latin typeface="Courier"/>
+                <a:cs typeface="Courier"/>
+              </a:rPr>
+              <a:t>]</a:t>
+            </a:r>
+          </a:p>
+          <a:p>
+            <a:pPr marL="0" indent="0">
+              <a:buNone/>
+            </a:pPr>
+            <a:endParaRPr lang="en-US" dirty="0" smtClean="0">
+              <a:latin typeface="Courier"/>
+              <a:cs typeface="Courier"/>
+            </a:endParaRPr>
+          </a:p>
+          <a:p>
+            <a:pPr marL="0" indent="0">
+              <a:buNone/>
+            </a:pPr>
+            <a:r>
+              <a:rPr lang="en-US" dirty="0" smtClean="0">
+                <a:latin typeface="Courier"/>
+                <a:cs typeface="Courier"/>
+              </a:rPr>
+              <a:t>&gt;&gt; </a:t>
+            </a:r>
+            <a:r>
+              <a:rPr lang="en-US" b="1" dirty="0" err="1" smtClean="0">
+                <a:latin typeface="Courier"/>
+                <a:cs typeface="Courier"/>
+              </a:rPr>
+              <a:t>irf_plot</a:t>
+            </a:r>
+            <a:r>
+              <a:rPr lang="en-US" b="1" dirty="0" smtClean="0">
+                <a:latin typeface="Courier"/>
+                <a:cs typeface="Courier"/>
+              </a:rPr>
+              <a:t>(</a:t>
+            </a:r>
+            <a:r>
+              <a:rPr lang="en-US" b="1" dirty="0" err="1" smtClean="0">
+                <a:latin typeface="Courier"/>
+                <a:cs typeface="Courier"/>
+              </a:rPr>
+              <a:t>B.z</a:t>
+            </a:r>
+            <a:r>
+              <a:rPr lang="en-US" b="1" dirty="0" smtClean="0">
+                <a:latin typeface="Courier"/>
+                <a:cs typeface="Courier"/>
+              </a:rPr>
+              <a:t>)</a:t>
+            </a:r>
+          </a:p>
+          <a:p>
+            <a:pPr marL="0" indent="0">
+              <a:buNone/>
+            </a:pPr>
+            <a:r>
+              <a:rPr lang="en-US" dirty="0" smtClean="0">
+                <a:latin typeface="Courier"/>
+                <a:cs typeface="Courier"/>
+              </a:rPr>
+              <a:t>&gt;&gt; </a:t>
+            </a:r>
+            <a:r>
+              <a:rPr lang="en-US" b="1" dirty="0" err="1" smtClean="0">
+                <a:latin typeface="Courier"/>
+                <a:cs typeface="Courier"/>
+              </a:rPr>
+              <a:t>B.name</a:t>
+            </a:r>
+            <a:r>
+              <a:rPr lang="en-US" b="1" dirty="0" smtClean="0">
+                <a:latin typeface="Courier"/>
+                <a:cs typeface="Courier"/>
+              </a:rPr>
+              <a:t>=</a:t>
+            </a:r>
+            <a:r>
+              <a:rPr lang="en-US" b="1" dirty="0" smtClean="0">
+                <a:solidFill>
+                  <a:srgbClr val="8064A2"/>
+                </a:solidFill>
+                <a:latin typeface="Courier"/>
+                <a:cs typeface="Courier"/>
+              </a:rPr>
+              <a:t>'B__C1'</a:t>
+            </a:r>
+          </a:p>
+          <a:p>
+            <a:pPr marL="0" indent="0">
+              <a:buNone/>
+            </a:pPr>
+            <a:endParaRPr lang="en-US" dirty="0" smtClean="0">
+              <a:latin typeface="Courier"/>
+              <a:cs typeface="Courier"/>
+            </a:endParaRPr>
+          </a:p>
+          <a:p>
+            <a:pPr marL="0" indent="0">
+              <a:buNone/>
+            </a:pPr>
+            <a:r>
+              <a:rPr lang="en-US" dirty="0" smtClean="0">
+                <a:latin typeface="Courier"/>
+                <a:cs typeface="Courier"/>
+              </a:rPr>
+              <a:t>B = </a:t>
+            </a:r>
+          </a:p>
+          <a:p>
+            <a:pPr marL="0" indent="0">
+              <a:buNone/>
+            </a:pPr>
+            <a:endParaRPr lang="en-US" dirty="0" smtClean="0">
+              <a:latin typeface="Courier"/>
+              <a:cs typeface="Courier"/>
+            </a:endParaRPr>
+          </a:p>
+          <a:p>
+            <a:pPr marL="0" indent="0">
+              <a:buNone/>
+            </a:pPr>
+            <a:r>
+              <a:rPr lang="en-US" dirty="0" smtClean="0">
+                <a:latin typeface="Courier"/>
+                <a:cs typeface="Courier"/>
+              </a:rPr>
+              <a:t>  </a:t>
+            </a:r>
+            <a:r>
+              <a:rPr lang="en-US" dirty="0" err="1" smtClean="0">
+                <a:latin typeface="Courier"/>
+                <a:cs typeface="Courier"/>
+              </a:rPr>
+              <a:t>TSeries</a:t>
+            </a:r>
+            <a:r>
+              <a:rPr lang="en-US" dirty="0" smtClean="0">
+                <a:latin typeface="Courier"/>
+                <a:cs typeface="Courier"/>
+              </a:rPr>
+              <a:t> with properties:</a:t>
+            </a:r>
+          </a:p>
+          <a:p>
+            <a:pPr marL="0" indent="0">
+              <a:buNone/>
+            </a:pPr>
+            <a:endParaRPr lang="en-US" dirty="0" smtClean="0">
+              <a:latin typeface="Courier"/>
+              <a:cs typeface="Courier"/>
+            </a:endParaRPr>
+          </a:p>
+          <a:p>
+            <a:pPr marL="0" indent="0">
+              <a:buNone/>
+            </a:pPr>
+            <a:r>
+              <a:rPr lang="en-US" dirty="0" smtClean="0">
+                <a:latin typeface="Courier"/>
+                <a:cs typeface="Courier"/>
+              </a:rPr>
+              <a:t>              data: [2018x3 single]</a:t>
+            </a:r>
+          </a:p>
+          <a:p>
+            <a:pPr marL="0" indent="0">
+              <a:buNone/>
+            </a:pPr>
+            <a:r>
+              <a:rPr lang="en-US" dirty="0" smtClean="0">
+                <a:latin typeface="Courier"/>
+                <a:cs typeface="Courier"/>
+              </a:rPr>
+              <a:t>              time: [2018x1 </a:t>
+            </a:r>
+            <a:r>
+              <a:rPr lang="en-US" dirty="0" err="1" smtClean="0">
+                <a:latin typeface="Courier"/>
+                <a:cs typeface="Courier"/>
+              </a:rPr>
+              <a:t>EpochUnix</a:t>
+            </a:r>
+            <a:r>
+              <a:rPr lang="en-US" dirty="0" smtClean="0">
+                <a:latin typeface="Courier"/>
+                <a:cs typeface="Courier"/>
+              </a:rPr>
+              <a:t>]</a:t>
+            </a:r>
+          </a:p>
+          <a:p>
+            <a:pPr marL="0" indent="0">
+              <a:buNone/>
+            </a:pPr>
+            <a:r>
+              <a:rPr lang="en-US" dirty="0" smtClean="0">
+                <a:latin typeface="Courier"/>
+                <a:cs typeface="Courier"/>
+              </a:rPr>
+              <a:t>       </a:t>
+            </a:r>
+            <a:r>
+              <a:rPr lang="en-US" dirty="0" err="1" smtClean="0">
+                <a:latin typeface="Courier"/>
+                <a:cs typeface="Courier"/>
+              </a:rPr>
+              <a:t>tensorOrder</a:t>
+            </a:r>
+            <a:r>
+              <a:rPr lang="en-US" dirty="0" smtClean="0">
+                <a:latin typeface="Courier"/>
+                <a:cs typeface="Courier"/>
+              </a:rPr>
+              <a:t>: 1</a:t>
+            </a:r>
+          </a:p>
+          <a:p>
+            <a:pPr marL="0" indent="0">
+              <a:buNone/>
+            </a:pPr>
+            <a:r>
+              <a:rPr lang="en-US" dirty="0" smtClean="0">
+                <a:latin typeface="Courier"/>
+                <a:cs typeface="Courier"/>
+              </a:rPr>
+              <a:t>       </a:t>
+            </a:r>
+            <a:r>
+              <a:rPr lang="en-US" dirty="0" err="1" smtClean="0">
+                <a:latin typeface="Courier"/>
+                <a:cs typeface="Courier"/>
+              </a:rPr>
+              <a:t>tensorBasis</a:t>
+            </a:r>
+            <a:r>
+              <a:rPr lang="en-US" dirty="0" smtClean="0">
+                <a:latin typeface="Courier"/>
+                <a:cs typeface="Courier"/>
+              </a:rPr>
+              <a:t>: 'xyz (Cartesian)'</a:t>
+            </a:r>
+          </a:p>
+          <a:p>
+            <a:pPr marL="0" indent="0">
+              <a:buNone/>
+            </a:pPr>
+            <a:r>
+              <a:rPr lang="en-US" dirty="0" smtClean="0">
+                <a:latin typeface="Courier"/>
+                <a:cs typeface="Courier"/>
+              </a:rPr>
+              <a:t>    representation: {2x1 cell}</a:t>
+            </a:r>
+          </a:p>
+          <a:p>
+            <a:pPr marL="0" indent="0">
+              <a:buNone/>
+            </a:pPr>
+            <a:r>
+              <a:rPr lang="en-US" dirty="0" smtClean="0">
+                <a:latin typeface="Courier"/>
+                <a:cs typeface="Courier"/>
+              </a:rPr>
+              <a:t>              name: 'B__C1'</a:t>
+            </a:r>
+          </a:p>
+          <a:p>
+            <a:pPr marL="0" indent="0">
+              <a:buNone/>
+            </a:pPr>
+            <a:r>
+              <a:rPr lang="en-US" dirty="0" smtClean="0">
+                <a:latin typeface="Courier"/>
+                <a:cs typeface="Courier"/>
+              </a:rPr>
+              <a:t>             units: '</a:t>
+            </a:r>
+            <a:r>
+              <a:rPr lang="en-US" dirty="0" err="1" smtClean="0">
+                <a:latin typeface="Courier"/>
+                <a:cs typeface="Courier"/>
+              </a:rPr>
+              <a:t>nT</a:t>
+            </a:r>
+            <a:r>
+              <a:rPr lang="en-US" dirty="0" smtClean="0">
+                <a:latin typeface="Courier"/>
+                <a:cs typeface="Courier"/>
+              </a:rPr>
+              <a:t>'</a:t>
+            </a:r>
+          </a:p>
+          <a:p>
+            <a:pPr marL="0" indent="0">
+              <a:buNone/>
+            </a:pPr>
+            <a:r>
+              <a:rPr lang="en-US" dirty="0" smtClean="0">
+                <a:latin typeface="Courier"/>
+                <a:cs typeface="Courier"/>
+              </a:rPr>
+              <a:t>          </a:t>
+            </a:r>
+            <a:r>
+              <a:rPr lang="en-US" dirty="0" err="1" smtClean="0">
+                <a:latin typeface="Courier"/>
+                <a:cs typeface="Courier"/>
+              </a:rPr>
+              <a:t>userData</a:t>
+            </a:r>
+            <a:r>
+              <a:rPr lang="en-US" dirty="0" smtClean="0">
+                <a:latin typeface="Courier"/>
+                <a:cs typeface="Courier"/>
+              </a:rPr>
+              <a:t>: [1x1 </a:t>
+            </a:r>
+            <a:r>
+              <a:rPr lang="en-US" dirty="0" err="1" smtClean="0">
+                <a:latin typeface="Courier"/>
+                <a:cs typeface="Courier"/>
+              </a:rPr>
+              <a:t>struct</a:t>
+            </a:r>
+            <a:r>
+              <a:rPr lang="en-US" dirty="0" smtClean="0">
+                <a:latin typeface="Courier"/>
+                <a:cs typeface="Courier"/>
+              </a:rPr>
+              <a:t>]</a:t>
+            </a:r>
+            <a:endParaRPr lang="en-US" dirty="0">
+              <a:latin typeface="Courier"/>
+              <a:cs typeface="Courier"/>
+            </a:endParaRPr>
+          </a:p>
+        </p:txBody>
+      </p:sp>
+    </p:spTree>
+    <p:extLst>
+      <p:ext uri="{BB962C8B-B14F-4D97-AF65-F5344CB8AC3E}">
+        <p14:creationId xmlns:p14="http://schemas.microsoft.com/office/powerpoint/2010/main" val="2298536950"/>
+      </p:ext>
+    </p:extLst>
+  </p:cSld>
+  <p:clrMapOvr>
+    <a:masterClrMapping/>
+  </p:clrMapOvr>
+</p:sld>
+</file>
+
+<file path=ppt/slides/slide16.xml><?xml version="1.0" encoding="utf-8"?>
+<p:sld xmlns:a="http://schemas.openxmlformats.org/drawingml/2006/main" xmlns:r="http://schemas.openxmlformats.org/officeDocument/2006/relationships" xmlns:p="http://schemas.openxmlformats.org/presentationml/2006/main">
+  <p:cSld>
+    <p:spTree>
+      <p:nvGrpSpPr>
+        <p:cNvPr id="1" name=""/>
+        <p:cNvGrpSpPr/>
+        <p:nvPr/>
+      </p:nvGrpSpPr>
+      <p:grpSpPr>
+        <a:xfrm>
+          <a:off x="0" y="0"/>
+          <a:ext cx="0" cy="0"/>
+          <a:chOff x="0" y="0"/>
+          <a:chExt cx="0" cy="0"/>
+        </a:xfrm>
+      </p:grpSpPr>
+      <p:sp>
+        <p:nvSpPr>
+          <p:cNvPr id="2" name="Title 1"/>
+          <p:cNvSpPr>
+            <a:spLocks noGrp="1"/>
+          </p:cNvSpPr>
+          <p:nvPr>
+            <p:ph type="title"/>
+          </p:nvPr>
+        </p:nvSpPr>
+        <p:spPr/>
+        <p:txBody>
+          <a:bodyPr/>
+          <a:lstStyle/>
+          <a:p>
+            <a:r>
+              <a:rPr lang="en-US" dirty="0" smtClean="0"/>
+              <a:t>Assignment 4</a:t>
             </a:r>
             <a:endParaRPr lang="en-US" dirty="0"/>
           </a:p>
@@ -6689,9 +7204,22 @@
           <a:bodyPr/>
           <a:lstStyle/>
           <a:p>
+            <a:pPr marL="0" indent="0">
+              <a:buNone/>
+            </a:pPr>
             <a:r>
               <a:rPr lang="en-US" dirty="0" smtClean="0"/>
-              <a:t>Make a plot for C1, 2 panels:</a:t>
+              <a:t>Using data downloaded in Ex 1 write a script to:</a:t>
+            </a:r>
+          </a:p>
+          <a:p>
+            <a:r>
+              <a:rPr lang="en-US" dirty="0" smtClean="0"/>
+              <a:t>Make </a:t>
+            </a:r>
+            <a:r>
+              <a:rPr lang="en-US" dirty="0" smtClean="0"/>
+              <a:t>a plot for C1, 2 panels:</a:t>
             </a:r>
           </a:p>
           <a:p>
@@ -11757,6 +12285,38 @@
           </a:p>
           <a:p>
             <a:endParaRPr lang="en-US" dirty="0"/>
+          </a:p>
+        </p:txBody>
+      </p:sp>
+      <p:sp>
+        <p:nvSpPr>
+          <p:cNvPr id="4" name="Rectangle 3"/>
+          <p:cNvSpPr/>
+          <p:nvPr/>
+        </p:nvSpPr>
+        <p:spPr>
+          <a:xfrm>
+            <a:off x="583551" y="6300801"/>
+            <a:ext cx="1739516" cy="369332"/>
+          </a:xfrm>
+          <a:prstGeom prst="rect">
+            <a:avLst/>
+          </a:prstGeom>
+        </p:spPr>
+        <p:txBody>
+          <a:bodyPr wrap="none">
+            <a:spAutoFit/>
+          </a:bodyPr>
+          <a:lstStyle/>
+          <a:p>
+            <a:r>
+              <a:rPr lang="en-US" b="1" dirty="0">
+                <a:solidFill>
+                  <a:schemeClr val="tx2"/>
+                </a:solidFill>
+              </a:rPr>
+              <a:t>Exercise 2 : time</a:t>
+            </a:r>
           </a:p>
         </p:txBody>
       </p:sp>

--- a/Lectures/Lecture_1.pptx
+++ b/Lectures/Lecture_1.pptx
@@ -5991,12 +5991,12 @@
         <p:spPr>
           <a:xfrm>
             <a:off x="457200" y="1417638"/>
-            <a:ext cx="8229600" cy="5245948"/>
+            <a:ext cx="8229600" cy="4593695"/>
           </a:xfrm>
         </p:spPr>
         <p:txBody>
           <a:bodyPr>
-            <a:normAutofit/>
+            <a:normAutofit fontScale="92500" lnSpcReduction="10000"/>
           </a:bodyPr>
           <a:lstStyle/>
           <a:p>
@@ -6227,6 +6227,67 @@
             <a:endParaRPr lang="en-US" b="1" dirty="0" smtClean="0">
               <a:latin typeface="Courier"/>
               <a:cs typeface="Courier"/>
+            </a:endParaRPr>
+          </a:p>
+        </p:txBody>
+      </p:sp>
+      <p:sp>
+        <p:nvSpPr>
+          <p:cNvPr id="4" name="Rectangle 3"/>
+          <p:cNvSpPr/>
+          <p:nvPr/>
+        </p:nvSpPr>
+        <p:spPr>
+          <a:xfrm>
+            <a:off x="583551" y="6300801"/>
+            <a:ext cx="2060743" cy="369332"/>
+          </a:xfrm>
+          <a:prstGeom prst="rect">
+            <a:avLst/>
+          </a:prstGeom>
+        </p:spPr>
+        <p:txBody>
+          <a:bodyPr wrap="none">
+            <a:spAutoFit/>
+          </a:bodyPr>
+          <a:lstStyle/>
+          <a:p>
+            <a:r>
+              <a:rPr lang="en-US" b="1" dirty="0">
+                <a:solidFill>
+                  <a:schemeClr val="tx2"/>
+                </a:solidFill>
+              </a:rPr>
+              <a:t>Exercise </a:t>
+            </a:r>
+            <a:r>
+              <a:rPr lang="en-US" b="1" dirty="0" smtClean="0">
+                <a:solidFill>
+                  <a:schemeClr val="tx2"/>
+                </a:solidFill>
+              </a:rPr>
+              <a:t>5 </a:t>
+            </a:r>
+            <a:r>
+              <a:rPr lang="en-US" b="1" dirty="0">
+                <a:solidFill>
+                  <a:schemeClr val="tx2"/>
+                </a:solidFill>
+              </a:rPr>
+              <a:t>: </a:t>
+            </a:r>
+            <a:r>
+              <a:rPr lang="en-US" b="1" dirty="0" err="1" smtClean="0">
+                <a:solidFill>
+                  <a:schemeClr val="tx2"/>
+                </a:solidFill>
+              </a:rPr>
+              <a:t>Dataobj</a:t>
+            </a:r>
+            <a:endParaRPr lang="en-US" b="1" dirty="0">
+              <a:solidFill>
+                <a:schemeClr val="tx2"/>
+              </a:solidFill>
             </a:endParaRPr>
           </a:p>
         </p:txBody>
@@ -6252,7 +6313,7 @@
 </file>
 
 <file path=ppt/slides/slide15.xml><?xml version="1.0" encoding="utf-8"?>
-<p:sld xmlns:a="http://schemas.openxmlformats.org/drawingml/2006/main" xmlns:r="http://schemas.openxmlformats.org/officeDocument/2006/relationships" xmlns:p="http://schemas.openxmlformats.org/presentationml/2006/main">
+<p:sld xmlns:a="http://schemas.openxmlformats.org/drawingml/2006/main" xmlns:r="http://schemas.openxmlformats.org/officeDocument/2006/relationships" xmlns:p="http://schemas.openxmlformats.org/presentationml/2006/main" show="0">
   <p:cSld>
     <p:spTree>
       <p:nvGrpSpPr>
@@ -6285,7 +6346,11 @@
           <a:p>
             <a:r>
               <a:rPr lang="en-US" dirty="0" smtClean="0"/>
-              <a:t>Exercise 3</a:t>
+              <a:t>Exercise </a:t>
+            </a:r>
+            <a:r>
+              <a:rPr lang="en-US" dirty="0" smtClean="0"/>
+              <a:t>5</a:t>
             </a:r>
             <a:endParaRPr lang="en-US" dirty="0"/>
           </a:p>
@@ -7146,6 +7211,14 @@
   <p:clrMapOvr>
     <a:masterClrMapping/>
   </p:clrMapOvr>
+  <mc:AlternateContent xmlns:mc="http://schemas.openxmlformats.org/markup-compatibility/2006">
+    <mc:Choice xmlns:p14="http://schemas.microsoft.com/office/powerpoint/2010/main" Requires="p14">
+      <p:transition spd="slow" p14:dur="2000"/>
+    </mc:Choice>
+    <mc:Fallback>
+      <p:transition xmlns:p14="http://schemas.microsoft.com/office/powerpoint/2010/main" spd="slow"/>
+    </mc:Fallback>
+  </mc:AlternateContent>
 </p:sld>
 </file>
 
@@ -7182,8 +7255,8 @@
           <a:lstStyle/>
           <a:p>
             <a:r>
-              <a:rPr lang="en-US" dirty="0" smtClean="0"/>
-              <a:t>Assignment 4</a:t>
+              <a:rPr lang="en-US" smtClean="0"/>
+              <a:t>Assignment</a:t>
             </a:r>
             <a:endParaRPr lang="en-US" dirty="0"/>
           </a:p>
@@ -9669,7 +9742,7 @@
 </file>
 
 <file path=ppt/slides/slide6.xml><?xml version="1.0" encoding="utf-8"?>
-<p:sld xmlns:a="http://schemas.openxmlformats.org/drawingml/2006/main" xmlns:r="http://schemas.openxmlformats.org/officeDocument/2006/relationships" xmlns:p="http://schemas.openxmlformats.org/presentationml/2006/main">
+<p:sld xmlns:a="http://schemas.openxmlformats.org/drawingml/2006/main" xmlns:r="http://schemas.openxmlformats.org/officeDocument/2006/relationships" xmlns:p="http://schemas.openxmlformats.org/presentationml/2006/main" show="0">
   <p:cSld>
     <p:spTree>
       <p:nvGrpSpPr>
@@ -10321,11 +10394,19 @@
   <p:clrMapOvr>
     <a:masterClrMapping/>
   </p:clrMapOvr>
+  <mc:AlternateContent xmlns:mc="http://schemas.openxmlformats.org/markup-compatibility/2006">
+    <mc:Choice xmlns:p14="http://schemas.microsoft.com/office/powerpoint/2010/main" Requires="p14">
+      <p:transition spd="slow" p14:dur="2000"/>
+    </mc:Choice>
+    <mc:Fallback>
+      <p:transition xmlns:p14="http://schemas.microsoft.com/office/powerpoint/2010/main" spd="slow"/>
+    </mc:Fallback>
+  </mc:AlternateContent>
 </p:sld>
 </file>
 
 <file path=ppt/slides/slide7.xml><?xml version="1.0" encoding="utf-8"?>
-<p:sld xmlns:a="http://schemas.openxmlformats.org/drawingml/2006/main" xmlns:r="http://schemas.openxmlformats.org/officeDocument/2006/relationships" xmlns:p="http://schemas.openxmlformats.org/presentationml/2006/main">
+<p:sld xmlns:a="http://schemas.openxmlformats.org/drawingml/2006/main" xmlns:r="http://schemas.openxmlformats.org/officeDocument/2006/relationships" xmlns:p="http://schemas.openxmlformats.org/presentationml/2006/main" show="0">
   <p:cSld>
     <p:spTree>
       <p:nvGrpSpPr>
@@ -11398,11 +11479,19 @@
   <p:clrMapOvr>
     <a:masterClrMapping/>
   </p:clrMapOvr>
+  <mc:AlternateContent xmlns:mc="http://schemas.openxmlformats.org/markup-compatibility/2006">
+    <mc:Choice xmlns:p14="http://schemas.microsoft.com/office/powerpoint/2010/main" Requires="p14">
+      <p:transition spd="slow" p14:dur="2000"/>
+    </mc:Choice>
+    <mc:Fallback>
+      <p:transition xmlns:p14="http://schemas.microsoft.com/office/powerpoint/2010/main" spd="slow"/>
+    </mc:Fallback>
+  </mc:AlternateContent>
 </p:sld>
 </file>
 
 <file path=ppt/slides/slide8.xml><?xml version="1.0" encoding="utf-8"?>
-<p:sld xmlns:a="http://schemas.openxmlformats.org/drawingml/2006/main" xmlns:r="http://schemas.openxmlformats.org/officeDocument/2006/relationships" xmlns:p="http://schemas.openxmlformats.org/presentationml/2006/main">
+<p:sld xmlns:a="http://schemas.openxmlformats.org/drawingml/2006/main" xmlns:r="http://schemas.openxmlformats.org/officeDocument/2006/relationships" xmlns:p="http://schemas.openxmlformats.org/presentationml/2006/main" show="0">
   <p:cSld>
     <p:spTree>
       <p:nvGrpSpPr>
@@ -11966,6 +12055,14 @@
   <p:clrMapOvr>
     <a:masterClrMapping/>
   </p:clrMapOvr>
+  <mc:AlternateContent xmlns:mc="http://schemas.openxmlformats.org/markup-compatibility/2006">
+    <mc:Choice xmlns:p14="http://schemas.microsoft.com/office/powerpoint/2010/main" Requires="p14">
+      <p:transition spd="slow" p14:dur="2000"/>
+    </mc:Choice>
+    <mc:Fallback>
+      <p:transition xmlns:p14="http://schemas.microsoft.com/office/powerpoint/2010/main" spd="slow"/>
+    </mc:Fallback>
+  </mc:AlternateContent>
   <p:timing>
     <p:tnLst>
       <p:par>

--- a/Lectures/Lecture_1.pptx
+++ b/Lectures/Lecture_1.pptx
@@ -3243,11 +3243,7 @@
           <a:p>
             <a:r>
               <a:rPr lang="en-US" dirty="0" smtClean="0"/>
-              <a:t>Exercise </a:t>
-            </a:r>
-            <a:r>
-              <a:rPr lang="en-US" dirty="0" smtClean="0"/>
-              <a:t>2 : time</a:t>
+              <a:t>Exercise 2 : time</a:t>
             </a:r>
             <a:endParaRPr lang="en-US" dirty="0"/>
           </a:p>
@@ -4613,11 +4609,7 @@
           <a:p>
             <a:r>
               <a:rPr lang="en-US" dirty="0" smtClean="0"/>
-              <a:t>Exercise </a:t>
-            </a:r>
-            <a:r>
-              <a:rPr lang="en-US" dirty="0" smtClean="0"/>
-              <a:t>3 : </a:t>
+              <a:t>Exercise 3 : </a:t>
             </a:r>
             <a:r>
               <a:rPr lang="en-US" dirty="0" err="1" smtClean="0"/>
@@ -6116,19 +6108,8 @@
                 <a:latin typeface="Courier"/>
                 <a:cs typeface="Courier"/>
               </a:rPr>
-              <a:t> </a:t>
-            </a:r>
-            <a:r>
-              <a:rPr lang="en-US" dirty="0" smtClean="0">
-                <a:latin typeface="Courier"/>
-                <a:cs typeface="Courier"/>
-              </a:rPr>
-              <a:t> </a:t>
-            </a:r>
-            <a:endParaRPr lang="en-US" dirty="0" smtClean="0">
-              <a:latin typeface="Courier"/>
-              <a:cs typeface="Courier"/>
-            </a:endParaRPr>
+              <a:t>  </a:t>
+            </a:r>
           </a:p>
           <a:p>
             <a:pPr marL="0" indent="0">
@@ -6162,14 +6143,7 @@
                 <a:latin typeface="Courier"/>
                 <a:cs typeface="Courier"/>
               </a:rPr>
-              <a:t>&gt;</a:t>
-            </a:r>
-            <a:r>
-              <a:rPr lang="en-US" dirty="0" smtClean="0">
-                <a:latin typeface="Courier"/>
-                <a:cs typeface="Courier"/>
-              </a:rPr>
-              <a:t>&gt; </a:t>
+              <a:t>&gt;&gt; </a:t>
             </a:r>
             <a:r>
               <a:rPr lang="en-US" b="1" dirty="0" err="1" smtClean="0">
@@ -6346,11 +6320,7 @@
           <a:p>
             <a:r>
               <a:rPr lang="en-US" dirty="0" smtClean="0"/>
-              <a:t>Exercise </a:t>
-            </a:r>
-            <a:r>
-              <a:rPr lang="en-US" dirty="0" smtClean="0"/>
-              <a:t>5</a:t>
+              <a:t>Exercise 5</a:t>
             </a:r>
             <a:endParaRPr lang="en-US" dirty="0"/>
           </a:p>
@@ -7288,19 +7258,52 @@
           <a:p>
             <a:r>
               <a:rPr lang="en-US" dirty="0" smtClean="0"/>
-              <a:t>Make </a:t>
-            </a:r>
+              <a:t>Make a plot for C1, 2 panels:</a:t>
+            </a:r>
+          </a:p>
+          <a:p>
+            <a:pPr lvl="1"/>
             <a:r>
               <a:rPr lang="en-US" dirty="0" smtClean="0"/>
-              <a:t>a plot for C1, 2 panels:</a:t>
-            </a:r>
-          </a:p>
-          <a:p>
-            <a:pPr lvl="1"/>
+              <a:t>B and E </a:t>
+            </a:r>
+            <a:r>
+              <a:rPr lang="en-US" dirty="0"/>
+              <a:t>(</a:t>
+            </a:r>
+            <a:r>
+              <a:rPr lang="en-US" dirty="0">
+                <a:latin typeface="Courier"/>
+                <a:cs typeface="Courier"/>
+              </a:rPr>
+              <a:t>'C</a:t>
+            </a:r>
+            <a:r>
+              <a:rPr lang="en-US">
+                <a:latin typeface="Courier"/>
+                <a:cs typeface="Courier"/>
+              </a:rPr>
+              <a:t>?</a:t>
+            </a:r>
+            <a:r>
+              <a:rPr lang="en-US" smtClean="0">
+                <a:latin typeface="Courier"/>
+                <a:cs typeface="Courier"/>
+              </a:rPr>
+              <a:t>_CP_EFW_L2_E3D_GSE</a:t>
+            </a:r>
+            <a:r>
+              <a:rPr lang="en-US" dirty="0" smtClean="0">
+                <a:latin typeface="Courier"/>
+                <a:cs typeface="Courier"/>
+              </a:rPr>
+              <a:t>'</a:t>
+            </a:r>
             <a:r>
               <a:rPr lang="en-US" dirty="0" smtClean="0"/>
-              <a:t>E and B</a:t>
-            </a:r>
+              <a:t>)</a:t>
+            </a:r>
+            <a:endParaRPr lang="en-US" dirty="0" smtClean="0"/>
           </a:p>
           <a:p>
             <a:r>
@@ -9357,11 +9360,7 @@
           <a:p>
             <a:r>
               <a:rPr lang="en-US" dirty="0" smtClean="0"/>
-              <a:t>Exercise </a:t>
-            </a:r>
-            <a:r>
-              <a:rPr lang="en-US" dirty="0" smtClean="0"/>
-              <a:t>1 : CDF</a:t>
+              <a:t>Exercise 1 : CDF</a:t>
             </a:r>
             <a:endParaRPr lang="en-US" dirty="0"/>
           </a:p>
@@ -12224,11 +12223,7 @@
             <a:pPr lvl="1"/>
             <a:r>
               <a:rPr lang="en-US" dirty="0" smtClean="0"/>
-              <a:t>UTC </a:t>
-            </a:r>
-            <a:r>
-              <a:rPr lang="en-US" dirty="0" smtClean="0"/>
-              <a:t>string </a:t>
+              <a:t>UTC string </a:t>
             </a:r>
             <a:r>
               <a:rPr lang="en-US" dirty="0" smtClean="0">
@@ -12339,11 +12334,7 @@
             </a:r>
             <a:r>
               <a:rPr lang="en-US" dirty="0" smtClean="0"/>
-              <a:t> </a:t>
-            </a:r>
-            <a:r>
-              <a:rPr lang="en-US" dirty="0" smtClean="0"/>
-              <a:t>class</a:t>
+              <a:t> class</a:t>
             </a:r>
           </a:p>
           <a:p>
@@ -12354,15 +12345,7 @@
                   <a:schemeClr val="tx2"/>
                 </a:solidFill>
               </a:rPr>
-              <a:t>Terrestrial </a:t>
-            </a:r>
-            <a:r>
-              <a:rPr lang="en-US" dirty="0" smtClean="0">
-                <a:solidFill>
-                  <a:schemeClr val="tx2"/>
-                </a:solidFill>
-              </a:rPr>
-              <a:t>time </a:t>
+              <a:t>Terrestrial time </a:t>
             </a:r>
             <a:r>
               <a:rPr lang="en-US" dirty="0" smtClean="0"/>
